--- a/PPT/关于贝塞尔曲线等速移动问题的说明.pptx
+++ b/PPT/关于贝塞尔曲线等速移动问题的说明.pptx
@@ -4367,6 +4367,38 @@
               </a:rPr>
               <a:t>Wikipedia</a:t>
             </a:r>
+            <a:r>
+              <a:rPr lang="ja-JP" altLang="en-US" dirty="0" smtClean="0">
+                <a:latin typeface="Microsoft YaHei" pitchFamily="34" charset="-122"/>
+                <a:ea typeface="Microsoft YaHei" pitchFamily="34" charset="-122"/>
+              </a:rPr>
+              <a:t> </a:t>
+            </a:r>
+            <a:r>
+              <a:rPr lang="en-US" altLang="ja-JP" dirty="0" smtClean="0">
+                <a:latin typeface="Microsoft YaHei" pitchFamily="34" charset="-122"/>
+                <a:ea typeface="Microsoft YaHei" pitchFamily="34" charset="-122"/>
+              </a:rPr>
+              <a:t>- </a:t>
+            </a:r>
+            <a:r>
+              <a:rPr lang="en-US" altLang="zh-CN" dirty="0" err="1" smtClean="0">
+                <a:latin typeface="Microsoft YaHei" pitchFamily="34" charset="-122"/>
+                <a:ea typeface="Microsoft YaHei" pitchFamily="34" charset="-122"/>
+              </a:rPr>
+              <a:t>Bézier</a:t>
+            </a:r>
+            <a:r>
+              <a:rPr lang="en-US" altLang="zh-CN" dirty="0" smtClean="0">
+                <a:latin typeface="Microsoft YaHei" pitchFamily="34" charset="-122"/>
+                <a:ea typeface="Microsoft YaHei" pitchFamily="34" charset="-122"/>
+              </a:rPr>
+              <a:t> curve</a:t>
+            </a:r>
+            <a:endParaRPr lang="en-US" altLang="zh-CN" dirty="0" smtClean="0">
+              <a:latin typeface="Microsoft YaHei" pitchFamily="34" charset="-122"/>
+              <a:ea typeface="Microsoft YaHei" pitchFamily="34" charset="-122"/>
+            </a:endParaRPr>
           </a:p>
           <a:p>
             <a:pPr marL="852678" lvl="1" indent="-514350">
@@ -4382,15 +4414,7 @@
                 <a:ea typeface="Microsoft YaHei" pitchFamily="34" charset="-122"/>
                 <a:hlinkClick r:id="rId2"/>
               </a:rPr>
-              <a:t>http://</a:t>
-            </a:r>
-            <a:r>
-              <a:rPr lang="en-US" altLang="zh-CN" dirty="0" smtClean="0">
-                <a:latin typeface="Microsoft YaHei" pitchFamily="34" charset="-122"/>
-                <a:ea typeface="Microsoft YaHei" pitchFamily="34" charset="-122"/>
-                <a:hlinkClick r:id="rId2"/>
-              </a:rPr>
-              <a:t>en.wikipedia.org/wiki/B%C3%A9zier_curve</a:t>
+              <a:t>http://en.wikipedia.org/wiki/B%C3%A9zier_curve</a:t>
             </a:r>
             <a:endParaRPr lang="en-US" altLang="zh-CN" dirty="0" smtClean="0">
               <a:latin typeface="Microsoft YaHei" pitchFamily="34" charset="-122"/>
@@ -4423,7 +4447,7 @@
                 <a:latin typeface="Microsoft YaHei" pitchFamily="34" charset="-122"/>
                 <a:ea typeface="Microsoft YaHei" pitchFamily="34" charset="-122"/>
               </a:rPr>
-              <a:t>贝塞尔曲线等速移动解决方案</a:t>
+              <a:t>贝塞尔曲线等速移动问题的解决方案</a:t>
             </a:r>
             <a:endParaRPr lang="en-US" altLang="zh-CN" dirty="0" smtClean="0">
               <a:latin typeface="Microsoft YaHei" pitchFamily="34" charset="-122"/>
@@ -4444,7 +4468,7 @@
                 <a:ea typeface="Microsoft YaHei" pitchFamily="34" charset="-122"/>
                 <a:hlinkClick r:id="rId3"/>
               </a:rPr>
-              <a:t>http://</a:t>
+              <a:t>http</a:t>
             </a:r>
             <a:r>
               <a:rPr lang="en-US" altLang="zh-CN" dirty="0" smtClean="0">
@@ -4452,7 +4476,7 @@
                 <a:ea typeface="Microsoft YaHei" pitchFamily="34" charset="-122"/>
                 <a:hlinkClick r:id="rId3"/>
               </a:rPr>
-              <a:t>gamedev.stackexchange.com/questions/27056/how-to-achieve-uniform-speed-of-movement-on-a-bezier-curve</a:t>
+              <a:t>://gamedev.stackexchange.com/questions/27056/how-to-achieve-uniform-speed-of-movement-on-a-bezier-curve</a:t>
             </a:r>
             <a:endParaRPr lang="en-US" altLang="zh-CN" dirty="0" smtClean="0">
               <a:latin typeface="Microsoft YaHei" pitchFamily="34" charset="-122"/>
@@ -4585,14 +4609,7 @@
                 <a:latin typeface="Microsoft YaHei" pitchFamily="34" charset="-122"/>
                 <a:ea typeface="Microsoft YaHei" pitchFamily="34" charset="-122"/>
               </a:rPr>
-              <a:t>）简</a:t>
-            </a:r>
-            <a:r>
-              <a:rPr lang="zh-CN" altLang="en-US" dirty="0" smtClean="0">
-                <a:latin typeface="Microsoft YaHei" pitchFamily="34" charset="-122"/>
-                <a:ea typeface="Microsoft YaHei" pitchFamily="34" charset="-122"/>
-              </a:rPr>
-              <a:t>介</a:t>
+              <a:t>）简介</a:t>
             </a:r>
             <a:endParaRPr lang="en-US" altLang="zh-CN" dirty="0" smtClean="0">
               <a:latin typeface="Microsoft YaHei" pitchFamily="34" charset="-122"/>
@@ -4644,9 +4661,8 @@
                 <a:solidFill>
                   <a:schemeClr val="tx1"/>
                 </a:solidFill>
-                <a:latin typeface="+mn-lt"/>
-                <a:ea typeface="+mn-ea"/>
-                <a:cs typeface="+mn-cs"/>
+                <a:latin typeface="Microsoft YaHei" pitchFamily="34" charset="-122"/>
+                <a:ea typeface="Microsoft YaHei" pitchFamily="34" charset="-122"/>
               </a:rPr>
               <a:t>贝塞尔曲线的实际应用</a:t>
             </a:r>
@@ -4668,14 +4684,7 @@
                 <a:latin typeface="Microsoft YaHei" pitchFamily="34" charset="-122"/>
                 <a:ea typeface="Microsoft YaHei" pitchFamily="34" charset="-122"/>
               </a:rPr>
-              <a:t>利用程序实现贝塞尔曲线</a:t>
-            </a:r>
-            <a:r>
-              <a:rPr lang="zh-CN" altLang="en-US" dirty="0" smtClean="0">
-                <a:latin typeface="Microsoft YaHei" pitchFamily="34" charset="-122"/>
-                <a:ea typeface="Microsoft YaHei" pitchFamily="34" charset="-122"/>
-              </a:rPr>
-              <a:t>的运算</a:t>
+              <a:t>利用程序实现贝塞尔曲线的运算</a:t>
             </a:r>
             <a:endParaRPr lang="en-US" altLang="zh-CN" dirty="0" smtClean="0">
               <a:latin typeface="Microsoft YaHei" pitchFamily="34" charset="-122"/>
@@ -5157,46 +5166,39 @@
               <a:buChar char="•"/>
             </a:pPr>
             <a:r>
+              <a:rPr lang="en-US" altLang="ja-JP" dirty="0" smtClean="0">
+                <a:latin typeface="Microsoft YaHei" pitchFamily="34" charset="-122"/>
+                <a:ea typeface="Microsoft YaHei" pitchFamily="34" charset="-122"/>
+              </a:rPr>
+              <a:t>1959</a:t>
+            </a:r>
+            <a:r>
+              <a:rPr lang="zh-CN" altLang="en-US" dirty="0" smtClean="0">
+                <a:latin typeface="Microsoft YaHei" pitchFamily="34" charset="-122"/>
+                <a:ea typeface="Microsoft YaHei" pitchFamily="34" charset="-122"/>
+              </a:rPr>
+              <a:t>年，就职于雪铁龙汽车公司的法国物理数学学家</a:t>
+            </a:r>
+            <a:r>
               <a:rPr lang="en-US" altLang="zh-CN" dirty="0" smtClean="0">
                 <a:latin typeface="Microsoft YaHei" pitchFamily="34" charset="-122"/>
                 <a:ea typeface="Microsoft YaHei" pitchFamily="34" charset="-122"/>
               </a:rPr>
-              <a:t>1962</a:t>
+              <a:t>Paul de </a:t>
+            </a:r>
+            <a:r>
+              <a:rPr lang="en-US" altLang="zh-CN" dirty="0" err="1" smtClean="0">
+                <a:latin typeface="Microsoft YaHei" pitchFamily="34" charset="-122"/>
+                <a:ea typeface="Microsoft YaHei" pitchFamily="34" charset="-122"/>
+              </a:rPr>
+              <a:t>Casteljau</a:t>
             </a:r>
             <a:r>
               <a:rPr lang="zh-CN" altLang="en-US" dirty="0" smtClean="0">
                 <a:latin typeface="Microsoft YaHei" pitchFamily="34" charset="-122"/>
                 <a:ea typeface="Microsoft YaHei" pitchFamily="34" charset="-122"/>
               </a:rPr>
-              <a:t>年</a:t>
-            </a:r>
-            <a:r>
-              <a:rPr lang="zh-CN" altLang="en-US" dirty="0" smtClean="0">
-                <a:latin typeface="Microsoft YaHei" pitchFamily="34" charset="-122"/>
-                <a:ea typeface="Microsoft YaHei" pitchFamily="34" charset="-122"/>
-              </a:rPr>
-              <a:t>由法国工程师</a:t>
-            </a:r>
-            <a:r>
-              <a:rPr lang="en-US" altLang="zh-CN" dirty="0" smtClean="0">
-                <a:latin typeface="Microsoft YaHei" pitchFamily="34" charset="-122"/>
-                <a:ea typeface="Microsoft YaHei" pitchFamily="34" charset="-122"/>
-              </a:rPr>
-              <a:t>Pierre </a:t>
-            </a:r>
-            <a:r>
-              <a:rPr lang="en-US" altLang="zh-CN" dirty="0" err="1" smtClean="0">
-                <a:latin typeface="Microsoft YaHei" pitchFamily="34" charset="-122"/>
-                <a:ea typeface="Microsoft YaHei" pitchFamily="34" charset="-122"/>
-              </a:rPr>
-              <a:t>Bézier</a:t>
-            </a:r>
-            <a:r>
-              <a:rPr lang="zh-CN" altLang="en-US" dirty="0" smtClean="0">
-                <a:latin typeface="Microsoft YaHei" pitchFamily="34" charset="-122"/>
-                <a:ea typeface="Microsoft YaHei" pitchFamily="34" charset="-122"/>
-              </a:rPr>
-              <a:t>发表</a:t>
+              <a:t>开发了此曲线算法，但是未公诸于世</a:t>
             </a:r>
             <a:endParaRPr lang="en-US" altLang="zh-CN" dirty="0" smtClean="0">
               <a:latin typeface="Microsoft YaHei" pitchFamily="34" charset="-122"/>
@@ -5216,6 +5218,20 @@
                 <a:latin typeface="Microsoft YaHei" pitchFamily="34" charset="-122"/>
                 <a:ea typeface="Microsoft YaHei" pitchFamily="34" charset="-122"/>
               </a:rPr>
+              <a:t>1962</a:t>
+            </a:r>
+            <a:r>
+              <a:rPr lang="zh-CN" altLang="en-US" dirty="0" smtClean="0">
+                <a:latin typeface="Microsoft YaHei" pitchFamily="34" charset="-122"/>
+                <a:ea typeface="Microsoft YaHei" pitchFamily="34" charset="-122"/>
+              </a:rPr>
+              <a:t>年，就职于法国雷诺汽车公司的法国工程师</a:t>
+            </a:r>
+            <a:r>
+              <a:rPr lang="en-US" altLang="zh-CN" dirty="0" smtClean="0">
+                <a:latin typeface="Microsoft YaHei" pitchFamily="34" charset="-122"/>
+                <a:ea typeface="Microsoft YaHei" pitchFamily="34" charset="-122"/>
+              </a:rPr>
               <a:t>Pierre </a:t>
             </a:r>
             <a:r>
@@ -5230,14 +5246,28 @@
                 <a:latin typeface="Microsoft YaHei" pitchFamily="34" charset="-122"/>
                 <a:ea typeface="Microsoft YaHei" pitchFamily="34" charset="-122"/>
               </a:rPr>
-              <a:t>就职于法国雷诺汽车</a:t>
-            </a:r>
-            <a:r>
-              <a:rPr lang="zh-CN" altLang="en-US" dirty="0" smtClean="0">
-                <a:latin typeface="Microsoft YaHei" pitchFamily="34" charset="-122"/>
-                <a:ea typeface="Microsoft YaHei" pitchFamily="34" charset="-122"/>
-              </a:rPr>
-              <a:t>公司</a:t>
+              <a:t>公开发表了</a:t>
+            </a:r>
+            <a:r>
+              <a:rPr lang="en-US" altLang="zh-CN" sz="3200" dirty="0" err="1" smtClean="0">
+                <a:latin typeface="Microsoft YaHei" pitchFamily="34" charset="-122"/>
+                <a:ea typeface="Microsoft YaHei" pitchFamily="34" charset="-122"/>
+              </a:rPr>
+              <a:t>Bézier</a:t>
+            </a:r>
+            <a:r>
+              <a:rPr lang="en-US" altLang="zh-CN" sz="3200" dirty="0" smtClean="0">
+                <a:latin typeface="Microsoft YaHei" pitchFamily="34" charset="-122"/>
+                <a:ea typeface="Microsoft YaHei" pitchFamily="34" charset="-122"/>
+              </a:rPr>
+              <a:t> curve</a:t>
+            </a:r>
+            <a:r>
+              <a:rPr lang="zh-CN" altLang="en-US" sz="3200" dirty="0" smtClean="0">
+                <a:latin typeface="Microsoft YaHei" pitchFamily="34" charset="-122"/>
+                <a:ea typeface="Microsoft YaHei" pitchFamily="34" charset="-122"/>
+              </a:rPr>
+              <a:t>算法，故此曲线被命名为贝塞尔曲线</a:t>
             </a:r>
             <a:endParaRPr lang="en-US" altLang="zh-CN" dirty="0" smtClean="0">
               <a:latin typeface="Microsoft YaHei" pitchFamily="34" charset="-122"/>
@@ -5257,14 +5287,7 @@
                 <a:latin typeface="Microsoft YaHei" pitchFamily="34" charset="-122"/>
                 <a:ea typeface="Microsoft YaHei" pitchFamily="34" charset="-122"/>
               </a:rPr>
-              <a:t>当时贝塞尔曲线主要用于汽车车</a:t>
-            </a:r>
-            <a:r>
-              <a:rPr lang="zh-CN" altLang="en-US" dirty="0" smtClean="0">
-                <a:latin typeface="Microsoft YaHei" pitchFamily="34" charset="-122"/>
-                <a:ea typeface="Microsoft YaHei" pitchFamily="34" charset="-122"/>
-              </a:rPr>
-              <a:t>体的设计</a:t>
+              <a:t>当时贝塞尔曲线主要用于汽车车体的设计</a:t>
             </a:r>
             <a:endParaRPr lang="en-US" altLang="zh-CN" dirty="0" smtClean="0">
               <a:latin typeface="Microsoft YaHei" pitchFamily="34" charset="-122"/>
@@ -5342,15 +5365,33 @@
                                   </p:childTnLst>
                                 </p:cTn>
                               </p:par>
+                            </p:childTnLst>
+                          </p:cTn>
+                        </p:par>
+                      </p:childTnLst>
+                    </p:cTn>
+                  </p:par>
+                  <p:par>
+                    <p:cTn id="8" fill="hold">
+                      <p:stCondLst>
+                        <p:cond delay="indefinite"/>
+                      </p:stCondLst>
+                      <p:childTnLst>
+                        <p:par>
+                          <p:cTn id="9" fill="hold">
+                            <p:stCondLst>
+                              <p:cond delay="0"/>
+                            </p:stCondLst>
+                            <p:childTnLst>
                               <p:par>
-                                <p:cTn id="8" presetID="18" presetClass="entr" presetSubtype="6" fill="hold" grpId="0" nodeType="withEffect">
+                                <p:cTn id="10" presetID="18" presetClass="entr" presetSubtype="6" fill="hold" grpId="0" nodeType="clickEffect">
                                   <p:stCondLst>
                                     <p:cond delay="0"/>
                                   </p:stCondLst>
                                   <p:childTnLst>
                                     <p:set>
                                       <p:cBhvr>
-                                        <p:cTn id="9" dur="1" fill="hold">
+                                        <p:cTn id="11" dur="1" fill="hold">
                                           <p:stCondLst>
                                             <p:cond delay="0"/>
                                           </p:stCondLst>
@@ -5372,7 +5413,7 @@
                                     </p:set>
                                     <p:animEffect transition="in" filter="strips(downRight)">
                                       <p:cBhvr>
-                                        <p:cTn id="10" dur="500"/>
+                                        <p:cTn id="12" dur="500"/>
                                         <p:tgtEl>
                                           <p:spTgt spid="3">
                                             <p:txEl>
@@ -5385,15 +5426,33 @@
                                   </p:childTnLst>
                                 </p:cTn>
                               </p:par>
+                            </p:childTnLst>
+                          </p:cTn>
+                        </p:par>
+                      </p:childTnLst>
+                    </p:cTn>
+                  </p:par>
+                  <p:par>
+                    <p:cTn id="13" fill="hold">
+                      <p:stCondLst>
+                        <p:cond delay="indefinite"/>
+                      </p:stCondLst>
+                      <p:childTnLst>
+                        <p:par>
+                          <p:cTn id="14" fill="hold">
+                            <p:stCondLst>
+                              <p:cond delay="0"/>
+                            </p:stCondLst>
+                            <p:childTnLst>
                               <p:par>
-                                <p:cTn id="11" presetID="18" presetClass="entr" presetSubtype="6" fill="hold" grpId="0" nodeType="withEffect">
+                                <p:cTn id="15" presetID="18" presetClass="entr" presetSubtype="6" fill="hold" grpId="0" nodeType="clickEffect">
                                   <p:stCondLst>
                                     <p:cond delay="0"/>
                                   </p:stCondLst>
                                   <p:childTnLst>
                                     <p:set>
                                       <p:cBhvr>
-                                        <p:cTn id="12" dur="1" fill="hold">
+                                        <p:cTn id="16" dur="1" fill="hold">
                                           <p:stCondLst>
                                             <p:cond delay="0"/>
                                           </p:stCondLst>
@@ -5415,7 +5474,7 @@
                                     </p:set>
                                     <p:animEffect transition="in" filter="strips(downRight)">
                                       <p:cBhvr>
-                                        <p:cTn id="13" dur="500"/>
+                                        <p:cTn id="17" dur="500"/>
                                         <p:tgtEl>
                                           <p:spTgt spid="3">
                                             <p:txEl>
@@ -6697,14 +6756,7 @@
                 <a:latin typeface="Microsoft YaHei" pitchFamily="34" charset="-122"/>
                 <a:ea typeface="Microsoft YaHei" pitchFamily="34" charset="-122"/>
               </a:rPr>
-              <a:t>ourth-order </a:t>
-            </a:r>
-            <a:r>
-              <a:rPr lang="en-US" altLang="ja-JP" sz="2400" b="1" dirty="0" smtClean="0">
-                <a:latin typeface="Microsoft YaHei" pitchFamily="34" charset="-122"/>
-                <a:ea typeface="Microsoft YaHei" pitchFamily="34" charset="-122"/>
-              </a:rPr>
-              <a:t>curves</a:t>
+              <a:t>ourth-order curves</a:t>
             </a:r>
             <a:endParaRPr kumimoji="1" lang="ja-JP" altLang="en-US" sz="2400" dirty="0">
               <a:latin typeface="Microsoft YaHei" pitchFamily="34" charset="-122"/>
@@ -6740,14 +6792,7 @@
                 <a:latin typeface="Microsoft YaHei" pitchFamily="34" charset="-122"/>
                 <a:ea typeface="Microsoft YaHei" pitchFamily="34" charset="-122"/>
               </a:rPr>
-              <a:t>Fifth-order </a:t>
-            </a:r>
-            <a:r>
-              <a:rPr lang="en-US" altLang="zh-CN" sz="2400" b="1" dirty="0" smtClean="0">
-                <a:latin typeface="Microsoft YaHei" pitchFamily="34" charset="-122"/>
-                <a:ea typeface="Microsoft YaHei" pitchFamily="34" charset="-122"/>
-              </a:rPr>
-              <a:t>curves</a:t>
+              <a:t>Fifth-order curves</a:t>
             </a:r>
             <a:endParaRPr kumimoji="1" lang="ja-JP" altLang="en-US" sz="2400" dirty="0">
               <a:latin typeface="Microsoft YaHei" pitchFamily="34" charset="-122"/>
@@ -7109,6 +7154,10 @@
           </p:nvPr>
         </p:nvSpPr>
         <p:spPr>
+          <a:xfrm>
+            <a:off x="467544" y="1600200"/>
+            <a:ext cx="7467600" cy="4525963"/>
+          </a:xfrm>
           <a:noFill/>
         </p:spPr>
         <p:txBody>
@@ -7156,14 +7205,7 @@
                 <a:latin typeface="Microsoft YaHei" pitchFamily="34" charset="-122"/>
                 <a:ea typeface="Microsoft YaHei" pitchFamily="34" charset="-122"/>
               </a:rPr>
-              <a:t>－ナルト－ </a:t>
-            </a:r>
-            <a:r>
-              <a:rPr lang="ja-JP" altLang="en-US" dirty="0" smtClean="0">
-                <a:latin typeface="Microsoft YaHei" pitchFamily="34" charset="-122"/>
-                <a:ea typeface="Microsoft YaHei" pitchFamily="34" charset="-122"/>
-              </a:rPr>
-              <a:t>疾風伝 ナルティメットストーム</a:t>
+              <a:t>－ナルト－ 疾風伝 ナルティメットストーム</a:t>
             </a:r>
             <a:r>
               <a:rPr lang="en-US" altLang="ja-JP" dirty="0" smtClean="0">
@@ -7189,14 +7231,14 @@
               <a:t>傀儡师的查克拉线</a:t>
             </a:r>
             <a:r>
-              <a:rPr lang="en-US" altLang="zh-CN" dirty="0" smtClean="0">
-                <a:latin typeface="Microsoft YaHei" pitchFamily="34" charset="-122"/>
-                <a:ea typeface="Microsoft YaHei" pitchFamily="34" charset="-122"/>
-              </a:rPr>
-              <a:t> </a:t>
-            </a:r>
-            <a:r>
-              <a:rPr lang="en-US" altLang="zh-CN" dirty="0" smtClean="0">
+              <a:rPr lang="ja-JP" altLang="en-US" dirty="0" smtClean="0">
+                <a:latin typeface="Microsoft YaHei" pitchFamily="34" charset="-122"/>
+                <a:ea typeface="Microsoft YaHei" pitchFamily="34" charset="-122"/>
+              </a:rPr>
+              <a:t>　</a:t>
+            </a:r>
+            <a:r>
+              <a:rPr lang="en-US" altLang="ja-JP" dirty="0" smtClean="0">
                 <a:latin typeface="Microsoft YaHei" pitchFamily="34" charset="-122"/>
                 <a:ea typeface="Microsoft YaHei" pitchFamily="34" charset="-122"/>
                 <a:hlinkClick r:id="rId2" action="ppaction://hlinkfile"/>

--- a/PPT/关于贝塞尔曲线等速移动问题的说明.pptx
+++ b/PPT/关于贝塞尔曲线等速移动问题的说明.pptx
@@ -14,8 +14,12 @@
     <p:sldId id="267" r:id="rId8"/>
     <p:sldId id="264" r:id="rId9"/>
     <p:sldId id="260" r:id="rId10"/>
-    <p:sldId id="262" r:id="rId11"/>
-    <p:sldId id="263" r:id="rId12"/>
+    <p:sldId id="268" r:id="rId11"/>
+    <p:sldId id="269" r:id="rId12"/>
+    <p:sldId id="262" r:id="rId13"/>
+    <p:sldId id="270" r:id="rId14"/>
+    <p:sldId id="271" r:id="rId15"/>
+    <p:sldId id="263" r:id="rId16"/>
   </p:sldIdLst>
   <p:sldSz cx="9144000" cy="6858000" type="screen4x3"/>
   <p:notesSz cx="6858000" cy="9144000"/>
@@ -502,7 +506,7 @@
             <a:fld id="{E20B4397-2770-4958-8C9D-0938080BB29A}" type="datetimeFigureOut">
               <a:rPr kumimoji="1" lang="ja-JP" altLang="en-US" smtClean="0"/>
               <a:pPr/>
-              <a:t>2014/7/6</a:t>
+              <a:t>2014/7/7</a:t>
             </a:fld>
             <a:endParaRPr kumimoji="1" lang="ja-JP" altLang="en-US"/>
           </a:p>
@@ -701,7 +705,7 @@
             <a:fld id="{E20B4397-2770-4958-8C9D-0938080BB29A}" type="datetimeFigureOut">
               <a:rPr kumimoji="1" lang="ja-JP" altLang="en-US" smtClean="0"/>
               <a:pPr/>
-              <a:t>2014/7/6</a:t>
+              <a:t>2014/7/7</a:t>
             </a:fld>
             <a:endParaRPr kumimoji="1" lang="ja-JP" altLang="en-US"/>
           </a:p>
@@ -910,7 +914,7 @@
             <a:fld id="{E20B4397-2770-4958-8C9D-0938080BB29A}" type="datetimeFigureOut">
               <a:rPr kumimoji="1" lang="ja-JP" altLang="en-US" smtClean="0"/>
               <a:pPr/>
-              <a:t>2014/7/6</a:t>
+              <a:t>2014/7/7</a:t>
             </a:fld>
             <a:endParaRPr kumimoji="1" lang="ja-JP" altLang="en-US"/>
           </a:p>
@@ -1113,7 +1117,7 @@
             <a:fld id="{E20B4397-2770-4958-8C9D-0938080BB29A}" type="datetimeFigureOut">
               <a:rPr kumimoji="1" lang="ja-JP" altLang="en-US" smtClean="0"/>
               <a:pPr/>
-              <a:t>2014/7/6</a:t>
+              <a:t>2014/7/7</a:t>
             </a:fld>
             <a:endParaRPr kumimoji="1" lang="ja-JP" altLang="en-US"/>
           </a:p>
@@ -1570,7 +1574,7 @@
             <a:fld id="{E20B4397-2770-4958-8C9D-0938080BB29A}" type="datetimeFigureOut">
               <a:rPr kumimoji="1" lang="ja-JP" altLang="en-US" smtClean="0"/>
               <a:pPr/>
-              <a:t>2014/7/6</a:t>
+              <a:t>2014/7/7</a:t>
             </a:fld>
             <a:endParaRPr kumimoji="1" lang="ja-JP" altLang="en-US"/>
           </a:p>
@@ -1900,7 +1904,7 @@
             <a:fld id="{E20B4397-2770-4958-8C9D-0938080BB29A}" type="datetimeFigureOut">
               <a:rPr kumimoji="1" lang="ja-JP" altLang="en-US" smtClean="0"/>
               <a:pPr/>
-              <a:t>2014/7/6</a:t>
+              <a:t>2014/7/7</a:t>
             </a:fld>
             <a:endParaRPr kumimoji="1" lang="ja-JP" altLang="en-US"/>
           </a:p>
@@ -2340,7 +2344,7 @@
             <a:fld id="{E20B4397-2770-4958-8C9D-0938080BB29A}" type="datetimeFigureOut">
               <a:rPr kumimoji="1" lang="ja-JP" altLang="en-US" smtClean="0"/>
               <a:pPr/>
-              <a:t>2014/7/6</a:t>
+              <a:t>2014/7/7</a:t>
             </a:fld>
             <a:endParaRPr kumimoji="1" lang="ja-JP" altLang="en-US"/>
           </a:p>
@@ -2464,7 +2468,7 @@
             <a:fld id="{E20B4397-2770-4958-8C9D-0938080BB29A}" type="datetimeFigureOut">
               <a:rPr kumimoji="1" lang="ja-JP" altLang="en-US" smtClean="0"/>
               <a:pPr/>
-              <a:t>2014/7/6</a:t>
+              <a:t>2014/7/7</a:t>
             </a:fld>
             <a:endParaRPr kumimoji="1" lang="ja-JP" altLang="en-US"/>
           </a:p>
@@ -2556,7 +2560,7 @@
             <a:fld id="{E20B4397-2770-4958-8C9D-0938080BB29A}" type="datetimeFigureOut">
               <a:rPr kumimoji="1" lang="ja-JP" altLang="en-US" smtClean="0"/>
               <a:pPr/>
-              <a:t>2014/7/6</a:t>
+              <a:t>2014/7/7</a:t>
             </a:fld>
             <a:endParaRPr kumimoji="1" lang="ja-JP" altLang="en-US"/>
           </a:p>
@@ -2839,7 +2843,7 @@
             <a:fld id="{E20B4397-2770-4958-8C9D-0938080BB29A}" type="datetimeFigureOut">
               <a:rPr kumimoji="1" lang="ja-JP" altLang="en-US" smtClean="0"/>
               <a:pPr/>
-              <a:t>2014/7/6</a:t>
+              <a:t>2014/7/7</a:t>
             </a:fld>
             <a:endParaRPr kumimoji="1" lang="ja-JP" altLang="en-US"/>
           </a:p>
@@ -3100,7 +3104,7 @@
             <a:fld id="{E20B4397-2770-4958-8C9D-0938080BB29A}" type="datetimeFigureOut">
               <a:rPr kumimoji="1" lang="ja-JP" altLang="en-US" smtClean="0"/>
               <a:pPr/>
-              <a:t>2014/7/6</a:t>
+              <a:t>2014/7/7</a:t>
             </a:fld>
             <a:endParaRPr kumimoji="1" lang="ja-JP" altLang="en-US"/>
           </a:p>
@@ -3538,7 +3542,7 @@
             <a:fld id="{E20B4397-2770-4958-8C9D-0938080BB29A}" type="datetimeFigureOut">
               <a:rPr kumimoji="1" lang="ja-JP" altLang="en-US" smtClean="0"/>
               <a:pPr/>
-              <a:t>2014/7/6</a:t>
+              <a:t>2014/7/7</a:t>
             </a:fld>
             <a:endParaRPr kumimoji="1" lang="ja-JP" altLang="en-US"/>
           </a:p>
@@ -4041,7 +4045,7 @@
                 <a:latin typeface="Microsoft YaHei" pitchFamily="34" charset="-122"/>
                 <a:ea typeface="Microsoft YaHei" pitchFamily="34" charset="-122"/>
               </a:rPr>
-              <a:t>关于贝塞尔曲线等速</a:t>
+              <a:t>关于贝塞尔曲线匀速</a:t>
             </a:r>
             <a:r>
               <a:rPr lang="en-US" altLang="zh-CN" b="0" cap="none" dirty="0" smtClean="0">
@@ -4206,33 +4210,29 @@
             <p:ph type="title"/>
           </p:nvPr>
         </p:nvSpPr>
-        <p:spPr>
-          <a:xfrm>
-            <a:off x="457200" y="274638"/>
-            <a:ext cx="8507288" cy="1143000"/>
-          </a:xfrm>
-        </p:spPr>
+        <p:spPr/>
         <p:txBody>
           <a:bodyPr>
-            <a:normAutofit fontScale="90000"/>
+            <a:noAutofit/>
           </a:bodyPr>
           <a:lstStyle/>
           <a:p>
-            <a:r>
-              <a:rPr kumimoji="1" lang="en-US" altLang="ja-JP" sz="4000" dirty="0" smtClean="0">
-                <a:latin typeface="Microsoft YaHei" pitchFamily="34" charset="-122"/>
-                <a:ea typeface="Microsoft YaHei" pitchFamily="34" charset="-122"/>
-              </a:rPr>
-              <a:t>5. </a:t>
-            </a:r>
-            <a:r>
-              <a:rPr lang="zh-CN" altLang="en-US" sz="4000" dirty="0" smtClean="0">
-                <a:latin typeface="Microsoft YaHei" pitchFamily="34" charset="-122"/>
-                <a:ea typeface="Microsoft YaHei" pitchFamily="34" charset="-122"/>
-              </a:rPr>
-              <a:t>贝塞尔曲线等速移动问题的解决方案</a:t>
-            </a:r>
-            <a:endParaRPr kumimoji="1" lang="ja-JP" altLang="en-US" dirty="0">
+            <a:pPr marL="550926" indent="-514350"/>
+            <a:r>
+              <a:rPr kumimoji="1" lang="en-US" altLang="ja-JP" sz="3600" dirty="0" smtClean="0">
+                <a:latin typeface="Microsoft YaHei" pitchFamily="34" charset="-122"/>
+                <a:ea typeface="Microsoft YaHei" pitchFamily="34" charset="-122"/>
+              </a:rPr>
+              <a:t>4. </a:t>
+            </a:r>
+            <a:r>
+              <a:rPr lang="zh-CN" altLang="en-US" sz="3600" dirty="0" smtClean="0">
+                <a:latin typeface="Microsoft YaHei" pitchFamily="34" charset="-122"/>
+                <a:ea typeface="Microsoft YaHei" pitchFamily="34" charset="-122"/>
+              </a:rPr>
+              <a:t>利用程序实现贝塞尔曲线的运算</a:t>
+            </a:r>
+            <a:endParaRPr lang="en-US" altLang="zh-CN" sz="3600" dirty="0" smtClean="0">
               <a:latin typeface="Microsoft YaHei" pitchFamily="34" charset="-122"/>
               <a:ea typeface="Microsoft YaHei" pitchFamily="34" charset="-122"/>
             </a:endParaRPr>
@@ -4249,22 +4249,544 @@
             <p:ph idx="1"/>
           </p:nvPr>
         </p:nvSpPr>
-        <p:spPr/>
+        <p:spPr>
+          <a:xfrm>
+            <a:off x="323528" y="2060848"/>
+            <a:ext cx="8784976" cy="4680520"/>
+          </a:xfrm>
+        </p:spPr>
         <p:txBody>
-          <a:bodyPr/>
+          <a:bodyPr>
+            <a:normAutofit lnSpcReduction="10000"/>
+          </a:bodyPr>
           <a:lstStyle/>
           <a:p>
             <a:pPr marL="550926" indent="-514350">
               <a:buClr>
                 <a:schemeClr val="tx2"/>
               </a:buClr>
-              <a:buFont typeface="+mj-lt"/>
-              <a:buAutoNum type="arabicPeriod"/>
+              <a:buNone/>
             </a:pPr>
-            <a:endParaRPr lang="en-US" altLang="zh-CN" dirty="0" smtClean="0">
+            <a:r>
+              <a:rPr lang="en-US" altLang="ja-JP" sz="1600" dirty="0" smtClean="0"/>
+              <a:t>void</a:t>
+            </a:r>
+            <a:r>
+              <a:rPr lang="en-US" altLang="ja-JP" sz="1600" dirty="0" smtClean="0"/>
+              <a:t> </a:t>
+            </a:r>
+            <a:r>
+              <a:rPr lang="en-US" altLang="ja-JP" sz="1600" dirty="0" err="1" smtClean="0"/>
+              <a:t>DrawCurve</a:t>
+            </a:r>
+            <a:r>
+              <a:rPr lang="en-US" altLang="ja-JP" sz="1600" dirty="0" smtClean="0"/>
+              <a:t>( Vector3</a:t>
+            </a:r>
+            <a:r>
+              <a:rPr lang="en-US" altLang="ja-JP" sz="1600" dirty="0" smtClean="0"/>
+              <a:t> </a:t>
+            </a:r>
+            <a:r>
+              <a:rPr lang="en-US" altLang="ja-JP" sz="1600" dirty="0" err="1" smtClean="0"/>
+              <a:t>startPoint</a:t>
+            </a:r>
+            <a:r>
+              <a:rPr lang="en-US" altLang="ja-JP" sz="1600" dirty="0" smtClean="0"/>
+              <a:t>, Vector3</a:t>
+            </a:r>
+            <a:r>
+              <a:rPr lang="en-US" altLang="ja-JP" sz="1600" dirty="0" smtClean="0"/>
+              <a:t> </a:t>
+            </a:r>
+            <a:r>
+              <a:rPr lang="en-US" altLang="ja-JP" sz="1600" dirty="0" err="1" smtClean="0"/>
+              <a:t>endPoint</a:t>
+            </a:r>
+            <a:r>
+              <a:rPr lang="en-US" altLang="ja-JP" sz="1600" dirty="0" smtClean="0"/>
+              <a:t>, Vector3</a:t>
+            </a:r>
+            <a:r>
+              <a:rPr lang="en-US" altLang="ja-JP" sz="1600" dirty="0" smtClean="0"/>
+              <a:t> </a:t>
+            </a:r>
+            <a:r>
+              <a:rPr lang="en-US" altLang="ja-JP" sz="1600" dirty="0" err="1" smtClean="0"/>
+              <a:t>curveCtrlPoint</a:t>
+            </a:r>
+            <a:r>
+              <a:rPr lang="en-US" altLang="ja-JP" sz="1600" dirty="0" smtClean="0"/>
+              <a:t> </a:t>
+            </a:r>
+            <a:r>
+              <a:rPr lang="en-US" altLang="ja-JP" sz="1600" dirty="0" smtClean="0"/>
+              <a:t>)</a:t>
+            </a:r>
+          </a:p>
+          <a:p>
+            <a:pPr marL="550926" indent="-514350">
+              <a:buClr>
+                <a:schemeClr val="tx2"/>
+              </a:buClr>
+              <a:buNone/>
+            </a:pPr>
+            <a:r>
+              <a:rPr lang="en-US" altLang="ja-JP" sz="1600" dirty="0" smtClean="0"/>
+              <a:t>{</a:t>
+            </a:r>
+          </a:p>
+          <a:p>
+            <a:pPr marL="550926" indent="-514350">
+              <a:buClr>
+                <a:schemeClr val="tx2"/>
+              </a:buClr>
+              <a:buNone/>
+            </a:pPr>
+            <a:r>
+              <a:rPr lang="en-US" altLang="ja-JP" sz="1600" dirty="0" smtClean="0"/>
+              <a:t>	</a:t>
+            </a:r>
+            <a:r>
+              <a:rPr lang="en-US" altLang="ja-JP" sz="1600" dirty="0" smtClean="0"/>
+              <a:t>float</a:t>
+            </a:r>
+            <a:r>
+              <a:rPr lang="en-US" altLang="ja-JP" sz="1600" dirty="0" smtClean="0"/>
+              <a:t> t = </a:t>
+            </a:r>
+            <a:r>
+              <a:rPr lang="en-US" altLang="ja-JP" sz="1600" dirty="0" smtClean="0"/>
+              <a:t>0;</a:t>
+            </a:r>
+          </a:p>
+          <a:p>
+            <a:pPr marL="550926" indent="-514350">
+              <a:buClr>
+                <a:schemeClr val="tx2"/>
+              </a:buClr>
+              <a:buNone/>
+            </a:pPr>
+            <a:r>
+              <a:rPr lang="en-US" altLang="ja-JP" sz="1600" dirty="0" smtClean="0"/>
+              <a:t>	</a:t>
+            </a:r>
+            <a:r>
+              <a:rPr lang="en-US" altLang="ja-JP" sz="1600" dirty="0" smtClean="0"/>
+              <a:t>float </a:t>
+            </a:r>
+            <a:r>
+              <a:rPr lang="en-US" altLang="ja-JP" sz="1600" dirty="0" err="1" smtClean="0"/>
+              <a:t>deltaT</a:t>
+            </a:r>
+            <a:r>
+              <a:rPr lang="en-US" altLang="ja-JP" sz="1600" dirty="0" smtClean="0"/>
+              <a:t> = </a:t>
+            </a:r>
+            <a:r>
+              <a:rPr lang="en-US" altLang="ja-JP" sz="1600" dirty="0" smtClean="0"/>
+              <a:t>0.01f;</a:t>
+            </a:r>
+          </a:p>
+          <a:p>
+            <a:pPr marL="550926" indent="-514350">
+              <a:buClr>
+                <a:schemeClr val="tx2"/>
+              </a:buClr>
+              <a:buNone/>
+            </a:pPr>
+            <a:r>
+              <a:rPr lang="en-US" altLang="ja-JP" sz="1600" dirty="0" smtClean="0"/>
+              <a:t>	</a:t>
+            </a:r>
+            <a:r>
+              <a:rPr lang="en-US" altLang="ja-JP" sz="1600" dirty="0" smtClean="0"/>
+              <a:t>while</a:t>
+            </a:r>
+            <a:r>
+              <a:rPr lang="en-US" altLang="ja-JP" sz="1600" dirty="0" smtClean="0"/>
+              <a:t>( t &lt;= 1.0f </a:t>
+            </a:r>
+            <a:r>
+              <a:rPr lang="en-US" altLang="ja-JP" sz="1600" dirty="0" smtClean="0"/>
+              <a:t>)</a:t>
+            </a:r>
+          </a:p>
+          <a:p>
+            <a:pPr marL="550926" indent="-514350">
+              <a:buClr>
+                <a:schemeClr val="tx2"/>
+              </a:buClr>
+              <a:buNone/>
+            </a:pPr>
+            <a:r>
+              <a:rPr lang="en-US" altLang="ja-JP" sz="1600" dirty="0" smtClean="0"/>
+              <a:t>	</a:t>
+            </a:r>
+            <a:r>
+              <a:rPr lang="en-US" altLang="ja-JP" sz="1600" dirty="0" smtClean="0"/>
+              <a:t>{</a:t>
+            </a:r>
+          </a:p>
+          <a:p>
+            <a:pPr marL="550926" indent="-514350">
+              <a:buClr>
+                <a:schemeClr val="tx2"/>
+              </a:buClr>
+              <a:buNone/>
+            </a:pPr>
+            <a:r>
+              <a:rPr lang="en-US" altLang="ja-JP" sz="1600" dirty="0" smtClean="0"/>
+              <a:t>	</a:t>
+            </a:r>
+            <a:r>
+              <a:rPr lang="en-US" altLang="ja-JP" sz="1600" dirty="0" smtClean="0"/>
+              <a:t>	Vector3</a:t>
+            </a:r>
+            <a:r>
+              <a:rPr lang="en-US" altLang="ja-JP" sz="1600" dirty="0" smtClean="0"/>
+              <a:t> </a:t>
+            </a:r>
+            <a:r>
+              <a:rPr lang="en-US" altLang="ja-JP" sz="1600" dirty="0" err="1" smtClean="0"/>
+              <a:t>lineStart</a:t>
+            </a:r>
+            <a:r>
+              <a:rPr lang="en-US" altLang="ja-JP" sz="1600" dirty="0" smtClean="0"/>
+              <a:t> </a:t>
+            </a:r>
+            <a:r>
+              <a:rPr lang="en-US" altLang="ja-JP" sz="1600" dirty="0" smtClean="0"/>
+              <a:t>=</a:t>
+            </a:r>
+          </a:p>
+          <a:p>
+            <a:pPr marL="550926" indent="-514350">
+              <a:buClr>
+                <a:schemeClr val="tx2"/>
+              </a:buClr>
+              <a:buNone/>
+            </a:pPr>
+            <a:r>
+              <a:rPr lang="en-US" altLang="ja-JP" sz="1600" dirty="0" smtClean="0"/>
+              <a:t>	</a:t>
+            </a:r>
+            <a:r>
+              <a:rPr lang="en-US" altLang="ja-JP" sz="1600" dirty="0" smtClean="0"/>
+              <a:t>		</a:t>
+            </a:r>
+            <a:r>
+              <a:rPr lang="en-US" altLang="ja-JP" sz="1600" dirty="0" err="1" smtClean="0"/>
+              <a:t>GetQuadraticCurvesPoint</a:t>
+            </a:r>
+            <a:r>
+              <a:rPr lang="en-US" altLang="ja-JP" sz="1600" dirty="0" smtClean="0"/>
+              <a:t>( </a:t>
+            </a:r>
+            <a:r>
+              <a:rPr lang="en-US" altLang="ja-JP" sz="1600" dirty="0" err="1" smtClean="0"/>
+              <a:t>startPoint</a:t>
+            </a:r>
+            <a:r>
+              <a:rPr lang="en-US" altLang="ja-JP" sz="1600" dirty="0" smtClean="0"/>
+              <a:t>, </a:t>
+            </a:r>
+            <a:r>
+              <a:rPr lang="en-US" altLang="ja-JP" sz="1600" dirty="0" err="1" smtClean="0"/>
+              <a:t>endPoint</a:t>
+            </a:r>
+            <a:r>
+              <a:rPr lang="en-US" altLang="ja-JP" sz="1600" dirty="0" smtClean="0"/>
+              <a:t>, </a:t>
+            </a:r>
+            <a:r>
+              <a:rPr lang="en-US" altLang="ja-JP" sz="1600" dirty="0" err="1" smtClean="0"/>
+              <a:t>curveCtrlPoint</a:t>
+            </a:r>
+            <a:r>
+              <a:rPr lang="en-US" altLang="ja-JP" sz="1600" dirty="0" smtClean="0"/>
+              <a:t>, t</a:t>
+            </a:r>
+            <a:r>
+              <a:rPr lang="en-US" altLang="ja-JP" sz="1600" dirty="0" smtClean="0"/>
+              <a:t> </a:t>
+            </a:r>
+            <a:r>
+              <a:rPr lang="en-US" altLang="ja-JP" sz="1600" dirty="0" smtClean="0"/>
+              <a:t>);</a:t>
+            </a:r>
+          </a:p>
+          <a:p>
+            <a:pPr marL="550926" indent="-514350">
+              <a:buClr>
+                <a:schemeClr val="tx2"/>
+              </a:buClr>
+              <a:buNone/>
+            </a:pPr>
+            <a:r>
+              <a:rPr lang="en-US" altLang="ja-JP" sz="1600" dirty="0" smtClean="0"/>
+              <a:t>	</a:t>
+            </a:r>
+            <a:r>
+              <a:rPr lang="en-US" altLang="ja-JP" sz="1600" dirty="0" smtClean="0"/>
+              <a:t>	Vector3</a:t>
+            </a:r>
+            <a:r>
+              <a:rPr lang="en-US" altLang="ja-JP" sz="1600" dirty="0" smtClean="0"/>
+              <a:t> </a:t>
+            </a:r>
+            <a:r>
+              <a:rPr lang="en-US" altLang="ja-JP" sz="1600" dirty="0" err="1" smtClean="0"/>
+              <a:t>lineEnd</a:t>
+            </a:r>
+            <a:r>
+              <a:rPr lang="en-US" altLang="ja-JP" sz="1600" dirty="0" smtClean="0"/>
+              <a:t> =</a:t>
+            </a:r>
+          </a:p>
+          <a:p>
+            <a:pPr marL="550926" indent="-514350">
+              <a:buClr>
+                <a:schemeClr val="tx2"/>
+              </a:buClr>
+              <a:buNone/>
+            </a:pPr>
+            <a:r>
+              <a:rPr lang="en-US" altLang="ja-JP" sz="1600" dirty="0" smtClean="0"/>
+              <a:t>	</a:t>
+            </a:r>
+            <a:r>
+              <a:rPr lang="en-US" altLang="ja-JP" sz="1600" dirty="0" smtClean="0"/>
+              <a:t>		</a:t>
+            </a:r>
+            <a:r>
+              <a:rPr lang="en-US" altLang="ja-JP" sz="1600" dirty="0" err="1" smtClean="0"/>
+              <a:t>GetQuadraticCurvesPoint</a:t>
+            </a:r>
+            <a:r>
+              <a:rPr lang="en-US" altLang="ja-JP" sz="1600" dirty="0" smtClean="0"/>
+              <a:t>( </a:t>
+            </a:r>
+            <a:r>
+              <a:rPr lang="en-US" altLang="ja-JP" sz="1600" dirty="0" err="1" smtClean="0"/>
+              <a:t>startPoint</a:t>
+            </a:r>
+            <a:r>
+              <a:rPr lang="en-US" altLang="ja-JP" sz="1600" dirty="0" smtClean="0"/>
+              <a:t>, </a:t>
+            </a:r>
+            <a:r>
+              <a:rPr lang="en-US" altLang="ja-JP" sz="1600" dirty="0" err="1" smtClean="0"/>
+              <a:t>endPoint</a:t>
+            </a:r>
+            <a:r>
+              <a:rPr lang="en-US" altLang="ja-JP" sz="1600" dirty="0" smtClean="0"/>
+              <a:t>, </a:t>
+            </a:r>
+            <a:r>
+              <a:rPr lang="en-US" altLang="ja-JP" sz="1600" dirty="0" err="1" smtClean="0"/>
+              <a:t>curveCtrlPoint</a:t>
+            </a:r>
+            <a:r>
+              <a:rPr lang="en-US" altLang="ja-JP" sz="1600" dirty="0" smtClean="0"/>
+              <a:t>, </a:t>
+            </a:r>
+            <a:r>
+              <a:rPr lang="en-US" altLang="ja-JP" sz="1600" dirty="0" smtClean="0"/>
+              <a:t>t</a:t>
+            </a:r>
+            <a:r>
+              <a:rPr lang="en-US" altLang="ja-JP" sz="1600" dirty="0" smtClean="0"/>
+              <a:t> + </a:t>
+            </a:r>
+            <a:r>
+              <a:rPr lang="en-US" altLang="ja-JP" sz="1600" dirty="0" err="1" smtClean="0"/>
+              <a:t>deltaT</a:t>
+            </a:r>
+            <a:r>
+              <a:rPr lang="en-US" altLang="ja-JP" sz="1600" dirty="0" smtClean="0"/>
+              <a:t> ); </a:t>
+            </a:r>
+          </a:p>
+          <a:p>
+            <a:pPr marL="550926" indent="-514350">
+              <a:buClr>
+                <a:schemeClr val="tx2"/>
+              </a:buClr>
+              <a:buNone/>
+            </a:pPr>
+            <a:r>
+              <a:rPr lang="en-US" altLang="ja-JP" sz="1600" dirty="0" smtClean="0"/>
+              <a:t>	</a:t>
+            </a:r>
+            <a:r>
+              <a:rPr lang="en-US" altLang="ja-JP" sz="1600" dirty="0" smtClean="0"/>
+              <a:t>	</a:t>
+            </a:r>
+          </a:p>
+          <a:p>
+            <a:pPr marL="550926" indent="-514350">
+              <a:buClr>
+                <a:schemeClr val="tx2"/>
+              </a:buClr>
+              <a:buNone/>
+            </a:pPr>
+            <a:r>
+              <a:rPr lang="en-US" altLang="ja-JP" sz="1600" dirty="0" smtClean="0"/>
+              <a:t>		</a:t>
+            </a:r>
+            <a:r>
+              <a:rPr lang="en-US" altLang="ja-JP" sz="1600" dirty="0" err="1" smtClean="0"/>
+              <a:t>DrawLine</a:t>
+            </a:r>
+            <a:r>
+              <a:rPr lang="en-US" altLang="ja-JP" sz="1600" dirty="0" smtClean="0"/>
+              <a:t>( </a:t>
+            </a:r>
+            <a:r>
+              <a:rPr lang="en-US" altLang="ja-JP" sz="1600" dirty="0" err="1" smtClean="0"/>
+              <a:t>lineStart</a:t>
+            </a:r>
+            <a:r>
+              <a:rPr lang="en-US" altLang="ja-JP" sz="1600" dirty="0" smtClean="0"/>
+              <a:t>, </a:t>
+            </a:r>
+            <a:r>
+              <a:rPr lang="en-US" altLang="ja-JP" sz="1600" dirty="0" err="1" smtClean="0"/>
+              <a:t>lineEnd</a:t>
+            </a:r>
+            <a:r>
+              <a:rPr lang="en-US" altLang="ja-JP" sz="1600" dirty="0" smtClean="0"/>
+              <a:t> </a:t>
+            </a:r>
+            <a:r>
+              <a:rPr lang="en-US" altLang="ja-JP" sz="1600" dirty="0" smtClean="0"/>
+              <a:t>);</a:t>
+            </a:r>
+          </a:p>
+          <a:p>
+            <a:pPr marL="550926" indent="-514350">
+              <a:buClr>
+                <a:schemeClr val="tx2"/>
+              </a:buClr>
+              <a:buNone/>
+            </a:pPr>
+            <a:endParaRPr lang="en-US" altLang="ja-JP" sz="1600" dirty="0" smtClean="0"/>
+          </a:p>
+          <a:p>
+            <a:pPr marL="550926" indent="-514350">
+              <a:buClr>
+                <a:schemeClr val="tx2"/>
+              </a:buClr>
+              <a:buNone/>
+            </a:pPr>
+            <a:r>
+              <a:rPr lang="en-US" altLang="ja-JP" sz="1600" dirty="0" smtClean="0"/>
+              <a:t>		</a:t>
+            </a:r>
+            <a:r>
+              <a:rPr lang="en-US" altLang="ja-JP" sz="1600" dirty="0" smtClean="0"/>
+              <a:t>t</a:t>
+            </a:r>
+            <a:r>
+              <a:rPr lang="en-US" altLang="ja-JP" sz="1600" dirty="0" smtClean="0"/>
+              <a:t> += </a:t>
+            </a:r>
+            <a:r>
+              <a:rPr lang="en-US" altLang="ja-JP" sz="1600" dirty="0" err="1" smtClean="0"/>
+              <a:t>deltaT</a:t>
+            </a:r>
+            <a:r>
+              <a:rPr lang="en-US" altLang="ja-JP" sz="1600" dirty="0" smtClean="0"/>
+              <a:t>;</a:t>
+            </a:r>
+          </a:p>
+          <a:p>
+            <a:pPr marL="550926" indent="-514350">
+              <a:buClr>
+                <a:schemeClr val="tx2"/>
+              </a:buClr>
+              <a:buNone/>
+            </a:pPr>
+            <a:r>
+              <a:rPr lang="en-US" altLang="ja-JP" sz="1600" dirty="0" smtClean="0"/>
+              <a:t>	</a:t>
+            </a:r>
+            <a:r>
+              <a:rPr lang="en-US" altLang="ja-JP" sz="1600" dirty="0" smtClean="0"/>
+              <a:t>} </a:t>
+            </a:r>
+            <a:r>
+              <a:rPr lang="en-US" altLang="ja-JP" sz="1600" dirty="0" smtClean="0"/>
+              <a:t>        </a:t>
+            </a:r>
+            <a:endParaRPr lang="en-US" altLang="ja-JP" sz="1600" dirty="0" smtClean="0"/>
+          </a:p>
+          <a:p>
+            <a:pPr marL="550926" indent="-514350">
+              <a:buClr>
+                <a:schemeClr val="tx2"/>
+              </a:buClr>
+              <a:buNone/>
+            </a:pPr>
+            <a:r>
+              <a:rPr lang="en-US" altLang="ja-JP" sz="1600" dirty="0" smtClean="0"/>
+              <a:t>}</a:t>
+            </a:r>
+            <a:endParaRPr lang="en-US" altLang="zh-CN" sz="1600" dirty="0" smtClean="0">
               <a:latin typeface="Microsoft YaHei" pitchFamily="34" charset="-122"/>
               <a:ea typeface="Microsoft YaHei" pitchFamily="34" charset="-122"/>
             </a:endParaRPr>
+          </a:p>
+        </p:txBody>
+      </p:sp>
+      <p:sp>
+        <p:nvSpPr>
+          <p:cNvPr id="5" name="テキスト ボックス 4"/>
+          <p:cNvSpPr txBox="1"/>
+          <p:nvPr/>
+        </p:nvSpPr>
+        <p:spPr>
+          <a:xfrm>
+            <a:off x="323528" y="1383159"/>
+            <a:ext cx="7776864" cy="461665"/>
+          </a:xfrm>
+          <a:prstGeom prst="rect">
+            <a:avLst/>
+          </a:prstGeom>
+          <a:noFill/>
+        </p:spPr>
+        <p:txBody>
+          <a:bodyPr wrap="square" rtlCol="0">
+            <a:spAutoFit/>
+          </a:bodyPr>
+          <a:lstStyle/>
+          <a:p>
+            <a:pPr marL="342900" indent="-342900">
+              <a:buFont typeface="Arial" pitchFamily="34" charset="0"/>
+              <a:buChar char="•"/>
+            </a:pPr>
+            <a:r>
+              <a:rPr lang="zh-CN" altLang="en-US" sz="2400" dirty="0" smtClean="0"/>
+              <a:t>利用</a:t>
+            </a:r>
+            <a:r>
+              <a:rPr lang="en-US" altLang="ja-JP" sz="2400" dirty="0" err="1" smtClean="0"/>
+              <a:t>GetQuadraticCurvesPoint</a:t>
+            </a:r>
+            <a:r>
+              <a:rPr lang="en-US" altLang="ja-JP" sz="2400" dirty="0" smtClean="0"/>
+              <a:t>()</a:t>
+            </a:r>
+            <a:r>
+              <a:rPr lang="zh-CN" altLang="en-US" sz="2400" dirty="0" smtClean="0"/>
+              <a:t>描画</a:t>
+            </a:r>
+            <a:r>
+              <a:rPr kumimoji="1" lang="zh-CN" altLang="en-US" sz="2400" dirty="0" smtClean="0"/>
+              <a:t>贝塞尔曲线</a:t>
+            </a:r>
+            <a:endParaRPr kumimoji="1" lang="ja-JP" altLang="en-US" sz="2400" dirty="0"/>
           </a:p>
         </p:txBody>
       </p:sp>
@@ -4276,9 +4798,564 @@
   <p:timing>
     <p:tnLst>
       <p:par>
-        <p:cTn id="1" dur="indefinite" restart="never" nodeType="tmRoot"/>
+        <p:cTn id="1" dur="indefinite" restart="never" nodeType="tmRoot">
+          <p:childTnLst>
+            <p:seq concurrent="1" nextAc="seek">
+              <p:cTn id="2" dur="indefinite" nodeType="mainSeq">
+                <p:childTnLst>
+                  <p:par>
+                    <p:cTn id="3" fill="hold">
+                      <p:stCondLst>
+                        <p:cond delay="indefinite"/>
+                      </p:stCondLst>
+                      <p:childTnLst>
+                        <p:par>
+                          <p:cTn id="4" fill="hold">
+                            <p:stCondLst>
+                              <p:cond delay="0"/>
+                            </p:stCondLst>
+                            <p:childTnLst>
+                              <p:par>
+                                <p:cTn id="5" presetID="1" presetClass="entr" presetSubtype="0" fill="hold" grpId="0" nodeType="clickEffect">
+                                  <p:stCondLst>
+                                    <p:cond delay="0"/>
+                                  </p:stCondLst>
+                                  <p:childTnLst>
+                                    <p:set>
+                                      <p:cBhvr>
+                                        <p:cTn id="6" dur="1" fill="hold">
+                                          <p:stCondLst>
+                                            <p:cond delay="0"/>
+                                          </p:stCondLst>
+                                        </p:cTn>
+                                        <p:tgtEl>
+                                          <p:spTgt spid="5"/>
+                                        </p:tgtEl>
+                                        <p:attrNameLst>
+                                          <p:attrName>style.visibility</p:attrName>
+                                        </p:attrNameLst>
+                                      </p:cBhvr>
+                                      <p:to>
+                                        <p:strVal val="visible"/>
+                                      </p:to>
+                                    </p:set>
+                                  </p:childTnLst>
+                                </p:cTn>
+                              </p:par>
+                            </p:childTnLst>
+                          </p:cTn>
+                        </p:par>
+                      </p:childTnLst>
+                    </p:cTn>
+                  </p:par>
+                  <p:par>
+                    <p:cTn id="7" fill="hold">
+                      <p:stCondLst>
+                        <p:cond delay="indefinite"/>
+                      </p:stCondLst>
+                      <p:childTnLst>
+                        <p:par>
+                          <p:cTn id="8" fill="hold">
+                            <p:stCondLst>
+                              <p:cond delay="0"/>
+                            </p:stCondLst>
+                            <p:childTnLst>
+                              <p:par>
+                                <p:cTn id="9" presetID="1" presetClass="entr" presetSubtype="0" fill="hold" grpId="0" nodeType="clickEffect">
+                                  <p:stCondLst>
+                                    <p:cond delay="0"/>
+                                  </p:stCondLst>
+                                  <p:childTnLst>
+                                    <p:set>
+                                      <p:cBhvr>
+                                        <p:cTn id="10" dur="1" fill="hold">
+                                          <p:stCondLst>
+                                            <p:cond delay="0"/>
+                                          </p:stCondLst>
+                                        </p:cTn>
+                                        <p:tgtEl>
+                                          <p:spTgt spid="3">
+                                            <p:txEl>
+                                              <p:pRg st="0" end="0"/>
+                                            </p:txEl>
+                                          </p:spTgt>
+                                        </p:tgtEl>
+                                        <p:attrNameLst>
+                                          <p:attrName>style.visibility</p:attrName>
+                                        </p:attrNameLst>
+                                      </p:cBhvr>
+                                      <p:to>
+                                        <p:strVal val="visible"/>
+                                      </p:to>
+                                    </p:set>
+                                  </p:childTnLst>
+                                </p:cTn>
+                              </p:par>
+                              <p:par>
+                                <p:cTn id="11" presetID="1" presetClass="entr" presetSubtype="0" fill="hold" grpId="0" nodeType="withEffect">
+                                  <p:stCondLst>
+                                    <p:cond delay="0"/>
+                                  </p:stCondLst>
+                                  <p:childTnLst>
+                                    <p:set>
+                                      <p:cBhvr>
+                                        <p:cTn id="12" dur="1" fill="hold">
+                                          <p:stCondLst>
+                                            <p:cond delay="0"/>
+                                          </p:stCondLst>
+                                        </p:cTn>
+                                        <p:tgtEl>
+                                          <p:spTgt spid="3">
+                                            <p:txEl>
+                                              <p:pRg st="1" end="1"/>
+                                            </p:txEl>
+                                          </p:spTgt>
+                                        </p:tgtEl>
+                                        <p:attrNameLst>
+                                          <p:attrName>style.visibility</p:attrName>
+                                        </p:attrNameLst>
+                                      </p:cBhvr>
+                                      <p:to>
+                                        <p:strVal val="visible"/>
+                                      </p:to>
+                                    </p:set>
+                                  </p:childTnLst>
+                                </p:cTn>
+                              </p:par>
+                              <p:par>
+                                <p:cTn id="13" presetID="1" presetClass="entr" presetSubtype="0" fill="hold" grpId="0" nodeType="withEffect">
+                                  <p:stCondLst>
+                                    <p:cond delay="0"/>
+                                  </p:stCondLst>
+                                  <p:childTnLst>
+                                    <p:set>
+                                      <p:cBhvr>
+                                        <p:cTn id="14" dur="1" fill="hold">
+                                          <p:stCondLst>
+                                            <p:cond delay="0"/>
+                                          </p:stCondLst>
+                                        </p:cTn>
+                                        <p:tgtEl>
+                                          <p:spTgt spid="3">
+                                            <p:txEl>
+                                              <p:pRg st="2" end="2"/>
+                                            </p:txEl>
+                                          </p:spTgt>
+                                        </p:tgtEl>
+                                        <p:attrNameLst>
+                                          <p:attrName>style.visibility</p:attrName>
+                                        </p:attrNameLst>
+                                      </p:cBhvr>
+                                      <p:to>
+                                        <p:strVal val="visible"/>
+                                      </p:to>
+                                    </p:set>
+                                  </p:childTnLst>
+                                </p:cTn>
+                              </p:par>
+                              <p:par>
+                                <p:cTn id="15" presetID="1" presetClass="entr" presetSubtype="0" fill="hold" grpId="0" nodeType="withEffect">
+                                  <p:stCondLst>
+                                    <p:cond delay="0"/>
+                                  </p:stCondLst>
+                                  <p:childTnLst>
+                                    <p:set>
+                                      <p:cBhvr>
+                                        <p:cTn id="16" dur="1" fill="hold">
+                                          <p:stCondLst>
+                                            <p:cond delay="0"/>
+                                          </p:stCondLst>
+                                        </p:cTn>
+                                        <p:tgtEl>
+                                          <p:spTgt spid="3">
+                                            <p:txEl>
+                                              <p:pRg st="3" end="3"/>
+                                            </p:txEl>
+                                          </p:spTgt>
+                                        </p:tgtEl>
+                                        <p:attrNameLst>
+                                          <p:attrName>style.visibility</p:attrName>
+                                        </p:attrNameLst>
+                                      </p:cBhvr>
+                                      <p:to>
+                                        <p:strVal val="visible"/>
+                                      </p:to>
+                                    </p:set>
+                                  </p:childTnLst>
+                                </p:cTn>
+                              </p:par>
+                              <p:par>
+                                <p:cTn id="17" presetID="1" presetClass="entr" presetSubtype="0" fill="hold" grpId="0" nodeType="withEffect">
+                                  <p:stCondLst>
+                                    <p:cond delay="0"/>
+                                  </p:stCondLst>
+                                  <p:childTnLst>
+                                    <p:set>
+                                      <p:cBhvr>
+                                        <p:cTn id="18" dur="1" fill="hold">
+                                          <p:stCondLst>
+                                            <p:cond delay="0"/>
+                                          </p:stCondLst>
+                                        </p:cTn>
+                                        <p:tgtEl>
+                                          <p:spTgt spid="3">
+                                            <p:txEl>
+                                              <p:pRg st="4" end="4"/>
+                                            </p:txEl>
+                                          </p:spTgt>
+                                        </p:tgtEl>
+                                        <p:attrNameLst>
+                                          <p:attrName>style.visibility</p:attrName>
+                                        </p:attrNameLst>
+                                      </p:cBhvr>
+                                      <p:to>
+                                        <p:strVal val="visible"/>
+                                      </p:to>
+                                    </p:set>
+                                  </p:childTnLst>
+                                </p:cTn>
+                              </p:par>
+                              <p:par>
+                                <p:cTn id="19" presetID="1" presetClass="entr" presetSubtype="0" fill="hold" grpId="0" nodeType="withEffect">
+                                  <p:stCondLst>
+                                    <p:cond delay="0"/>
+                                  </p:stCondLst>
+                                  <p:childTnLst>
+                                    <p:set>
+                                      <p:cBhvr>
+                                        <p:cTn id="20" dur="1" fill="hold">
+                                          <p:stCondLst>
+                                            <p:cond delay="0"/>
+                                          </p:stCondLst>
+                                        </p:cTn>
+                                        <p:tgtEl>
+                                          <p:spTgt spid="3">
+                                            <p:txEl>
+                                              <p:pRg st="5" end="5"/>
+                                            </p:txEl>
+                                          </p:spTgt>
+                                        </p:tgtEl>
+                                        <p:attrNameLst>
+                                          <p:attrName>style.visibility</p:attrName>
+                                        </p:attrNameLst>
+                                      </p:cBhvr>
+                                      <p:to>
+                                        <p:strVal val="visible"/>
+                                      </p:to>
+                                    </p:set>
+                                  </p:childTnLst>
+                                </p:cTn>
+                              </p:par>
+                              <p:par>
+                                <p:cTn id="21" presetID="1" presetClass="entr" presetSubtype="0" fill="hold" grpId="0" nodeType="withEffect">
+                                  <p:stCondLst>
+                                    <p:cond delay="0"/>
+                                  </p:stCondLst>
+                                  <p:childTnLst>
+                                    <p:set>
+                                      <p:cBhvr>
+                                        <p:cTn id="22" dur="1" fill="hold">
+                                          <p:stCondLst>
+                                            <p:cond delay="0"/>
+                                          </p:stCondLst>
+                                        </p:cTn>
+                                        <p:tgtEl>
+                                          <p:spTgt spid="3">
+                                            <p:txEl>
+                                              <p:pRg st="6" end="6"/>
+                                            </p:txEl>
+                                          </p:spTgt>
+                                        </p:tgtEl>
+                                        <p:attrNameLst>
+                                          <p:attrName>style.visibility</p:attrName>
+                                        </p:attrNameLst>
+                                      </p:cBhvr>
+                                      <p:to>
+                                        <p:strVal val="visible"/>
+                                      </p:to>
+                                    </p:set>
+                                  </p:childTnLst>
+                                </p:cTn>
+                              </p:par>
+                              <p:par>
+                                <p:cTn id="23" presetID="1" presetClass="entr" presetSubtype="0" fill="hold" grpId="0" nodeType="withEffect">
+                                  <p:stCondLst>
+                                    <p:cond delay="0"/>
+                                  </p:stCondLst>
+                                  <p:childTnLst>
+                                    <p:set>
+                                      <p:cBhvr>
+                                        <p:cTn id="24" dur="1" fill="hold">
+                                          <p:stCondLst>
+                                            <p:cond delay="0"/>
+                                          </p:stCondLst>
+                                        </p:cTn>
+                                        <p:tgtEl>
+                                          <p:spTgt spid="3">
+                                            <p:txEl>
+                                              <p:pRg st="7" end="7"/>
+                                            </p:txEl>
+                                          </p:spTgt>
+                                        </p:tgtEl>
+                                        <p:attrNameLst>
+                                          <p:attrName>style.visibility</p:attrName>
+                                        </p:attrNameLst>
+                                      </p:cBhvr>
+                                      <p:to>
+                                        <p:strVal val="visible"/>
+                                      </p:to>
+                                    </p:set>
+                                  </p:childTnLst>
+                                </p:cTn>
+                              </p:par>
+                              <p:par>
+                                <p:cTn id="25" presetID="1" presetClass="entr" presetSubtype="0" fill="hold" grpId="0" nodeType="withEffect">
+                                  <p:stCondLst>
+                                    <p:cond delay="0"/>
+                                  </p:stCondLst>
+                                  <p:childTnLst>
+                                    <p:set>
+                                      <p:cBhvr>
+                                        <p:cTn id="26" dur="1" fill="hold">
+                                          <p:stCondLst>
+                                            <p:cond delay="0"/>
+                                          </p:stCondLst>
+                                        </p:cTn>
+                                        <p:tgtEl>
+                                          <p:spTgt spid="3">
+                                            <p:txEl>
+                                              <p:pRg st="8" end="8"/>
+                                            </p:txEl>
+                                          </p:spTgt>
+                                        </p:tgtEl>
+                                        <p:attrNameLst>
+                                          <p:attrName>style.visibility</p:attrName>
+                                        </p:attrNameLst>
+                                      </p:cBhvr>
+                                      <p:to>
+                                        <p:strVal val="visible"/>
+                                      </p:to>
+                                    </p:set>
+                                  </p:childTnLst>
+                                </p:cTn>
+                              </p:par>
+                              <p:par>
+                                <p:cTn id="27" presetID="1" presetClass="entr" presetSubtype="0" fill="hold" grpId="0" nodeType="withEffect">
+                                  <p:stCondLst>
+                                    <p:cond delay="0"/>
+                                  </p:stCondLst>
+                                  <p:childTnLst>
+                                    <p:set>
+                                      <p:cBhvr>
+                                        <p:cTn id="28" dur="1" fill="hold">
+                                          <p:stCondLst>
+                                            <p:cond delay="0"/>
+                                          </p:stCondLst>
+                                        </p:cTn>
+                                        <p:tgtEl>
+                                          <p:spTgt spid="3">
+                                            <p:txEl>
+                                              <p:pRg st="9" end="9"/>
+                                            </p:txEl>
+                                          </p:spTgt>
+                                        </p:tgtEl>
+                                        <p:attrNameLst>
+                                          <p:attrName>style.visibility</p:attrName>
+                                        </p:attrNameLst>
+                                      </p:cBhvr>
+                                      <p:to>
+                                        <p:strVal val="visible"/>
+                                      </p:to>
+                                    </p:set>
+                                  </p:childTnLst>
+                                </p:cTn>
+                              </p:par>
+                              <p:par>
+                                <p:cTn id="29" presetID="1" presetClass="entr" presetSubtype="0" fill="hold" grpId="0" nodeType="withEffect">
+                                  <p:stCondLst>
+                                    <p:cond delay="0"/>
+                                  </p:stCondLst>
+                                  <p:childTnLst>
+                                    <p:set>
+                                      <p:cBhvr>
+                                        <p:cTn id="30" dur="1" fill="hold">
+                                          <p:stCondLst>
+                                            <p:cond delay="0"/>
+                                          </p:stCondLst>
+                                        </p:cTn>
+                                        <p:tgtEl>
+                                          <p:spTgt spid="3">
+                                            <p:txEl>
+                                              <p:pRg st="10" end="10"/>
+                                            </p:txEl>
+                                          </p:spTgt>
+                                        </p:tgtEl>
+                                        <p:attrNameLst>
+                                          <p:attrName>style.visibility</p:attrName>
+                                        </p:attrNameLst>
+                                      </p:cBhvr>
+                                      <p:to>
+                                        <p:strVal val="visible"/>
+                                      </p:to>
+                                    </p:set>
+                                  </p:childTnLst>
+                                </p:cTn>
+                              </p:par>
+                              <p:par>
+                                <p:cTn id="31" presetID="1" presetClass="entr" presetSubtype="0" fill="hold" grpId="0" nodeType="withEffect">
+                                  <p:stCondLst>
+                                    <p:cond delay="0"/>
+                                  </p:stCondLst>
+                                  <p:childTnLst>
+                                    <p:set>
+                                      <p:cBhvr>
+                                        <p:cTn id="32" dur="1" fill="hold">
+                                          <p:stCondLst>
+                                            <p:cond delay="0"/>
+                                          </p:stCondLst>
+                                        </p:cTn>
+                                        <p:tgtEl>
+                                          <p:spTgt spid="3">
+                                            <p:txEl>
+                                              <p:pRg st="11" end="11"/>
+                                            </p:txEl>
+                                          </p:spTgt>
+                                        </p:tgtEl>
+                                        <p:attrNameLst>
+                                          <p:attrName>style.visibility</p:attrName>
+                                        </p:attrNameLst>
+                                      </p:cBhvr>
+                                      <p:to>
+                                        <p:strVal val="visible"/>
+                                      </p:to>
+                                    </p:set>
+                                  </p:childTnLst>
+                                </p:cTn>
+                              </p:par>
+                              <p:par>
+                                <p:cTn id="33" presetID="1" presetClass="entr" presetSubtype="0" fill="hold" grpId="0" nodeType="withEffect">
+                                  <p:stCondLst>
+                                    <p:cond delay="0"/>
+                                  </p:stCondLst>
+                                  <p:childTnLst>
+                                    <p:set>
+                                      <p:cBhvr>
+                                        <p:cTn id="34" dur="1" fill="hold">
+                                          <p:stCondLst>
+                                            <p:cond delay="0"/>
+                                          </p:stCondLst>
+                                        </p:cTn>
+                                        <p:tgtEl>
+                                          <p:spTgt spid="3">
+                                            <p:txEl>
+                                              <p:pRg st="13" end="13"/>
+                                            </p:txEl>
+                                          </p:spTgt>
+                                        </p:tgtEl>
+                                        <p:attrNameLst>
+                                          <p:attrName>style.visibility</p:attrName>
+                                        </p:attrNameLst>
+                                      </p:cBhvr>
+                                      <p:to>
+                                        <p:strVal val="visible"/>
+                                      </p:to>
+                                    </p:set>
+                                  </p:childTnLst>
+                                </p:cTn>
+                              </p:par>
+                              <p:par>
+                                <p:cTn id="35" presetID="1" presetClass="entr" presetSubtype="0" fill="hold" grpId="0" nodeType="withEffect">
+                                  <p:stCondLst>
+                                    <p:cond delay="0"/>
+                                  </p:stCondLst>
+                                  <p:childTnLst>
+                                    <p:set>
+                                      <p:cBhvr>
+                                        <p:cTn id="36" dur="1" fill="hold">
+                                          <p:stCondLst>
+                                            <p:cond delay="0"/>
+                                          </p:stCondLst>
+                                        </p:cTn>
+                                        <p:tgtEl>
+                                          <p:spTgt spid="3">
+                                            <p:txEl>
+                                              <p:pRg st="14" end="14"/>
+                                            </p:txEl>
+                                          </p:spTgt>
+                                        </p:tgtEl>
+                                        <p:attrNameLst>
+                                          <p:attrName>style.visibility</p:attrName>
+                                        </p:attrNameLst>
+                                      </p:cBhvr>
+                                      <p:to>
+                                        <p:strVal val="visible"/>
+                                      </p:to>
+                                    </p:set>
+                                  </p:childTnLst>
+                                </p:cTn>
+                              </p:par>
+                              <p:par>
+                                <p:cTn id="37" presetID="1" presetClass="entr" presetSubtype="0" fill="hold" grpId="0" nodeType="withEffect">
+                                  <p:stCondLst>
+                                    <p:cond delay="0"/>
+                                  </p:stCondLst>
+                                  <p:childTnLst>
+                                    <p:set>
+                                      <p:cBhvr>
+                                        <p:cTn id="38" dur="1" fill="hold">
+                                          <p:stCondLst>
+                                            <p:cond delay="0"/>
+                                          </p:stCondLst>
+                                        </p:cTn>
+                                        <p:tgtEl>
+                                          <p:spTgt spid="3">
+                                            <p:txEl>
+                                              <p:pRg st="15" end="15"/>
+                                            </p:txEl>
+                                          </p:spTgt>
+                                        </p:tgtEl>
+                                        <p:attrNameLst>
+                                          <p:attrName>style.visibility</p:attrName>
+                                        </p:attrNameLst>
+                                      </p:cBhvr>
+                                      <p:to>
+                                        <p:strVal val="visible"/>
+                                      </p:to>
+                                    </p:set>
+                                  </p:childTnLst>
+                                </p:cTn>
+                              </p:par>
+                            </p:childTnLst>
+                          </p:cTn>
+                        </p:par>
+                      </p:childTnLst>
+                    </p:cTn>
+                  </p:par>
+                </p:childTnLst>
+              </p:cTn>
+              <p:prevCondLst>
+                <p:cond evt="onPrev" delay="0">
+                  <p:tgtEl>
+                    <p:sldTgt/>
+                  </p:tgtEl>
+                </p:cond>
+              </p:prevCondLst>
+              <p:nextCondLst>
+                <p:cond evt="onNext" delay="0">
+                  <p:tgtEl>
+                    <p:sldTgt/>
+                  </p:tgtEl>
+                </p:cond>
+              </p:nextCondLst>
+            </p:seq>
+          </p:childTnLst>
+        </p:cTn>
       </p:par>
     </p:tnLst>
+    <p:bldLst>
+      <p:bldP spid="3" grpId="0" uiExpand="1" build="p"/>
+      <p:bldP spid="5" grpId="0"/>
+    </p:bldLst>
   </p:timing>
 </p:sld>
 </file>
@@ -4313,6 +5390,3079 @@
         <p:spPr/>
         <p:txBody>
           <a:bodyPr>
+            <a:noAutofit/>
+          </a:bodyPr>
+          <a:lstStyle/>
+          <a:p>
+            <a:pPr marL="550926" indent="-514350"/>
+            <a:r>
+              <a:rPr kumimoji="1" lang="en-US" altLang="ja-JP" sz="3600" dirty="0" smtClean="0">
+                <a:latin typeface="Microsoft YaHei" pitchFamily="34" charset="-122"/>
+                <a:ea typeface="Microsoft YaHei" pitchFamily="34" charset="-122"/>
+              </a:rPr>
+              <a:t>4. </a:t>
+            </a:r>
+            <a:r>
+              <a:rPr lang="zh-CN" altLang="en-US" sz="3600" dirty="0" smtClean="0">
+                <a:latin typeface="Microsoft YaHei" pitchFamily="34" charset="-122"/>
+                <a:ea typeface="Microsoft YaHei" pitchFamily="34" charset="-122"/>
+              </a:rPr>
+              <a:t>利用程序实现贝塞尔曲线的运算</a:t>
+            </a:r>
+            <a:endParaRPr lang="en-US" altLang="zh-CN" sz="3600" dirty="0" smtClean="0">
+              <a:latin typeface="Microsoft YaHei" pitchFamily="34" charset="-122"/>
+              <a:ea typeface="Microsoft YaHei" pitchFamily="34" charset="-122"/>
+            </a:endParaRPr>
+          </a:p>
+        </p:txBody>
+      </p:sp>
+      <p:sp>
+        <p:nvSpPr>
+          <p:cNvPr id="5" name="テキスト ボックス 4"/>
+          <p:cNvSpPr txBox="1"/>
+          <p:nvPr/>
+        </p:nvSpPr>
+        <p:spPr>
+          <a:xfrm>
+            <a:off x="467544" y="1521366"/>
+            <a:ext cx="7776864" cy="2123658"/>
+          </a:xfrm>
+          <a:prstGeom prst="rect">
+            <a:avLst/>
+          </a:prstGeom>
+          <a:noFill/>
+        </p:spPr>
+        <p:txBody>
+          <a:bodyPr wrap="square" rtlCol="0">
+            <a:spAutoFit/>
+          </a:bodyPr>
+          <a:lstStyle/>
+          <a:p>
+            <a:pPr marL="342900" indent="-342900">
+              <a:buFont typeface="Arial" pitchFamily="34" charset="0"/>
+              <a:buChar char="•"/>
+            </a:pPr>
+            <a:r>
+              <a:rPr lang="zh-CN" altLang="en-US" sz="2400" dirty="0" smtClean="0"/>
+              <a:t>发现问题</a:t>
+            </a:r>
+            <a:endParaRPr lang="en-US" altLang="zh-CN" sz="2400" dirty="0" smtClean="0"/>
+          </a:p>
+          <a:p>
+            <a:pPr marL="1008126" lvl="1" indent="-514350">
+              <a:buClr>
+                <a:schemeClr val="tx2"/>
+              </a:buClr>
+              <a:buFont typeface="+mj-lt"/>
+              <a:buAutoNum type="arabicPeriod"/>
+            </a:pPr>
+            <a:r>
+              <a:rPr lang="zh-CN" altLang="en-US" dirty="0" smtClean="0">
+                <a:latin typeface="Microsoft YaHei" pitchFamily="34" charset="-122"/>
+                <a:ea typeface="Microsoft YaHei" pitchFamily="34" charset="-122"/>
+              </a:rPr>
+              <a:t>曲线节点间的距离根据曲线长度而变化</a:t>
+            </a:r>
+            <a:endParaRPr lang="en-US" altLang="zh-CN" dirty="0" smtClean="0">
+              <a:latin typeface="Microsoft YaHei" pitchFamily="34" charset="-122"/>
+              <a:ea typeface="Microsoft YaHei" pitchFamily="34" charset="-122"/>
+            </a:endParaRPr>
+          </a:p>
+          <a:p>
+            <a:pPr marL="1008126" lvl="1" indent="-514350">
+              <a:buClr>
+                <a:schemeClr val="tx2"/>
+              </a:buClr>
+              <a:buFont typeface="+mj-lt"/>
+              <a:buAutoNum type="arabicPeriod"/>
+            </a:pPr>
+            <a:r>
+              <a:rPr lang="zh-CN" altLang="en-US" dirty="0" smtClean="0">
+                <a:latin typeface="Microsoft YaHei" pitchFamily="34" charset="-122"/>
+                <a:ea typeface="Microsoft YaHei" pitchFamily="34" charset="-122"/>
+              </a:rPr>
+              <a:t>曲线节点间的距离不一致</a:t>
+            </a:r>
+            <a:endParaRPr lang="en-US" altLang="zh-CN" dirty="0" smtClean="0">
+              <a:latin typeface="Microsoft YaHei" pitchFamily="34" charset="-122"/>
+              <a:ea typeface="Microsoft YaHei" pitchFamily="34" charset="-122"/>
+            </a:endParaRPr>
+          </a:p>
+          <a:p>
+            <a:pPr marL="1008126" lvl="1" indent="-514350">
+              <a:buClr>
+                <a:schemeClr val="tx2"/>
+              </a:buClr>
+            </a:pPr>
+            <a:endParaRPr lang="en-US" altLang="zh-CN" dirty="0" smtClean="0">
+              <a:latin typeface="Microsoft YaHei" pitchFamily="34" charset="-122"/>
+              <a:ea typeface="Microsoft YaHei" pitchFamily="34" charset="-122"/>
+            </a:endParaRPr>
+          </a:p>
+          <a:p>
+            <a:pPr marL="1008126" lvl="1" indent="-514350">
+              <a:buClr>
+                <a:schemeClr val="tx2"/>
+              </a:buClr>
+            </a:pPr>
+            <a:r>
+              <a:rPr lang="zh-CN" altLang="en-US" dirty="0" smtClean="0">
+                <a:latin typeface="Microsoft YaHei" pitchFamily="34" charset="-122"/>
+                <a:ea typeface="Microsoft YaHei" pitchFamily="34" charset="-122"/>
+              </a:rPr>
+              <a:t>上述问题导致在曲线上运动</a:t>
+            </a:r>
+            <a:r>
+              <a:rPr lang="zh-CN" altLang="en-US" dirty="0" smtClean="0">
+                <a:latin typeface="Microsoft YaHei" pitchFamily="34" charset="-122"/>
+                <a:ea typeface="Microsoft YaHei" pitchFamily="34" charset="-122"/>
+              </a:rPr>
+              <a:t>的物体无法进行匀速运动</a:t>
+            </a:r>
+            <a:endParaRPr lang="en-US" altLang="zh-CN" dirty="0" smtClean="0">
+              <a:latin typeface="Microsoft YaHei" pitchFamily="34" charset="-122"/>
+              <a:ea typeface="Microsoft YaHei" pitchFamily="34" charset="-122"/>
+            </a:endParaRPr>
+          </a:p>
+          <a:p>
+            <a:pPr marL="550926" indent="-514350">
+              <a:buClr>
+                <a:schemeClr val="tx2"/>
+              </a:buClr>
+            </a:pPr>
+            <a:endParaRPr lang="en-US" altLang="zh-CN" dirty="0" smtClean="0">
+              <a:latin typeface="Microsoft YaHei" pitchFamily="34" charset="-122"/>
+              <a:ea typeface="Microsoft YaHei" pitchFamily="34" charset="-122"/>
+            </a:endParaRPr>
+          </a:p>
+          <a:p>
+            <a:pPr marL="550926" indent="-514350">
+              <a:buClr>
+                <a:schemeClr val="tx2"/>
+              </a:buClr>
+            </a:pPr>
+            <a:endParaRPr lang="en-US" altLang="zh-CN" dirty="0" smtClean="0">
+              <a:latin typeface="Microsoft YaHei" pitchFamily="34" charset="-122"/>
+              <a:ea typeface="Microsoft YaHei" pitchFamily="34" charset="-122"/>
+            </a:endParaRPr>
+          </a:p>
+        </p:txBody>
+      </p:sp>
+      <p:sp>
+        <p:nvSpPr>
+          <p:cNvPr id="7" name="テキスト ボックス 6"/>
+          <p:cNvSpPr txBox="1"/>
+          <p:nvPr/>
+        </p:nvSpPr>
+        <p:spPr>
+          <a:xfrm>
+            <a:off x="467544" y="3526557"/>
+            <a:ext cx="5531001" cy="1846659"/>
+          </a:xfrm>
+          <a:prstGeom prst="rect">
+            <a:avLst/>
+          </a:prstGeom>
+          <a:noFill/>
+        </p:spPr>
+        <p:txBody>
+          <a:bodyPr wrap="none" rtlCol="0">
+            <a:spAutoFit/>
+          </a:bodyPr>
+          <a:lstStyle/>
+          <a:p>
+            <a:pPr marL="342900" indent="-342900">
+              <a:buFont typeface="Arial" pitchFamily="34" charset="0"/>
+              <a:buChar char="•"/>
+            </a:pPr>
+            <a:r>
+              <a:rPr lang="zh-CN" altLang="en-US" sz="2400" dirty="0" smtClean="0"/>
+              <a:t>解决问题</a:t>
+            </a:r>
+            <a:endParaRPr lang="en-US" altLang="zh-CN" sz="2400" dirty="0" smtClean="0"/>
+          </a:p>
+          <a:p>
+            <a:pPr marL="1008126" lvl="1" indent="-514350">
+              <a:buClr>
+                <a:schemeClr val="tx2"/>
+              </a:buClr>
+              <a:buFont typeface="+mj-lt"/>
+              <a:buAutoNum type="arabicPeriod"/>
+            </a:pPr>
+            <a:r>
+              <a:rPr lang="zh-CN" altLang="en-US" dirty="0" smtClean="0">
+                <a:latin typeface="Microsoft YaHei" pitchFamily="34" charset="-122"/>
+                <a:ea typeface="Microsoft YaHei" pitchFamily="34" charset="-122"/>
+              </a:rPr>
+              <a:t>曲线节点间的距离不根据曲线长度而变化</a:t>
+            </a:r>
+            <a:endParaRPr lang="en-US" altLang="zh-CN" dirty="0" smtClean="0">
+              <a:latin typeface="Microsoft YaHei" pitchFamily="34" charset="-122"/>
+              <a:ea typeface="Microsoft YaHei" pitchFamily="34" charset="-122"/>
+            </a:endParaRPr>
+          </a:p>
+          <a:p>
+            <a:pPr marL="1008126" lvl="1" indent="-514350">
+              <a:buClr>
+                <a:schemeClr val="tx2"/>
+              </a:buClr>
+              <a:buFont typeface="+mj-lt"/>
+              <a:buAutoNum type="arabicPeriod"/>
+            </a:pPr>
+            <a:r>
+              <a:rPr lang="zh-CN" altLang="en-US" dirty="0" smtClean="0">
+                <a:latin typeface="Microsoft YaHei" pitchFamily="34" charset="-122"/>
+                <a:ea typeface="Microsoft YaHei" pitchFamily="34" charset="-122"/>
+              </a:rPr>
+              <a:t>使曲线节点间的距离一致</a:t>
+            </a:r>
+            <a:endParaRPr lang="en-US" altLang="zh-CN" dirty="0" smtClean="0">
+              <a:latin typeface="Microsoft YaHei" pitchFamily="34" charset="-122"/>
+              <a:ea typeface="Microsoft YaHei" pitchFamily="34" charset="-122"/>
+            </a:endParaRPr>
+          </a:p>
+          <a:p>
+            <a:pPr marL="1008126" lvl="1" indent="-514350">
+              <a:buClr>
+                <a:schemeClr val="tx2"/>
+              </a:buClr>
+            </a:pPr>
+            <a:endParaRPr lang="en-US" altLang="zh-CN" dirty="0" smtClean="0">
+              <a:latin typeface="Microsoft YaHei" pitchFamily="34" charset="-122"/>
+              <a:ea typeface="Microsoft YaHei" pitchFamily="34" charset="-122"/>
+            </a:endParaRPr>
+          </a:p>
+          <a:p>
+            <a:pPr marL="1008126" lvl="1" indent="-514350">
+              <a:buClr>
+                <a:schemeClr val="tx2"/>
+              </a:buClr>
+            </a:pPr>
+            <a:r>
+              <a:rPr lang="zh-CN" altLang="en-US" dirty="0" smtClean="0">
+                <a:latin typeface="Microsoft YaHei" pitchFamily="34" charset="-122"/>
+                <a:ea typeface="Microsoft YaHei" pitchFamily="34" charset="-122"/>
+              </a:rPr>
+              <a:t>最终目标</a:t>
+            </a:r>
+            <a:r>
+              <a:rPr lang="zh-CN" altLang="en-US" dirty="0" smtClean="0">
+                <a:latin typeface="Microsoft YaHei" pitchFamily="34" charset="-122"/>
+                <a:ea typeface="Microsoft YaHei" pitchFamily="34" charset="-122"/>
+              </a:rPr>
+              <a:t>：</a:t>
+            </a:r>
+            <a:r>
+              <a:rPr lang="zh-CN" altLang="en-US" dirty="0" smtClean="0">
+                <a:latin typeface="Microsoft YaHei" pitchFamily="34" charset="-122"/>
+                <a:ea typeface="Microsoft YaHei" pitchFamily="34" charset="-122"/>
+              </a:rPr>
+              <a:t>使在曲线上运动</a:t>
+            </a:r>
+            <a:r>
+              <a:rPr lang="zh-CN" altLang="en-US" dirty="0" smtClean="0">
+                <a:latin typeface="Microsoft YaHei" pitchFamily="34" charset="-122"/>
+                <a:ea typeface="Microsoft YaHei" pitchFamily="34" charset="-122"/>
+              </a:rPr>
+              <a:t>的物体进行匀速运动</a:t>
+            </a:r>
+            <a:endParaRPr lang="en-US" altLang="zh-CN" dirty="0" smtClean="0">
+              <a:latin typeface="Microsoft YaHei" pitchFamily="34" charset="-122"/>
+              <a:ea typeface="Microsoft YaHei" pitchFamily="34" charset="-122"/>
+            </a:endParaRPr>
+          </a:p>
+          <a:p>
+            <a:endParaRPr kumimoji="1" lang="ja-JP" altLang="en-US" dirty="0"/>
+          </a:p>
+        </p:txBody>
+      </p:sp>
+    </p:spTree>
+  </p:cSld>
+  <p:clrMapOvr>
+    <a:masterClrMapping/>
+  </p:clrMapOvr>
+  <p:timing>
+    <p:tnLst>
+      <p:par>
+        <p:cTn id="1" dur="indefinite" restart="never" nodeType="tmRoot">
+          <p:childTnLst>
+            <p:seq concurrent="1" nextAc="seek">
+              <p:cTn id="2" dur="indefinite" nodeType="mainSeq">
+                <p:childTnLst>
+                  <p:par>
+                    <p:cTn id="3" fill="hold">
+                      <p:stCondLst>
+                        <p:cond delay="indefinite"/>
+                      </p:stCondLst>
+                      <p:childTnLst>
+                        <p:par>
+                          <p:cTn id="4" fill="hold">
+                            <p:stCondLst>
+                              <p:cond delay="0"/>
+                            </p:stCondLst>
+                            <p:childTnLst>
+                              <p:par>
+                                <p:cTn id="5" presetID="1" presetClass="entr" presetSubtype="0" fill="hold" grpId="0" nodeType="clickEffect">
+                                  <p:stCondLst>
+                                    <p:cond delay="0"/>
+                                  </p:stCondLst>
+                                  <p:childTnLst>
+                                    <p:set>
+                                      <p:cBhvr>
+                                        <p:cTn id="6" dur="1" fill="hold">
+                                          <p:stCondLst>
+                                            <p:cond delay="0"/>
+                                          </p:stCondLst>
+                                        </p:cTn>
+                                        <p:tgtEl>
+                                          <p:spTgt spid="5"/>
+                                        </p:tgtEl>
+                                        <p:attrNameLst>
+                                          <p:attrName>style.visibility</p:attrName>
+                                        </p:attrNameLst>
+                                      </p:cBhvr>
+                                      <p:to>
+                                        <p:strVal val="visible"/>
+                                      </p:to>
+                                    </p:set>
+                                  </p:childTnLst>
+                                </p:cTn>
+                              </p:par>
+                            </p:childTnLst>
+                          </p:cTn>
+                        </p:par>
+                      </p:childTnLst>
+                    </p:cTn>
+                  </p:par>
+                  <p:par>
+                    <p:cTn id="7" fill="hold">
+                      <p:stCondLst>
+                        <p:cond delay="indefinite"/>
+                      </p:stCondLst>
+                      <p:childTnLst>
+                        <p:par>
+                          <p:cTn id="8" fill="hold">
+                            <p:stCondLst>
+                              <p:cond delay="0"/>
+                            </p:stCondLst>
+                            <p:childTnLst>
+                              <p:par>
+                                <p:cTn id="9" presetID="1" presetClass="entr" presetSubtype="0" fill="hold" grpId="0" nodeType="clickEffect">
+                                  <p:stCondLst>
+                                    <p:cond delay="0"/>
+                                  </p:stCondLst>
+                                  <p:childTnLst>
+                                    <p:set>
+                                      <p:cBhvr>
+                                        <p:cTn id="10" dur="1" fill="hold">
+                                          <p:stCondLst>
+                                            <p:cond delay="0"/>
+                                          </p:stCondLst>
+                                        </p:cTn>
+                                        <p:tgtEl>
+                                          <p:spTgt spid="7"/>
+                                        </p:tgtEl>
+                                        <p:attrNameLst>
+                                          <p:attrName>style.visibility</p:attrName>
+                                        </p:attrNameLst>
+                                      </p:cBhvr>
+                                      <p:to>
+                                        <p:strVal val="visible"/>
+                                      </p:to>
+                                    </p:set>
+                                  </p:childTnLst>
+                                </p:cTn>
+                              </p:par>
+                            </p:childTnLst>
+                          </p:cTn>
+                        </p:par>
+                      </p:childTnLst>
+                    </p:cTn>
+                  </p:par>
+                </p:childTnLst>
+              </p:cTn>
+              <p:prevCondLst>
+                <p:cond evt="onPrev" delay="0">
+                  <p:tgtEl>
+                    <p:sldTgt/>
+                  </p:tgtEl>
+                </p:cond>
+              </p:prevCondLst>
+              <p:nextCondLst>
+                <p:cond evt="onNext" delay="0">
+                  <p:tgtEl>
+                    <p:sldTgt/>
+                  </p:tgtEl>
+                </p:cond>
+              </p:nextCondLst>
+            </p:seq>
+          </p:childTnLst>
+        </p:cTn>
+      </p:par>
+    </p:tnLst>
+    <p:bldLst>
+      <p:bldP spid="5" grpId="0"/>
+      <p:bldP spid="7" grpId="0"/>
+    </p:bldLst>
+  </p:timing>
+</p:sld>
+</file>
+
+<file path=ppt/slides/slide12.xml><?xml version="1.0" encoding="utf-8"?>
+<p:sld xmlns:a="http://schemas.openxmlformats.org/drawingml/2006/main" xmlns:r="http://schemas.openxmlformats.org/officeDocument/2006/relationships" xmlns:p="http://schemas.openxmlformats.org/presentationml/2006/main">
+  <p:cSld>
+    <p:spTree>
+      <p:nvGrpSpPr>
+        <p:cNvPr id="1" name=""/>
+        <p:cNvGrpSpPr/>
+        <p:nvPr/>
+      </p:nvGrpSpPr>
+      <p:grpSpPr>
+        <a:xfrm>
+          <a:off x="0" y="0"/>
+          <a:ext cx="0" cy="0"/>
+          <a:chOff x="0" y="0"/>
+          <a:chExt cx="0" cy="0"/>
+        </a:xfrm>
+      </p:grpSpPr>
+      <p:sp>
+        <p:nvSpPr>
+          <p:cNvPr id="2" name="タイトル 1"/>
+          <p:cNvSpPr>
+            <a:spLocks noGrp="1"/>
+          </p:cNvSpPr>
+          <p:nvPr>
+            <p:ph type="title"/>
+          </p:nvPr>
+        </p:nvSpPr>
+        <p:spPr>
+          <a:xfrm>
+            <a:off x="457200" y="274638"/>
+            <a:ext cx="8507288" cy="1143000"/>
+          </a:xfrm>
+        </p:spPr>
+        <p:txBody>
+          <a:bodyPr>
+            <a:normAutofit fontScale="90000"/>
+          </a:bodyPr>
+          <a:lstStyle/>
+          <a:p>
+            <a:r>
+              <a:rPr kumimoji="1" lang="en-US" altLang="ja-JP" sz="4000" dirty="0" smtClean="0">
+                <a:latin typeface="Microsoft YaHei" pitchFamily="34" charset="-122"/>
+                <a:ea typeface="Microsoft YaHei" pitchFamily="34" charset="-122"/>
+              </a:rPr>
+              <a:t>5. </a:t>
+            </a:r>
+            <a:r>
+              <a:rPr lang="zh-CN" altLang="en-US" sz="4000" dirty="0" smtClean="0">
+                <a:latin typeface="Microsoft YaHei" pitchFamily="34" charset="-122"/>
+                <a:ea typeface="Microsoft YaHei" pitchFamily="34" charset="-122"/>
+              </a:rPr>
+              <a:t>贝塞尔曲线匀速移动问题</a:t>
+            </a:r>
+            <a:r>
+              <a:rPr lang="zh-CN" altLang="en-US" sz="4000" dirty="0" smtClean="0">
+                <a:latin typeface="Microsoft YaHei" pitchFamily="34" charset="-122"/>
+                <a:ea typeface="Microsoft YaHei" pitchFamily="34" charset="-122"/>
+              </a:rPr>
+              <a:t>的解决方案</a:t>
+            </a:r>
+            <a:endParaRPr kumimoji="1" lang="ja-JP" altLang="en-US" dirty="0">
+              <a:latin typeface="Microsoft YaHei" pitchFamily="34" charset="-122"/>
+              <a:ea typeface="Microsoft YaHei" pitchFamily="34" charset="-122"/>
+            </a:endParaRPr>
+          </a:p>
+        </p:txBody>
+      </p:sp>
+      <p:sp>
+        <p:nvSpPr>
+          <p:cNvPr id="3" name="コンテンツ プレースホルダ 2"/>
+          <p:cNvSpPr>
+            <a:spLocks noGrp="1"/>
+          </p:cNvSpPr>
+          <p:nvPr>
+            <p:ph idx="1"/>
+          </p:nvPr>
+        </p:nvSpPr>
+        <p:spPr>
+          <a:xfrm>
+            <a:off x="457200" y="2996952"/>
+            <a:ext cx="7467600" cy="3384376"/>
+          </a:xfrm>
+        </p:spPr>
+        <p:txBody>
+          <a:bodyPr>
+            <a:normAutofit/>
+          </a:bodyPr>
+          <a:lstStyle/>
+          <a:p>
+            <a:pPr marL="550926" indent="-514350">
+              <a:buClr>
+                <a:schemeClr val="tx2"/>
+              </a:buClr>
+              <a:buFont typeface="Arial" pitchFamily="34" charset="0"/>
+              <a:buChar char="•"/>
+            </a:pPr>
+            <a:r>
+              <a:rPr lang="en-US" altLang="zh-CN" sz="1800" dirty="0" smtClean="0">
+                <a:latin typeface="Microsoft YaHei" pitchFamily="34" charset="-122"/>
+                <a:ea typeface="Microsoft YaHei" pitchFamily="34" charset="-122"/>
+              </a:rPr>
+              <a:t>It </a:t>
+            </a:r>
+            <a:r>
+              <a:rPr lang="en-US" altLang="zh-CN" sz="1800" dirty="0" smtClean="0">
+                <a:latin typeface="Microsoft YaHei" pitchFamily="34" charset="-122"/>
+                <a:ea typeface="Microsoft YaHei" pitchFamily="34" charset="-122"/>
+              </a:rPr>
+              <a:t>is possible to approximate a solution to this problem for most parametric trajectories. The idea is the following: if you zoom deep enough on a curve, you cannot tell the curve itself from its tangent at that point</a:t>
+            </a:r>
+            <a:r>
+              <a:rPr lang="en-US" altLang="zh-CN" sz="1800" dirty="0" smtClean="0">
+                <a:latin typeface="Microsoft YaHei" pitchFamily="34" charset="-122"/>
+                <a:ea typeface="Microsoft YaHei" pitchFamily="34" charset="-122"/>
+              </a:rPr>
+              <a:t>.</a:t>
+            </a:r>
+            <a:endParaRPr lang="en-US" altLang="zh-CN" sz="1800" dirty="0" smtClean="0">
+              <a:latin typeface="Microsoft YaHei" pitchFamily="34" charset="-122"/>
+              <a:ea typeface="Microsoft YaHei" pitchFamily="34" charset="-122"/>
+            </a:endParaRPr>
+          </a:p>
+          <a:p>
+            <a:pPr marL="550926" indent="-514350">
+              <a:buClr>
+                <a:schemeClr val="tx2"/>
+              </a:buClr>
+              <a:buFont typeface="Arial" pitchFamily="34" charset="0"/>
+              <a:buChar char="•"/>
+            </a:pPr>
+            <a:endParaRPr lang="en-US" altLang="zh-CN" sz="1800" dirty="0" smtClean="0">
+              <a:latin typeface="Microsoft YaHei" pitchFamily="34" charset="-122"/>
+              <a:ea typeface="Microsoft YaHei" pitchFamily="34" charset="-122"/>
+            </a:endParaRPr>
+          </a:p>
+          <a:p>
+            <a:pPr marL="550926" indent="-514350">
+              <a:buClr>
+                <a:schemeClr val="tx2"/>
+              </a:buClr>
+              <a:buFont typeface="Arial" pitchFamily="34" charset="0"/>
+              <a:buChar char="•"/>
+            </a:pPr>
+            <a:r>
+              <a:rPr lang="en-US" altLang="zh-CN" sz="1800" dirty="0" smtClean="0">
+                <a:latin typeface="Microsoft YaHei" pitchFamily="34" charset="-122"/>
+                <a:ea typeface="Microsoft YaHei" pitchFamily="34" charset="-122"/>
+              </a:rPr>
+              <a:t>So for a curve M(t) we compute its tangent vector </a:t>
+            </a:r>
+            <a:r>
+              <a:rPr lang="en-US" altLang="zh-CN" sz="1800" dirty="0" err="1" smtClean="0">
+                <a:latin typeface="Microsoft YaHei" pitchFamily="34" charset="-122"/>
+                <a:ea typeface="Microsoft YaHei" pitchFamily="34" charset="-122"/>
+              </a:rPr>
+              <a:t>dM</a:t>
+            </a:r>
+            <a:r>
+              <a:rPr lang="en-US" altLang="zh-CN" sz="1800" dirty="0" smtClean="0">
+                <a:latin typeface="Microsoft YaHei" pitchFamily="34" charset="-122"/>
+                <a:ea typeface="Microsoft YaHei" pitchFamily="34" charset="-122"/>
+              </a:rPr>
+              <a:t>/</a:t>
+            </a:r>
+            <a:r>
+              <a:rPr lang="en-US" altLang="zh-CN" sz="1800" dirty="0" err="1" smtClean="0">
+                <a:latin typeface="Microsoft YaHei" pitchFamily="34" charset="-122"/>
+                <a:ea typeface="Microsoft YaHei" pitchFamily="34" charset="-122"/>
+              </a:rPr>
+              <a:t>dt</a:t>
+            </a:r>
+            <a:r>
+              <a:rPr lang="en-US" altLang="zh-CN" sz="1800" dirty="0" smtClean="0">
+                <a:latin typeface="Microsoft YaHei" pitchFamily="34" charset="-122"/>
+                <a:ea typeface="Microsoft YaHei" pitchFamily="34" charset="-122"/>
+              </a:rPr>
+              <a:t> at point t. The norm of this vector is ||</a:t>
+            </a:r>
+            <a:r>
+              <a:rPr lang="en-US" altLang="zh-CN" sz="1800" dirty="0" err="1" smtClean="0">
+                <a:latin typeface="Microsoft YaHei" pitchFamily="34" charset="-122"/>
+                <a:ea typeface="Microsoft YaHei" pitchFamily="34" charset="-122"/>
+              </a:rPr>
+              <a:t>dM</a:t>
+            </a:r>
+            <a:r>
+              <a:rPr lang="en-US" altLang="zh-CN" sz="1800" dirty="0" smtClean="0">
+                <a:latin typeface="Microsoft YaHei" pitchFamily="34" charset="-122"/>
+                <a:ea typeface="Microsoft YaHei" pitchFamily="34" charset="-122"/>
+              </a:rPr>
+              <a:t>/</a:t>
+            </a:r>
+            <a:r>
+              <a:rPr lang="en-US" altLang="zh-CN" sz="1800" dirty="0" err="1" smtClean="0">
+                <a:latin typeface="Microsoft YaHei" pitchFamily="34" charset="-122"/>
+                <a:ea typeface="Microsoft YaHei" pitchFamily="34" charset="-122"/>
+              </a:rPr>
+              <a:t>dt</a:t>
+            </a:r>
+            <a:r>
+              <a:rPr lang="en-US" altLang="zh-CN" sz="1800" dirty="0" smtClean="0">
+                <a:latin typeface="Microsoft YaHei" pitchFamily="34" charset="-122"/>
+                <a:ea typeface="Microsoft YaHei" pitchFamily="34" charset="-122"/>
+              </a:rPr>
+              <a:t>|| and thus the distance traveled for a duration </a:t>
+            </a:r>
+            <a:r>
+              <a:rPr lang="en-US" altLang="zh-CN" sz="1800" dirty="0" err="1" smtClean="0">
+                <a:latin typeface="Microsoft YaHei" pitchFamily="34" charset="-122"/>
+                <a:ea typeface="Microsoft YaHei" pitchFamily="34" charset="-122"/>
+              </a:rPr>
+              <a:t>Δt</a:t>
+            </a:r>
+            <a:r>
+              <a:rPr lang="en-US" altLang="zh-CN" sz="1800" dirty="0" smtClean="0">
+                <a:latin typeface="Microsoft YaHei" pitchFamily="34" charset="-122"/>
+                <a:ea typeface="Microsoft YaHei" pitchFamily="34" charset="-122"/>
+              </a:rPr>
+              <a:t> can be approximated as ||</a:t>
+            </a:r>
+            <a:r>
+              <a:rPr lang="en-US" altLang="zh-CN" sz="1800" dirty="0" err="1" smtClean="0">
+                <a:latin typeface="Microsoft YaHei" pitchFamily="34" charset="-122"/>
+                <a:ea typeface="Microsoft YaHei" pitchFamily="34" charset="-122"/>
+              </a:rPr>
+              <a:t>dM</a:t>
+            </a:r>
+            <a:r>
+              <a:rPr lang="en-US" altLang="zh-CN" sz="1800" dirty="0" smtClean="0">
+                <a:latin typeface="Microsoft YaHei" pitchFamily="34" charset="-122"/>
+                <a:ea typeface="Microsoft YaHei" pitchFamily="34" charset="-122"/>
+              </a:rPr>
+              <a:t>/</a:t>
+            </a:r>
+            <a:r>
+              <a:rPr lang="en-US" altLang="zh-CN" sz="1800" dirty="0" err="1" smtClean="0">
+                <a:latin typeface="Microsoft YaHei" pitchFamily="34" charset="-122"/>
+                <a:ea typeface="Microsoft YaHei" pitchFamily="34" charset="-122"/>
+              </a:rPr>
+              <a:t>dt</a:t>
+            </a:r>
+            <a:r>
+              <a:rPr lang="en-US" altLang="zh-CN" sz="1800" dirty="0" smtClean="0">
+                <a:latin typeface="Microsoft YaHei" pitchFamily="34" charset="-122"/>
+                <a:ea typeface="Microsoft YaHei" pitchFamily="34" charset="-122"/>
+              </a:rPr>
+              <a:t>||</a:t>
+            </a:r>
+            <a:r>
+              <a:rPr lang="en-US" altLang="zh-CN" sz="1800" dirty="0" err="1" smtClean="0">
+                <a:latin typeface="Microsoft YaHei" pitchFamily="34" charset="-122"/>
+                <a:ea typeface="Microsoft YaHei" pitchFamily="34" charset="-122"/>
+              </a:rPr>
+              <a:t>Δt</a:t>
+            </a:r>
+            <a:r>
+              <a:rPr lang="en-US" altLang="zh-CN" sz="1800" dirty="0" smtClean="0">
+                <a:latin typeface="Microsoft YaHei" pitchFamily="34" charset="-122"/>
+                <a:ea typeface="Microsoft YaHei" pitchFamily="34" charset="-122"/>
+              </a:rPr>
+              <a:t>. It follows that a distance L is traveled for a duration L/||</a:t>
+            </a:r>
+            <a:r>
+              <a:rPr lang="en-US" altLang="zh-CN" sz="1800" dirty="0" err="1" smtClean="0">
+                <a:latin typeface="Microsoft YaHei" pitchFamily="34" charset="-122"/>
+                <a:ea typeface="Microsoft YaHei" pitchFamily="34" charset="-122"/>
+              </a:rPr>
+              <a:t>dM</a:t>
+            </a:r>
+            <a:r>
+              <a:rPr lang="en-US" altLang="zh-CN" sz="1800" dirty="0" smtClean="0">
+                <a:latin typeface="Microsoft YaHei" pitchFamily="34" charset="-122"/>
+                <a:ea typeface="Microsoft YaHei" pitchFamily="34" charset="-122"/>
+              </a:rPr>
+              <a:t>/</a:t>
+            </a:r>
+            <a:r>
+              <a:rPr lang="en-US" altLang="zh-CN" sz="1800" dirty="0" err="1" smtClean="0">
+                <a:latin typeface="Microsoft YaHei" pitchFamily="34" charset="-122"/>
+                <a:ea typeface="Microsoft YaHei" pitchFamily="34" charset="-122"/>
+              </a:rPr>
+              <a:t>dt</a:t>
+            </a:r>
+            <a:r>
+              <a:rPr lang="en-US" altLang="zh-CN" sz="1800" dirty="0" smtClean="0">
+                <a:latin typeface="Microsoft YaHei" pitchFamily="34" charset="-122"/>
+                <a:ea typeface="Microsoft YaHei" pitchFamily="34" charset="-122"/>
+              </a:rPr>
+              <a:t>||.</a:t>
+            </a:r>
+            <a:endParaRPr lang="en-US" altLang="zh-CN" sz="1800" dirty="0" smtClean="0">
+              <a:latin typeface="Microsoft YaHei" pitchFamily="34" charset="-122"/>
+              <a:ea typeface="Microsoft YaHei" pitchFamily="34" charset="-122"/>
+            </a:endParaRPr>
+          </a:p>
+        </p:txBody>
+      </p:sp>
+      <p:sp>
+        <p:nvSpPr>
+          <p:cNvPr id="4" name="テキスト ボックス 3"/>
+          <p:cNvSpPr txBox="1"/>
+          <p:nvPr/>
+        </p:nvSpPr>
+        <p:spPr>
+          <a:xfrm>
+            <a:off x="467544" y="1364575"/>
+            <a:ext cx="7992888" cy="1538883"/>
+          </a:xfrm>
+          <a:prstGeom prst="rect">
+            <a:avLst/>
+          </a:prstGeom>
+          <a:noFill/>
+        </p:spPr>
+        <p:txBody>
+          <a:bodyPr wrap="square" rtlCol="0">
+            <a:spAutoFit/>
+          </a:bodyPr>
+          <a:lstStyle/>
+          <a:p>
+            <a:pPr marL="0" lvl="1" latinLnBrk="1"/>
+            <a:r>
+              <a:rPr lang="en-US" altLang="zh-CN" sz="2000" dirty="0" smtClean="0">
+                <a:latin typeface="Microsoft YaHei" pitchFamily="34" charset="-122"/>
+                <a:ea typeface="Microsoft YaHei" pitchFamily="34" charset="-122"/>
+              </a:rPr>
+              <a:t>How to achieve uniform speed of movement on a </a:t>
+            </a:r>
+            <a:r>
+              <a:rPr lang="en-US" altLang="zh-CN" sz="2000" dirty="0" err="1" smtClean="0">
+                <a:latin typeface="Microsoft YaHei" pitchFamily="34" charset="-122"/>
+                <a:ea typeface="Microsoft YaHei" pitchFamily="34" charset="-122"/>
+              </a:rPr>
+              <a:t>bezier</a:t>
+            </a:r>
+            <a:r>
+              <a:rPr lang="en-US" altLang="zh-CN" sz="2000" dirty="0" smtClean="0">
+                <a:latin typeface="Microsoft YaHei" pitchFamily="34" charset="-122"/>
+                <a:ea typeface="Microsoft YaHei" pitchFamily="34" charset="-122"/>
+              </a:rPr>
+              <a:t> curve</a:t>
+            </a:r>
+            <a:r>
+              <a:rPr lang="en-US" altLang="zh-CN" sz="2000" dirty="0" smtClean="0">
+                <a:latin typeface="Microsoft YaHei" pitchFamily="34" charset="-122"/>
+                <a:ea typeface="Microsoft YaHei" pitchFamily="34" charset="-122"/>
+              </a:rPr>
+              <a:t>?</a:t>
+            </a:r>
+          </a:p>
+          <a:p>
+            <a:pPr marL="0" lvl="1" latinLnBrk="1"/>
+            <a:endParaRPr lang="en-US" altLang="zh-CN" sz="2000" dirty="0" smtClean="0">
+              <a:latin typeface="Microsoft YaHei" pitchFamily="34" charset="-122"/>
+              <a:ea typeface="Microsoft YaHei" pitchFamily="34" charset="-122"/>
+              <a:hlinkClick r:id="rId2"/>
+            </a:endParaRPr>
+          </a:p>
+          <a:p>
+            <a:pPr marL="0" lvl="1" latinLnBrk="1"/>
+            <a:r>
+              <a:rPr lang="en-US" altLang="zh-CN" dirty="0" smtClean="0">
+                <a:latin typeface="Microsoft YaHei" pitchFamily="34" charset="-122"/>
+                <a:ea typeface="Microsoft YaHei" pitchFamily="34" charset="-122"/>
+                <a:hlinkClick r:id="rId2"/>
+              </a:rPr>
+              <a:t>http</a:t>
+            </a:r>
+            <a:r>
+              <a:rPr lang="en-US" altLang="zh-CN" dirty="0" smtClean="0">
+                <a:latin typeface="Microsoft YaHei" pitchFamily="34" charset="-122"/>
+                <a:ea typeface="Microsoft YaHei" pitchFamily="34" charset="-122"/>
+                <a:hlinkClick r:id="rId2"/>
+              </a:rPr>
+              <a:t>://gamedev.stackexchange.com/questions/27056</a:t>
+            </a:r>
+            <a:r>
+              <a:rPr lang="en-US" altLang="zh-CN" dirty="0" smtClean="0">
+                <a:latin typeface="Microsoft YaHei" pitchFamily="34" charset="-122"/>
+                <a:ea typeface="Microsoft YaHei" pitchFamily="34" charset="-122"/>
+                <a:hlinkClick r:id="rId2"/>
+              </a:rPr>
+              <a:t>/</a:t>
+            </a:r>
+          </a:p>
+          <a:p>
+            <a:pPr marL="0" lvl="1" latinLnBrk="1"/>
+            <a:r>
+              <a:rPr lang="en-US" altLang="zh-CN" dirty="0" smtClean="0">
+                <a:latin typeface="Microsoft YaHei" pitchFamily="34" charset="-122"/>
+                <a:ea typeface="Microsoft YaHei" pitchFamily="34" charset="-122"/>
+                <a:hlinkClick r:id="rId2"/>
+              </a:rPr>
+              <a:t>how-to-achieve-uniform-speed-of-movement-on-a-</a:t>
+            </a:r>
+            <a:r>
+              <a:rPr lang="en-US" altLang="zh-CN" dirty="0" err="1" smtClean="0">
+                <a:latin typeface="Microsoft YaHei" pitchFamily="34" charset="-122"/>
+                <a:ea typeface="Microsoft YaHei" pitchFamily="34" charset="-122"/>
+                <a:hlinkClick r:id="rId2"/>
+              </a:rPr>
+              <a:t>bezier</a:t>
+            </a:r>
+            <a:r>
+              <a:rPr lang="en-US" altLang="zh-CN" dirty="0" smtClean="0">
+                <a:latin typeface="Microsoft YaHei" pitchFamily="34" charset="-122"/>
+                <a:ea typeface="Microsoft YaHei" pitchFamily="34" charset="-122"/>
+                <a:hlinkClick r:id="rId2"/>
+              </a:rPr>
+              <a:t>-curve</a:t>
+            </a:r>
+            <a:endParaRPr lang="en-US" altLang="zh-CN" dirty="0" smtClean="0">
+              <a:latin typeface="Microsoft YaHei" pitchFamily="34" charset="-122"/>
+              <a:ea typeface="Microsoft YaHei" pitchFamily="34" charset="-122"/>
+            </a:endParaRPr>
+          </a:p>
+          <a:p>
+            <a:endParaRPr kumimoji="1" lang="ja-JP" altLang="en-US" dirty="0"/>
+          </a:p>
+        </p:txBody>
+      </p:sp>
+    </p:spTree>
+  </p:cSld>
+  <p:clrMapOvr>
+    <a:masterClrMapping/>
+  </p:clrMapOvr>
+  <p:timing>
+    <p:tnLst>
+      <p:par>
+        <p:cTn id="1" dur="indefinite" restart="never" nodeType="tmRoot">
+          <p:childTnLst>
+            <p:seq concurrent="1" nextAc="seek">
+              <p:cTn id="2" dur="indefinite" nodeType="mainSeq">
+                <p:childTnLst>
+                  <p:par>
+                    <p:cTn id="3" fill="hold">
+                      <p:stCondLst>
+                        <p:cond delay="indefinite"/>
+                      </p:stCondLst>
+                      <p:childTnLst>
+                        <p:par>
+                          <p:cTn id="4" fill="hold">
+                            <p:stCondLst>
+                              <p:cond delay="0"/>
+                            </p:stCondLst>
+                            <p:childTnLst>
+                              <p:par>
+                                <p:cTn id="5" presetID="1" presetClass="entr" presetSubtype="0" fill="hold" grpId="0" nodeType="clickEffect">
+                                  <p:stCondLst>
+                                    <p:cond delay="0"/>
+                                  </p:stCondLst>
+                                  <p:childTnLst>
+                                    <p:set>
+                                      <p:cBhvr>
+                                        <p:cTn id="6" dur="1" fill="hold">
+                                          <p:stCondLst>
+                                            <p:cond delay="0"/>
+                                          </p:stCondLst>
+                                        </p:cTn>
+                                        <p:tgtEl>
+                                          <p:spTgt spid="4"/>
+                                        </p:tgtEl>
+                                        <p:attrNameLst>
+                                          <p:attrName>style.visibility</p:attrName>
+                                        </p:attrNameLst>
+                                      </p:cBhvr>
+                                      <p:to>
+                                        <p:strVal val="visible"/>
+                                      </p:to>
+                                    </p:set>
+                                  </p:childTnLst>
+                                </p:cTn>
+                              </p:par>
+                            </p:childTnLst>
+                          </p:cTn>
+                        </p:par>
+                      </p:childTnLst>
+                    </p:cTn>
+                  </p:par>
+                  <p:par>
+                    <p:cTn id="7" fill="hold">
+                      <p:stCondLst>
+                        <p:cond delay="indefinite"/>
+                      </p:stCondLst>
+                      <p:childTnLst>
+                        <p:par>
+                          <p:cTn id="8" fill="hold">
+                            <p:stCondLst>
+                              <p:cond delay="0"/>
+                            </p:stCondLst>
+                            <p:childTnLst>
+                              <p:par>
+                                <p:cTn id="9" presetID="1" presetClass="entr" presetSubtype="0" fill="hold" grpId="0" nodeType="clickEffect">
+                                  <p:stCondLst>
+                                    <p:cond delay="0"/>
+                                  </p:stCondLst>
+                                  <p:childTnLst>
+                                    <p:set>
+                                      <p:cBhvr>
+                                        <p:cTn id="10" dur="1" fill="hold">
+                                          <p:stCondLst>
+                                            <p:cond delay="0"/>
+                                          </p:stCondLst>
+                                        </p:cTn>
+                                        <p:tgtEl>
+                                          <p:spTgt spid="3">
+                                            <p:txEl>
+                                              <p:pRg st="0" end="0"/>
+                                            </p:txEl>
+                                          </p:spTgt>
+                                        </p:tgtEl>
+                                        <p:attrNameLst>
+                                          <p:attrName>style.visibility</p:attrName>
+                                        </p:attrNameLst>
+                                      </p:cBhvr>
+                                      <p:to>
+                                        <p:strVal val="visible"/>
+                                      </p:to>
+                                    </p:set>
+                                  </p:childTnLst>
+                                </p:cTn>
+                              </p:par>
+                              <p:par>
+                                <p:cTn id="11" presetID="1" presetClass="entr" presetSubtype="0" fill="hold" grpId="0" nodeType="withEffect">
+                                  <p:stCondLst>
+                                    <p:cond delay="0"/>
+                                  </p:stCondLst>
+                                  <p:childTnLst>
+                                    <p:set>
+                                      <p:cBhvr>
+                                        <p:cTn id="12" dur="1" fill="hold">
+                                          <p:stCondLst>
+                                            <p:cond delay="0"/>
+                                          </p:stCondLst>
+                                        </p:cTn>
+                                        <p:tgtEl>
+                                          <p:spTgt spid="3">
+                                            <p:txEl>
+                                              <p:pRg st="2" end="2"/>
+                                            </p:txEl>
+                                          </p:spTgt>
+                                        </p:tgtEl>
+                                        <p:attrNameLst>
+                                          <p:attrName>style.visibility</p:attrName>
+                                        </p:attrNameLst>
+                                      </p:cBhvr>
+                                      <p:to>
+                                        <p:strVal val="visible"/>
+                                      </p:to>
+                                    </p:set>
+                                  </p:childTnLst>
+                                </p:cTn>
+                              </p:par>
+                            </p:childTnLst>
+                          </p:cTn>
+                        </p:par>
+                      </p:childTnLst>
+                    </p:cTn>
+                  </p:par>
+                </p:childTnLst>
+              </p:cTn>
+              <p:prevCondLst>
+                <p:cond evt="onPrev" delay="0">
+                  <p:tgtEl>
+                    <p:sldTgt/>
+                  </p:tgtEl>
+                </p:cond>
+              </p:prevCondLst>
+              <p:nextCondLst>
+                <p:cond evt="onNext" delay="0">
+                  <p:tgtEl>
+                    <p:sldTgt/>
+                  </p:tgtEl>
+                </p:cond>
+              </p:nextCondLst>
+            </p:seq>
+          </p:childTnLst>
+        </p:cTn>
+      </p:par>
+    </p:tnLst>
+    <p:bldLst>
+      <p:bldP spid="3" grpId="0" build="p"/>
+      <p:bldP spid="4" grpId="0"/>
+    </p:bldLst>
+  </p:timing>
+</p:sld>
+</file>
+
+<file path=ppt/slides/slide13.xml><?xml version="1.0" encoding="utf-8"?>
+<p:sld xmlns:a="http://schemas.openxmlformats.org/drawingml/2006/main" xmlns:r="http://schemas.openxmlformats.org/officeDocument/2006/relationships" xmlns:p="http://schemas.openxmlformats.org/presentationml/2006/main">
+  <p:cSld>
+    <p:spTree>
+      <p:nvGrpSpPr>
+        <p:cNvPr id="1" name=""/>
+        <p:cNvGrpSpPr/>
+        <p:nvPr/>
+      </p:nvGrpSpPr>
+      <p:grpSpPr>
+        <a:xfrm>
+          <a:off x="0" y="0"/>
+          <a:ext cx="0" cy="0"/>
+          <a:chOff x="0" y="0"/>
+          <a:chExt cx="0" cy="0"/>
+        </a:xfrm>
+      </p:grpSpPr>
+      <p:sp>
+        <p:nvSpPr>
+          <p:cNvPr id="2" name="タイトル 1"/>
+          <p:cNvSpPr>
+            <a:spLocks noGrp="1"/>
+          </p:cNvSpPr>
+          <p:nvPr>
+            <p:ph type="title"/>
+          </p:nvPr>
+        </p:nvSpPr>
+        <p:spPr>
+          <a:xfrm>
+            <a:off x="457200" y="274638"/>
+            <a:ext cx="8507288" cy="1143000"/>
+          </a:xfrm>
+        </p:spPr>
+        <p:txBody>
+          <a:bodyPr>
+            <a:normAutofit fontScale="90000"/>
+          </a:bodyPr>
+          <a:lstStyle/>
+          <a:p>
+            <a:r>
+              <a:rPr kumimoji="1" lang="en-US" altLang="ja-JP" sz="4000" dirty="0" smtClean="0">
+                <a:latin typeface="Microsoft YaHei" pitchFamily="34" charset="-122"/>
+                <a:ea typeface="Microsoft YaHei" pitchFamily="34" charset="-122"/>
+              </a:rPr>
+              <a:t>5. </a:t>
+            </a:r>
+            <a:r>
+              <a:rPr lang="zh-CN" altLang="en-US" sz="4000" dirty="0" smtClean="0">
+                <a:latin typeface="Microsoft YaHei" pitchFamily="34" charset="-122"/>
+                <a:ea typeface="Microsoft YaHei" pitchFamily="34" charset="-122"/>
+              </a:rPr>
+              <a:t>贝塞尔曲线匀速移动问题</a:t>
+            </a:r>
+            <a:r>
+              <a:rPr lang="zh-CN" altLang="en-US" sz="4000" dirty="0" smtClean="0">
+                <a:latin typeface="Microsoft YaHei" pitchFamily="34" charset="-122"/>
+                <a:ea typeface="Microsoft YaHei" pitchFamily="34" charset="-122"/>
+              </a:rPr>
+              <a:t>的解决方案</a:t>
+            </a:r>
+            <a:endParaRPr kumimoji="1" lang="ja-JP" altLang="en-US" dirty="0">
+              <a:latin typeface="Microsoft YaHei" pitchFamily="34" charset="-122"/>
+              <a:ea typeface="Microsoft YaHei" pitchFamily="34" charset="-122"/>
+            </a:endParaRPr>
+          </a:p>
+        </p:txBody>
+      </p:sp>
+      <p:sp>
+        <p:nvSpPr>
+          <p:cNvPr id="3" name="コンテンツ プレースホルダ 2"/>
+          <p:cNvSpPr>
+            <a:spLocks noGrp="1"/>
+          </p:cNvSpPr>
+          <p:nvPr>
+            <p:ph idx="1"/>
+          </p:nvPr>
+        </p:nvSpPr>
+        <p:spPr>
+          <a:xfrm>
+            <a:off x="457200" y="2060848"/>
+            <a:ext cx="7467600" cy="4320480"/>
+          </a:xfrm>
+        </p:spPr>
+        <p:txBody>
+          <a:bodyPr>
+            <a:normAutofit lnSpcReduction="10000"/>
+          </a:bodyPr>
+          <a:lstStyle/>
+          <a:p>
+            <a:pPr marL="550926" indent="-514350">
+              <a:buClr>
+                <a:schemeClr val="tx2"/>
+              </a:buClr>
+              <a:buFont typeface="Arial" pitchFamily="34" charset="0"/>
+              <a:buChar char="•"/>
+            </a:pPr>
+            <a:r>
+              <a:rPr lang="zh-CN" altLang="en-US" sz="1800" dirty="0" smtClean="0">
+                <a:latin typeface="Microsoft YaHei" pitchFamily="34" charset="-122"/>
+                <a:ea typeface="Microsoft YaHei" pitchFamily="34" charset="-122"/>
+              </a:rPr>
+              <a:t>相对于大多数的参数轨迹，</a:t>
+            </a:r>
+            <a:r>
+              <a:rPr lang="en-US" altLang="zh-CN" sz="1800" dirty="0" smtClean="0">
+                <a:latin typeface="Microsoft YaHei" pitchFamily="34" charset="-122"/>
+                <a:ea typeface="Microsoft YaHei" pitchFamily="34" charset="-122"/>
+              </a:rPr>
+              <a:t/>
+            </a:r>
+            <a:br>
+              <a:rPr lang="en-US" altLang="zh-CN" sz="1800" dirty="0" smtClean="0">
+                <a:latin typeface="Microsoft YaHei" pitchFamily="34" charset="-122"/>
+                <a:ea typeface="Microsoft YaHei" pitchFamily="34" charset="-122"/>
+              </a:rPr>
+            </a:br>
+            <a:r>
+              <a:rPr lang="zh-CN" altLang="en-US" sz="1800" dirty="0" smtClean="0">
+                <a:latin typeface="Microsoft YaHei" pitchFamily="34" charset="-122"/>
+                <a:ea typeface="Microsoft YaHei" pitchFamily="34" charset="-122"/>
+              </a:rPr>
+              <a:t>都可以使用这种解决方法来取得一个近似的答案。</a:t>
+            </a:r>
+            <a:endParaRPr lang="en-US" altLang="zh-CN" sz="1800" dirty="0" smtClean="0">
+              <a:latin typeface="Microsoft YaHei" pitchFamily="34" charset="-122"/>
+              <a:ea typeface="Microsoft YaHei" pitchFamily="34" charset="-122"/>
+            </a:endParaRPr>
+          </a:p>
+          <a:p>
+            <a:pPr marL="550926" indent="-514350">
+              <a:buClr>
+                <a:schemeClr val="tx2"/>
+              </a:buClr>
+              <a:buFont typeface="Arial" pitchFamily="34" charset="0"/>
+              <a:buChar char="•"/>
+            </a:pPr>
+            <a:endParaRPr lang="en-US" altLang="zh-CN" sz="1800" dirty="0" smtClean="0">
+              <a:latin typeface="Microsoft YaHei" pitchFamily="34" charset="-122"/>
+              <a:ea typeface="Microsoft YaHei" pitchFamily="34" charset="-122"/>
+            </a:endParaRPr>
+          </a:p>
+          <a:p>
+            <a:pPr marL="550926" indent="-514350">
+              <a:buClr>
+                <a:schemeClr val="tx2"/>
+              </a:buClr>
+              <a:buFont typeface="Arial" pitchFamily="34" charset="0"/>
+              <a:buChar char="•"/>
+            </a:pPr>
+            <a:r>
+              <a:rPr lang="zh-CN" altLang="en-US" sz="1800" dirty="0" smtClean="0">
+                <a:latin typeface="Microsoft YaHei" pitchFamily="34" charset="-122"/>
+                <a:ea typeface="Microsoft YaHei" pitchFamily="34" charset="-122"/>
+              </a:rPr>
+              <a:t>这个想法是，如果将一条曲线放的足够大，</a:t>
+            </a:r>
+            <a:r>
+              <a:rPr lang="en-US" altLang="zh-CN" sz="1800" dirty="0" smtClean="0">
+                <a:latin typeface="Microsoft YaHei" pitchFamily="34" charset="-122"/>
+                <a:ea typeface="Microsoft YaHei" pitchFamily="34" charset="-122"/>
+              </a:rPr>
+              <a:t/>
+            </a:r>
+            <a:br>
+              <a:rPr lang="en-US" altLang="zh-CN" sz="1800" dirty="0" smtClean="0">
+                <a:latin typeface="Microsoft YaHei" pitchFamily="34" charset="-122"/>
+                <a:ea typeface="Microsoft YaHei" pitchFamily="34" charset="-122"/>
+              </a:rPr>
+            </a:br>
+            <a:r>
+              <a:rPr lang="zh-CN" altLang="en-US" sz="1800" dirty="0" smtClean="0">
+                <a:latin typeface="Microsoft YaHei" pitchFamily="34" charset="-122"/>
+                <a:ea typeface="Microsoft YaHei" pitchFamily="34" charset="-122"/>
+              </a:rPr>
+              <a:t>你将无法从曲线上一点的切线判断它是一条曲线。</a:t>
+            </a:r>
+            <a:r>
+              <a:rPr lang="en-US" altLang="zh-CN" sz="1800" dirty="0" smtClean="0">
+                <a:latin typeface="Microsoft YaHei" pitchFamily="34" charset="-122"/>
+                <a:ea typeface="Microsoft YaHei" pitchFamily="34" charset="-122"/>
+              </a:rPr>
+              <a:t/>
+            </a:r>
+            <a:br>
+              <a:rPr lang="en-US" altLang="zh-CN" sz="1800" dirty="0" smtClean="0">
+                <a:latin typeface="Microsoft YaHei" pitchFamily="34" charset="-122"/>
+                <a:ea typeface="Microsoft YaHei" pitchFamily="34" charset="-122"/>
+              </a:rPr>
+            </a:br>
+            <a:r>
+              <a:rPr lang="zh-CN" altLang="en-US" sz="1800" dirty="0" smtClean="0">
+                <a:latin typeface="Microsoft YaHei" pitchFamily="34" charset="-122"/>
+                <a:ea typeface="Microsoft YaHei" pitchFamily="34" charset="-122"/>
+              </a:rPr>
+              <a:t>也就是说一条曲线上某一点的切线，</a:t>
+            </a:r>
+            <a:r>
+              <a:rPr lang="en-US" altLang="zh-CN" sz="1800" dirty="0" smtClean="0">
+                <a:latin typeface="Microsoft YaHei" pitchFamily="34" charset="-122"/>
+                <a:ea typeface="Microsoft YaHei" pitchFamily="34" charset="-122"/>
+              </a:rPr>
+              <a:t/>
+            </a:r>
+            <a:br>
+              <a:rPr lang="en-US" altLang="zh-CN" sz="1800" dirty="0" smtClean="0">
+                <a:latin typeface="Microsoft YaHei" pitchFamily="34" charset="-122"/>
+                <a:ea typeface="Microsoft YaHei" pitchFamily="34" charset="-122"/>
+              </a:rPr>
+            </a:br>
+            <a:r>
+              <a:rPr lang="zh-CN" altLang="en-US" sz="1800" dirty="0" smtClean="0">
+                <a:latin typeface="Microsoft YaHei" pitchFamily="34" charset="-122"/>
+                <a:ea typeface="Microsoft YaHei" pitchFamily="34" charset="-122"/>
+              </a:rPr>
+              <a:t>可以近似地认为就是这条曲线的本身。</a:t>
+            </a:r>
+            <a:endParaRPr lang="en-US" altLang="zh-CN" sz="1800" dirty="0" smtClean="0">
+              <a:latin typeface="Microsoft YaHei" pitchFamily="34" charset="-122"/>
+              <a:ea typeface="Microsoft YaHei" pitchFamily="34" charset="-122"/>
+            </a:endParaRPr>
+          </a:p>
+          <a:p>
+            <a:pPr marL="550926" indent="-514350">
+              <a:buClr>
+                <a:schemeClr val="tx2"/>
+              </a:buClr>
+              <a:buFont typeface="Arial" pitchFamily="34" charset="0"/>
+              <a:buChar char="•"/>
+            </a:pPr>
+            <a:endParaRPr lang="en-US" altLang="zh-CN" sz="1800" dirty="0" smtClean="0">
+              <a:latin typeface="Microsoft YaHei" pitchFamily="34" charset="-122"/>
+              <a:ea typeface="Microsoft YaHei" pitchFamily="34" charset="-122"/>
+            </a:endParaRPr>
+          </a:p>
+          <a:p>
+            <a:pPr marL="550926" indent="-514350">
+              <a:buClr>
+                <a:schemeClr val="tx2"/>
+              </a:buClr>
+              <a:buFont typeface="Arial" pitchFamily="34" charset="0"/>
+              <a:buChar char="•"/>
+            </a:pPr>
+            <a:r>
+              <a:rPr lang="zh-CN" altLang="en-US" sz="1800" dirty="0" smtClean="0">
+                <a:latin typeface="Microsoft YaHei" pitchFamily="34" charset="-122"/>
+                <a:ea typeface="Microsoft YaHei" pitchFamily="34" charset="-122"/>
+              </a:rPr>
+              <a:t>假设有一条曲线 </a:t>
+            </a:r>
+            <a:r>
+              <a:rPr lang="en-US" altLang="zh-CN" sz="1800" dirty="0" smtClean="0">
+                <a:latin typeface="Microsoft YaHei" pitchFamily="34" charset="-122"/>
+                <a:ea typeface="Microsoft YaHei" pitchFamily="34" charset="-122"/>
+              </a:rPr>
+              <a:t>M( t )</a:t>
+            </a:r>
+            <a:r>
+              <a:rPr lang="zh-CN" altLang="en-US" sz="1800" dirty="0" smtClean="0">
+                <a:latin typeface="Microsoft YaHei" pitchFamily="34" charset="-122"/>
+                <a:ea typeface="Microsoft YaHei" pitchFamily="34" charset="-122"/>
+              </a:rPr>
+              <a:t>，它的切向量则为 </a:t>
+            </a:r>
+            <a:r>
+              <a:rPr lang="en-US" altLang="zh-CN" sz="1800" dirty="0" err="1" smtClean="0">
+                <a:latin typeface="Microsoft YaHei" pitchFamily="34" charset="-122"/>
+                <a:ea typeface="Microsoft YaHei" pitchFamily="34" charset="-122"/>
+              </a:rPr>
+              <a:t>dM</a:t>
+            </a:r>
+            <a:r>
+              <a:rPr lang="en-US" altLang="zh-CN" sz="1800" dirty="0" smtClean="0">
+                <a:latin typeface="Microsoft YaHei" pitchFamily="34" charset="-122"/>
+                <a:ea typeface="Microsoft YaHei" pitchFamily="34" charset="-122"/>
+              </a:rPr>
+              <a:t> / </a:t>
+            </a:r>
+            <a:r>
+              <a:rPr lang="en-US" altLang="zh-CN" sz="1800" dirty="0" err="1" smtClean="0">
+                <a:latin typeface="Microsoft YaHei" pitchFamily="34" charset="-122"/>
+                <a:ea typeface="Microsoft YaHei" pitchFamily="34" charset="-122"/>
+              </a:rPr>
+              <a:t>dt</a:t>
+            </a:r>
+            <a:r>
+              <a:rPr lang="zh-CN" altLang="en-US" sz="1800" dirty="0" smtClean="0">
+                <a:latin typeface="Microsoft YaHei" pitchFamily="34" charset="-122"/>
+                <a:ea typeface="Microsoft YaHei" pitchFamily="34" charset="-122"/>
+              </a:rPr>
+              <a:t>。</a:t>
+            </a:r>
+            <a:r>
+              <a:rPr lang="en-US" altLang="zh-CN" sz="1800" dirty="0" smtClean="0">
+                <a:latin typeface="Microsoft YaHei" pitchFamily="34" charset="-122"/>
+                <a:ea typeface="Microsoft YaHei" pitchFamily="34" charset="-122"/>
+              </a:rPr>
+              <a:t/>
+            </a:r>
+            <a:br>
+              <a:rPr lang="en-US" altLang="zh-CN" sz="1800" dirty="0" smtClean="0">
+                <a:latin typeface="Microsoft YaHei" pitchFamily="34" charset="-122"/>
+                <a:ea typeface="Microsoft YaHei" pitchFamily="34" charset="-122"/>
+              </a:rPr>
+            </a:br>
+            <a:r>
+              <a:rPr lang="zh-CN" altLang="en-US" sz="1800" dirty="0" smtClean="0">
+                <a:latin typeface="Microsoft YaHei" pitchFamily="34" charset="-122"/>
+                <a:ea typeface="Microsoft YaHei" pitchFamily="34" charset="-122"/>
+              </a:rPr>
+              <a:t>而切向量的大小则为 </a:t>
+            </a:r>
+            <a:r>
+              <a:rPr lang="en-US" altLang="zh-CN" sz="1800" dirty="0" smtClean="0">
+                <a:latin typeface="Microsoft YaHei" pitchFamily="34" charset="-122"/>
+                <a:ea typeface="Microsoft YaHei" pitchFamily="34" charset="-122"/>
+              </a:rPr>
+              <a:t>|| </a:t>
+            </a:r>
+            <a:r>
+              <a:rPr lang="en-US" altLang="zh-CN" sz="1800" dirty="0" err="1" smtClean="0">
+                <a:latin typeface="Microsoft YaHei" pitchFamily="34" charset="-122"/>
+                <a:ea typeface="Microsoft YaHei" pitchFamily="34" charset="-122"/>
+              </a:rPr>
+              <a:t>dM</a:t>
+            </a:r>
+            <a:r>
+              <a:rPr lang="en-US" altLang="zh-CN" sz="1800" dirty="0" smtClean="0">
+                <a:latin typeface="Microsoft YaHei" pitchFamily="34" charset="-122"/>
+                <a:ea typeface="Microsoft YaHei" pitchFamily="34" charset="-122"/>
+              </a:rPr>
+              <a:t> / </a:t>
+            </a:r>
+            <a:r>
+              <a:rPr lang="en-US" altLang="zh-CN" sz="1800" dirty="0" err="1" smtClean="0">
+                <a:latin typeface="Microsoft YaHei" pitchFamily="34" charset="-122"/>
+                <a:ea typeface="Microsoft YaHei" pitchFamily="34" charset="-122"/>
+              </a:rPr>
+              <a:t>dt</a:t>
+            </a:r>
+            <a:r>
+              <a:rPr lang="en-US" altLang="zh-CN" sz="1800" dirty="0" smtClean="0">
+                <a:latin typeface="Microsoft YaHei" pitchFamily="34" charset="-122"/>
+                <a:ea typeface="Microsoft YaHei" pitchFamily="34" charset="-122"/>
+              </a:rPr>
+              <a:t> ||</a:t>
+            </a:r>
+            <a:r>
+              <a:rPr lang="zh-CN" altLang="en-US" sz="1800" dirty="0" smtClean="0">
+                <a:latin typeface="Microsoft YaHei" pitchFamily="34" charset="-122"/>
+                <a:ea typeface="Microsoft YaHei" pitchFamily="34" charset="-122"/>
+              </a:rPr>
+              <a:t>。</a:t>
+            </a:r>
+            <a:endParaRPr lang="en-US" altLang="zh-CN" sz="1800" dirty="0" smtClean="0">
+              <a:latin typeface="Microsoft YaHei" pitchFamily="34" charset="-122"/>
+              <a:ea typeface="Microsoft YaHei" pitchFamily="34" charset="-122"/>
+            </a:endParaRPr>
+          </a:p>
+          <a:p>
+            <a:pPr marL="550926" indent="-514350">
+              <a:buClr>
+                <a:schemeClr val="tx2"/>
+              </a:buClr>
+              <a:buFont typeface="Arial" pitchFamily="34" charset="0"/>
+              <a:buChar char="•"/>
+            </a:pPr>
+            <a:endParaRPr lang="en-US" altLang="zh-CN" sz="1800" dirty="0" smtClean="0">
+              <a:latin typeface="Microsoft YaHei" pitchFamily="34" charset="-122"/>
+              <a:ea typeface="Microsoft YaHei" pitchFamily="34" charset="-122"/>
+            </a:endParaRPr>
+          </a:p>
+          <a:p>
+            <a:pPr marL="550926" indent="-514350">
+              <a:buClr>
+                <a:schemeClr val="tx2"/>
+              </a:buClr>
+              <a:buFont typeface="Arial" pitchFamily="34" charset="0"/>
+              <a:buChar char="•"/>
+            </a:pPr>
+            <a:r>
+              <a:rPr lang="zh-CN" altLang="en-US" sz="1800" dirty="0" smtClean="0">
+                <a:latin typeface="Microsoft YaHei" pitchFamily="34" charset="-122"/>
+                <a:ea typeface="Microsoft YaHei" pitchFamily="34" charset="-122"/>
+              </a:rPr>
+              <a:t>因此 </a:t>
+            </a:r>
+            <a:r>
+              <a:rPr lang="en-US" altLang="zh-CN" sz="1800" dirty="0" err="1" smtClean="0">
+                <a:latin typeface="Microsoft YaHei" pitchFamily="34" charset="-122"/>
+                <a:ea typeface="Microsoft YaHei" pitchFamily="34" charset="-122"/>
+              </a:rPr>
+              <a:t>Δt</a:t>
+            </a:r>
+            <a:r>
+              <a:rPr lang="en-US" altLang="zh-CN" sz="1800" dirty="0" smtClean="0">
+                <a:latin typeface="Microsoft YaHei" pitchFamily="34" charset="-122"/>
+                <a:ea typeface="Microsoft YaHei" pitchFamily="34" charset="-122"/>
+              </a:rPr>
+              <a:t> </a:t>
+            </a:r>
+            <a:r>
+              <a:rPr lang="zh-CN" altLang="en-US" sz="1800" dirty="0" smtClean="0">
+                <a:latin typeface="Microsoft YaHei" pitchFamily="34" charset="-122"/>
+                <a:ea typeface="Microsoft YaHei" pitchFamily="34" charset="-122"/>
+              </a:rPr>
+              <a:t>时间内所经过的距离就是 </a:t>
+            </a:r>
+            <a:r>
+              <a:rPr lang="en-US" altLang="zh-CN" sz="1800" dirty="0" smtClean="0">
+                <a:latin typeface="Microsoft YaHei" pitchFamily="34" charset="-122"/>
+                <a:ea typeface="Microsoft YaHei" pitchFamily="34" charset="-122"/>
+              </a:rPr>
+              <a:t>|| </a:t>
+            </a:r>
+            <a:r>
+              <a:rPr lang="en-US" altLang="zh-CN" sz="1800" dirty="0" err="1" smtClean="0">
+                <a:latin typeface="Microsoft YaHei" pitchFamily="34" charset="-122"/>
+                <a:ea typeface="Microsoft YaHei" pitchFamily="34" charset="-122"/>
+              </a:rPr>
+              <a:t>dM</a:t>
+            </a:r>
+            <a:r>
+              <a:rPr lang="en-US" altLang="zh-CN" sz="1800" dirty="0" smtClean="0">
+                <a:latin typeface="Microsoft YaHei" pitchFamily="34" charset="-122"/>
+                <a:ea typeface="Microsoft YaHei" pitchFamily="34" charset="-122"/>
+              </a:rPr>
+              <a:t> / </a:t>
+            </a:r>
+            <a:r>
+              <a:rPr lang="en-US" altLang="zh-CN" sz="1800" dirty="0" err="1" smtClean="0">
+                <a:latin typeface="Microsoft YaHei" pitchFamily="34" charset="-122"/>
+                <a:ea typeface="Microsoft YaHei" pitchFamily="34" charset="-122"/>
+              </a:rPr>
+              <a:t>dt</a:t>
+            </a:r>
+            <a:r>
+              <a:rPr lang="en-US" altLang="zh-CN" sz="1800" dirty="0" smtClean="0">
+                <a:latin typeface="Microsoft YaHei" pitchFamily="34" charset="-122"/>
+                <a:ea typeface="Microsoft YaHei" pitchFamily="34" charset="-122"/>
+              </a:rPr>
+              <a:t> || * </a:t>
+            </a:r>
+            <a:r>
+              <a:rPr lang="en-US" altLang="zh-CN" sz="1800" dirty="0" err="1" smtClean="0">
+                <a:latin typeface="Microsoft YaHei" pitchFamily="34" charset="-122"/>
+                <a:ea typeface="Microsoft YaHei" pitchFamily="34" charset="-122"/>
+              </a:rPr>
+              <a:t>Δt</a:t>
+            </a:r>
+            <a:r>
+              <a:rPr lang="zh-CN" altLang="en-US" sz="1800" dirty="0" smtClean="0">
+                <a:latin typeface="Microsoft YaHei" pitchFamily="34" charset="-122"/>
+                <a:ea typeface="Microsoft YaHei" pitchFamily="34" charset="-122"/>
+              </a:rPr>
+              <a:t>。</a:t>
+            </a:r>
+            <a:r>
+              <a:rPr lang="en-US" altLang="zh-CN" sz="1800" dirty="0" smtClean="0">
+                <a:latin typeface="Microsoft YaHei" pitchFamily="34" charset="-122"/>
+                <a:ea typeface="Microsoft YaHei" pitchFamily="34" charset="-122"/>
+              </a:rPr>
+              <a:t/>
+            </a:r>
+            <a:br>
+              <a:rPr lang="en-US" altLang="zh-CN" sz="1800" dirty="0" smtClean="0">
+                <a:latin typeface="Microsoft YaHei" pitchFamily="34" charset="-122"/>
+                <a:ea typeface="Microsoft YaHei" pitchFamily="34" charset="-122"/>
+              </a:rPr>
+            </a:br>
+            <a:r>
+              <a:rPr lang="zh-CN" altLang="en-US" sz="1800" dirty="0" smtClean="0">
+                <a:latin typeface="Microsoft YaHei" pitchFamily="34" charset="-122"/>
+                <a:ea typeface="Microsoft YaHei" pitchFamily="34" charset="-122"/>
+              </a:rPr>
+              <a:t>故可以把 </a:t>
+            </a:r>
+            <a:r>
+              <a:rPr lang="en-US" altLang="zh-CN" sz="1800" dirty="0" smtClean="0">
+                <a:latin typeface="Microsoft YaHei" pitchFamily="34" charset="-122"/>
+                <a:ea typeface="Microsoft YaHei" pitchFamily="34" charset="-122"/>
+              </a:rPr>
+              <a:t>|| </a:t>
+            </a:r>
+            <a:r>
+              <a:rPr lang="en-US" altLang="zh-CN" sz="1800" dirty="0" err="1" smtClean="0">
+                <a:latin typeface="Microsoft YaHei" pitchFamily="34" charset="-122"/>
+                <a:ea typeface="Microsoft YaHei" pitchFamily="34" charset="-122"/>
+              </a:rPr>
+              <a:t>dM</a:t>
+            </a:r>
+            <a:r>
+              <a:rPr lang="en-US" altLang="zh-CN" sz="1800" dirty="0" smtClean="0">
+                <a:latin typeface="Microsoft YaHei" pitchFamily="34" charset="-122"/>
+                <a:ea typeface="Microsoft YaHei" pitchFamily="34" charset="-122"/>
+              </a:rPr>
+              <a:t> / </a:t>
+            </a:r>
+            <a:r>
+              <a:rPr lang="en-US" altLang="zh-CN" sz="1800" dirty="0" err="1" smtClean="0">
+                <a:latin typeface="Microsoft YaHei" pitchFamily="34" charset="-122"/>
+                <a:ea typeface="Microsoft YaHei" pitchFamily="34" charset="-122"/>
+              </a:rPr>
+              <a:t>dt</a:t>
+            </a:r>
+            <a:r>
+              <a:rPr lang="en-US" altLang="zh-CN" sz="1800" dirty="0" smtClean="0">
+                <a:latin typeface="Microsoft YaHei" pitchFamily="34" charset="-122"/>
+                <a:ea typeface="Microsoft YaHei" pitchFamily="34" charset="-122"/>
+              </a:rPr>
+              <a:t> || </a:t>
+            </a:r>
+            <a:r>
+              <a:rPr lang="zh-CN" altLang="en-US" sz="1800" dirty="0" smtClean="0">
+                <a:latin typeface="Microsoft YaHei" pitchFamily="34" charset="-122"/>
+                <a:ea typeface="Microsoft YaHei" pitchFamily="34" charset="-122"/>
+              </a:rPr>
+              <a:t>看做一个单位时间内的移动量。</a:t>
+            </a:r>
+            <a:endParaRPr lang="en-US" altLang="zh-CN" sz="1800" dirty="0" smtClean="0">
+              <a:latin typeface="Microsoft YaHei" pitchFamily="34" charset="-122"/>
+              <a:ea typeface="Microsoft YaHei" pitchFamily="34" charset="-122"/>
+            </a:endParaRPr>
+          </a:p>
+          <a:p>
+            <a:pPr marL="550926" indent="-514350">
+              <a:buClr>
+                <a:schemeClr val="tx2"/>
+              </a:buClr>
+              <a:buFont typeface="Arial" pitchFamily="34" charset="0"/>
+              <a:buChar char="•"/>
+            </a:pPr>
+            <a:endParaRPr lang="en-US" altLang="zh-CN" sz="1800" dirty="0" smtClean="0">
+              <a:latin typeface="Microsoft YaHei" pitchFamily="34" charset="-122"/>
+              <a:ea typeface="Microsoft YaHei" pitchFamily="34" charset="-122"/>
+            </a:endParaRPr>
+          </a:p>
+          <a:p>
+            <a:pPr marL="550926" indent="-514350">
+              <a:buClr>
+                <a:schemeClr val="tx2"/>
+              </a:buClr>
+              <a:buFont typeface="Arial" pitchFamily="34" charset="0"/>
+              <a:buChar char="•"/>
+            </a:pPr>
+            <a:r>
+              <a:rPr lang="zh-CN" altLang="en-US" sz="1800" dirty="0" smtClean="0">
+                <a:latin typeface="Microsoft YaHei" pitchFamily="34" charset="-122"/>
+                <a:ea typeface="Microsoft YaHei" pitchFamily="34" charset="-122"/>
+              </a:rPr>
+              <a:t>所以经过一定距离 </a:t>
+            </a:r>
+            <a:r>
+              <a:rPr lang="en-US" altLang="zh-CN" sz="1800" dirty="0" smtClean="0">
+                <a:latin typeface="Microsoft YaHei" pitchFamily="34" charset="-122"/>
+                <a:ea typeface="Microsoft YaHei" pitchFamily="34" charset="-122"/>
+              </a:rPr>
+              <a:t>L </a:t>
+            </a:r>
+            <a:r>
+              <a:rPr lang="zh-CN" altLang="en-US" sz="1800" dirty="0" smtClean="0">
+                <a:latin typeface="Microsoft YaHei" pitchFamily="34" charset="-122"/>
+                <a:ea typeface="Microsoft YaHei" pitchFamily="34" charset="-122"/>
+              </a:rPr>
+              <a:t>的 </a:t>
+            </a:r>
+            <a:r>
+              <a:rPr lang="en-US" altLang="zh-CN" sz="1800" dirty="0" err="1" smtClean="0">
+                <a:latin typeface="Microsoft YaHei" pitchFamily="34" charset="-122"/>
+                <a:ea typeface="Microsoft YaHei" pitchFamily="34" charset="-122"/>
+              </a:rPr>
+              <a:t>Δt</a:t>
+            </a:r>
+            <a:r>
+              <a:rPr lang="en-US" altLang="zh-CN" sz="1800" dirty="0" smtClean="0">
+                <a:latin typeface="Microsoft YaHei" pitchFamily="34" charset="-122"/>
+                <a:ea typeface="Microsoft YaHei" pitchFamily="34" charset="-122"/>
+              </a:rPr>
+              <a:t> </a:t>
+            </a:r>
+            <a:r>
+              <a:rPr lang="zh-CN" altLang="en-US" sz="1800" dirty="0" smtClean="0">
+                <a:latin typeface="Microsoft YaHei" pitchFamily="34" charset="-122"/>
+                <a:ea typeface="Microsoft YaHei" pitchFamily="34" charset="-122"/>
+              </a:rPr>
+              <a:t>则是 </a:t>
+            </a:r>
+            <a:r>
+              <a:rPr lang="en-US" altLang="zh-CN" sz="1800" dirty="0" smtClean="0">
+                <a:latin typeface="Microsoft YaHei" pitchFamily="34" charset="-122"/>
+                <a:ea typeface="Microsoft YaHei" pitchFamily="34" charset="-122"/>
+              </a:rPr>
+              <a:t>L / || </a:t>
+            </a:r>
+            <a:r>
+              <a:rPr lang="en-US" altLang="zh-CN" sz="1800" dirty="0" err="1" smtClean="0">
+                <a:latin typeface="Microsoft YaHei" pitchFamily="34" charset="-122"/>
+                <a:ea typeface="Microsoft YaHei" pitchFamily="34" charset="-122"/>
+              </a:rPr>
+              <a:t>dM</a:t>
+            </a:r>
+            <a:r>
+              <a:rPr lang="en-US" altLang="zh-CN" sz="1800" dirty="0" smtClean="0">
+                <a:latin typeface="Microsoft YaHei" pitchFamily="34" charset="-122"/>
+                <a:ea typeface="Microsoft YaHei" pitchFamily="34" charset="-122"/>
+              </a:rPr>
+              <a:t> / </a:t>
+            </a:r>
+            <a:r>
+              <a:rPr lang="en-US" altLang="zh-CN" sz="1800" dirty="0" err="1" smtClean="0">
+                <a:latin typeface="Microsoft YaHei" pitchFamily="34" charset="-122"/>
+                <a:ea typeface="Microsoft YaHei" pitchFamily="34" charset="-122"/>
+              </a:rPr>
+              <a:t>dt</a:t>
+            </a:r>
+            <a:r>
+              <a:rPr lang="en-US" altLang="zh-CN" sz="1800" dirty="0" smtClean="0">
+                <a:latin typeface="Microsoft YaHei" pitchFamily="34" charset="-122"/>
+                <a:ea typeface="Microsoft YaHei" pitchFamily="34" charset="-122"/>
+              </a:rPr>
+              <a:t> ||.</a:t>
+            </a:r>
+            <a:endParaRPr lang="en-US" altLang="zh-CN" sz="1800" dirty="0" smtClean="0">
+              <a:latin typeface="Microsoft YaHei" pitchFamily="34" charset="-122"/>
+              <a:ea typeface="Microsoft YaHei" pitchFamily="34" charset="-122"/>
+            </a:endParaRPr>
+          </a:p>
+        </p:txBody>
+      </p:sp>
+      <p:sp>
+        <p:nvSpPr>
+          <p:cNvPr id="4" name="テキスト ボックス 3"/>
+          <p:cNvSpPr txBox="1"/>
+          <p:nvPr/>
+        </p:nvSpPr>
+        <p:spPr>
+          <a:xfrm>
+            <a:off x="467544" y="1364575"/>
+            <a:ext cx="7992888" cy="400110"/>
+          </a:xfrm>
+          <a:prstGeom prst="rect">
+            <a:avLst/>
+          </a:prstGeom>
+          <a:noFill/>
+        </p:spPr>
+        <p:txBody>
+          <a:bodyPr wrap="square" rtlCol="0">
+            <a:spAutoFit/>
+          </a:bodyPr>
+          <a:lstStyle/>
+          <a:p>
+            <a:pPr marL="0" lvl="1" latinLnBrk="1"/>
+            <a:r>
+              <a:rPr lang="zh-CN" altLang="en-US" sz="2000" dirty="0" smtClean="0">
+                <a:latin typeface="Microsoft YaHei" pitchFamily="34" charset="-122"/>
+                <a:ea typeface="Microsoft YaHei" pitchFamily="34" charset="-122"/>
+              </a:rPr>
+              <a:t>如何在贝塞尔曲线上实现匀速移动</a:t>
+            </a:r>
+            <a:r>
+              <a:rPr lang="en-US" altLang="zh-CN" sz="2000" dirty="0" smtClean="0">
+                <a:latin typeface="Microsoft YaHei" pitchFamily="34" charset="-122"/>
+                <a:ea typeface="Microsoft YaHei" pitchFamily="34" charset="-122"/>
+              </a:rPr>
+              <a:t>?</a:t>
+            </a:r>
+            <a:endParaRPr kumimoji="1" lang="ja-JP" altLang="en-US" dirty="0"/>
+          </a:p>
+        </p:txBody>
+      </p:sp>
+    </p:spTree>
+  </p:cSld>
+  <p:clrMapOvr>
+    <a:masterClrMapping/>
+  </p:clrMapOvr>
+  <p:timing>
+    <p:tnLst>
+      <p:par>
+        <p:cTn id="1" dur="indefinite" restart="never" nodeType="tmRoot">
+          <p:childTnLst>
+            <p:seq concurrent="1" nextAc="seek">
+              <p:cTn id="2" dur="indefinite" nodeType="mainSeq">
+                <p:childTnLst>
+                  <p:par>
+                    <p:cTn id="3" fill="hold">
+                      <p:stCondLst>
+                        <p:cond delay="indefinite"/>
+                      </p:stCondLst>
+                      <p:childTnLst>
+                        <p:par>
+                          <p:cTn id="4" fill="hold">
+                            <p:stCondLst>
+                              <p:cond delay="0"/>
+                            </p:stCondLst>
+                            <p:childTnLst>
+                              <p:par>
+                                <p:cTn id="5" presetID="1" presetClass="entr" presetSubtype="0" fill="hold" grpId="0" nodeType="clickEffect">
+                                  <p:stCondLst>
+                                    <p:cond delay="0"/>
+                                  </p:stCondLst>
+                                  <p:childTnLst>
+                                    <p:set>
+                                      <p:cBhvr>
+                                        <p:cTn id="6" dur="1" fill="hold">
+                                          <p:stCondLst>
+                                            <p:cond delay="0"/>
+                                          </p:stCondLst>
+                                        </p:cTn>
+                                        <p:tgtEl>
+                                          <p:spTgt spid="4"/>
+                                        </p:tgtEl>
+                                        <p:attrNameLst>
+                                          <p:attrName>style.visibility</p:attrName>
+                                        </p:attrNameLst>
+                                      </p:cBhvr>
+                                      <p:to>
+                                        <p:strVal val="visible"/>
+                                      </p:to>
+                                    </p:set>
+                                  </p:childTnLst>
+                                </p:cTn>
+                              </p:par>
+                            </p:childTnLst>
+                          </p:cTn>
+                        </p:par>
+                      </p:childTnLst>
+                    </p:cTn>
+                  </p:par>
+                  <p:par>
+                    <p:cTn id="7" fill="hold">
+                      <p:stCondLst>
+                        <p:cond delay="indefinite"/>
+                      </p:stCondLst>
+                      <p:childTnLst>
+                        <p:par>
+                          <p:cTn id="8" fill="hold">
+                            <p:stCondLst>
+                              <p:cond delay="0"/>
+                            </p:stCondLst>
+                            <p:childTnLst>
+                              <p:par>
+                                <p:cTn id="9" presetID="1" presetClass="entr" presetSubtype="0" fill="hold" grpId="0" nodeType="clickEffect">
+                                  <p:stCondLst>
+                                    <p:cond delay="0"/>
+                                  </p:stCondLst>
+                                  <p:childTnLst>
+                                    <p:set>
+                                      <p:cBhvr>
+                                        <p:cTn id="10" dur="1" fill="hold">
+                                          <p:stCondLst>
+                                            <p:cond delay="0"/>
+                                          </p:stCondLst>
+                                        </p:cTn>
+                                        <p:tgtEl>
+                                          <p:spTgt spid="3">
+                                            <p:txEl>
+                                              <p:pRg st="0" end="0"/>
+                                            </p:txEl>
+                                          </p:spTgt>
+                                        </p:tgtEl>
+                                        <p:attrNameLst>
+                                          <p:attrName>style.visibility</p:attrName>
+                                        </p:attrNameLst>
+                                      </p:cBhvr>
+                                      <p:to>
+                                        <p:strVal val="visible"/>
+                                      </p:to>
+                                    </p:set>
+                                  </p:childTnLst>
+                                </p:cTn>
+                              </p:par>
+                              <p:par>
+                                <p:cTn id="11" presetID="1" presetClass="entr" presetSubtype="0" fill="hold" grpId="0" nodeType="withEffect">
+                                  <p:stCondLst>
+                                    <p:cond delay="0"/>
+                                  </p:stCondLst>
+                                  <p:childTnLst>
+                                    <p:set>
+                                      <p:cBhvr>
+                                        <p:cTn id="12" dur="1" fill="hold">
+                                          <p:stCondLst>
+                                            <p:cond delay="0"/>
+                                          </p:stCondLst>
+                                        </p:cTn>
+                                        <p:tgtEl>
+                                          <p:spTgt spid="3">
+                                            <p:txEl>
+                                              <p:pRg st="2" end="2"/>
+                                            </p:txEl>
+                                          </p:spTgt>
+                                        </p:tgtEl>
+                                        <p:attrNameLst>
+                                          <p:attrName>style.visibility</p:attrName>
+                                        </p:attrNameLst>
+                                      </p:cBhvr>
+                                      <p:to>
+                                        <p:strVal val="visible"/>
+                                      </p:to>
+                                    </p:set>
+                                  </p:childTnLst>
+                                </p:cTn>
+                              </p:par>
+                              <p:par>
+                                <p:cTn id="13" presetID="1" presetClass="entr" presetSubtype="0" fill="hold" grpId="0" nodeType="withEffect">
+                                  <p:stCondLst>
+                                    <p:cond delay="0"/>
+                                  </p:stCondLst>
+                                  <p:childTnLst>
+                                    <p:set>
+                                      <p:cBhvr>
+                                        <p:cTn id="14" dur="1" fill="hold">
+                                          <p:stCondLst>
+                                            <p:cond delay="0"/>
+                                          </p:stCondLst>
+                                        </p:cTn>
+                                        <p:tgtEl>
+                                          <p:spTgt spid="3">
+                                            <p:txEl>
+                                              <p:pRg st="4" end="4"/>
+                                            </p:txEl>
+                                          </p:spTgt>
+                                        </p:tgtEl>
+                                        <p:attrNameLst>
+                                          <p:attrName>style.visibility</p:attrName>
+                                        </p:attrNameLst>
+                                      </p:cBhvr>
+                                      <p:to>
+                                        <p:strVal val="visible"/>
+                                      </p:to>
+                                    </p:set>
+                                  </p:childTnLst>
+                                </p:cTn>
+                              </p:par>
+                              <p:par>
+                                <p:cTn id="15" presetID="1" presetClass="entr" presetSubtype="0" fill="hold" grpId="0" nodeType="withEffect">
+                                  <p:stCondLst>
+                                    <p:cond delay="0"/>
+                                  </p:stCondLst>
+                                  <p:childTnLst>
+                                    <p:set>
+                                      <p:cBhvr>
+                                        <p:cTn id="16" dur="1" fill="hold">
+                                          <p:stCondLst>
+                                            <p:cond delay="0"/>
+                                          </p:stCondLst>
+                                        </p:cTn>
+                                        <p:tgtEl>
+                                          <p:spTgt spid="3">
+                                            <p:txEl>
+                                              <p:pRg st="6" end="6"/>
+                                            </p:txEl>
+                                          </p:spTgt>
+                                        </p:tgtEl>
+                                        <p:attrNameLst>
+                                          <p:attrName>style.visibility</p:attrName>
+                                        </p:attrNameLst>
+                                      </p:cBhvr>
+                                      <p:to>
+                                        <p:strVal val="visible"/>
+                                      </p:to>
+                                    </p:set>
+                                  </p:childTnLst>
+                                </p:cTn>
+                              </p:par>
+                              <p:par>
+                                <p:cTn id="17" presetID="1" presetClass="entr" presetSubtype="0" fill="hold" grpId="0" nodeType="withEffect">
+                                  <p:stCondLst>
+                                    <p:cond delay="0"/>
+                                  </p:stCondLst>
+                                  <p:childTnLst>
+                                    <p:set>
+                                      <p:cBhvr>
+                                        <p:cTn id="18" dur="1" fill="hold">
+                                          <p:stCondLst>
+                                            <p:cond delay="0"/>
+                                          </p:stCondLst>
+                                        </p:cTn>
+                                        <p:tgtEl>
+                                          <p:spTgt spid="3">
+                                            <p:txEl>
+                                              <p:pRg st="8" end="8"/>
+                                            </p:txEl>
+                                          </p:spTgt>
+                                        </p:tgtEl>
+                                        <p:attrNameLst>
+                                          <p:attrName>style.visibility</p:attrName>
+                                        </p:attrNameLst>
+                                      </p:cBhvr>
+                                      <p:to>
+                                        <p:strVal val="visible"/>
+                                      </p:to>
+                                    </p:set>
+                                  </p:childTnLst>
+                                </p:cTn>
+                              </p:par>
+                            </p:childTnLst>
+                          </p:cTn>
+                        </p:par>
+                      </p:childTnLst>
+                    </p:cTn>
+                  </p:par>
+                </p:childTnLst>
+              </p:cTn>
+              <p:prevCondLst>
+                <p:cond evt="onPrev" delay="0">
+                  <p:tgtEl>
+                    <p:sldTgt/>
+                  </p:tgtEl>
+                </p:cond>
+              </p:prevCondLst>
+              <p:nextCondLst>
+                <p:cond evt="onNext" delay="0">
+                  <p:tgtEl>
+                    <p:sldTgt/>
+                  </p:tgtEl>
+                </p:cond>
+              </p:nextCondLst>
+            </p:seq>
+          </p:childTnLst>
+        </p:cTn>
+      </p:par>
+    </p:tnLst>
+    <p:bldLst>
+      <p:bldP spid="3" grpId="0" uiExpand="1" build="p"/>
+      <p:bldP spid="4" grpId="0"/>
+    </p:bldLst>
+  </p:timing>
+</p:sld>
+</file>
+
+<file path=ppt/slides/slide14.xml><?xml version="1.0" encoding="utf-8"?>
+<p:sld xmlns:a="http://schemas.openxmlformats.org/drawingml/2006/main" xmlns:r="http://schemas.openxmlformats.org/officeDocument/2006/relationships" xmlns:p="http://schemas.openxmlformats.org/presentationml/2006/main">
+  <p:cSld>
+    <p:spTree>
+      <p:nvGrpSpPr>
+        <p:cNvPr id="1" name=""/>
+        <p:cNvGrpSpPr/>
+        <p:nvPr/>
+      </p:nvGrpSpPr>
+      <p:grpSpPr>
+        <a:xfrm>
+          <a:off x="0" y="0"/>
+          <a:ext cx="0" cy="0"/>
+          <a:chOff x="0" y="0"/>
+          <a:chExt cx="0" cy="0"/>
+        </a:xfrm>
+      </p:grpSpPr>
+      <p:sp>
+        <p:nvSpPr>
+          <p:cNvPr id="2" name="タイトル 1"/>
+          <p:cNvSpPr>
+            <a:spLocks noGrp="1"/>
+          </p:cNvSpPr>
+          <p:nvPr>
+            <p:ph type="title"/>
+          </p:nvPr>
+        </p:nvSpPr>
+        <p:spPr>
+          <a:xfrm>
+            <a:off x="457200" y="274638"/>
+            <a:ext cx="8507288" cy="1143000"/>
+          </a:xfrm>
+        </p:spPr>
+        <p:txBody>
+          <a:bodyPr>
+            <a:normAutofit fontScale="90000"/>
+          </a:bodyPr>
+          <a:lstStyle/>
+          <a:p>
+            <a:r>
+              <a:rPr kumimoji="1" lang="en-US" altLang="ja-JP" sz="4000" dirty="0" smtClean="0">
+                <a:latin typeface="Microsoft YaHei" pitchFamily="34" charset="-122"/>
+                <a:ea typeface="Microsoft YaHei" pitchFamily="34" charset="-122"/>
+              </a:rPr>
+              <a:t>5. </a:t>
+            </a:r>
+            <a:r>
+              <a:rPr lang="zh-CN" altLang="en-US" sz="4000" dirty="0" smtClean="0">
+                <a:latin typeface="Microsoft YaHei" pitchFamily="34" charset="-122"/>
+                <a:ea typeface="Microsoft YaHei" pitchFamily="34" charset="-122"/>
+              </a:rPr>
+              <a:t>贝塞尔曲线匀速移动问题</a:t>
+            </a:r>
+            <a:r>
+              <a:rPr lang="zh-CN" altLang="en-US" sz="4000" dirty="0" smtClean="0">
+                <a:latin typeface="Microsoft YaHei" pitchFamily="34" charset="-122"/>
+                <a:ea typeface="Microsoft YaHei" pitchFamily="34" charset="-122"/>
+              </a:rPr>
+              <a:t>的解决方案</a:t>
+            </a:r>
+            <a:endParaRPr kumimoji="1" lang="ja-JP" altLang="en-US" dirty="0">
+              <a:latin typeface="Microsoft YaHei" pitchFamily="34" charset="-122"/>
+              <a:ea typeface="Microsoft YaHei" pitchFamily="34" charset="-122"/>
+            </a:endParaRPr>
+          </a:p>
+        </p:txBody>
+      </p:sp>
+      <p:sp>
+        <p:nvSpPr>
+          <p:cNvPr id="3" name="コンテンツ プレースホルダ 2"/>
+          <p:cNvSpPr>
+            <a:spLocks noGrp="1"/>
+          </p:cNvSpPr>
+          <p:nvPr>
+            <p:ph idx="1"/>
+          </p:nvPr>
+        </p:nvSpPr>
+        <p:spPr>
+          <a:xfrm>
+            <a:off x="179512" y="1844824"/>
+            <a:ext cx="8964488" cy="5013176"/>
+          </a:xfrm>
+        </p:spPr>
+        <p:txBody>
+          <a:bodyPr>
+            <a:normAutofit fontScale="92500" lnSpcReduction="20000"/>
+          </a:bodyPr>
+          <a:lstStyle/>
+          <a:p>
+            <a:pPr marL="550926" indent="-514350">
+              <a:buClr>
+                <a:schemeClr val="tx2"/>
+              </a:buClr>
+              <a:buFont typeface="Arial" pitchFamily="34" charset="0"/>
+              <a:buChar char="•"/>
+            </a:pPr>
+            <a:r>
+              <a:rPr lang="zh-CN" altLang="en-US" sz="1800" dirty="0" smtClean="0">
+                <a:latin typeface="Microsoft YaHei" pitchFamily="34" charset="-122"/>
+                <a:ea typeface="Microsoft YaHei" pitchFamily="34" charset="-122"/>
+              </a:rPr>
+              <a:t>假设贝塞尔曲线的三个控制点</a:t>
+            </a:r>
+            <a:r>
+              <a:rPr lang="zh-CN" altLang="en-US" sz="1800" dirty="0" smtClean="0">
+                <a:latin typeface="Microsoft YaHei" pitchFamily="34" charset="-122"/>
+                <a:ea typeface="Microsoft YaHei" pitchFamily="34" charset="-122"/>
+              </a:rPr>
+              <a:t>是</a:t>
+            </a:r>
+            <a:r>
+              <a:rPr lang="en-US" altLang="zh-CN" sz="1800" dirty="0" smtClean="0">
+                <a:latin typeface="Microsoft YaHei" pitchFamily="34" charset="-122"/>
+                <a:ea typeface="Microsoft YaHei" pitchFamily="34" charset="-122"/>
+              </a:rPr>
+              <a:t>A</a:t>
+            </a:r>
+            <a:r>
+              <a:rPr lang="zh-CN" altLang="en-US" sz="1800" dirty="0" smtClean="0">
+                <a:latin typeface="Microsoft YaHei" pitchFamily="34" charset="-122"/>
+                <a:ea typeface="Microsoft YaHei" pitchFamily="34" charset="-122"/>
+              </a:rPr>
+              <a:t>、</a:t>
+            </a:r>
+            <a:r>
+              <a:rPr lang="en-US" altLang="zh-CN" sz="1800" dirty="0" smtClean="0">
+                <a:latin typeface="Microsoft YaHei" pitchFamily="34" charset="-122"/>
+                <a:ea typeface="Microsoft YaHei" pitchFamily="34" charset="-122"/>
+              </a:rPr>
+              <a:t>B</a:t>
+            </a:r>
+            <a:r>
+              <a:rPr lang="zh-CN" altLang="en-US" sz="1800" dirty="0" smtClean="0">
+                <a:latin typeface="Microsoft YaHei" pitchFamily="34" charset="-122"/>
+                <a:ea typeface="Microsoft YaHei" pitchFamily="34" charset="-122"/>
+              </a:rPr>
+              <a:t>、</a:t>
+            </a:r>
+            <a:r>
+              <a:rPr lang="en-US" altLang="zh-CN" sz="1800" dirty="0" smtClean="0">
+                <a:latin typeface="Microsoft YaHei" pitchFamily="34" charset="-122"/>
+                <a:ea typeface="Microsoft YaHei" pitchFamily="34" charset="-122"/>
+              </a:rPr>
+              <a:t>C</a:t>
+            </a:r>
+            <a:r>
+              <a:rPr lang="zh-CN" altLang="en-US" sz="1800" dirty="0" smtClean="0">
+                <a:latin typeface="Microsoft YaHei" pitchFamily="34" charset="-122"/>
+                <a:ea typeface="Microsoft YaHei" pitchFamily="34" charset="-122"/>
+              </a:rPr>
+              <a:t>，则贝塞尔曲线可以描述为下列方程式。</a:t>
+            </a:r>
+            <a:r>
+              <a:rPr lang="en-US" altLang="zh-CN" sz="1800" dirty="0" smtClean="0">
+                <a:latin typeface="Microsoft YaHei" pitchFamily="34" charset="-122"/>
+                <a:ea typeface="Microsoft YaHei" pitchFamily="34" charset="-122"/>
+              </a:rPr>
+              <a:t/>
+            </a:r>
+            <a:br>
+              <a:rPr lang="en-US" altLang="zh-CN" sz="1800" dirty="0" smtClean="0">
+                <a:latin typeface="Microsoft YaHei" pitchFamily="34" charset="-122"/>
+                <a:ea typeface="Microsoft YaHei" pitchFamily="34" charset="-122"/>
+              </a:rPr>
+            </a:br>
+            <a:r>
+              <a:rPr lang="en-US" altLang="zh-CN" sz="1800" dirty="0" smtClean="0">
+                <a:latin typeface="Microsoft YaHei" pitchFamily="34" charset="-122"/>
+                <a:ea typeface="Microsoft YaHei" pitchFamily="34" charset="-122"/>
+              </a:rPr>
+              <a:t/>
+            </a:r>
+            <a:br>
+              <a:rPr lang="en-US" altLang="zh-CN" sz="1800" dirty="0" smtClean="0">
+                <a:latin typeface="Microsoft YaHei" pitchFamily="34" charset="-122"/>
+                <a:ea typeface="Microsoft YaHei" pitchFamily="34" charset="-122"/>
+              </a:rPr>
+            </a:br>
+            <a:r>
+              <a:rPr lang="fr-FR" altLang="ja-JP" sz="1800" dirty="0" smtClean="0">
+                <a:latin typeface="Microsoft YaHei" pitchFamily="34" charset="-122"/>
+                <a:ea typeface="Microsoft YaHei" pitchFamily="34" charset="-122"/>
+              </a:rPr>
+              <a:t>M(t)</a:t>
+            </a:r>
+            <a:br>
+              <a:rPr lang="fr-FR" altLang="ja-JP" sz="1800" dirty="0" smtClean="0">
+                <a:latin typeface="Microsoft YaHei" pitchFamily="34" charset="-122"/>
+                <a:ea typeface="Microsoft YaHei" pitchFamily="34" charset="-122"/>
+              </a:rPr>
+            </a:br>
+            <a:r>
+              <a:rPr lang="fr-FR" altLang="ja-JP" sz="1800" dirty="0" smtClean="0">
+                <a:latin typeface="Microsoft YaHei" pitchFamily="34" charset="-122"/>
+                <a:ea typeface="Microsoft YaHei" pitchFamily="34" charset="-122"/>
+              </a:rPr>
+              <a:t/>
+            </a:r>
+            <a:br>
+              <a:rPr lang="fr-FR" altLang="ja-JP" sz="1800" dirty="0" smtClean="0">
+                <a:latin typeface="Microsoft YaHei" pitchFamily="34" charset="-122"/>
+                <a:ea typeface="Microsoft YaHei" pitchFamily="34" charset="-122"/>
+              </a:rPr>
+            </a:br>
+            <a:r>
+              <a:rPr lang="fr-FR" altLang="ja-JP" sz="1800" dirty="0" smtClean="0">
+                <a:latin typeface="Microsoft YaHei" pitchFamily="34" charset="-122"/>
+                <a:ea typeface="Microsoft YaHei" pitchFamily="34" charset="-122"/>
+              </a:rPr>
+              <a:t>	= ( 1 – t )²A </a:t>
+            </a:r>
+            <a:r>
+              <a:rPr lang="fr-FR" altLang="ja-JP" sz="1800" dirty="0" smtClean="0">
+                <a:latin typeface="Microsoft YaHei" pitchFamily="34" charset="-122"/>
+                <a:ea typeface="Microsoft YaHei" pitchFamily="34" charset="-122"/>
+              </a:rPr>
+              <a:t>+ </a:t>
+            </a:r>
+            <a:r>
+              <a:rPr lang="fr-FR" altLang="ja-JP" sz="1800" dirty="0" smtClean="0">
+                <a:latin typeface="Microsoft YaHei" pitchFamily="34" charset="-122"/>
+                <a:ea typeface="Microsoft YaHei" pitchFamily="34" charset="-122"/>
+              </a:rPr>
+              <a:t>2( 1 – t )tB </a:t>
+            </a:r>
+            <a:r>
+              <a:rPr lang="fr-FR" altLang="ja-JP" sz="1800" dirty="0" smtClean="0">
+                <a:latin typeface="Microsoft YaHei" pitchFamily="34" charset="-122"/>
+                <a:ea typeface="Microsoft YaHei" pitchFamily="34" charset="-122"/>
+              </a:rPr>
+              <a:t>+ </a:t>
+            </a:r>
+            <a:r>
+              <a:rPr lang="fr-FR" altLang="ja-JP" sz="1800" dirty="0" smtClean="0">
+                <a:latin typeface="Microsoft YaHei" pitchFamily="34" charset="-122"/>
+                <a:ea typeface="Microsoft YaHei" pitchFamily="34" charset="-122"/>
+              </a:rPr>
+              <a:t>t²C</a:t>
+            </a:r>
+            <a:br>
+              <a:rPr lang="fr-FR" altLang="ja-JP" sz="1800" dirty="0" smtClean="0">
+                <a:latin typeface="Microsoft YaHei" pitchFamily="34" charset="-122"/>
+                <a:ea typeface="Microsoft YaHei" pitchFamily="34" charset="-122"/>
+              </a:rPr>
+            </a:br>
+            <a:r>
+              <a:rPr lang="fr-FR" altLang="ja-JP" sz="1800" dirty="0" smtClean="0">
+                <a:latin typeface="Microsoft YaHei" pitchFamily="34" charset="-122"/>
+                <a:ea typeface="Microsoft YaHei" pitchFamily="34" charset="-122"/>
+              </a:rPr>
+              <a:t>	</a:t>
+            </a:r>
+            <a:br>
+              <a:rPr lang="fr-FR" altLang="ja-JP" sz="1800" dirty="0" smtClean="0">
+                <a:latin typeface="Microsoft YaHei" pitchFamily="34" charset="-122"/>
+                <a:ea typeface="Microsoft YaHei" pitchFamily="34" charset="-122"/>
+              </a:rPr>
+            </a:br>
+            <a:r>
+              <a:rPr lang="fr-FR" altLang="ja-JP" sz="1800" dirty="0" smtClean="0">
+                <a:latin typeface="Microsoft YaHei" pitchFamily="34" charset="-122"/>
+                <a:ea typeface="Microsoft YaHei" pitchFamily="34" charset="-122"/>
+              </a:rPr>
+              <a:t>	= t²( A - 2B + C ) + t( -2A + 2B ) + A</a:t>
+            </a:r>
+          </a:p>
+          <a:p>
+            <a:pPr marL="550926" indent="-514350">
+              <a:buClr>
+                <a:schemeClr val="tx2"/>
+              </a:buClr>
+              <a:buFont typeface="Arial" pitchFamily="34" charset="0"/>
+              <a:buChar char="•"/>
+            </a:pPr>
+            <a:endParaRPr lang="fr-FR" altLang="ja-JP" sz="1800" dirty="0" smtClean="0">
+              <a:latin typeface="Microsoft YaHei" pitchFamily="34" charset="-122"/>
+              <a:ea typeface="Microsoft YaHei" pitchFamily="34" charset="-122"/>
+            </a:endParaRPr>
+          </a:p>
+          <a:p>
+            <a:pPr marL="550926" indent="-514350">
+              <a:buClr>
+                <a:schemeClr val="tx2"/>
+              </a:buClr>
+              <a:buFont typeface="Arial" pitchFamily="34" charset="0"/>
+              <a:buChar char="•"/>
+            </a:pPr>
+            <a:endParaRPr lang="fr-FR" altLang="ja-JP" sz="1800" dirty="0" smtClean="0">
+              <a:latin typeface="Microsoft YaHei" pitchFamily="34" charset="-122"/>
+              <a:ea typeface="Microsoft YaHei" pitchFamily="34" charset="-122"/>
+            </a:endParaRPr>
+          </a:p>
+          <a:p>
+            <a:pPr marL="550926" indent="-514350">
+              <a:buClr>
+                <a:schemeClr val="tx2"/>
+              </a:buClr>
+              <a:buFont typeface="Arial" pitchFamily="34" charset="0"/>
+              <a:buChar char="•"/>
+            </a:pPr>
+            <a:r>
+              <a:rPr lang="zh-CN" altLang="en-US" sz="1800" dirty="0" smtClean="0">
+                <a:latin typeface="Microsoft YaHei" pitchFamily="34" charset="-122"/>
+                <a:ea typeface="Microsoft YaHei" pitchFamily="34" charset="-122"/>
+              </a:rPr>
+              <a:t>切线方程可以通过用导数求解（</a:t>
+            </a:r>
+            <a:r>
+              <a:rPr lang="en-US" altLang="zh-CN" sz="1800" dirty="0" smtClean="0">
+                <a:latin typeface="Microsoft YaHei" pitchFamily="34" charset="-122"/>
+                <a:ea typeface="Microsoft YaHei" pitchFamily="34" charset="-122"/>
+              </a:rPr>
+              <a:t>y = x</a:t>
+            </a:r>
+            <a:r>
+              <a:rPr lang="fr-FR" altLang="ja-JP" sz="1800" baseline="30000" dirty="0" smtClean="0">
+                <a:latin typeface="Microsoft YaHei" pitchFamily="34" charset="-122"/>
+                <a:ea typeface="Microsoft YaHei" pitchFamily="34" charset="-122"/>
+              </a:rPr>
+              <a:t>n</a:t>
+            </a:r>
+            <a:r>
+              <a:rPr lang="en-US" altLang="zh-CN" sz="1800" dirty="0" smtClean="0">
+                <a:latin typeface="Microsoft YaHei" pitchFamily="34" charset="-122"/>
+                <a:ea typeface="Microsoft YaHei" pitchFamily="34" charset="-122"/>
+              </a:rPr>
+              <a:t> </a:t>
+            </a:r>
+            <a:r>
+              <a:rPr lang="zh-CN" altLang="en-US" sz="1800" dirty="0" smtClean="0">
+                <a:latin typeface="Microsoft YaHei" pitchFamily="34" charset="-122"/>
+                <a:ea typeface="Microsoft YaHei" pitchFamily="34" charset="-122"/>
+              </a:rPr>
+              <a:t>的导数 </a:t>
+            </a:r>
+            <a:r>
+              <a:rPr lang="en-US" altLang="zh-CN" sz="1800" dirty="0" smtClean="0">
+                <a:latin typeface="Microsoft YaHei" pitchFamily="34" charset="-122"/>
+                <a:ea typeface="Microsoft YaHei" pitchFamily="34" charset="-122"/>
+              </a:rPr>
+              <a:t>y</a:t>
+            </a:r>
+            <a:r>
+              <a:rPr lang="en-US" altLang="zh-CN" sz="1800" baseline="30000" dirty="0" smtClean="0">
+                <a:latin typeface="Microsoft YaHei" pitchFamily="34" charset="-122"/>
+                <a:ea typeface="Microsoft YaHei" pitchFamily="34" charset="-122"/>
+              </a:rPr>
+              <a:t>’</a:t>
+            </a:r>
+            <a:r>
+              <a:rPr lang="en-US" altLang="zh-CN" sz="1800" dirty="0" smtClean="0">
+                <a:latin typeface="Microsoft YaHei" pitchFamily="34" charset="-122"/>
+                <a:ea typeface="Microsoft YaHei" pitchFamily="34" charset="-122"/>
+              </a:rPr>
+              <a:t>= </a:t>
+            </a:r>
+            <a:r>
+              <a:rPr lang="en-US" altLang="zh-CN" sz="1800" dirty="0" err="1" smtClean="0">
+                <a:latin typeface="Microsoft YaHei" pitchFamily="34" charset="-122"/>
+                <a:ea typeface="Microsoft YaHei" pitchFamily="34" charset="-122"/>
+              </a:rPr>
+              <a:t>nx</a:t>
+            </a:r>
+            <a:r>
+              <a:rPr lang="fr-FR" altLang="ja-JP" sz="1800" baseline="30000" dirty="0" smtClean="0">
+                <a:latin typeface="Microsoft YaHei" pitchFamily="34" charset="-122"/>
+                <a:ea typeface="Microsoft YaHei" pitchFamily="34" charset="-122"/>
+              </a:rPr>
+              <a:t>n-1 </a:t>
+            </a:r>
+            <a:r>
+              <a:rPr lang="zh-CN" altLang="en-US" sz="1800" dirty="0" smtClean="0">
+                <a:latin typeface="Microsoft YaHei" pitchFamily="34" charset="-122"/>
+                <a:ea typeface="Microsoft YaHei" pitchFamily="34" charset="-122"/>
+              </a:rPr>
+              <a:t>）</a:t>
+            </a:r>
+            <a:r>
+              <a:rPr lang="en-US" altLang="zh-CN" sz="1800" dirty="0" smtClean="0">
+                <a:latin typeface="Microsoft YaHei" pitchFamily="34" charset="-122"/>
+                <a:ea typeface="Microsoft YaHei" pitchFamily="34" charset="-122"/>
+              </a:rPr>
+              <a:t/>
+            </a:r>
+            <a:br>
+              <a:rPr lang="en-US" altLang="zh-CN" sz="1800" dirty="0" smtClean="0">
+                <a:latin typeface="Microsoft YaHei" pitchFamily="34" charset="-122"/>
+                <a:ea typeface="Microsoft YaHei" pitchFamily="34" charset="-122"/>
+              </a:rPr>
+            </a:br>
+            <a:r>
+              <a:rPr lang="en-US" altLang="zh-CN" sz="1800" dirty="0" smtClean="0">
+                <a:latin typeface="Microsoft YaHei" pitchFamily="34" charset="-122"/>
+                <a:ea typeface="Microsoft YaHei" pitchFamily="34" charset="-122"/>
+              </a:rPr>
+              <a:t/>
+            </a:r>
+            <a:br>
+              <a:rPr lang="en-US" altLang="zh-CN" sz="1800" dirty="0" smtClean="0">
+                <a:latin typeface="Microsoft YaHei" pitchFamily="34" charset="-122"/>
+                <a:ea typeface="Microsoft YaHei" pitchFamily="34" charset="-122"/>
+              </a:rPr>
+            </a:br>
+            <a:r>
+              <a:rPr lang="de-DE" altLang="ja-JP" sz="1800" dirty="0" smtClean="0">
+                <a:latin typeface="Microsoft YaHei" pitchFamily="34" charset="-122"/>
+                <a:ea typeface="Microsoft YaHei" pitchFamily="34" charset="-122"/>
+              </a:rPr>
+              <a:t>dM/dt </a:t>
+            </a:r>
+            <a:r>
+              <a:rPr lang="de-DE" altLang="ja-JP" sz="1800" dirty="0" smtClean="0">
+                <a:latin typeface="Microsoft YaHei" pitchFamily="34" charset="-122"/>
+                <a:ea typeface="Microsoft YaHei" pitchFamily="34" charset="-122"/>
+              </a:rPr>
+              <a:t>= t</a:t>
+            </a:r>
+            <a:r>
+              <a:rPr lang="de-DE" altLang="ja-JP" sz="1800" dirty="0" smtClean="0">
+                <a:latin typeface="Microsoft YaHei" pitchFamily="34" charset="-122"/>
+                <a:ea typeface="Microsoft YaHei" pitchFamily="34" charset="-122"/>
+              </a:rPr>
+              <a:t>( 2A </a:t>
+            </a:r>
+            <a:r>
+              <a:rPr lang="de-DE" altLang="ja-JP" sz="1800" dirty="0" smtClean="0">
+                <a:latin typeface="Microsoft YaHei" pitchFamily="34" charset="-122"/>
+                <a:ea typeface="Microsoft YaHei" pitchFamily="34" charset="-122"/>
+              </a:rPr>
+              <a:t>- 4B + </a:t>
+            </a:r>
+            <a:r>
+              <a:rPr lang="de-DE" altLang="ja-JP" sz="1800" dirty="0" smtClean="0">
+                <a:latin typeface="Microsoft YaHei" pitchFamily="34" charset="-122"/>
+                <a:ea typeface="Microsoft YaHei" pitchFamily="34" charset="-122"/>
+              </a:rPr>
+              <a:t>2C ) </a:t>
+            </a:r>
+            <a:r>
+              <a:rPr lang="de-DE" altLang="ja-JP" sz="1800" dirty="0" smtClean="0">
+                <a:latin typeface="Microsoft YaHei" pitchFamily="34" charset="-122"/>
+                <a:ea typeface="Microsoft YaHei" pitchFamily="34" charset="-122"/>
+              </a:rPr>
+              <a:t>+ </a:t>
+            </a:r>
+            <a:r>
+              <a:rPr lang="de-DE" altLang="ja-JP" sz="1800" dirty="0" smtClean="0">
+                <a:latin typeface="Microsoft YaHei" pitchFamily="34" charset="-122"/>
+                <a:ea typeface="Microsoft YaHei" pitchFamily="34" charset="-122"/>
+              </a:rPr>
+              <a:t>( -</a:t>
+            </a:r>
+            <a:r>
+              <a:rPr lang="de-DE" altLang="ja-JP" sz="1800" dirty="0" smtClean="0">
+                <a:latin typeface="Microsoft YaHei" pitchFamily="34" charset="-122"/>
+                <a:ea typeface="Microsoft YaHei" pitchFamily="34" charset="-122"/>
+              </a:rPr>
+              <a:t>2A + </a:t>
+            </a:r>
+            <a:r>
+              <a:rPr lang="de-DE" altLang="ja-JP" sz="1800" dirty="0" smtClean="0">
+                <a:latin typeface="Microsoft YaHei" pitchFamily="34" charset="-122"/>
+                <a:ea typeface="Microsoft YaHei" pitchFamily="34" charset="-122"/>
+              </a:rPr>
+              <a:t>2B ) </a:t>
+            </a:r>
+          </a:p>
+          <a:p>
+            <a:pPr marL="550926" indent="-514350">
+              <a:buClr>
+                <a:schemeClr val="tx2"/>
+              </a:buClr>
+              <a:buFont typeface="Arial" pitchFamily="34" charset="0"/>
+              <a:buChar char="•"/>
+            </a:pPr>
+            <a:endParaRPr lang="de-DE" altLang="ja-JP" sz="1800" dirty="0" smtClean="0">
+              <a:latin typeface="Microsoft YaHei" pitchFamily="34" charset="-122"/>
+              <a:ea typeface="Microsoft YaHei" pitchFamily="34" charset="-122"/>
+            </a:endParaRPr>
+          </a:p>
+          <a:p>
+            <a:pPr marL="550926" indent="-514350">
+              <a:buClr>
+                <a:schemeClr val="tx2"/>
+              </a:buClr>
+              <a:buFont typeface="Arial" pitchFamily="34" charset="0"/>
+              <a:buChar char="•"/>
+            </a:pPr>
+            <a:endParaRPr lang="de-DE" altLang="ja-JP" sz="1800" dirty="0" smtClean="0">
+              <a:latin typeface="Microsoft YaHei" pitchFamily="34" charset="-122"/>
+              <a:ea typeface="Microsoft YaHei" pitchFamily="34" charset="-122"/>
+            </a:endParaRPr>
+          </a:p>
+          <a:p>
+            <a:pPr marL="550926" indent="-514350">
+              <a:buClr>
+                <a:schemeClr val="tx2"/>
+              </a:buClr>
+              <a:buFont typeface="Arial" pitchFamily="34" charset="0"/>
+              <a:buChar char="•"/>
+            </a:pPr>
+            <a:r>
+              <a:rPr lang="zh-CN" altLang="en-US" sz="1800" dirty="0" smtClean="0">
+                <a:latin typeface="Microsoft YaHei" pitchFamily="34" charset="-122"/>
+                <a:ea typeface="Microsoft YaHei" pitchFamily="34" charset="-122"/>
+              </a:rPr>
+              <a:t>将</a:t>
+            </a:r>
+            <a:r>
+              <a:rPr lang="de-DE" altLang="ja-JP" sz="1800" dirty="0" smtClean="0">
+                <a:latin typeface="Microsoft YaHei" pitchFamily="34" charset="-122"/>
+                <a:ea typeface="Microsoft YaHei" pitchFamily="34" charset="-122"/>
+              </a:rPr>
+              <a:t>( 2A </a:t>
+            </a:r>
+            <a:r>
+              <a:rPr lang="de-DE" altLang="ja-JP" sz="1800" dirty="0" smtClean="0">
+                <a:latin typeface="Microsoft YaHei" pitchFamily="34" charset="-122"/>
+                <a:ea typeface="Microsoft YaHei" pitchFamily="34" charset="-122"/>
+              </a:rPr>
+              <a:t>- 4B + </a:t>
+            </a:r>
+            <a:r>
+              <a:rPr lang="de-DE" altLang="ja-JP" sz="1800" dirty="0" smtClean="0">
+                <a:latin typeface="Microsoft YaHei" pitchFamily="34" charset="-122"/>
+                <a:ea typeface="Microsoft YaHei" pitchFamily="34" charset="-122"/>
+              </a:rPr>
+              <a:t>2C )</a:t>
+            </a:r>
+            <a:r>
+              <a:rPr lang="zh-CN" altLang="en-US" sz="1800" dirty="0" smtClean="0">
+                <a:latin typeface="Microsoft YaHei" pitchFamily="34" charset="-122"/>
+                <a:ea typeface="Microsoft YaHei" pitchFamily="34" charset="-122"/>
+              </a:rPr>
+              <a:t>带入</a:t>
+            </a:r>
+            <a:r>
+              <a:rPr lang="en-US" altLang="zh-CN" sz="1800" dirty="0" smtClean="0">
+                <a:latin typeface="Microsoft YaHei" pitchFamily="34" charset="-122"/>
+                <a:ea typeface="Microsoft YaHei" pitchFamily="34" charset="-122"/>
+              </a:rPr>
+              <a:t>v1</a:t>
+            </a:r>
+            <a:r>
+              <a:rPr lang="zh-CN" altLang="en-US" sz="1800" dirty="0" smtClean="0">
+                <a:latin typeface="Microsoft YaHei" pitchFamily="34" charset="-122"/>
+                <a:ea typeface="Microsoft YaHei" pitchFamily="34" charset="-122"/>
+              </a:rPr>
+              <a:t>，将</a:t>
+            </a:r>
+            <a:r>
+              <a:rPr lang="de-DE" altLang="ja-JP" sz="1800" dirty="0" smtClean="0">
+                <a:latin typeface="Microsoft YaHei" pitchFamily="34" charset="-122"/>
+                <a:ea typeface="Microsoft YaHei" pitchFamily="34" charset="-122"/>
+              </a:rPr>
+              <a:t>( -</a:t>
+            </a:r>
+            <a:r>
+              <a:rPr lang="de-DE" altLang="ja-JP" sz="1800" dirty="0" smtClean="0">
+                <a:latin typeface="Microsoft YaHei" pitchFamily="34" charset="-122"/>
+                <a:ea typeface="Microsoft YaHei" pitchFamily="34" charset="-122"/>
+              </a:rPr>
+              <a:t>2A + </a:t>
+            </a:r>
+            <a:r>
+              <a:rPr lang="de-DE" altLang="ja-JP" sz="1800" dirty="0" smtClean="0">
+                <a:latin typeface="Microsoft YaHei" pitchFamily="34" charset="-122"/>
+                <a:ea typeface="Microsoft YaHei" pitchFamily="34" charset="-122"/>
+              </a:rPr>
+              <a:t>2B )</a:t>
+            </a:r>
+            <a:r>
+              <a:rPr lang="zh-CN" altLang="en-US" sz="1800" dirty="0" smtClean="0">
+                <a:latin typeface="Microsoft YaHei" pitchFamily="34" charset="-122"/>
+                <a:ea typeface="Microsoft YaHei" pitchFamily="34" charset="-122"/>
+              </a:rPr>
+              <a:t>带入</a:t>
+            </a:r>
+            <a:r>
+              <a:rPr lang="en-US" altLang="zh-CN" sz="1800" dirty="0" smtClean="0">
+                <a:latin typeface="Microsoft YaHei" pitchFamily="34" charset="-122"/>
+                <a:ea typeface="Microsoft YaHei" pitchFamily="34" charset="-122"/>
+              </a:rPr>
+              <a:t>v2</a:t>
+            </a:r>
+            <a:r>
+              <a:rPr lang="zh-CN" altLang="en-US" sz="1800" dirty="0" smtClean="0">
+                <a:latin typeface="Microsoft YaHei" pitchFamily="34" charset="-122"/>
+                <a:ea typeface="Microsoft YaHei" pitchFamily="34" charset="-122"/>
+              </a:rPr>
+              <a:t>。</a:t>
+            </a:r>
+            <a:r>
+              <a:rPr lang="en-US" altLang="zh-CN" sz="1800" dirty="0" smtClean="0">
+                <a:latin typeface="Microsoft YaHei" pitchFamily="34" charset="-122"/>
+                <a:ea typeface="Microsoft YaHei" pitchFamily="34" charset="-122"/>
+              </a:rPr>
+              <a:t/>
+            </a:r>
+            <a:br>
+              <a:rPr lang="en-US" altLang="zh-CN" sz="1800" dirty="0" smtClean="0">
+                <a:latin typeface="Microsoft YaHei" pitchFamily="34" charset="-122"/>
+                <a:ea typeface="Microsoft YaHei" pitchFamily="34" charset="-122"/>
+              </a:rPr>
+            </a:br>
+            <a:r>
+              <a:rPr lang="en-US" altLang="zh-CN" sz="1800" dirty="0" smtClean="0">
+                <a:latin typeface="Microsoft YaHei" pitchFamily="34" charset="-122"/>
+                <a:ea typeface="Microsoft YaHei" pitchFamily="34" charset="-122"/>
+              </a:rPr>
+              <a:t/>
+            </a:r>
+            <a:br>
+              <a:rPr lang="en-US" altLang="zh-CN" sz="1800" dirty="0" smtClean="0">
+                <a:latin typeface="Microsoft YaHei" pitchFamily="34" charset="-122"/>
+                <a:ea typeface="Microsoft YaHei" pitchFamily="34" charset="-122"/>
+              </a:rPr>
+            </a:br>
+            <a:r>
+              <a:rPr lang="zh-CN" altLang="en-US" sz="1800" dirty="0" smtClean="0">
+                <a:latin typeface="Microsoft YaHei" pitchFamily="34" charset="-122"/>
+                <a:ea typeface="Microsoft YaHei" pitchFamily="34" charset="-122"/>
+              </a:rPr>
+              <a:t>那么经过一定距离 </a:t>
+            </a:r>
+            <a:r>
+              <a:rPr lang="en-US" altLang="zh-CN" sz="1800" dirty="0" smtClean="0">
+                <a:latin typeface="Microsoft YaHei" pitchFamily="34" charset="-122"/>
+                <a:ea typeface="Microsoft YaHei" pitchFamily="34" charset="-122"/>
+              </a:rPr>
+              <a:t>L </a:t>
+            </a:r>
+            <a:r>
+              <a:rPr lang="zh-CN" altLang="en-US" sz="1800" dirty="0" smtClean="0">
+                <a:latin typeface="Microsoft YaHei" pitchFamily="34" charset="-122"/>
+                <a:ea typeface="Microsoft YaHei" pitchFamily="34" charset="-122"/>
+              </a:rPr>
+              <a:t>的 </a:t>
+            </a:r>
+            <a:r>
+              <a:rPr lang="en-US" altLang="zh-CN" sz="1800" dirty="0" err="1" smtClean="0">
+                <a:latin typeface="Microsoft YaHei" pitchFamily="34" charset="-122"/>
+                <a:ea typeface="Microsoft YaHei" pitchFamily="34" charset="-122"/>
+              </a:rPr>
+              <a:t>Δt</a:t>
+            </a:r>
+            <a:r>
+              <a:rPr lang="zh-CN" altLang="en-US" sz="1800" dirty="0" smtClean="0">
+                <a:latin typeface="Microsoft YaHei" pitchFamily="34" charset="-122"/>
+                <a:ea typeface="Microsoft YaHei" pitchFamily="34" charset="-122"/>
+              </a:rPr>
+              <a:t>就</a:t>
+            </a:r>
+            <a:r>
+              <a:rPr lang="zh-CN" altLang="en-US" sz="1800" dirty="0" smtClean="0">
+                <a:latin typeface="Microsoft YaHei" pitchFamily="34" charset="-122"/>
+                <a:ea typeface="Microsoft YaHei" pitchFamily="34" charset="-122"/>
+              </a:rPr>
+              <a:t>是</a:t>
+            </a:r>
+            <a:r>
+              <a:rPr lang="en-US" altLang="zh-CN" sz="1800" dirty="0" smtClean="0">
+                <a:latin typeface="Microsoft YaHei" pitchFamily="34" charset="-122"/>
+                <a:ea typeface="Microsoft YaHei" pitchFamily="34" charset="-122"/>
+              </a:rPr>
+              <a:t/>
+            </a:r>
+            <a:br>
+              <a:rPr lang="en-US" altLang="zh-CN" sz="1800" dirty="0" smtClean="0">
+                <a:latin typeface="Microsoft YaHei" pitchFamily="34" charset="-122"/>
+                <a:ea typeface="Microsoft YaHei" pitchFamily="34" charset="-122"/>
+              </a:rPr>
+            </a:br>
+            <a:r>
+              <a:rPr lang="en-US" altLang="ja-JP" sz="1800" dirty="0" smtClean="0">
+                <a:latin typeface="Microsoft YaHei" pitchFamily="34" charset="-122"/>
+                <a:ea typeface="Microsoft YaHei" pitchFamily="34" charset="-122"/>
+              </a:rPr>
+              <a:t> </a:t>
+            </a:r>
+            <a:r>
+              <a:rPr lang="en-US" altLang="ja-JP" sz="1800" dirty="0" smtClean="0">
+                <a:latin typeface="Microsoft YaHei" pitchFamily="34" charset="-122"/>
+                <a:ea typeface="Microsoft YaHei" pitchFamily="34" charset="-122"/>
+              </a:rPr>
+              <a:t/>
+            </a:r>
+            <a:br>
+              <a:rPr lang="en-US" altLang="ja-JP" sz="1800" dirty="0" smtClean="0">
+                <a:latin typeface="Microsoft YaHei" pitchFamily="34" charset="-122"/>
+                <a:ea typeface="Microsoft YaHei" pitchFamily="34" charset="-122"/>
+              </a:rPr>
+            </a:br>
+            <a:r>
+              <a:rPr lang="en-US" altLang="ja-JP" sz="1800" dirty="0" smtClean="0">
+                <a:latin typeface="Microsoft YaHei" pitchFamily="34" charset="-122"/>
+                <a:ea typeface="Microsoft YaHei" pitchFamily="34" charset="-122"/>
+              </a:rPr>
+              <a:t>L </a:t>
+            </a:r>
+            <a:r>
+              <a:rPr lang="en-US" altLang="ja-JP" sz="1800" dirty="0" smtClean="0">
+                <a:latin typeface="Microsoft YaHei" pitchFamily="34" charset="-122"/>
+                <a:ea typeface="Microsoft YaHei" pitchFamily="34" charset="-122"/>
+              </a:rPr>
+              <a:t>/ </a:t>
+            </a:r>
+            <a:r>
+              <a:rPr lang="en-US" altLang="ja-JP" sz="1800" dirty="0" smtClean="0">
+                <a:latin typeface="Microsoft YaHei" pitchFamily="34" charset="-122"/>
+                <a:ea typeface="Microsoft YaHei" pitchFamily="34" charset="-122"/>
+              </a:rPr>
+              <a:t>length( t </a:t>
+            </a:r>
+            <a:r>
+              <a:rPr lang="en-US" altLang="ja-JP" sz="1800" dirty="0" smtClean="0">
+                <a:latin typeface="Microsoft YaHei" pitchFamily="34" charset="-122"/>
+                <a:ea typeface="Microsoft YaHei" pitchFamily="34" charset="-122"/>
+              </a:rPr>
+              <a:t>* v1 + </a:t>
+            </a:r>
+            <a:r>
+              <a:rPr lang="en-US" altLang="ja-JP" sz="1800" dirty="0" smtClean="0">
+                <a:latin typeface="Microsoft YaHei" pitchFamily="34" charset="-122"/>
+                <a:ea typeface="Microsoft YaHei" pitchFamily="34" charset="-122"/>
+              </a:rPr>
+              <a:t>v2 )	</a:t>
+            </a:r>
+            <a:r>
+              <a:rPr lang="zh-CN" altLang="en-US" sz="1800" dirty="0" smtClean="0">
+                <a:latin typeface="Microsoft YaHei" pitchFamily="34" charset="-122"/>
+                <a:ea typeface="Microsoft YaHei" pitchFamily="34" charset="-122"/>
+              </a:rPr>
+              <a:t>（</a:t>
+            </a:r>
+            <a:r>
+              <a:rPr lang="en-US" altLang="ja-JP" sz="1800" dirty="0" smtClean="0">
+                <a:latin typeface="Microsoft YaHei" pitchFamily="34" charset="-122"/>
+                <a:ea typeface="Microsoft YaHei" pitchFamily="34" charset="-122"/>
+              </a:rPr>
+              <a:t>length -&gt; magnitude</a:t>
+            </a:r>
+            <a:r>
+              <a:rPr lang="zh-CN" altLang="en-US" sz="1800" dirty="0" smtClean="0">
+                <a:latin typeface="Microsoft YaHei" pitchFamily="34" charset="-122"/>
+                <a:ea typeface="Microsoft YaHei" pitchFamily="34" charset="-122"/>
+              </a:rPr>
+              <a:t>）</a:t>
+            </a:r>
+            <a:r>
+              <a:rPr lang="fr-FR" altLang="ja-JP" sz="1800" dirty="0" smtClean="0">
+                <a:latin typeface="Microsoft YaHei" pitchFamily="34" charset="-122"/>
+                <a:ea typeface="Microsoft YaHei" pitchFamily="34" charset="-122"/>
+              </a:rPr>
+              <a:t/>
+            </a:r>
+            <a:br>
+              <a:rPr lang="fr-FR" altLang="ja-JP" sz="1800" dirty="0" smtClean="0">
+                <a:latin typeface="Microsoft YaHei" pitchFamily="34" charset="-122"/>
+                <a:ea typeface="Microsoft YaHei" pitchFamily="34" charset="-122"/>
+              </a:rPr>
+            </a:br>
+            <a:r>
+              <a:rPr lang="fr-FR" altLang="ja-JP" sz="1800" dirty="0" smtClean="0">
+                <a:latin typeface="Microsoft YaHei" pitchFamily="34" charset="-122"/>
+                <a:ea typeface="Microsoft YaHei" pitchFamily="34" charset="-122"/>
+              </a:rPr>
+              <a:t/>
+            </a:r>
+            <a:br>
+              <a:rPr lang="fr-FR" altLang="ja-JP" sz="1800" dirty="0" smtClean="0">
+                <a:latin typeface="Microsoft YaHei" pitchFamily="34" charset="-122"/>
+                <a:ea typeface="Microsoft YaHei" pitchFamily="34" charset="-122"/>
+              </a:rPr>
+            </a:br>
+            <a:endParaRPr lang="en-US" altLang="zh-CN" sz="1800" dirty="0" smtClean="0">
+              <a:latin typeface="Microsoft YaHei" pitchFamily="34" charset="-122"/>
+              <a:ea typeface="Microsoft YaHei" pitchFamily="34" charset="-122"/>
+            </a:endParaRPr>
+          </a:p>
+        </p:txBody>
+      </p:sp>
+      <p:sp>
+        <p:nvSpPr>
+          <p:cNvPr id="4" name="テキスト ボックス 3"/>
+          <p:cNvSpPr txBox="1"/>
+          <p:nvPr/>
+        </p:nvSpPr>
+        <p:spPr>
+          <a:xfrm>
+            <a:off x="467544" y="1364575"/>
+            <a:ext cx="7992888" cy="400110"/>
+          </a:xfrm>
+          <a:prstGeom prst="rect">
+            <a:avLst/>
+          </a:prstGeom>
+          <a:noFill/>
+        </p:spPr>
+        <p:txBody>
+          <a:bodyPr wrap="square" rtlCol="0">
+            <a:spAutoFit/>
+          </a:bodyPr>
+          <a:lstStyle/>
+          <a:p>
+            <a:pPr marL="0" lvl="1" latinLnBrk="1"/>
+            <a:r>
+              <a:rPr kumimoji="1" lang="zh-CN" altLang="en-US" sz="2000" dirty="0" smtClean="0">
+                <a:latin typeface="Microsoft YaHei" pitchFamily="34" charset="-122"/>
+                <a:ea typeface="Microsoft YaHei" pitchFamily="34" charset="-122"/>
+              </a:rPr>
+              <a:t>公式推导</a:t>
+            </a:r>
+            <a:endParaRPr kumimoji="1" lang="ja-JP" altLang="en-US" sz="2000" dirty="0">
+              <a:latin typeface="Microsoft YaHei" pitchFamily="34" charset="-122"/>
+              <a:ea typeface="Microsoft YaHei" pitchFamily="34" charset="-122"/>
+            </a:endParaRPr>
+          </a:p>
+        </p:txBody>
+      </p:sp>
+      <p:pic>
+        <p:nvPicPr>
+          <p:cNvPr id="5" name="図 4" descr="05c4210c69ffb1358ceb8eb83a1a06fe.png"/>
+          <p:cNvPicPr>
+            <a:picLocks noChangeAspect="1"/>
+          </p:cNvPicPr>
+          <p:nvPr/>
+        </p:nvPicPr>
+        <p:blipFill>
+          <a:blip r:embed="rId2" cstate="print"/>
+          <a:stretch>
+            <a:fillRect/>
+          </a:stretch>
+        </p:blipFill>
+        <p:spPr>
+          <a:xfrm>
+            <a:off x="3491880" y="2276872"/>
+            <a:ext cx="4968552" cy="267627"/>
+          </a:xfrm>
+          <a:prstGeom prst="rect">
+            <a:avLst/>
+          </a:prstGeom>
+          <a:solidFill>
+            <a:schemeClr val="tx1"/>
+          </a:solidFill>
+          <a:ln>
+            <a:noFill/>
+          </a:ln>
+        </p:spPr>
+      </p:pic>
+    </p:spTree>
+  </p:cSld>
+  <p:clrMapOvr>
+    <a:masterClrMapping/>
+  </p:clrMapOvr>
+  <p:timing>
+    <p:tnLst>
+      <p:par>
+        <p:cTn id="1" dur="indefinite" restart="never" nodeType="tmRoot">
+          <p:childTnLst>
+            <p:seq concurrent="1" nextAc="seek">
+              <p:cTn id="2" dur="indefinite" nodeType="mainSeq">
+                <p:childTnLst>
+                  <p:par>
+                    <p:cTn id="3" fill="hold">
+                      <p:stCondLst>
+                        <p:cond delay="indefinite"/>
+                      </p:stCondLst>
+                      <p:childTnLst>
+                        <p:par>
+                          <p:cTn id="4" fill="hold">
+                            <p:stCondLst>
+                              <p:cond delay="0"/>
+                            </p:stCondLst>
+                            <p:childTnLst>
+                              <p:par>
+                                <p:cTn id="5" presetID="1" presetClass="entr" presetSubtype="0" fill="hold" grpId="0" nodeType="clickEffect">
+                                  <p:stCondLst>
+                                    <p:cond delay="0"/>
+                                  </p:stCondLst>
+                                  <p:childTnLst>
+                                    <p:set>
+                                      <p:cBhvr>
+                                        <p:cTn id="6" dur="1" fill="hold">
+                                          <p:stCondLst>
+                                            <p:cond delay="0"/>
+                                          </p:stCondLst>
+                                        </p:cTn>
+                                        <p:tgtEl>
+                                          <p:spTgt spid="4"/>
+                                        </p:tgtEl>
+                                        <p:attrNameLst>
+                                          <p:attrName>style.visibility</p:attrName>
+                                        </p:attrNameLst>
+                                      </p:cBhvr>
+                                      <p:to>
+                                        <p:strVal val="visible"/>
+                                      </p:to>
+                                    </p:set>
+                                  </p:childTnLst>
+                                </p:cTn>
+                              </p:par>
+                            </p:childTnLst>
+                          </p:cTn>
+                        </p:par>
+                      </p:childTnLst>
+                    </p:cTn>
+                  </p:par>
+                  <p:par>
+                    <p:cTn id="7" fill="hold">
+                      <p:stCondLst>
+                        <p:cond delay="indefinite"/>
+                      </p:stCondLst>
+                      <p:childTnLst>
+                        <p:par>
+                          <p:cTn id="8" fill="hold">
+                            <p:stCondLst>
+                              <p:cond delay="0"/>
+                            </p:stCondLst>
+                            <p:childTnLst>
+                              <p:par>
+                                <p:cTn id="9" presetID="1" presetClass="entr" presetSubtype="0" fill="hold" grpId="0" nodeType="clickEffect">
+                                  <p:stCondLst>
+                                    <p:cond delay="0"/>
+                                  </p:stCondLst>
+                                  <p:childTnLst>
+                                    <p:set>
+                                      <p:cBhvr>
+                                        <p:cTn id="10" dur="1" fill="hold">
+                                          <p:stCondLst>
+                                            <p:cond delay="0"/>
+                                          </p:stCondLst>
+                                        </p:cTn>
+                                        <p:tgtEl>
+                                          <p:spTgt spid="3">
+                                            <p:txEl>
+                                              <p:pRg st="0" end="0"/>
+                                            </p:txEl>
+                                          </p:spTgt>
+                                        </p:tgtEl>
+                                        <p:attrNameLst>
+                                          <p:attrName>style.visibility</p:attrName>
+                                        </p:attrNameLst>
+                                      </p:cBhvr>
+                                      <p:to>
+                                        <p:strVal val="visible"/>
+                                      </p:to>
+                                    </p:set>
+                                  </p:childTnLst>
+                                </p:cTn>
+                              </p:par>
+                              <p:par>
+                                <p:cTn id="11" presetID="1" presetClass="entr" presetSubtype="0" fill="hold" nodeType="withEffect">
+                                  <p:stCondLst>
+                                    <p:cond delay="0"/>
+                                  </p:stCondLst>
+                                  <p:childTnLst>
+                                    <p:set>
+                                      <p:cBhvr>
+                                        <p:cTn id="12" dur="1" fill="hold">
+                                          <p:stCondLst>
+                                            <p:cond delay="0"/>
+                                          </p:stCondLst>
+                                        </p:cTn>
+                                        <p:tgtEl>
+                                          <p:spTgt spid="5"/>
+                                        </p:tgtEl>
+                                        <p:attrNameLst>
+                                          <p:attrName>style.visibility</p:attrName>
+                                        </p:attrNameLst>
+                                      </p:cBhvr>
+                                      <p:to>
+                                        <p:strVal val="visible"/>
+                                      </p:to>
+                                    </p:set>
+                                  </p:childTnLst>
+                                </p:cTn>
+                              </p:par>
+                            </p:childTnLst>
+                          </p:cTn>
+                        </p:par>
+                      </p:childTnLst>
+                    </p:cTn>
+                  </p:par>
+                  <p:par>
+                    <p:cTn id="13" fill="hold">
+                      <p:stCondLst>
+                        <p:cond delay="indefinite"/>
+                      </p:stCondLst>
+                      <p:childTnLst>
+                        <p:par>
+                          <p:cTn id="14" fill="hold">
+                            <p:stCondLst>
+                              <p:cond delay="0"/>
+                            </p:stCondLst>
+                            <p:childTnLst>
+                              <p:par>
+                                <p:cTn id="15" presetID="1" presetClass="entr" presetSubtype="0" fill="hold" grpId="0" nodeType="clickEffect">
+                                  <p:stCondLst>
+                                    <p:cond delay="0"/>
+                                  </p:stCondLst>
+                                  <p:childTnLst>
+                                    <p:set>
+                                      <p:cBhvr>
+                                        <p:cTn id="16" dur="1" fill="hold">
+                                          <p:stCondLst>
+                                            <p:cond delay="0"/>
+                                          </p:stCondLst>
+                                        </p:cTn>
+                                        <p:tgtEl>
+                                          <p:spTgt spid="3">
+                                            <p:txEl>
+                                              <p:pRg st="3" end="3"/>
+                                            </p:txEl>
+                                          </p:spTgt>
+                                        </p:tgtEl>
+                                        <p:attrNameLst>
+                                          <p:attrName>style.visibility</p:attrName>
+                                        </p:attrNameLst>
+                                      </p:cBhvr>
+                                      <p:to>
+                                        <p:strVal val="visible"/>
+                                      </p:to>
+                                    </p:set>
+                                  </p:childTnLst>
+                                </p:cTn>
+                              </p:par>
+                            </p:childTnLst>
+                          </p:cTn>
+                        </p:par>
+                      </p:childTnLst>
+                    </p:cTn>
+                  </p:par>
+                  <p:par>
+                    <p:cTn id="17" fill="hold">
+                      <p:stCondLst>
+                        <p:cond delay="indefinite"/>
+                      </p:stCondLst>
+                      <p:childTnLst>
+                        <p:par>
+                          <p:cTn id="18" fill="hold">
+                            <p:stCondLst>
+                              <p:cond delay="0"/>
+                            </p:stCondLst>
+                            <p:childTnLst>
+                              <p:par>
+                                <p:cTn id="19" presetID="1" presetClass="entr" presetSubtype="0" fill="hold" grpId="0" nodeType="clickEffect">
+                                  <p:stCondLst>
+                                    <p:cond delay="0"/>
+                                  </p:stCondLst>
+                                  <p:childTnLst>
+                                    <p:set>
+                                      <p:cBhvr>
+                                        <p:cTn id="20" dur="1" fill="hold">
+                                          <p:stCondLst>
+                                            <p:cond delay="0"/>
+                                          </p:stCondLst>
+                                        </p:cTn>
+                                        <p:tgtEl>
+                                          <p:spTgt spid="3">
+                                            <p:txEl>
+                                              <p:pRg st="6" end="6"/>
+                                            </p:txEl>
+                                          </p:spTgt>
+                                        </p:tgtEl>
+                                        <p:attrNameLst>
+                                          <p:attrName>style.visibility</p:attrName>
+                                        </p:attrNameLst>
+                                      </p:cBhvr>
+                                      <p:to>
+                                        <p:strVal val="visible"/>
+                                      </p:to>
+                                    </p:set>
+                                  </p:childTnLst>
+                                </p:cTn>
+                              </p:par>
+                            </p:childTnLst>
+                          </p:cTn>
+                        </p:par>
+                      </p:childTnLst>
+                    </p:cTn>
+                  </p:par>
+                </p:childTnLst>
+              </p:cTn>
+              <p:prevCondLst>
+                <p:cond evt="onPrev" delay="0">
+                  <p:tgtEl>
+                    <p:sldTgt/>
+                  </p:tgtEl>
+                </p:cond>
+              </p:prevCondLst>
+              <p:nextCondLst>
+                <p:cond evt="onNext" delay="0">
+                  <p:tgtEl>
+                    <p:sldTgt/>
+                  </p:tgtEl>
+                </p:cond>
+              </p:nextCondLst>
+            </p:seq>
+          </p:childTnLst>
+        </p:cTn>
+      </p:par>
+    </p:tnLst>
+    <p:bldLst>
+      <p:bldP spid="3" grpId="0" uiExpand="1" build="p"/>
+      <p:bldP spid="4" grpId="0"/>
+    </p:bldLst>
+  </p:timing>
+</p:sld>
+</file>
+
+<file path=ppt/slides/slide15.xml><?xml version="1.0" encoding="utf-8"?>
+<p:sld xmlns:a="http://schemas.openxmlformats.org/drawingml/2006/main" xmlns:r="http://schemas.openxmlformats.org/officeDocument/2006/relationships" xmlns:p="http://schemas.openxmlformats.org/presentationml/2006/main">
+  <p:cSld>
+    <p:spTree>
+      <p:nvGrpSpPr>
+        <p:cNvPr id="1" name=""/>
+        <p:cNvGrpSpPr/>
+        <p:nvPr/>
+      </p:nvGrpSpPr>
+      <p:grpSpPr>
+        <a:xfrm>
+          <a:off x="0" y="0"/>
+          <a:ext cx="0" cy="0"/>
+          <a:chOff x="0" y="0"/>
+          <a:chExt cx="0" cy="0"/>
+        </a:xfrm>
+      </p:grpSpPr>
+      <p:sp>
+        <p:nvSpPr>
+          <p:cNvPr id="2" name="タイトル 1"/>
+          <p:cNvSpPr>
+            <a:spLocks noGrp="1"/>
+          </p:cNvSpPr>
+          <p:nvPr>
+            <p:ph type="title"/>
+          </p:nvPr>
+        </p:nvSpPr>
+        <p:spPr/>
+        <p:txBody>
+          <a:bodyPr>
             <a:normAutofit/>
           </a:bodyPr>
           <a:lstStyle/>
@@ -4395,10 +8545,6 @@
               </a:rPr>
               <a:t> curve</a:t>
             </a:r>
-            <a:endParaRPr lang="en-US" altLang="zh-CN" dirty="0" smtClean="0">
-              <a:latin typeface="Microsoft YaHei" pitchFamily="34" charset="-122"/>
-              <a:ea typeface="Microsoft YaHei" pitchFamily="34" charset="-122"/>
-            </a:endParaRPr>
           </a:p>
           <a:p>
             <a:pPr marL="852678" lvl="1" indent="-514350">
@@ -4468,15 +8614,7 @@
                 <a:ea typeface="Microsoft YaHei" pitchFamily="34" charset="-122"/>
                 <a:hlinkClick r:id="rId3"/>
               </a:rPr>
-              <a:t>http</a:t>
-            </a:r>
-            <a:r>
-              <a:rPr lang="en-US" altLang="zh-CN" dirty="0" smtClean="0">
-                <a:latin typeface="Microsoft YaHei" pitchFamily="34" charset="-122"/>
-                <a:ea typeface="Microsoft YaHei" pitchFamily="34" charset="-122"/>
-                <a:hlinkClick r:id="rId3"/>
-              </a:rPr>
-              <a:t>://gamedev.stackexchange.com/questions/27056/how-to-achieve-uniform-speed-of-movement-on-a-bezier-curve</a:t>
+              <a:t>http://gamedev.stackexchange.com/questions/27056/how-to-achieve-uniform-speed-of-movement-on-a-bezier-curve</a:t>
             </a:r>
             <a:endParaRPr lang="en-US" altLang="zh-CN" dirty="0" smtClean="0">
               <a:latin typeface="Microsoft YaHei" pitchFamily="34" charset="-122"/>
@@ -4704,7 +8842,14 @@
                 <a:latin typeface="Microsoft YaHei" pitchFamily="34" charset="-122"/>
                 <a:ea typeface="Microsoft YaHei" pitchFamily="34" charset="-122"/>
               </a:rPr>
-              <a:t>贝塞尔曲线等速移动问题的解决方案</a:t>
+              <a:t>贝塞尔曲线匀速移动问题</a:t>
+            </a:r>
+            <a:r>
+              <a:rPr lang="zh-CN" altLang="en-US" dirty="0" smtClean="0">
+                <a:latin typeface="Microsoft YaHei" pitchFamily="34" charset="-122"/>
+                <a:ea typeface="Microsoft YaHei" pitchFamily="34" charset="-122"/>
+              </a:rPr>
+              <a:t>的解决方案</a:t>
             </a:r>
             <a:endParaRPr lang="en-US" altLang="zh-CN" dirty="0" smtClean="0">
               <a:latin typeface="Microsoft YaHei" pitchFamily="34" charset="-122"/>
@@ -4759,7 +8904,7 @@
                             </p:stCondLst>
                             <p:childTnLst>
                               <p:par>
-                                <p:cTn id="5" presetID="18" presetClass="entr" presetSubtype="6" fill="hold" grpId="0" nodeType="clickEffect">
+                                <p:cTn id="5" presetID="1" presetClass="entr" presetSubtype="0" fill="hold" grpId="0" nodeType="clickEffect">
                                   <p:stCondLst>
                                     <p:cond delay="0"/>
                                   </p:stCondLst>
@@ -4786,30 +8931,18 @@
                                         <p:strVal val="visible"/>
                                       </p:to>
                                     </p:set>
-                                    <p:animEffect transition="in" filter="strips(downRight)">
-                                      <p:cBhvr>
-                                        <p:cTn id="7" dur="500"/>
-                                        <p:tgtEl>
-                                          <p:spTgt spid="3">
-                                            <p:txEl>
-                                              <p:pRg st="0" end="0"/>
-                                            </p:txEl>
-                                          </p:spTgt>
-                                        </p:tgtEl>
-                                      </p:cBhvr>
-                                    </p:animEffect>
                                   </p:childTnLst>
                                 </p:cTn>
                               </p:par>
                               <p:par>
-                                <p:cTn id="8" presetID="18" presetClass="entr" presetSubtype="6" fill="hold" grpId="0" nodeType="withEffect">
+                                <p:cTn id="7" presetID="1" presetClass="entr" presetSubtype="0" fill="hold" grpId="0" nodeType="withEffect">
                                   <p:stCondLst>
                                     <p:cond delay="0"/>
                                   </p:stCondLst>
                                   <p:childTnLst>
                                     <p:set>
                                       <p:cBhvr>
-                                        <p:cTn id="9" dur="1" fill="hold">
+                                        <p:cTn id="8" dur="1" fill="hold">
                                           <p:stCondLst>
                                             <p:cond delay="0"/>
                                           </p:stCondLst>
@@ -4829,30 +8962,18 @@
                                         <p:strVal val="visible"/>
                                       </p:to>
                                     </p:set>
-                                    <p:animEffect transition="in" filter="strips(downRight)">
-                                      <p:cBhvr>
-                                        <p:cTn id="10" dur="500"/>
-                                        <p:tgtEl>
-                                          <p:spTgt spid="3">
-                                            <p:txEl>
-                                              <p:pRg st="1" end="1"/>
-                                            </p:txEl>
-                                          </p:spTgt>
-                                        </p:tgtEl>
-                                      </p:cBhvr>
-                                    </p:animEffect>
                                   </p:childTnLst>
                                 </p:cTn>
                               </p:par>
                               <p:par>
-                                <p:cTn id="11" presetID="18" presetClass="entr" presetSubtype="6" fill="hold" grpId="0" nodeType="withEffect">
+                                <p:cTn id="9" presetID="1" presetClass="entr" presetSubtype="0" fill="hold" grpId="0" nodeType="withEffect">
                                   <p:stCondLst>
                                     <p:cond delay="0"/>
                                   </p:stCondLst>
                                   <p:childTnLst>
                                     <p:set>
                                       <p:cBhvr>
-                                        <p:cTn id="12" dur="1" fill="hold">
+                                        <p:cTn id="10" dur="1" fill="hold">
                                           <p:stCondLst>
                                             <p:cond delay="0"/>
                                           </p:stCondLst>
@@ -4872,30 +8993,18 @@
                                         <p:strVal val="visible"/>
                                       </p:to>
                                     </p:set>
-                                    <p:animEffect transition="in" filter="strips(downRight)">
-                                      <p:cBhvr>
-                                        <p:cTn id="13" dur="500"/>
-                                        <p:tgtEl>
-                                          <p:spTgt spid="3">
-                                            <p:txEl>
-                                              <p:pRg st="2" end="2"/>
-                                            </p:txEl>
-                                          </p:spTgt>
-                                        </p:tgtEl>
-                                      </p:cBhvr>
-                                    </p:animEffect>
                                   </p:childTnLst>
                                 </p:cTn>
                               </p:par>
                               <p:par>
-                                <p:cTn id="14" presetID="18" presetClass="entr" presetSubtype="6" fill="hold" grpId="0" nodeType="withEffect">
+                                <p:cTn id="11" presetID="1" presetClass="entr" presetSubtype="0" fill="hold" grpId="0" nodeType="withEffect">
                                   <p:stCondLst>
                                     <p:cond delay="0"/>
                                   </p:stCondLst>
                                   <p:childTnLst>
                                     <p:set>
                                       <p:cBhvr>
-                                        <p:cTn id="15" dur="1" fill="hold">
+                                        <p:cTn id="12" dur="1" fill="hold">
                                           <p:stCondLst>
                                             <p:cond delay="0"/>
                                           </p:stCondLst>
@@ -4915,30 +9024,18 @@
                                         <p:strVal val="visible"/>
                                       </p:to>
                                     </p:set>
-                                    <p:animEffect transition="in" filter="strips(downRight)">
-                                      <p:cBhvr>
-                                        <p:cTn id="16" dur="500"/>
-                                        <p:tgtEl>
-                                          <p:spTgt spid="3">
-                                            <p:txEl>
-                                              <p:pRg st="3" end="3"/>
-                                            </p:txEl>
-                                          </p:spTgt>
-                                        </p:tgtEl>
-                                      </p:cBhvr>
-                                    </p:animEffect>
                                   </p:childTnLst>
                                 </p:cTn>
                               </p:par>
                               <p:par>
-                                <p:cTn id="17" presetID="18" presetClass="entr" presetSubtype="6" fill="hold" grpId="0" nodeType="withEffect">
+                                <p:cTn id="13" presetID="1" presetClass="entr" presetSubtype="0" fill="hold" grpId="0" nodeType="withEffect">
                                   <p:stCondLst>
                                     <p:cond delay="0"/>
                                   </p:stCondLst>
                                   <p:childTnLst>
                                     <p:set>
                                       <p:cBhvr>
-                                        <p:cTn id="18" dur="1" fill="hold">
+                                        <p:cTn id="14" dur="1" fill="hold">
                                           <p:stCondLst>
                                             <p:cond delay="0"/>
                                           </p:stCondLst>
@@ -4958,30 +9055,18 @@
                                         <p:strVal val="visible"/>
                                       </p:to>
                                     </p:set>
-                                    <p:animEffect transition="in" filter="strips(downRight)">
-                                      <p:cBhvr>
-                                        <p:cTn id="19" dur="500"/>
-                                        <p:tgtEl>
-                                          <p:spTgt spid="3">
-                                            <p:txEl>
-                                              <p:pRg st="4" end="4"/>
-                                            </p:txEl>
-                                          </p:spTgt>
-                                        </p:tgtEl>
-                                      </p:cBhvr>
-                                    </p:animEffect>
                                   </p:childTnLst>
                                 </p:cTn>
                               </p:par>
                               <p:par>
-                                <p:cTn id="20" presetID="18" presetClass="entr" presetSubtype="6" fill="hold" grpId="0" nodeType="withEffect">
+                                <p:cTn id="15" presetID="1" presetClass="entr" presetSubtype="0" fill="hold" grpId="0" nodeType="withEffect">
                                   <p:stCondLst>
                                     <p:cond delay="0"/>
                                   </p:stCondLst>
                                   <p:childTnLst>
                                     <p:set>
                                       <p:cBhvr>
-                                        <p:cTn id="21" dur="1" fill="hold">
+                                        <p:cTn id="16" dur="1" fill="hold">
                                           <p:stCondLst>
                                             <p:cond delay="0"/>
                                           </p:stCondLst>
@@ -5001,18 +9086,6 @@
                                         <p:strVal val="visible"/>
                                       </p:to>
                                     </p:set>
-                                    <p:animEffect transition="in" filter="strips(downRight)">
-                                      <p:cBhvr>
-                                        <p:cTn id="22" dur="500"/>
-                                        <p:tgtEl>
-                                          <p:spTgt spid="3">
-                                            <p:txEl>
-                                              <p:pRg st="5" end="5"/>
-                                            </p:txEl>
-                                          </p:spTgt>
-                                        </p:tgtEl>
-                                      </p:cBhvr>
-                                    </p:animEffect>
                                   </p:childTnLst>
                                 </p:cTn>
                               </p:par>
@@ -5155,7 +9228,9 @@
           </a:xfrm>
         </p:spPr>
         <p:txBody>
-          <a:bodyPr/>
+          <a:bodyPr>
+            <a:normAutofit/>
+          </a:bodyPr>
           <a:lstStyle/>
           <a:p>
             <a:pPr marL="550926" indent="-514350">
@@ -5166,41 +9241,48 @@
               <a:buChar char="•"/>
             </a:pPr>
             <a:r>
-              <a:rPr lang="en-US" altLang="ja-JP" dirty="0" smtClean="0">
+              <a:rPr lang="en-US" altLang="ja-JP" sz="2800" dirty="0" smtClean="0">
                 <a:latin typeface="Microsoft YaHei" pitchFamily="34" charset="-122"/>
                 <a:ea typeface="Microsoft YaHei" pitchFamily="34" charset="-122"/>
               </a:rPr>
               <a:t>1959</a:t>
             </a:r>
             <a:r>
-              <a:rPr lang="zh-CN" altLang="en-US" dirty="0" smtClean="0">
+              <a:rPr lang="zh-CN" altLang="en-US" sz="2800" dirty="0" smtClean="0">
                 <a:latin typeface="Microsoft YaHei" pitchFamily="34" charset="-122"/>
                 <a:ea typeface="Microsoft YaHei" pitchFamily="34" charset="-122"/>
               </a:rPr>
               <a:t>年，就职于雪铁龙汽车公司的法国物理数学学家</a:t>
             </a:r>
             <a:r>
-              <a:rPr lang="en-US" altLang="zh-CN" dirty="0" smtClean="0">
+              <a:rPr lang="en-US" altLang="zh-CN" sz="2800" dirty="0" smtClean="0">
                 <a:latin typeface="Microsoft YaHei" pitchFamily="34" charset="-122"/>
                 <a:ea typeface="Microsoft YaHei" pitchFamily="34" charset="-122"/>
               </a:rPr>
               <a:t>Paul de </a:t>
             </a:r>
             <a:r>
-              <a:rPr lang="en-US" altLang="zh-CN" dirty="0" err="1" smtClean="0">
+              <a:rPr lang="en-US" altLang="zh-CN" sz="2800" dirty="0" err="1" smtClean="0">
                 <a:latin typeface="Microsoft YaHei" pitchFamily="34" charset="-122"/>
                 <a:ea typeface="Microsoft YaHei" pitchFamily="34" charset="-122"/>
               </a:rPr>
               <a:t>Casteljau</a:t>
             </a:r>
             <a:r>
-              <a:rPr lang="zh-CN" altLang="en-US" dirty="0" smtClean="0">
-                <a:latin typeface="Microsoft YaHei" pitchFamily="34" charset="-122"/>
-                <a:ea typeface="Microsoft YaHei" pitchFamily="34" charset="-122"/>
-              </a:rPr>
-              <a:t>开发了此曲线算法，但是未公诸于世</a:t>
-            </a:r>
-            <a:endParaRPr lang="en-US" altLang="zh-CN" dirty="0" smtClean="0">
+              <a:rPr lang="zh-CN" altLang="en-US" sz="2800" dirty="0" smtClean="0">
+                <a:latin typeface="Microsoft YaHei" pitchFamily="34" charset="-122"/>
+                <a:ea typeface="Microsoft YaHei" pitchFamily="34" charset="-122"/>
+              </a:rPr>
+              <a:t>开发了此曲线算法，但是未公诸于</a:t>
+            </a:r>
+            <a:r>
+              <a:rPr lang="zh-CN" altLang="en-US" sz="2800" dirty="0" smtClean="0">
+                <a:latin typeface="Microsoft YaHei" pitchFamily="34" charset="-122"/>
+                <a:ea typeface="Microsoft YaHei" pitchFamily="34" charset="-122"/>
+              </a:rPr>
+              <a:t>世</a:t>
+            </a:r>
+            <a:endParaRPr lang="en-US" altLang="zh-CN" sz="2800" dirty="0" smtClean="0">
               <a:latin typeface="Microsoft YaHei" pitchFamily="34" charset="-122"/>
               <a:ea typeface="Microsoft YaHei" pitchFamily="34" charset="-122"/>
             </a:endParaRPr>
@@ -5213,63 +9295,7 @@
               <a:buFont typeface="Arial" pitchFamily="34" charset="0"/>
               <a:buChar char="•"/>
             </a:pPr>
-            <a:r>
-              <a:rPr lang="en-US" altLang="zh-CN" dirty="0" smtClean="0">
-                <a:latin typeface="Microsoft YaHei" pitchFamily="34" charset="-122"/>
-                <a:ea typeface="Microsoft YaHei" pitchFamily="34" charset="-122"/>
-              </a:rPr>
-              <a:t>1962</a:t>
-            </a:r>
-            <a:r>
-              <a:rPr lang="zh-CN" altLang="en-US" dirty="0" smtClean="0">
-                <a:latin typeface="Microsoft YaHei" pitchFamily="34" charset="-122"/>
-                <a:ea typeface="Microsoft YaHei" pitchFamily="34" charset="-122"/>
-              </a:rPr>
-              <a:t>年，就职于法国雷诺汽车公司的法国工程师</a:t>
-            </a:r>
-            <a:r>
-              <a:rPr lang="en-US" altLang="zh-CN" dirty="0" smtClean="0">
-                <a:latin typeface="Microsoft YaHei" pitchFamily="34" charset="-122"/>
-                <a:ea typeface="Microsoft YaHei" pitchFamily="34" charset="-122"/>
-              </a:rPr>
-              <a:t>Pierre </a:t>
-            </a:r>
-            <a:r>
-              <a:rPr lang="en-US" altLang="zh-CN" dirty="0" err="1" smtClean="0">
-                <a:latin typeface="Microsoft YaHei" pitchFamily="34" charset="-122"/>
-                <a:ea typeface="Microsoft YaHei" pitchFamily="34" charset="-122"/>
-              </a:rPr>
-              <a:t>Bézier</a:t>
-            </a:r>
-            <a:r>
-              <a:rPr lang="zh-CN" altLang="en-US" dirty="0" smtClean="0">
-                <a:latin typeface="Microsoft YaHei" pitchFamily="34" charset="-122"/>
-                <a:ea typeface="Microsoft YaHei" pitchFamily="34" charset="-122"/>
-              </a:rPr>
-              <a:t>公开发表了</a:t>
-            </a:r>
-            <a:r>
-              <a:rPr lang="en-US" altLang="zh-CN" sz="3200" dirty="0" err="1" smtClean="0">
-                <a:latin typeface="Microsoft YaHei" pitchFamily="34" charset="-122"/>
-                <a:ea typeface="Microsoft YaHei" pitchFamily="34" charset="-122"/>
-              </a:rPr>
-              <a:t>Bézier</a:t>
-            </a:r>
-            <a:r>
-              <a:rPr lang="en-US" altLang="zh-CN" sz="3200" dirty="0" smtClean="0">
-                <a:latin typeface="Microsoft YaHei" pitchFamily="34" charset="-122"/>
-                <a:ea typeface="Microsoft YaHei" pitchFamily="34" charset="-122"/>
-              </a:rPr>
-              <a:t> curve</a:t>
-            </a:r>
-            <a:r>
-              <a:rPr lang="zh-CN" altLang="en-US" sz="3200" dirty="0" smtClean="0">
-                <a:latin typeface="Microsoft YaHei" pitchFamily="34" charset="-122"/>
-                <a:ea typeface="Microsoft YaHei" pitchFamily="34" charset="-122"/>
-              </a:rPr>
-              <a:t>算法，故此曲线被命名为贝塞尔曲线</a:t>
-            </a:r>
-            <a:endParaRPr lang="en-US" altLang="zh-CN" dirty="0" smtClean="0">
+            <a:endParaRPr lang="en-US" altLang="zh-CN" sz="2800" dirty="0" smtClean="0">
               <a:latin typeface="Microsoft YaHei" pitchFamily="34" charset="-122"/>
               <a:ea typeface="Microsoft YaHei" pitchFamily="34" charset="-122"/>
             </a:endParaRPr>
@@ -5283,13 +9309,102 @@
               <a:buChar char="•"/>
             </a:pPr>
             <a:r>
-              <a:rPr lang="zh-CN" altLang="en-US" dirty="0" smtClean="0">
+              <a:rPr lang="en-US" altLang="zh-CN" sz="2800" dirty="0" smtClean="0">
+                <a:latin typeface="Microsoft YaHei" pitchFamily="34" charset="-122"/>
+                <a:ea typeface="Microsoft YaHei" pitchFamily="34" charset="-122"/>
+              </a:rPr>
+              <a:t>1962</a:t>
+            </a:r>
+            <a:r>
+              <a:rPr lang="zh-CN" altLang="en-US" sz="2800" dirty="0" smtClean="0">
+                <a:latin typeface="Microsoft YaHei" pitchFamily="34" charset="-122"/>
+                <a:ea typeface="Microsoft YaHei" pitchFamily="34" charset="-122"/>
+              </a:rPr>
+              <a:t>年，就职于法国雷诺汽车公司的法国工程师</a:t>
+            </a:r>
+            <a:r>
+              <a:rPr lang="en-US" altLang="zh-CN" sz="2800" dirty="0" smtClean="0">
+                <a:latin typeface="Microsoft YaHei" pitchFamily="34" charset="-122"/>
+                <a:ea typeface="Microsoft YaHei" pitchFamily="34" charset="-122"/>
+              </a:rPr>
+              <a:t>Pierre </a:t>
+            </a:r>
+            <a:r>
+              <a:rPr lang="en-US" altLang="zh-CN" sz="2800" dirty="0" err="1" smtClean="0">
+                <a:latin typeface="Microsoft YaHei" pitchFamily="34" charset="-122"/>
+                <a:ea typeface="Microsoft YaHei" pitchFamily="34" charset="-122"/>
+              </a:rPr>
+              <a:t>Bézier</a:t>
+            </a:r>
+            <a:r>
+              <a:rPr lang="zh-CN" altLang="en-US" sz="2800" dirty="0" smtClean="0">
+                <a:latin typeface="Microsoft YaHei" pitchFamily="34" charset="-122"/>
+                <a:ea typeface="Microsoft YaHei" pitchFamily="34" charset="-122"/>
+              </a:rPr>
+              <a:t>公开发表了</a:t>
+            </a:r>
+            <a:r>
+              <a:rPr lang="en-US" altLang="zh-CN" sz="2800" dirty="0" err="1" smtClean="0">
+                <a:latin typeface="Microsoft YaHei" pitchFamily="34" charset="-122"/>
+                <a:ea typeface="Microsoft YaHei" pitchFamily="34" charset="-122"/>
+              </a:rPr>
+              <a:t>Bézier</a:t>
+            </a:r>
+            <a:r>
+              <a:rPr lang="en-US" altLang="zh-CN" sz="2800" dirty="0" smtClean="0">
+                <a:latin typeface="Microsoft YaHei" pitchFamily="34" charset="-122"/>
+                <a:ea typeface="Microsoft YaHei" pitchFamily="34" charset="-122"/>
+              </a:rPr>
+              <a:t> curve</a:t>
+            </a:r>
+            <a:r>
+              <a:rPr lang="zh-CN" altLang="en-US" sz="2800" dirty="0" smtClean="0">
+                <a:latin typeface="Microsoft YaHei" pitchFamily="34" charset="-122"/>
+                <a:ea typeface="Microsoft YaHei" pitchFamily="34" charset="-122"/>
+              </a:rPr>
+              <a:t>算法，</a:t>
+            </a:r>
+            <a:r>
+              <a:rPr lang="zh-CN" altLang="en-US" sz="2800" dirty="0" smtClean="0">
+                <a:latin typeface="Microsoft YaHei" pitchFamily="34" charset="-122"/>
+                <a:ea typeface="Microsoft YaHei" pitchFamily="34" charset="-122"/>
+              </a:rPr>
+              <a:t>故此曲线被命名为贝塞尔曲线</a:t>
+            </a:r>
+            <a:endParaRPr lang="en-US" altLang="zh-CN" sz="2800" dirty="0" smtClean="0">
+              <a:latin typeface="Microsoft YaHei" pitchFamily="34" charset="-122"/>
+              <a:ea typeface="Microsoft YaHei" pitchFamily="34" charset="-122"/>
+            </a:endParaRPr>
+          </a:p>
+          <a:p>
+            <a:pPr marL="550926" indent="-514350">
+              <a:buClr>
+                <a:schemeClr val="tx2"/>
+              </a:buClr>
+              <a:buFont typeface="Arial" pitchFamily="34" charset="0"/>
+              <a:buChar char="•"/>
+            </a:pPr>
+            <a:endParaRPr lang="en-US" altLang="zh-CN" sz="2800" dirty="0" smtClean="0">
+              <a:latin typeface="Microsoft YaHei" pitchFamily="34" charset="-122"/>
+              <a:ea typeface="Microsoft YaHei" pitchFamily="34" charset="-122"/>
+            </a:endParaRPr>
+          </a:p>
+          <a:p>
+            <a:pPr marL="550926" indent="-514350">
+              <a:buClr>
+                <a:schemeClr val="tx2"/>
+              </a:buClr>
+              <a:buFont typeface="Arial" pitchFamily="34" charset="0"/>
+              <a:buChar char="•"/>
+            </a:pPr>
+            <a:r>
+              <a:rPr lang="zh-CN" altLang="en-US" sz="2800" dirty="0" smtClean="0">
                 <a:latin typeface="Microsoft YaHei" pitchFamily="34" charset="-122"/>
                 <a:ea typeface="Microsoft YaHei" pitchFamily="34" charset="-122"/>
               </a:rPr>
               <a:t>当时贝塞尔曲线主要用于汽车车体的设计</a:t>
             </a:r>
-            <a:endParaRPr lang="en-US" altLang="zh-CN" dirty="0" smtClean="0">
+            <a:endParaRPr lang="en-US" altLang="zh-CN" sz="2800" dirty="0" smtClean="0">
               <a:latin typeface="Microsoft YaHei" pitchFamily="34" charset="-122"/>
               <a:ea typeface="Microsoft YaHei" pitchFamily="34" charset="-122"/>
             </a:endParaRPr>
@@ -5323,7 +9438,7 @@
                             </p:stCondLst>
                             <p:childTnLst>
                               <p:par>
-                                <p:cTn id="5" presetID="18" presetClass="entr" presetSubtype="6" fill="hold" grpId="0" nodeType="clickEffect">
+                                <p:cTn id="5" presetID="1" presetClass="entr" presetSubtype="0" fill="hold" grpId="0" nodeType="clickEffect">
                                   <p:stCondLst>
                                     <p:cond delay="0"/>
                                   </p:stCondLst>
@@ -5350,18 +9465,6 @@
                                         <p:strVal val="visible"/>
                                       </p:to>
                                     </p:set>
-                                    <p:animEffect transition="in" filter="strips(downRight)">
-                                      <p:cBhvr>
-                                        <p:cTn id="7" dur="500"/>
-                                        <p:tgtEl>
-                                          <p:spTgt spid="3">
-                                            <p:txEl>
-                                              <p:pRg st="0" end="0"/>
-                                            </p:txEl>
-                                          </p:spTgt>
-                                        </p:tgtEl>
-                                      </p:cBhvr>
-                                    </p:animEffect>
                                   </p:childTnLst>
                                 </p:cTn>
                               </p:par>
@@ -5372,87 +9475,26 @@
                     </p:cTn>
                   </p:par>
                   <p:par>
-                    <p:cTn id="8" fill="hold">
+                    <p:cTn id="7" fill="hold">
                       <p:stCondLst>
                         <p:cond delay="indefinite"/>
                       </p:stCondLst>
                       <p:childTnLst>
                         <p:par>
-                          <p:cTn id="9" fill="hold">
+                          <p:cTn id="8" fill="hold">
                             <p:stCondLst>
                               <p:cond delay="0"/>
                             </p:stCondLst>
                             <p:childTnLst>
                               <p:par>
-                                <p:cTn id="10" presetID="18" presetClass="entr" presetSubtype="6" fill="hold" grpId="0" nodeType="clickEffect">
+                                <p:cTn id="9" presetID="1" presetClass="entr" presetSubtype="0" fill="hold" grpId="0" nodeType="clickEffect">
                                   <p:stCondLst>
                                     <p:cond delay="0"/>
                                   </p:stCondLst>
                                   <p:childTnLst>
                                     <p:set>
                                       <p:cBhvr>
-                                        <p:cTn id="11" dur="1" fill="hold">
-                                          <p:stCondLst>
-                                            <p:cond delay="0"/>
-                                          </p:stCondLst>
-                                        </p:cTn>
-                                        <p:tgtEl>
-                                          <p:spTgt spid="3">
-                                            <p:txEl>
-                                              <p:pRg st="1" end="1"/>
-                                            </p:txEl>
-                                          </p:spTgt>
-                                        </p:tgtEl>
-                                        <p:attrNameLst>
-                                          <p:attrName>style.visibility</p:attrName>
-                                        </p:attrNameLst>
-                                      </p:cBhvr>
-                                      <p:to>
-                                        <p:strVal val="visible"/>
-                                      </p:to>
-                                    </p:set>
-                                    <p:animEffect transition="in" filter="strips(downRight)">
-                                      <p:cBhvr>
-                                        <p:cTn id="12" dur="500"/>
-                                        <p:tgtEl>
-                                          <p:spTgt spid="3">
-                                            <p:txEl>
-                                              <p:pRg st="1" end="1"/>
-                                            </p:txEl>
-                                          </p:spTgt>
-                                        </p:tgtEl>
-                                      </p:cBhvr>
-                                    </p:animEffect>
-                                  </p:childTnLst>
-                                </p:cTn>
-                              </p:par>
-                            </p:childTnLst>
-                          </p:cTn>
-                        </p:par>
-                      </p:childTnLst>
-                    </p:cTn>
-                  </p:par>
-                  <p:par>
-                    <p:cTn id="13" fill="hold">
-                      <p:stCondLst>
-                        <p:cond delay="indefinite"/>
-                      </p:stCondLst>
-                      <p:childTnLst>
-                        <p:par>
-                          <p:cTn id="14" fill="hold">
-                            <p:stCondLst>
-                              <p:cond delay="0"/>
-                            </p:stCondLst>
-                            <p:childTnLst>
-                              <p:par>
-                                <p:cTn id="15" presetID="18" presetClass="entr" presetSubtype="6" fill="hold" grpId="0" nodeType="clickEffect">
-                                  <p:stCondLst>
-                                    <p:cond delay="0"/>
-                                  </p:stCondLst>
-                                  <p:childTnLst>
-                                    <p:set>
-                                      <p:cBhvr>
-                                        <p:cTn id="16" dur="1" fill="hold">
+                                        <p:cTn id="10" dur="1" fill="hold">
                                           <p:stCondLst>
                                             <p:cond delay="0"/>
                                           </p:stCondLst>
@@ -5472,18 +9514,55 @@
                                         <p:strVal val="visible"/>
                                       </p:to>
                                     </p:set>
-                                    <p:animEffect transition="in" filter="strips(downRight)">
+                                  </p:childTnLst>
+                                </p:cTn>
+                              </p:par>
+                            </p:childTnLst>
+                          </p:cTn>
+                        </p:par>
+                      </p:childTnLst>
+                    </p:cTn>
+                  </p:par>
+                  <p:par>
+                    <p:cTn id="11" fill="hold">
+                      <p:stCondLst>
+                        <p:cond delay="indefinite"/>
+                      </p:stCondLst>
+                      <p:childTnLst>
+                        <p:par>
+                          <p:cTn id="12" fill="hold">
+                            <p:stCondLst>
+                              <p:cond delay="0"/>
+                            </p:stCondLst>
+                            <p:childTnLst>
+                              <p:par>
+                                <p:cTn id="13" presetID="1" presetClass="entr" presetSubtype="0" fill="hold" grpId="0" nodeType="clickEffect">
+                                  <p:stCondLst>
+                                    <p:cond delay="0"/>
+                                  </p:stCondLst>
+                                  <p:childTnLst>
+                                    <p:set>
                                       <p:cBhvr>
-                                        <p:cTn id="17" dur="500"/>
+                                        <p:cTn id="14" dur="1" fill="hold">
+                                          <p:stCondLst>
+                                            <p:cond delay="0"/>
+                                          </p:stCondLst>
+                                        </p:cTn>
                                         <p:tgtEl>
                                           <p:spTgt spid="3">
                                             <p:txEl>
-                                              <p:pRg st="2" end="2"/>
+                                              <p:pRg st="4" end="4"/>
                                             </p:txEl>
                                           </p:spTgt>
                                         </p:tgtEl>
+                                        <p:attrNameLst>
+                                          <p:attrName>style.visibility</p:attrName>
+                                        </p:attrNameLst>
                                       </p:cBhvr>
-                                    </p:animEffect>
+                                      <p:to>
+                                        <p:strVal val="visible"/>
+                                      </p:to>
+                                    </p:set>
                                   </p:childTnLst>
                                 </p:cTn>
                               </p:par>
@@ -5709,7 +9788,7 @@
                             </p:stCondLst>
                             <p:childTnLst>
                               <p:par>
-                                <p:cTn id="5" presetID="18" presetClass="entr" presetSubtype="6" fill="hold" nodeType="clickEffect">
+                                <p:cTn id="5" presetID="1" presetClass="entr" presetSubtype="0" fill="hold" nodeType="clickEffect">
                                   <p:stCondLst>
                                     <p:cond delay="0"/>
                                   </p:stCondLst>
@@ -5732,14 +9811,6 @@
                                         <p:strVal val="visible"/>
                                       </p:to>
                                     </p:set>
-                                    <p:animEffect transition="in" filter="strips(downRight)">
-                                      <p:cBhvr>
-                                        <p:cTn id="7" dur="500"/>
-                                        <p:tgtEl>
-                                          <p:spTgt spid="11"/>
-                                        </p:tgtEl>
-                                      </p:cBhvr>
-                                    </p:animEffect>
                                   </p:childTnLst>
                                 </p:cTn>
                               </p:par>
@@ -5750,26 +9821,26 @@
                     </p:cTn>
                   </p:par>
                   <p:par>
-                    <p:cTn id="8" fill="hold">
+                    <p:cTn id="7" fill="hold">
                       <p:stCondLst>
                         <p:cond delay="indefinite"/>
                       </p:stCondLst>
                       <p:childTnLst>
                         <p:par>
-                          <p:cTn id="9" fill="hold">
+                          <p:cTn id="8" fill="hold">
                             <p:stCondLst>
                               <p:cond delay="0"/>
                             </p:stCondLst>
                             <p:childTnLst>
                               <p:par>
-                                <p:cTn id="10" presetID="18" presetClass="entr" presetSubtype="6" fill="hold" nodeType="clickEffect">
+                                <p:cTn id="9" presetID="1" presetClass="entr" presetSubtype="0" fill="hold" nodeType="clickEffect">
                                   <p:stCondLst>
                                     <p:cond delay="0"/>
                                   </p:stCondLst>
                                   <p:childTnLst>
                                     <p:set>
                                       <p:cBhvr>
-                                        <p:cTn id="11" dur="1" fill="hold">
+                                        <p:cTn id="10" dur="1" fill="hold">
                                           <p:stCondLst>
                                             <p:cond delay="0"/>
                                           </p:stCondLst>
@@ -5785,14 +9856,6 @@
                                         <p:strVal val="visible"/>
                                       </p:to>
                                     </p:set>
-                                    <p:animEffect transition="in" filter="strips(downRight)">
-                                      <p:cBhvr>
-                                        <p:cTn id="12" dur="500"/>
-                                        <p:tgtEl>
-                                          <p:spTgt spid="6"/>
-                                        </p:tgtEl>
-                                      </p:cBhvr>
-                                    </p:animEffect>
                                   </p:childTnLst>
                                 </p:cTn>
                               </p:par>
@@ -6070,7 +10133,7 @@
                             </p:stCondLst>
                             <p:childTnLst>
                               <p:par>
-                                <p:cTn id="5" presetID="18" presetClass="entr" presetSubtype="6" fill="hold" nodeType="clickEffect">
+                                <p:cTn id="5" presetID="1" presetClass="entr" presetSubtype="0" fill="hold" nodeType="clickEffect">
                                   <p:stCondLst>
                                     <p:cond delay="0"/>
                                   </p:stCondLst>
@@ -6093,26 +10156,18 @@
                                         <p:strVal val="visible"/>
                                       </p:to>
                                     </p:set>
-                                    <p:animEffect transition="in" filter="strips(downRight)">
-                                      <p:cBhvr>
-                                        <p:cTn id="7" dur="500"/>
-                                        <p:tgtEl>
-                                          <p:spTgt spid="7"/>
-                                        </p:tgtEl>
-                                      </p:cBhvr>
-                                    </p:animEffect>
                                   </p:childTnLst>
                                 </p:cTn>
                               </p:par>
                               <p:par>
-                                <p:cTn id="8" presetID="18" presetClass="entr" presetSubtype="6" fill="hold" nodeType="withEffect">
+                                <p:cTn id="7" presetID="1" presetClass="entr" presetSubtype="0" fill="hold" nodeType="withEffect">
                                   <p:stCondLst>
                                     <p:cond delay="0"/>
                                   </p:stCondLst>
                                   <p:childTnLst>
                                     <p:set>
                                       <p:cBhvr>
-                                        <p:cTn id="9" dur="1" fill="hold">
+                                        <p:cTn id="8" dur="1" fill="hold">
                                           <p:stCondLst>
                                             <p:cond delay="0"/>
                                           </p:stCondLst>
@@ -6128,14 +10183,6 @@
                                         <p:strVal val="visible"/>
                                       </p:to>
                                     </p:set>
-                                    <p:animEffect transition="in" filter="strips(downRight)">
-                                      <p:cBhvr>
-                                        <p:cTn id="10" dur="500"/>
-                                        <p:tgtEl>
-                                          <p:spTgt spid="11"/>
-                                        </p:tgtEl>
-                                      </p:cBhvr>
-                                    </p:animEffect>
                                   </p:childTnLst>
                                 </p:cTn>
                               </p:par>
@@ -6146,26 +10193,26 @@
                     </p:cTn>
                   </p:par>
                   <p:par>
-                    <p:cTn id="11" fill="hold">
+                    <p:cTn id="9" fill="hold">
                       <p:stCondLst>
                         <p:cond delay="indefinite"/>
                       </p:stCondLst>
                       <p:childTnLst>
                         <p:par>
-                          <p:cTn id="12" fill="hold">
+                          <p:cTn id="10" fill="hold">
                             <p:stCondLst>
                               <p:cond delay="0"/>
                             </p:stCondLst>
                             <p:childTnLst>
                               <p:par>
-                                <p:cTn id="13" presetID="18" presetClass="entr" presetSubtype="6" fill="hold" nodeType="clickEffect">
+                                <p:cTn id="11" presetID="1" presetClass="entr" presetSubtype="0" fill="hold" nodeType="clickEffect">
                                   <p:stCondLst>
                                     <p:cond delay="0"/>
                                   </p:stCondLst>
                                   <p:childTnLst>
                                     <p:set>
                                       <p:cBhvr>
-                                        <p:cTn id="14" dur="1" fill="hold">
+                                        <p:cTn id="12" dur="1" fill="hold">
                                           <p:stCondLst>
                                             <p:cond delay="0"/>
                                           </p:stCondLst>
@@ -6181,14 +10228,6 @@
                                         <p:strVal val="visible"/>
                                       </p:to>
                                     </p:set>
-                                    <p:animEffect transition="in" filter="strips(downRight)">
-                                      <p:cBhvr>
-                                        <p:cTn id="15" dur="500"/>
-                                        <p:tgtEl>
-                                          <p:spTgt spid="8"/>
-                                        </p:tgtEl>
-                                      </p:cBhvr>
-                                    </p:animEffect>
                                   </p:childTnLst>
                                 </p:cTn>
                               </p:par>
@@ -6199,26 +10238,26 @@
                     </p:cTn>
                   </p:par>
                   <p:par>
-                    <p:cTn id="16" fill="hold">
+                    <p:cTn id="13" fill="hold">
                       <p:stCondLst>
                         <p:cond delay="indefinite"/>
                       </p:stCondLst>
                       <p:childTnLst>
                         <p:par>
-                          <p:cTn id="17" fill="hold">
+                          <p:cTn id="14" fill="hold">
                             <p:stCondLst>
                               <p:cond delay="0"/>
                             </p:stCondLst>
                             <p:childTnLst>
                               <p:par>
-                                <p:cTn id="18" presetID="18" presetClass="entr" presetSubtype="6" fill="hold" nodeType="clickEffect">
+                                <p:cTn id="15" presetID="1" presetClass="entr" presetSubtype="0" fill="hold" nodeType="clickEffect">
                                   <p:stCondLst>
                                     <p:cond delay="0"/>
                                   </p:stCondLst>
                                   <p:childTnLst>
                                     <p:set>
                                       <p:cBhvr>
-                                        <p:cTn id="19" dur="1" fill="hold">
+                                        <p:cTn id="16" dur="1" fill="hold">
                                           <p:stCondLst>
                                             <p:cond delay="0"/>
                                           </p:stCondLst>
@@ -6234,14 +10273,6 @@
                                         <p:strVal val="visible"/>
                                       </p:to>
                                     </p:set>
-                                    <p:animEffect transition="in" filter="strips(downRight)">
-                                      <p:cBhvr>
-                                        <p:cTn id="20" dur="500"/>
-                                        <p:tgtEl>
-                                          <p:spTgt spid="6"/>
-                                        </p:tgtEl>
-                                      </p:cBhvr>
-                                    </p:animEffect>
                                   </p:childTnLst>
                                 </p:cTn>
                               </p:par>
@@ -6489,7 +10520,7 @@
                             </p:stCondLst>
                             <p:childTnLst>
                               <p:par>
-                                <p:cTn id="5" presetID="18" presetClass="entr" presetSubtype="6" fill="hold" nodeType="clickEffect">
+                                <p:cTn id="5" presetID="1" presetClass="entr" presetSubtype="0" fill="hold" nodeType="clickEffect">
                                   <p:stCondLst>
                                     <p:cond delay="0"/>
                                   </p:stCondLst>
@@ -6512,26 +10543,18 @@
                                         <p:strVal val="visible"/>
                                       </p:to>
                                     </p:set>
-                                    <p:animEffect transition="in" filter="strips(downRight)">
-                                      <p:cBhvr>
-                                        <p:cTn id="7" dur="500"/>
-                                        <p:tgtEl>
-                                          <p:spTgt spid="7"/>
-                                        </p:tgtEl>
-                                      </p:cBhvr>
-                                    </p:animEffect>
                                   </p:childTnLst>
                                 </p:cTn>
                               </p:par>
                               <p:par>
-                                <p:cTn id="8" presetID="18" presetClass="entr" presetSubtype="6" fill="hold" nodeType="withEffect">
+                                <p:cTn id="7" presetID="1" presetClass="entr" presetSubtype="0" fill="hold" nodeType="withEffect">
                                   <p:stCondLst>
                                     <p:cond delay="0"/>
                                   </p:stCondLst>
                                   <p:childTnLst>
                                     <p:set>
                                       <p:cBhvr>
-                                        <p:cTn id="9" dur="1" fill="hold">
+                                        <p:cTn id="8" dur="1" fill="hold">
                                           <p:stCondLst>
                                             <p:cond delay="0"/>
                                           </p:stCondLst>
@@ -6547,14 +10570,6 @@
                                         <p:strVal val="visible"/>
                                       </p:to>
                                     </p:set>
-                                    <p:animEffect transition="in" filter="strips(downRight)">
-                                      <p:cBhvr>
-                                        <p:cTn id="10" dur="500"/>
-                                        <p:tgtEl>
-                                          <p:spTgt spid="11"/>
-                                        </p:tgtEl>
-                                      </p:cBhvr>
-                                    </p:animEffect>
                                   </p:childTnLst>
                                 </p:cTn>
                               </p:par>
@@ -6565,26 +10580,26 @@
                     </p:cTn>
                   </p:par>
                   <p:par>
-                    <p:cTn id="11" fill="hold">
+                    <p:cTn id="9" fill="hold">
                       <p:stCondLst>
                         <p:cond delay="indefinite"/>
                       </p:stCondLst>
                       <p:childTnLst>
                         <p:par>
-                          <p:cTn id="12" fill="hold">
+                          <p:cTn id="10" fill="hold">
                             <p:stCondLst>
                               <p:cond delay="0"/>
                             </p:stCondLst>
                             <p:childTnLst>
                               <p:par>
-                                <p:cTn id="13" presetID="18" presetClass="entr" presetSubtype="6" fill="hold" nodeType="clickEffect">
+                                <p:cTn id="11" presetID="1" presetClass="entr" presetSubtype="0" fill="hold" nodeType="clickEffect">
                                   <p:stCondLst>
                                     <p:cond delay="0"/>
                                   </p:stCondLst>
                                   <p:childTnLst>
                                     <p:set>
                                       <p:cBhvr>
-                                        <p:cTn id="14" dur="1" fill="hold">
+                                        <p:cTn id="12" dur="1" fill="hold">
                                           <p:stCondLst>
                                             <p:cond delay="0"/>
                                           </p:stCondLst>
@@ -6600,14 +10615,6 @@
                                         <p:strVal val="visible"/>
                                       </p:to>
                                     </p:set>
-                                    <p:animEffect transition="in" filter="strips(downRight)">
-                                      <p:cBhvr>
-                                        <p:cTn id="15" dur="500"/>
-                                        <p:tgtEl>
-                                          <p:spTgt spid="6"/>
-                                        </p:tgtEl>
-                                      </p:cBhvr>
-                                    </p:animEffect>
                                   </p:childTnLst>
                                 </p:cTn>
                               </p:par>
@@ -6878,7 +10885,7 @@
                             </p:stCondLst>
                             <p:childTnLst>
                               <p:par>
-                                <p:cTn id="5" presetID="18" presetClass="entr" presetSubtype="6" fill="hold" nodeType="clickEffect">
+                                <p:cTn id="5" presetID="1" presetClass="entr" presetSubtype="0" fill="hold" nodeType="clickEffect">
                                   <p:stCondLst>
                                     <p:cond delay="0"/>
                                   </p:stCondLst>
@@ -6901,26 +10908,18 @@
                                         <p:strVal val="visible"/>
                                       </p:to>
                                     </p:set>
-                                    <p:animEffect transition="in" filter="strips(downRight)">
-                                      <p:cBhvr>
-                                        <p:cTn id="7" dur="500"/>
-                                        <p:tgtEl>
-                                          <p:spTgt spid="9"/>
-                                        </p:tgtEl>
-                                      </p:cBhvr>
-                                    </p:animEffect>
                                   </p:childTnLst>
                                 </p:cTn>
                               </p:par>
                               <p:par>
-                                <p:cTn id="8" presetID="18" presetClass="entr" presetSubtype="6" fill="hold" nodeType="withEffect">
+                                <p:cTn id="7" presetID="1" presetClass="entr" presetSubtype="0" fill="hold" nodeType="withEffect">
                                   <p:stCondLst>
                                     <p:cond delay="0"/>
                                   </p:stCondLst>
                                   <p:childTnLst>
                                     <p:set>
                                       <p:cBhvr>
-                                        <p:cTn id="9" dur="1" fill="hold">
+                                        <p:cTn id="8" dur="1" fill="hold">
                                           <p:stCondLst>
                                             <p:cond delay="0"/>
                                           </p:stCondLst>
@@ -6936,14 +10935,6 @@
                                         <p:strVal val="visible"/>
                                       </p:to>
                                     </p:set>
-                                    <p:animEffect transition="in" filter="strips(downRight)">
-                                      <p:cBhvr>
-                                        <p:cTn id="10" dur="500"/>
-                                        <p:tgtEl>
-                                          <p:spTgt spid="11"/>
-                                        </p:tgtEl>
-                                      </p:cBhvr>
-                                    </p:animEffect>
                                   </p:childTnLst>
                                 </p:cTn>
                               </p:par>
@@ -6954,26 +10945,26 @@
                     </p:cTn>
                   </p:par>
                   <p:par>
-                    <p:cTn id="11" fill="hold">
+                    <p:cTn id="9" fill="hold">
                       <p:stCondLst>
                         <p:cond delay="indefinite"/>
                       </p:stCondLst>
                       <p:childTnLst>
                         <p:par>
-                          <p:cTn id="12" fill="hold">
+                          <p:cTn id="10" fill="hold">
                             <p:stCondLst>
                               <p:cond delay="0"/>
                             </p:stCondLst>
                             <p:childTnLst>
                               <p:par>
-                                <p:cTn id="13" presetID="18" presetClass="entr" presetSubtype="6" fill="hold" grpId="0" nodeType="clickEffect">
+                                <p:cTn id="11" presetID="1" presetClass="entr" presetSubtype="0" fill="hold" grpId="0" nodeType="clickEffect">
                                   <p:stCondLst>
                                     <p:cond delay="0"/>
                                   </p:stCondLst>
                                   <p:childTnLst>
                                     <p:set>
                                       <p:cBhvr>
-                                        <p:cTn id="14" dur="1" fill="hold">
+                                        <p:cTn id="12" dur="1" fill="hold">
                                           <p:stCondLst>
                                             <p:cond delay="0"/>
                                           </p:stCondLst>
@@ -6989,14 +10980,6 @@
                                         <p:strVal val="visible"/>
                                       </p:to>
                                     </p:set>
-                                    <p:animEffect transition="in" filter="strips(downRight)">
-                                      <p:cBhvr>
-                                        <p:cTn id="15" dur="500"/>
-                                        <p:tgtEl>
-                                          <p:spTgt spid="7"/>
-                                        </p:tgtEl>
-                                      </p:cBhvr>
-                                    </p:animEffect>
                                   </p:childTnLst>
                                 </p:cTn>
                               </p:par>
@@ -7007,26 +10990,26 @@
                     </p:cTn>
                   </p:par>
                   <p:par>
-                    <p:cTn id="16" fill="hold">
+                    <p:cTn id="13" fill="hold">
                       <p:stCondLst>
                         <p:cond delay="indefinite"/>
                       </p:stCondLst>
                       <p:childTnLst>
                         <p:par>
-                          <p:cTn id="17" fill="hold">
+                          <p:cTn id="14" fill="hold">
                             <p:stCondLst>
                               <p:cond delay="0"/>
                             </p:stCondLst>
                             <p:childTnLst>
                               <p:par>
-                                <p:cTn id="18" presetID="18" presetClass="entr" presetSubtype="6" fill="hold" nodeType="clickEffect">
+                                <p:cTn id="15" presetID="1" presetClass="entr" presetSubtype="0" fill="hold" nodeType="clickEffect">
                                   <p:stCondLst>
                                     <p:cond delay="0"/>
                                   </p:stCondLst>
                                   <p:childTnLst>
                                     <p:set>
                                       <p:cBhvr>
-                                        <p:cTn id="19" dur="1" fill="hold">
+                                        <p:cTn id="16" dur="1" fill="hold">
                                           <p:stCondLst>
                                             <p:cond delay="0"/>
                                           </p:stCondLst>
@@ -7042,14 +11025,6 @@
                                         <p:strVal val="visible"/>
                                       </p:to>
                                     </p:set>
-                                    <p:animEffect transition="in" filter="strips(downRight)">
-                                      <p:cBhvr>
-                                        <p:cTn id="20" dur="500"/>
-                                        <p:tgtEl>
-                                          <p:spTgt spid="8"/>
-                                        </p:tgtEl>
-                                      </p:cBhvr>
-                                    </p:animEffect>
                                   </p:childTnLst>
                                 </p:cTn>
                               </p:par>
@@ -7155,8 +11130,8 @@
         </p:nvSpPr>
         <p:spPr>
           <a:xfrm>
-            <a:off x="467544" y="1600200"/>
-            <a:ext cx="7467600" cy="4525963"/>
+            <a:off x="467544" y="1412776"/>
+            <a:ext cx="8676456" cy="5184576"/>
           </a:xfrm>
           <a:noFill/>
         </p:spPr>
@@ -7174,13 +11149,13 @@
               <a:buAutoNum type="arabicPeriod"/>
             </a:pPr>
             <a:r>
-              <a:rPr lang="zh-CN" altLang="en-US" dirty="0" smtClean="0">
+              <a:rPr lang="zh-CN" altLang="en-US" sz="2400" dirty="0" smtClean="0">
                 <a:latin typeface="Microsoft YaHei" pitchFamily="34" charset="-122"/>
                 <a:ea typeface="Microsoft YaHei" pitchFamily="34" charset="-122"/>
               </a:rPr>
               <a:t>游戏中的应用</a:t>
             </a:r>
-            <a:endParaRPr lang="en-US" altLang="zh-CN" dirty="0" smtClean="0">
+            <a:endParaRPr lang="en-US" altLang="zh-CN" sz="2400" dirty="0" smtClean="0">
               <a:latin typeface="Microsoft YaHei" pitchFamily="34" charset="-122"/>
               <a:ea typeface="Microsoft YaHei" pitchFamily="34" charset="-122"/>
             </a:endParaRPr>
@@ -7194,21 +11169,21 @@
               <a:buChar char="•"/>
             </a:pPr>
             <a:r>
-              <a:rPr lang="en-US" altLang="ja-JP" dirty="0" smtClean="0">
+              <a:rPr lang="en-US" altLang="ja-JP" sz="2400" dirty="0" smtClean="0">
                 <a:latin typeface="Microsoft YaHei" pitchFamily="34" charset="-122"/>
                 <a:ea typeface="Microsoft YaHei" pitchFamily="34" charset="-122"/>
               </a:rPr>
               <a:t>NARUTO</a:t>
             </a:r>
             <a:r>
-              <a:rPr lang="ja-JP" altLang="en-US" dirty="0" smtClean="0">
+              <a:rPr lang="ja-JP" altLang="en-US" sz="2400" dirty="0" smtClean="0">
                 <a:latin typeface="Microsoft YaHei" pitchFamily="34" charset="-122"/>
                 <a:ea typeface="Microsoft YaHei" pitchFamily="34" charset="-122"/>
               </a:rPr>
               <a:t>－ナルト－ 疾風伝 ナルティメットストーム</a:t>
             </a:r>
             <a:r>
-              <a:rPr lang="en-US" altLang="ja-JP" dirty="0" smtClean="0">
+              <a:rPr lang="en-US" altLang="ja-JP" sz="2400" dirty="0" smtClean="0">
                 <a:latin typeface="Microsoft YaHei" pitchFamily="34" charset="-122"/>
                 <a:ea typeface="Microsoft YaHei" pitchFamily="34" charset="-122"/>
               </a:rPr>
@@ -7259,13 +11234,33 @@
               <a:buChar char="•"/>
             </a:pPr>
             <a:r>
-              <a:rPr lang="zh-CN" altLang="en-US" dirty="0" smtClean="0">
-                <a:latin typeface="Microsoft YaHei" pitchFamily="34" charset="-122"/>
-                <a:ea typeface="Microsoft YaHei" pitchFamily="34" charset="-122"/>
-              </a:rPr>
-              <a:t>射击游戏中的弹道计算</a:t>
-            </a:r>
-            <a:endParaRPr lang="en-US" altLang="ja-JP" dirty="0" smtClean="0">
+              <a:rPr lang="zh-CN" altLang="en-US" sz="2400" dirty="0" smtClean="0">
+                <a:latin typeface="Microsoft YaHei" pitchFamily="34" charset="-122"/>
+                <a:ea typeface="Microsoft YaHei" pitchFamily="34" charset="-122"/>
+              </a:rPr>
+              <a:t>射击游戏</a:t>
+            </a:r>
+            <a:r>
+              <a:rPr lang="zh-CN" altLang="en-US" sz="2400" dirty="0" smtClean="0">
+                <a:latin typeface="Microsoft YaHei" pitchFamily="34" charset="-122"/>
+                <a:ea typeface="Microsoft YaHei" pitchFamily="34" charset="-122"/>
+              </a:rPr>
+              <a:t>中的弹道计算</a:t>
+            </a:r>
+            <a:r>
+              <a:rPr lang="en-US" altLang="zh-CN" sz="2400" dirty="0" smtClean="0">
+                <a:latin typeface="Microsoft YaHei" pitchFamily="34" charset="-122"/>
+                <a:ea typeface="Microsoft YaHei" pitchFamily="34" charset="-122"/>
+              </a:rPr>
+              <a:t/>
+            </a:r>
+            <a:br>
+              <a:rPr lang="en-US" altLang="zh-CN" sz="2400" dirty="0" smtClean="0">
+                <a:latin typeface="Microsoft YaHei" pitchFamily="34" charset="-122"/>
+                <a:ea typeface="Microsoft YaHei" pitchFamily="34" charset="-122"/>
+              </a:rPr>
+            </a:br>
+            <a:endParaRPr lang="en-US" altLang="ja-JP" sz="2400" dirty="0" smtClean="0">
               <a:latin typeface="Microsoft YaHei" pitchFamily="34" charset="-122"/>
               <a:ea typeface="Microsoft YaHei" pitchFamily="34" charset="-122"/>
             </a:endParaRPr>
@@ -7279,13 +11274,13 @@
               <a:buAutoNum type="arabicPeriod"/>
             </a:pPr>
             <a:r>
-              <a:rPr lang="zh-CN" altLang="en-US" dirty="0" smtClean="0">
+              <a:rPr lang="zh-CN" altLang="en-US" sz="2400" dirty="0" smtClean="0">
                 <a:latin typeface="Microsoft YaHei" pitchFamily="34" charset="-122"/>
                 <a:ea typeface="Microsoft YaHei" pitchFamily="34" charset="-122"/>
               </a:rPr>
               <a:t>软件中的应用</a:t>
             </a:r>
-            <a:endParaRPr lang="en-US" altLang="zh-CN" dirty="0" smtClean="0">
+            <a:endParaRPr lang="en-US" altLang="zh-CN" sz="2400" dirty="0" smtClean="0">
               <a:latin typeface="Microsoft YaHei" pitchFamily="34" charset="-122"/>
               <a:ea typeface="Microsoft YaHei" pitchFamily="34" charset="-122"/>
             </a:endParaRPr>
@@ -7299,34 +11294,54 @@
               <a:buChar char="•"/>
             </a:pPr>
             <a:r>
-              <a:rPr lang="en-US" altLang="zh-CN" dirty="0" smtClean="0">
+              <a:rPr lang="en-US" altLang="zh-CN" sz="2400" dirty="0" smtClean="0">
                 <a:latin typeface="Microsoft YaHei" pitchFamily="34" charset="-122"/>
                 <a:ea typeface="Microsoft YaHei" pitchFamily="34" charset="-122"/>
               </a:rPr>
               <a:t>Photoshop</a:t>
             </a:r>
             <a:r>
-              <a:rPr lang="zh-CN" altLang="en-US" dirty="0" smtClean="0">
+              <a:rPr lang="zh-CN" altLang="en-US" sz="2400" dirty="0" smtClean="0">
                 <a:latin typeface="Microsoft YaHei" pitchFamily="34" charset="-122"/>
                 <a:ea typeface="Microsoft YaHei" pitchFamily="34" charset="-122"/>
               </a:rPr>
               <a:t>，</a:t>
             </a:r>
             <a:r>
-              <a:rPr lang="en-US" altLang="zh-CN" dirty="0" smtClean="0">
+              <a:rPr lang="en-US" altLang="zh-CN" sz="2400" dirty="0" smtClean="0">
                 <a:latin typeface="Microsoft YaHei" pitchFamily="34" charset="-122"/>
                 <a:ea typeface="Microsoft YaHei" pitchFamily="34" charset="-122"/>
               </a:rPr>
               <a:t>Illustrator</a:t>
             </a:r>
             <a:r>
-              <a:rPr lang="zh-CN" altLang="en-US" dirty="0" smtClean="0">
-                <a:latin typeface="Microsoft YaHei" pitchFamily="34" charset="-122"/>
-                <a:ea typeface="Microsoft YaHei" pitchFamily="34" charset="-122"/>
-              </a:rPr>
-              <a:t>中的路径工具</a:t>
-            </a:r>
-            <a:endParaRPr lang="en-US" altLang="zh-CN" dirty="0" smtClean="0">
+              <a:rPr lang="zh-CN" altLang="en-US" sz="2400" dirty="0" smtClean="0">
+                <a:latin typeface="Microsoft YaHei" pitchFamily="34" charset="-122"/>
+                <a:ea typeface="Microsoft YaHei" pitchFamily="34" charset="-122"/>
+              </a:rPr>
+              <a:t>中的路径</a:t>
+            </a:r>
+            <a:r>
+              <a:rPr lang="zh-CN" altLang="en-US" sz="2400" dirty="0" smtClean="0">
+                <a:latin typeface="Microsoft YaHei" pitchFamily="34" charset="-122"/>
+                <a:ea typeface="Microsoft YaHei" pitchFamily="34" charset="-122"/>
+              </a:rPr>
+              <a:t>工具</a:t>
+            </a:r>
+            <a:r>
+              <a:rPr lang="en-US" altLang="zh-CN" sz="2400" dirty="0" smtClean="0">
+                <a:latin typeface="Microsoft YaHei" pitchFamily="34" charset="-122"/>
+                <a:ea typeface="Microsoft YaHei" pitchFamily="34" charset="-122"/>
+              </a:rPr>
+              <a:t/>
+            </a:r>
+            <a:br>
+              <a:rPr lang="en-US" altLang="zh-CN" sz="2400" dirty="0" smtClean="0">
+                <a:latin typeface="Microsoft YaHei" pitchFamily="34" charset="-122"/>
+                <a:ea typeface="Microsoft YaHei" pitchFamily="34" charset="-122"/>
+              </a:rPr>
+            </a:br>
+            <a:endParaRPr lang="en-US" altLang="zh-CN" sz="2400" dirty="0" smtClean="0">
               <a:latin typeface="Microsoft YaHei" pitchFamily="34" charset="-122"/>
               <a:ea typeface="Microsoft YaHei" pitchFamily="34" charset="-122"/>
             </a:endParaRPr>
@@ -7340,13 +11355,13 @@
               <a:buAutoNum type="arabicPeriod"/>
             </a:pPr>
             <a:r>
-              <a:rPr lang="zh-CN" altLang="en-US" dirty="0" smtClean="0">
+              <a:rPr lang="zh-CN" altLang="en-US" sz="2400" dirty="0" smtClean="0">
                 <a:latin typeface="Microsoft YaHei" pitchFamily="34" charset="-122"/>
                 <a:ea typeface="Microsoft YaHei" pitchFamily="34" charset="-122"/>
               </a:rPr>
               <a:t>字体设计</a:t>
             </a:r>
-            <a:endParaRPr lang="en-US" altLang="zh-CN" dirty="0" smtClean="0">
+            <a:endParaRPr lang="en-US" altLang="zh-CN" sz="2400" dirty="0" smtClean="0">
               <a:latin typeface="Microsoft YaHei" pitchFamily="34" charset="-122"/>
               <a:ea typeface="Microsoft YaHei" pitchFamily="34" charset="-122"/>
             </a:endParaRPr>
@@ -7360,20 +11375,20 @@
               <a:buChar char="•"/>
             </a:pPr>
             <a:r>
-              <a:rPr lang="en-US" altLang="zh-CN" dirty="0" smtClean="0">
+              <a:rPr lang="en-US" altLang="zh-CN" sz="2400" dirty="0" smtClean="0">
                 <a:latin typeface="Microsoft YaHei" pitchFamily="34" charset="-122"/>
                 <a:ea typeface="Microsoft YaHei" pitchFamily="34" charset="-122"/>
               </a:rPr>
               <a:t>TrueType</a:t>
             </a:r>
             <a:r>
-              <a:rPr lang="zh-CN" altLang="en-US" dirty="0" smtClean="0">
+              <a:rPr lang="zh-CN" altLang="en-US" sz="2400" dirty="0" smtClean="0">
                 <a:latin typeface="Microsoft YaHei" pitchFamily="34" charset="-122"/>
                 <a:ea typeface="Microsoft YaHei" pitchFamily="34" charset="-122"/>
               </a:rPr>
               <a:t>字体中的曲线轮廓</a:t>
             </a:r>
-            <a:endParaRPr lang="en-US" altLang="zh-CN" dirty="0" smtClean="0">
+            <a:endParaRPr lang="en-US" altLang="zh-CN" sz="2400" dirty="0" smtClean="0">
               <a:latin typeface="Microsoft YaHei" pitchFamily="34" charset="-122"/>
               <a:ea typeface="Microsoft YaHei" pitchFamily="34" charset="-122"/>
             </a:endParaRPr>
@@ -7386,7 +11401,7 @@
               <a:buFont typeface="Arial" pitchFamily="34" charset="0"/>
               <a:buChar char="•"/>
             </a:pPr>
-            <a:endParaRPr lang="en-US" altLang="zh-CN" dirty="0" smtClean="0">
+            <a:endParaRPr lang="en-US" altLang="zh-CN" sz="2400" dirty="0" smtClean="0">
               <a:latin typeface="Microsoft YaHei" pitchFamily="34" charset="-122"/>
               <a:ea typeface="Microsoft YaHei" pitchFamily="34" charset="-122"/>
             </a:endParaRPr>
@@ -7419,7 +11434,7 @@
                             </p:stCondLst>
                             <p:childTnLst>
                               <p:par>
-                                <p:cTn id="5" presetID="18" presetClass="entr" presetSubtype="6" fill="hold" grpId="0" nodeType="clickEffect">
+                                <p:cTn id="5" presetID="1" presetClass="entr" presetSubtype="0" fill="hold" grpId="0" nodeType="clickEffect">
                                   <p:stCondLst>
                                     <p:cond delay="0"/>
                                   </p:stCondLst>
@@ -7446,30 +11461,18 @@
                                         <p:strVal val="visible"/>
                                       </p:to>
                                     </p:set>
-                                    <p:animEffect transition="in" filter="strips(downRight)">
-                                      <p:cBhvr>
-                                        <p:cTn id="7" dur="500"/>
-                                        <p:tgtEl>
-                                          <p:spTgt spid="3">
-                                            <p:txEl>
-                                              <p:pRg st="0" end="0"/>
-                                            </p:txEl>
-                                          </p:spTgt>
-                                        </p:tgtEl>
-                                      </p:cBhvr>
-                                    </p:animEffect>
                                   </p:childTnLst>
                                 </p:cTn>
                               </p:par>
                               <p:par>
-                                <p:cTn id="8" presetID="18" presetClass="entr" presetSubtype="6" fill="hold" grpId="0" nodeType="withEffect">
+                                <p:cTn id="7" presetID="1" presetClass="entr" presetSubtype="0" fill="hold" grpId="0" nodeType="withEffect">
                                   <p:stCondLst>
                                     <p:cond delay="0"/>
                                   </p:stCondLst>
                                   <p:childTnLst>
                                     <p:set>
                                       <p:cBhvr>
-                                        <p:cTn id="9" dur="1" fill="hold">
+                                        <p:cTn id="8" dur="1" fill="hold">
                                           <p:stCondLst>
                                             <p:cond delay="0"/>
                                           </p:stCondLst>
@@ -7489,30 +11492,18 @@
                                         <p:strVal val="visible"/>
                                       </p:to>
                                     </p:set>
-                                    <p:animEffect transition="in" filter="strips(downRight)">
-                                      <p:cBhvr>
-                                        <p:cTn id="10" dur="500"/>
-                                        <p:tgtEl>
-                                          <p:spTgt spid="3">
-                                            <p:txEl>
-                                              <p:pRg st="1" end="1"/>
-                                            </p:txEl>
-                                          </p:spTgt>
-                                        </p:tgtEl>
-                                      </p:cBhvr>
-                                    </p:animEffect>
                                   </p:childTnLst>
                                 </p:cTn>
                               </p:par>
                               <p:par>
-                                <p:cTn id="11" presetID="18" presetClass="entr" presetSubtype="6" fill="hold" grpId="0" nodeType="withEffect">
+                                <p:cTn id="9" presetID="1" presetClass="entr" presetSubtype="0" fill="hold" grpId="0" nodeType="withEffect">
                                   <p:stCondLst>
                                     <p:cond delay="0"/>
                                   </p:stCondLst>
                                   <p:childTnLst>
                                     <p:set>
                                       <p:cBhvr>
-                                        <p:cTn id="12" dur="1" fill="hold">
+                                        <p:cTn id="10" dur="1" fill="hold">
                                           <p:stCondLst>
                                             <p:cond delay="0"/>
                                           </p:stCondLst>
@@ -7532,30 +11523,18 @@
                                         <p:strVal val="visible"/>
                                       </p:to>
                                     </p:set>
-                                    <p:animEffect transition="in" filter="strips(downRight)">
-                                      <p:cBhvr>
-                                        <p:cTn id="13" dur="500"/>
-                                        <p:tgtEl>
-                                          <p:spTgt spid="3">
-                                            <p:txEl>
-                                              <p:pRg st="2" end="2"/>
-                                            </p:txEl>
-                                          </p:spTgt>
-                                        </p:tgtEl>
-                                      </p:cBhvr>
-                                    </p:animEffect>
                                   </p:childTnLst>
                                 </p:cTn>
                               </p:par>
                               <p:par>
-                                <p:cTn id="14" presetID="18" presetClass="entr" presetSubtype="6" fill="hold" grpId="0" nodeType="withEffect">
+                                <p:cTn id="11" presetID="1" presetClass="entr" presetSubtype="0" fill="hold" grpId="0" nodeType="withEffect">
                                   <p:stCondLst>
                                     <p:cond delay="0"/>
                                   </p:stCondLst>
                                   <p:childTnLst>
                                     <p:set>
                                       <p:cBhvr>
-                                        <p:cTn id="15" dur="1" fill="hold">
+                                        <p:cTn id="12" dur="1" fill="hold">
                                           <p:stCondLst>
                                             <p:cond delay="0"/>
                                           </p:stCondLst>
@@ -7575,18 +11554,6 @@
                                         <p:strVal val="visible"/>
                                       </p:to>
                                     </p:set>
-                                    <p:animEffect transition="in" filter="strips(downRight)">
-                                      <p:cBhvr>
-                                        <p:cTn id="16" dur="500"/>
-                                        <p:tgtEl>
-                                          <p:spTgt spid="3">
-                                            <p:txEl>
-                                              <p:pRg st="3" end="3"/>
-                                            </p:txEl>
-                                          </p:spTgt>
-                                        </p:tgtEl>
-                                      </p:cBhvr>
-                                    </p:animEffect>
                                   </p:childTnLst>
                                 </p:cTn>
                               </p:par>
@@ -7597,26 +11564,26 @@
                     </p:cTn>
                   </p:par>
                   <p:par>
-                    <p:cTn id="17" fill="hold">
+                    <p:cTn id="13" fill="hold">
                       <p:stCondLst>
                         <p:cond delay="indefinite"/>
                       </p:stCondLst>
                       <p:childTnLst>
                         <p:par>
-                          <p:cTn id="18" fill="hold">
+                          <p:cTn id="14" fill="hold">
                             <p:stCondLst>
                               <p:cond delay="0"/>
                             </p:stCondLst>
                             <p:childTnLst>
                               <p:par>
-                                <p:cTn id="19" presetID="18" presetClass="entr" presetSubtype="6" fill="hold" grpId="0" nodeType="clickEffect">
+                                <p:cTn id="15" presetID="1" presetClass="entr" presetSubtype="0" fill="hold" grpId="0" nodeType="clickEffect">
                                   <p:stCondLst>
                                     <p:cond delay="0"/>
                                   </p:stCondLst>
                                   <p:childTnLst>
                                     <p:set>
                                       <p:cBhvr>
-                                        <p:cTn id="20" dur="1" fill="hold">
+                                        <p:cTn id="16" dur="1" fill="hold">
                                           <p:stCondLst>
                                             <p:cond delay="0"/>
                                           </p:stCondLst>
@@ -7636,30 +11603,18 @@
                                         <p:strVal val="visible"/>
                                       </p:to>
                                     </p:set>
-                                    <p:animEffect transition="in" filter="strips(downRight)">
-                                      <p:cBhvr>
-                                        <p:cTn id="21" dur="500"/>
-                                        <p:tgtEl>
-                                          <p:spTgt spid="3">
-                                            <p:txEl>
-                                              <p:pRg st="4" end="4"/>
-                                            </p:txEl>
-                                          </p:spTgt>
-                                        </p:tgtEl>
-                                      </p:cBhvr>
-                                    </p:animEffect>
                                   </p:childTnLst>
                                 </p:cTn>
                               </p:par>
                               <p:par>
-                                <p:cTn id="22" presetID="18" presetClass="entr" presetSubtype="6" fill="hold" grpId="0" nodeType="withEffect">
+                                <p:cTn id="17" presetID="1" presetClass="entr" presetSubtype="0" fill="hold" grpId="0" nodeType="withEffect">
                                   <p:stCondLst>
                                     <p:cond delay="0"/>
                                   </p:stCondLst>
                                   <p:childTnLst>
                                     <p:set>
                                       <p:cBhvr>
-                                        <p:cTn id="23" dur="1" fill="hold">
+                                        <p:cTn id="18" dur="1" fill="hold">
                                           <p:stCondLst>
                                             <p:cond delay="0"/>
                                           </p:stCondLst>
@@ -7679,18 +11634,6 @@
                                         <p:strVal val="visible"/>
                                       </p:to>
                                     </p:set>
-                                    <p:animEffect transition="in" filter="strips(downRight)">
-                                      <p:cBhvr>
-                                        <p:cTn id="24" dur="500"/>
-                                        <p:tgtEl>
-                                          <p:spTgt spid="3">
-                                            <p:txEl>
-                                              <p:pRg st="5" end="5"/>
-                                            </p:txEl>
-                                          </p:spTgt>
-                                        </p:tgtEl>
-                                      </p:cBhvr>
-                                    </p:animEffect>
                                   </p:childTnLst>
                                 </p:cTn>
                               </p:par>
@@ -7701,26 +11644,26 @@
                     </p:cTn>
                   </p:par>
                   <p:par>
-                    <p:cTn id="25" fill="hold">
+                    <p:cTn id="19" fill="hold">
                       <p:stCondLst>
                         <p:cond delay="indefinite"/>
                       </p:stCondLst>
                       <p:childTnLst>
                         <p:par>
-                          <p:cTn id="26" fill="hold">
+                          <p:cTn id="20" fill="hold">
                             <p:stCondLst>
                               <p:cond delay="0"/>
                             </p:stCondLst>
                             <p:childTnLst>
                               <p:par>
-                                <p:cTn id="27" presetID="18" presetClass="entr" presetSubtype="6" fill="hold" grpId="0" nodeType="clickEffect">
+                                <p:cTn id="21" presetID="1" presetClass="entr" presetSubtype="0" fill="hold" grpId="0" nodeType="clickEffect">
                                   <p:stCondLst>
                                     <p:cond delay="0"/>
                                   </p:stCondLst>
                                   <p:childTnLst>
                                     <p:set>
                                       <p:cBhvr>
-                                        <p:cTn id="28" dur="1" fill="hold">
+                                        <p:cTn id="22" dur="1" fill="hold">
                                           <p:stCondLst>
                                             <p:cond delay="0"/>
                                           </p:stCondLst>
@@ -7740,30 +11683,18 @@
                                         <p:strVal val="visible"/>
                                       </p:to>
                                     </p:set>
-                                    <p:animEffect transition="in" filter="strips(downRight)">
-                                      <p:cBhvr>
-                                        <p:cTn id="29" dur="500"/>
-                                        <p:tgtEl>
-                                          <p:spTgt spid="3">
-                                            <p:txEl>
-                                              <p:pRg st="6" end="6"/>
-                                            </p:txEl>
-                                          </p:spTgt>
-                                        </p:tgtEl>
-                                      </p:cBhvr>
-                                    </p:animEffect>
                                   </p:childTnLst>
                                 </p:cTn>
                               </p:par>
                               <p:par>
-                                <p:cTn id="30" presetID="18" presetClass="entr" presetSubtype="6" fill="hold" grpId="0" nodeType="withEffect">
+                                <p:cTn id="23" presetID="1" presetClass="entr" presetSubtype="0" fill="hold" grpId="0" nodeType="withEffect">
                                   <p:stCondLst>
                                     <p:cond delay="0"/>
                                   </p:stCondLst>
                                   <p:childTnLst>
                                     <p:set>
                                       <p:cBhvr>
-                                        <p:cTn id="31" dur="1" fill="hold">
+                                        <p:cTn id="24" dur="1" fill="hold">
                                           <p:stCondLst>
                                             <p:cond delay="0"/>
                                           </p:stCondLst>
@@ -7783,18 +11714,6 @@
                                         <p:strVal val="visible"/>
                                       </p:to>
                                     </p:set>
-                                    <p:animEffect transition="in" filter="strips(downRight)">
-                                      <p:cBhvr>
-                                        <p:cTn id="32" dur="500"/>
-                                        <p:tgtEl>
-                                          <p:spTgt spid="3">
-                                            <p:txEl>
-                                              <p:pRg st="7" end="7"/>
-                                            </p:txEl>
-                                          </p:spTgt>
-                                        </p:tgtEl>
-                                      </p:cBhvr>
-                                    </p:animEffect>
                                   </p:childTnLst>
                                 </p:cTn>
                               </p:par>
@@ -7898,25 +11817,326 @@
             <p:ph idx="1"/>
           </p:nvPr>
         </p:nvSpPr>
-        <p:spPr/>
+        <p:spPr>
+          <a:xfrm>
+            <a:off x="395536" y="2852936"/>
+            <a:ext cx="8136904" cy="2764904"/>
+          </a:xfrm>
+        </p:spPr>
         <p:txBody>
-          <a:bodyPr/>
+          <a:bodyPr>
+            <a:normAutofit/>
+          </a:bodyPr>
           <a:lstStyle/>
           <a:p>
             <a:pPr marL="550926" indent="-514350">
               <a:buClr>
                 <a:schemeClr val="tx2"/>
               </a:buClr>
-              <a:buFont typeface="+mj-lt"/>
-              <a:buAutoNum type="arabicPeriod"/>
+              <a:buNone/>
             </a:pPr>
-            <a:endParaRPr lang="en-US" altLang="zh-CN" dirty="0" smtClean="0">
+            <a:r>
+              <a:rPr lang="en-US" altLang="ja-JP" sz="1600" dirty="0" smtClean="0"/>
+              <a:t>Vector3</a:t>
+            </a:r>
+            <a:r>
+              <a:rPr lang="en-US" altLang="ja-JP" sz="1600" dirty="0" smtClean="0"/>
+              <a:t> </a:t>
+            </a:r>
+            <a:r>
+              <a:rPr lang="en-US" altLang="ja-JP" sz="1600" dirty="0" err="1" smtClean="0"/>
+              <a:t>GetQuadraticCurvesPoint</a:t>
+            </a:r>
+            <a:r>
+              <a:rPr lang="en-US" altLang="ja-JP" sz="1600" dirty="0" smtClean="0"/>
+              <a:t>(</a:t>
+            </a:r>
+          </a:p>
+          <a:p>
+            <a:pPr marL="550926" indent="-514350">
+              <a:buClr>
+                <a:schemeClr val="tx2"/>
+              </a:buClr>
+              <a:buNone/>
+            </a:pPr>
+            <a:r>
+              <a:rPr lang="en-US" altLang="ja-JP" sz="1600" dirty="0" smtClean="0"/>
+              <a:t>	Vector3</a:t>
+            </a:r>
+            <a:r>
+              <a:rPr lang="en-US" altLang="ja-JP" sz="1600" dirty="0" smtClean="0"/>
+              <a:t> </a:t>
+            </a:r>
+            <a:r>
+              <a:rPr lang="en-US" altLang="ja-JP" sz="1600" dirty="0" err="1" smtClean="0"/>
+              <a:t>startPoint</a:t>
+            </a:r>
+            <a:r>
+              <a:rPr lang="en-US" altLang="ja-JP" sz="1600" dirty="0" smtClean="0"/>
+              <a:t>,</a:t>
+            </a:r>
+          </a:p>
+          <a:p>
+            <a:pPr marL="550926" indent="-514350">
+              <a:buClr>
+                <a:schemeClr val="tx2"/>
+              </a:buClr>
+              <a:buNone/>
+            </a:pPr>
+            <a:r>
+              <a:rPr lang="en-US" altLang="ja-JP" sz="1600" dirty="0" smtClean="0"/>
+              <a:t>	</a:t>
+            </a:r>
+            <a:r>
+              <a:rPr lang="en-US" altLang="ja-JP" sz="1600" dirty="0" smtClean="0"/>
+              <a:t>Vector3</a:t>
+            </a:r>
+            <a:r>
+              <a:rPr lang="en-US" altLang="ja-JP" sz="1600" dirty="0" smtClean="0"/>
+              <a:t> </a:t>
+            </a:r>
+            <a:r>
+              <a:rPr lang="en-US" altLang="ja-JP" sz="1600" dirty="0" err="1" smtClean="0"/>
+              <a:t>endPoint</a:t>
+            </a:r>
+            <a:r>
+              <a:rPr lang="en-US" altLang="ja-JP" sz="1600" dirty="0" smtClean="0"/>
+              <a:t>,</a:t>
+            </a:r>
+          </a:p>
+          <a:p>
+            <a:pPr marL="550926" indent="-514350">
+              <a:buClr>
+                <a:schemeClr val="tx2"/>
+              </a:buClr>
+              <a:buNone/>
+            </a:pPr>
+            <a:r>
+              <a:rPr lang="en-US" altLang="ja-JP" sz="1600" dirty="0" smtClean="0"/>
+              <a:t>	</a:t>
+            </a:r>
+            <a:r>
+              <a:rPr lang="en-US" altLang="ja-JP" sz="1600" dirty="0" smtClean="0"/>
+              <a:t>Vector3</a:t>
+            </a:r>
+            <a:r>
+              <a:rPr lang="en-US" altLang="ja-JP" sz="1600" dirty="0" smtClean="0"/>
+              <a:t> </a:t>
+            </a:r>
+            <a:r>
+              <a:rPr lang="en-US" altLang="ja-JP" sz="1600" dirty="0" err="1" smtClean="0"/>
+              <a:t>ctrlPoint</a:t>
+            </a:r>
+            <a:r>
+              <a:rPr lang="en-US" altLang="ja-JP" sz="1600" dirty="0" smtClean="0"/>
+              <a:t>,</a:t>
+            </a:r>
+          </a:p>
+          <a:p>
+            <a:pPr marL="550926" indent="-514350">
+              <a:buClr>
+                <a:schemeClr val="tx2"/>
+              </a:buClr>
+              <a:buNone/>
+            </a:pPr>
+            <a:r>
+              <a:rPr lang="en-US" altLang="ja-JP" sz="1600" dirty="0" smtClean="0"/>
+              <a:t>	</a:t>
+            </a:r>
+            <a:r>
+              <a:rPr lang="en-US" altLang="ja-JP" sz="1600" dirty="0" smtClean="0"/>
+              <a:t>float</a:t>
+            </a:r>
+            <a:r>
+              <a:rPr lang="en-US" altLang="ja-JP" sz="1600" dirty="0" smtClean="0"/>
+              <a:t> t </a:t>
+            </a:r>
+            <a:r>
+              <a:rPr lang="en-US" altLang="ja-JP" sz="1600" dirty="0" smtClean="0"/>
+              <a:t>)</a:t>
+            </a:r>
+          </a:p>
+          <a:p>
+            <a:pPr marL="550926" indent="-514350">
+              <a:buClr>
+                <a:schemeClr val="tx2"/>
+              </a:buClr>
+              <a:buNone/>
+            </a:pPr>
+            <a:r>
+              <a:rPr lang="en-US" altLang="ja-JP" sz="1600" dirty="0" smtClean="0"/>
+              <a:t>{</a:t>
+            </a:r>
+          </a:p>
+          <a:p>
+            <a:pPr marL="550926" indent="-514350">
+              <a:buClr>
+                <a:schemeClr val="tx2"/>
+              </a:buClr>
+              <a:buNone/>
+            </a:pPr>
+            <a:r>
+              <a:rPr lang="en-US" altLang="ja-JP" sz="1600" dirty="0" smtClean="0"/>
+              <a:t>	</a:t>
+            </a:r>
+            <a:r>
+              <a:rPr lang="en-US" altLang="ja-JP" sz="1600" dirty="0" smtClean="0"/>
+              <a:t>return</a:t>
+            </a:r>
+            <a:r>
+              <a:rPr lang="en-US" altLang="ja-JP" sz="1600" dirty="0" smtClean="0"/>
+              <a:t> ( 1 - t ) * ( 1 - t ) * </a:t>
+            </a:r>
+            <a:r>
+              <a:rPr lang="en-US" altLang="ja-JP" sz="1600" dirty="0" err="1" smtClean="0"/>
+              <a:t>startPoint</a:t>
+            </a:r>
+            <a:r>
+              <a:rPr lang="en-US" altLang="ja-JP" sz="1600" dirty="0" smtClean="0"/>
+              <a:t> + 2 * ( </a:t>
+            </a:r>
+            <a:r>
+              <a:rPr lang="en-US" altLang="ja-JP" sz="1600" dirty="0" smtClean="0"/>
+              <a:t>1 - t</a:t>
+            </a:r>
+            <a:r>
+              <a:rPr lang="en-US" altLang="ja-JP" sz="1600" dirty="0" smtClean="0"/>
+              <a:t> ) * t * </a:t>
+            </a:r>
+            <a:r>
+              <a:rPr lang="en-US" altLang="ja-JP" sz="1600" dirty="0" err="1" smtClean="0"/>
+              <a:t>ctrlPoint</a:t>
+            </a:r>
+            <a:r>
+              <a:rPr lang="en-US" altLang="ja-JP" sz="1600" dirty="0" smtClean="0"/>
+              <a:t> + t * t * </a:t>
+            </a:r>
+            <a:r>
+              <a:rPr lang="en-US" altLang="ja-JP" sz="1600" dirty="0" err="1" smtClean="0"/>
+              <a:t>endPoint</a:t>
+            </a:r>
+            <a:r>
+              <a:rPr lang="en-US" altLang="ja-JP" sz="1600" dirty="0" smtClean="0"/>
+              <a:t>;</a:t>
+            </a:r>
+          </a:p>
+          <a:p>
+            <a:pPr marL="550926" indent="-514350">
+              <a:buClr>
+                <a:schemeClr val="tx2"/>
+              </a:buClr>
+              <a:buNone/>
+            </a:pPr>
+            <a:r>
+              <a:rPr lang="en-US" altLang="ja-JP" sz="1600" dirty="0" smtClean="0"/>
+              <a:t>}</a:t>
+            </a:r>
+            <a:endParaRPr lang="en-US" altLang="zh-CN" sz="1600" dirty="0" smtClean="0">
               <a:latin typeface="Microsoft YaHei" pitchFamily="34" charset="-122"/>
               <a:ea typeface="Microsoft YaHei" pitchFamily="34" charset="-122"/>
             </a:endParaRPr>
           </a:p>
         </p:txBody>
       </p:sp>
+      <p:pic>
+        <p:nvPicPr>
+          <p:cNvPr id="4" name="図 3" descr="05c4210c69ffb1358ceb8eb83a1a06fe.png"/>
+          <p:cNvPicPr>
+            <a:picLocks noChangeAspect="1"/>
+          </p:cNvPicPr>
+          <p:nvPr/>
+        </p:nvPicPr>
+        <p:blipFill>
+          <a:blip r:embed="rId2" cstate="print"/>
+          <a:stretch>
+            <a:fillRect/>
+          </a:stretch>
+        </p:blipFill>
+        <p:spPr>
+          <a:xfrm>
+            <a:off x="919509" y="2092275"/>
+            <a:ext cx="6100763" cy="328613"/>
+          </a:xfrm>
+          <a:prstGeom prst="rect">
+            <a:avLst/>
+          </a:prstGeom>
+          <a:solidFill>
+            <a:schemeClr val="tx1"/>
+          </a:solidFill>
+          <a:ln>
+            <a:noFill/>
+          </a:ln>
+        </p:spPr>
+      </p:pic>
+      <p:sp>
+        <p:nvSpPr>
+          <p:cNvPr id="5" name="テキスト ボックス 4"/>
+          <p:cNvSpPr txBox="1"/>
+          <p:nvPr/>
+        </p:nvSpPr>
+        <p:spPr>
+          <a:xfrm>
+            <a:off x="323528" y="1383159"/>
+            <a:ext cx="5112568" cy="461665"/>
+          </a:xfrm>
+          <a:prstGeom prst="rect">
+            <a:avLst/>
+          </a:prstGeom>
+          <a:noFill/>
+        </p:spPr>
+        <p:txBody>
+          <a:bodyPr wrap="square" rtlCol="0">
+            <a:spAutoFit/>
+          </a:bodyPr>
+          <a:lstStyle/>
+          <a:p>
+            <a:pPr marL="342900" indent="-342900">
+              <a:buFont typeface="Arial" pitchFamily="34" charset="0"/>
+              <a:buChar char="•"/>
+            </a:pPr>
+            <a:r>
+              <a:rPr kumimoji="1" lang="zh-CN" altLang="en-US" sz="2400" dirty="0" smtClean="0"/>
+              <a:t>取得</a:t>
+            </a:r>
+            <a:r>
+              <a:rPr kumimoji="1" lang="en-US" altLang="ja-JP" sz="2400" dirty="0" smtClean="0"/>
+              <a:t>2</a:t>
+            </a:r>
+            <a:r>
+              <a:rPr kumimoji="1" lang="zh-CN" altLang="en-US" sz="2400" dirty="0" smtClean="0"/>
+              <a:t>次贝塞尔曲线上一点的坐标</a:t>
+            </a:r>
+            <a:endParaRPr kumimoji="1" lang="ja-JP" altLang="en-US" sz="2400" dirty="0"/>
+          </a:p>
+        </p:txBody>
+      </p:sp>
+      <p:pic>
+        <p:nvPicPr>
+          <p:cNvPr id="6" name="図 5" descr="240px-Bézier_1_big.gif"/>
+          <p:cNvPicPr>
+            <a:picLocks noChangeAspect="1"/>
+          </p:cNvPicPr>
+          <p:nvPr/>
+        </p:nvPicPr>
+        <p:blipFill>
+          <a:blip r:embed="rId3" cstate="print"/>
+          <a:stretch>
+            <a:fillRect/>
+          </a:stretch>
+        </p:blipFill>
+        <p:spPr>
+          <a:xfrm>
+            <a:off x="4211960" y="2864346"/>
+            <a:ext cx="3429000" cy="1428750"/>
+          </a:xfrm>
+          <a:prstGeom prst="rect">
+            <a:avLst/>
+          </a:prstGeom>
+          <a:solidFill>
+            <a:schemeClr val="tx1"/>
+          </a:solidFill>
+        </p:spPr>
+      </p:pic>
     </p:spTree>
   </p:cSld>
   <p:clrMapOvr>
@@ -7925,9 +12145,401 @@
   <p:timing>
     <p:tnLst>
       <p:par>
-        <p:cTn id="1" dur="indefinite" restart="never" nodeType="tmRoot"/>
+        <p:cTn id="1" dur="indefinite" restart="never" nodeType="tmRoot">
+          <p:childTnLst>
+            <p:seq concurrent="1" nextAc="seek">
+              <p:cTn id="2" dur="indefinite" nodeType="mainSeq">
+                <p:childTnLst>
+                  <p:par>
+                    <p:cTn id="3" fill="hold">
+                      <p:stCondLst>
+                        <p:cond delay="indefinite"/>
+                      </p:stCondLst>
+                      <p:childTnLst>
+                        <p:par>
+                          <p:cTn id="4" fill="hold">
+                            <p:stCondLst>
+                              <p:cond delay="0"/>
+                            </p:stCondLst>
+                            <p:childTnLst>
+                              <p:par>
+                                <p:cTn id="5" presetID="1" presetClass="entr" presetSubtype="0" fill="hold" grpId="0" nodeType="clickEffect">
+                                  <p:stCondLst>
+                                    <p:cond delay="0"/>
+                                  </p:stCondLst>
+                                  <p:childTnLst>
+                                    <p:set>
+                                      <p:cBhvr>
+                                        <p:cTn id="6" dur="1" fill="hold">
+                                          <p:stCondLst>
+                                            <p:cond delay="0"/>
+                                          </p:stCondLst>
+                                        </p:cTn>
+                                        <p:tgtEl>
+                                          <p:spTgt spid="5"/>
+                                        </p:tgtEl>
+                                        <p:attrNameLst>
+                                          <p:attrName>style.visibility</p:attrName>
+                                        </p:attrNameLst>
+                                      </p:cBhvr>
+                                      <p:to>
+                                        <p:strVal val="visible"/>
+                                      </p:to>
+                                    </p:set>
+                                  </p:childTnLst>
+                                </p:cTn>
+                              </p:par>
+                              <p:par>
+                                <p:cTn id="7" presetID="1" presetClass="entr" presetSubtype="0" fill="hold" nodeType="withEffect">
+                                  <p:stCondLst>
+                                    <p:cond delay="0"/>
+                                  </p:stCondLst>
+                                  <p:childTnLst>
+                                    <p:set>
+                                      <p:cBhvr>
+                                        <p:cTn id="8" dur="1" fill="hold">
+                                          <p:stCondLst>
+                                            <p:cond delay="0"/>
+                                          </p:stCondLst>
+                                        </p:cTn>
+                                        <p:tgtEl>
+                                          <p:spTgt spid="4"/>
+                                        </p:tgtEl>
+                                        <p:attrNameLst>
+                                          <p:attrName>style.visibility</p:attrName>
+                                        </p:attrNameLst>
+                                      </p:cBhvr>
+                                      <p:to>
+                                        <p:strVal val="visible"/>
+                                      </p:to>
+                                    </p:set>
+                                  </p:childTnLst>
+                                </p:cTn>
+                              </p:par>
+                              <p:par>
+                                <p:cTn id="9" presetID="1" presetClass="entr" presetSubtype="0" fill="hold" nodeType="withEffect">
+                                  <p:stCondLst>
+                                    <p:cond delay="0"/>
+                                  </p:stCondLst>
+                                  <p:childTnLst>
+                                    <p:set>
+                                      <p:cBhvr>
+                                        <p:cTn id="10" dur="1" fill="hold">
+                                          <p:stCondLst>
+                                            <p:cond delay="0"/>
+                                          </p:stCondLst>
+                                        </p:cTn>
+                                        <p:tgtEl>
+                                          <p:spTgt spid="6"/>
+                                        </p:tgtEl>
+                                        <p:attrNameLst>
+                                          <p:attrName>style.visibility</p:attrName>
+                                        </p:attrNameLst>
+                                      </p:cBhvr>
+                                      <p:to>
+                                        <p:strVal val="visible"/>
+                                      </p:to>
+                                    </p:set>
+                                  </p:childTnLst>
+                                </p:cTn>
+                              </p:par>
+                            </p:childTnLst>
+                          </p:cTn>
+                        </p:par>
+                      </p:childTnLst>
+                    </p:cTn>
+                  </p:par>
+                  <p:par>
+                    <p:cTn id="11" fill="hold">
+                      <p:stCondLst>
+                        <p:cond delay="indefinite"/>
+                      </p:stCondLst>
+                      <p:childTnLst>
+                        <p:par>
+                          <p:cTn id="12" fill="hold">
+                            <p:stCondLst>
+                              <p:cond delay="0"/>
+                            </p:stCondLst>
+                            <p:childTnLst>
+                              <p:par>
+                                <p:cTn id="13" presetID="1" presetClass="entr" presetSubtype="0" fill="hold" grpId="0" nodeType="clickEffect">
+                                  <p:stCondLst>
+                                    <p:cond delay="0"/>
+                                  </p:stCondLst>
+                                  <p:childTnLst>
+                                    <p:set>
+                                      <p:cBhvr>
+                                        <p:cTn id="14" dur="1" fill="hold">
+                                          <p:stCondLst>
+                                            <p:cond delay="0"/>
+                                          </p:stCondLst>
+                                        </p:cTn>
+                                        <p:tgtEl>
+                                          <p:spTgt spid="3">
+                                            <p:txEl>
+                                              <p:pRg st="0" end="0"/>
+                                            </p:txEl>
+                                          </p:spTgt>
+                                        </p:tgtEl>
+                                        <p:attrNameLst>
+                                          <p:attrName>style.visibility</p:attrName>
+                                        </p:attrNameLst>
+                                      </p:cBhvr>
+                                      <p:to>
+                                        <p:strVal val="visible"/>
+                                      </p:to>
+                                    </p:set>
+                                  </p:childTnLst>
+                                </p:cTn>
+                              </p:par>
+                              <p:par>
+                                <p:cTn id="15" presetID="1" presetClass="entr" presetSubtype="0" fill="hold" grpId="0" nodeType="withEffect">
+                                  <p:stCondLst>
+                                    <p:cond delay="0"/>
+                                  </p:stCondLst>
+                                  <p:childTnLst>
+                                    <p:set>
+                                      <p:cBhvr>
+                                        <p:cTn id="16" dur="1" fill="hold">
+                                          <p:stCondLst>
+                                            <p:cond delay="0"/>
+                                          </p:stCondLst>
+                                        </p:cTn>
+                                        <p:tgtEl>
+                                          <p:spTgt spid="3">
+                                            <p:txEl>
+                                              <p:pRg st="1" end="1"/>
+                                            </p:txEl>
+                                          </p:spTgt>
+                                        </p:tgtEl>
+                                        <p:attrNameLst>
+                                          <p:attrName>style.visibility</p:attrName>
+                                        </p:attrNameLst>
+                                      </p:cBhvr>
+                                      <p:to>
+                                        <p:strVal val="visible"/>
+                                      </p:to>
+                                    </p:set>
+                                  </p:childTnLst>
+                                </p:cTn>
+                              </p:par>
+                              <p:par>
+                                <p:cTn id="17" presetID="1" presetClass="entr" presetSubtype="0" fill="hold" grpId="0" nodeType="withEffect">
+                                  <p:stCondLst>
+                                    <p:cond delay="0"/>
+                                  </p:stCondLst>
+                                  <p:childTnLst>
+                                    <p:set>
+                                      <p:cBhvr>
+                                        <p:cTn id="18" dur="1" fill="hold">
+                                          <p:stCondLst>
+                                            <p:cond delay="0"/>
+                                          </p:stCondLst>
+                                        </p:cTn>
+                                        <p:tgtEl>
+                                          <p:spTgt spid="3">
+                                            <p:txEl>
+                                              <p:pRg st="2" end="2"/>
+                                            </p:txEl>
+                                          </p:spTgt>
+                                        </p:tgtEl>
+                                        <p:attrNameLst>
+                                          <p:attrName>style.visibility</p:attrName>
+                                        </p:attrNameLst>
+                                      </p:cBhvr>
+                                      <p:to>
+                                        <p:strVal val="visible"/>
+                                      </p:to>
+                                    </p:set>
+                                  </p:childTnLst>
+                                </p:cTn>
+                              </p:par>
+                              <p:par>
+                                <p:cTn id="19" presetID="1" presetClass="entr" presetSubtype="0" fill="hold" grpId="0" nodeType="withEffect">
+                                  <p:stCondLst>
+                                    <p:cond delay="0"/>
+                                  </p:stCondLst>
+                                  <p:childTnLst>
+                                    <p:set>
+                                      <p:cBhvr>
+                                        <p:cTn id="20" dur="1" fill="hold">
+                                          <p:stCondLst>
+                                            <p:cond delay="0"/>
+                                          </p:stCondLst>
+                                        </p:cTn>
+                                        <p:tgtEl>
+                                          <p:spTgt spid="3">
+                                            <p:txEl>
+                                              <p:pRg st="3" end="3"/>
+                                            </p:txEl>
+                                          </p:spTgt>
+                                        </p:tgtEl>
+                                        <p:attrNameLst>
+                                          <p:attrName>style.visibility</p:attrName>
+                                        </p:attrNameLst>
+                                      </p:cBhvr>
+                                      <p:to>
+                                        <p:strVal val="visible"/>
+                                      </p:to>
+                                    </p:set>
+                                  </p:childTnLst>
+                                </p:cTn>
+                              </p:par>
+                              <p:par>
+                                <p:cTn id="21" presetID="1" presetClass="entr" presetSubtype="0" fill="hold" grpId="0" nodeType="withEffect">
+                                  <p:stCondLst>
+                                    <p:cond delay="0"/>
+                                  </p:stCondLst>
+                                  <p:childTnLst>
+                                    <p:set>
+                                      <p:cBhvr>
+                                        <p:cTn id="22" dur="1" fill="hold">
+                                          <p:stCondLst>
+                                            <p:cond delay="0"/>
+                                          </p:stCondLst>
+                                        </p:cTn>
+                                        <p:tgtEl>
+                                          <p:spTgt spid="3">
+                                            <p:txEl>
+                                              <p:pRg st="4" end="4"/>
+                                            </p:txEl>
+                                          </p:spTgt>
+                                        </p:tgtEl>
+                                        <p:attrNameLst>
+                                          <p:attrName>style.visibility</p:attrName>
+                                        </p:attrNameLst>
+                                      </p:cBhvr>
+                                      <p:to>
+                                        <p:strVal val="visible"/>
+                                      </p:to>
+                                    </p:set>
+                                  </p:childTnLst>
+                                </p:cTn>
+                              </p:par>
+                              <p:par>
+                                <p:cTn id="23" presetID="1" presetClass="entr" presetSubtype="0" fill="hold" grpId="0" nodeType="withEffect">
+                                  <p:stCondLst>
+                                    <p:cond delay="0"/>
+                                  </p:stCondLst>
+                                  <p:childTnLst>
+                                    <p:set>
+                                      <p:cBhvr>
+                                        <p:cTn id="24" dur="1" fill="hold">
+                                          <p:stCondLst>
+                                            <p:cond delay="0"/>
+                                          </p:stCondLst>
+                                        </p:cTn>
+                                        <p:tgtEl>
+                                          <p:spTgt spid="3">
+                                            <p:txEl>
+                                              <p:pRg st="5" end="5"/>
+                                            </p:txEl>
+                                          </p:spTgt>
+                                        </p:tgtEl>
+                                        <p:attrNameLst>
+                                          <p:attrName>style.visibility</p:attrName>
+                                        </p:attrNameLst>
+                                      </p:cBhvr>
+                                      <p:to>
+                                        <p:strVal val="visible"/>
+                                      </p:to>
+                                    </p:set>
+                                  </p:childTnLst>
+                                </p:cTn>
+                              </p:par>
+                              <p:par>
+                                <p:cTn id="25" presetID="1" presetClass="entr" presetSubtype="0" fill="hold" grpId="0" nodeType="withEffect">
+                                  <p:stCondLst>
+                                    <p:cond delay="0"/>
+                                  </p:stCondLst>
+                                  <p:childTnLst>
+                                    <p:set>
+                                      <p:cBhvr>
+                                        <p:cTn id="26" dur="1" fill="hold">
+                                          <p:stCondLst>
+                                            <p:cond delay="0"/>
+                                          </p:stCondLst>
+                                        </p:cTn>
+                                        <p:tgtEl>
+                                          <p:spTgt spid="3">
+                                            <p:txEl>
+                                              <p:pRg st="6" end="6"/>
+                                            </p:txEl>
+                                          </p:spTgt>
+                                        </p:tgtEl>
+                                        <p:attrNameLst>
+                                          <p:attrName>style.visibility</p:attrName>
+                                        </p:attrNameLst>
+                                      </p:cBhvr>
+                                      <p:to>
+                                        <p:strVal val="visible"/>
+                                      </p:to>
+                                    </p:set>
+                                  </p:childTnLst>
+                                </p:cTn>
+                              </p:par>
+                              <p:par>
+                                <p:cTn id="27" presetID="1" presetClass="entr" presetSubtype="0" fill="hold" grpId="0" nodeType="withEffect">
+                                  <p:stCondLst>
+                                    <p:cond delay="0"/>
+                                  </p:stCondLst>
+                                  <p:childTnLst>
+                                    <p:set>
+                                      <p:cBhvr>
+                                        <p:cTn id="28" dur="1" fill="hold">
+                                          <p:stCondLst>
+                                            <p:cond delay="0"/>
+                                          </p:stCondLst>
+                                        </p:cTn>
+                                        <p:tgtEl>
+                                          <p:spTgt spid="3">
+                                            <p:txEl>
+                                              <p:pRg st="7" end="7"/>
+                                            </p:txEl>
+                                          </p:spTgt>
+                                        </p:tgtEl>
+                                        <p:attrNameLst>
+                                          <p:attrName>style.visibility</p:attrName>
+                                        </p:attrNameLst>
+                                      </p:cBhvr>
+                                      <p:to>
+                                        <p:strVal val="visible"/>
+                                      </p:to>
+                                    </p:set>
+                                  </p:childTnLst>
+                                </p:cTn>
+                              </p:par>
+                            </p:childTnLst>
+                          </p:cTn>
+                        </p:par>
+                      </p:childTnLst>
+                    </p:cTn>
+                  </p:par>
+                </p:childTnLst>
+              </p:cTn>
+              <p:prevCondLst>
+                <p:cond evt="onPrev" delay="0">
+                  <p:tgtEl>
+                    <p:sldTgt/>
+                  </p:tgtEl>
+                </p:cond>
+              </p:prevCondLst>
+              <p:nextCondLst>
+                <p:cond evt="onNext" delay="0">
+                  <p:tgtEl>
+                    <p:sldTgt/>
+                  </p:tgtEl>
+                </p:cond>
+              </p:nextCondLst>
+            </p:seq>
+          </p:childTnLst>
+        </p:cTn>
       </p:par>
     </p:tnLst>
+    <p:bldLst>
+      <p:bldP spid="3" grpId="0" uiExpand="1" build="p"/>
+      <p:bldP spid="5" grpId="0"/>
+    </p:bldLst>
   </p:timing>
 </p:sld>
 </file>

--- a/PPT/关于贝塞尔曲线等速移动问题的说明.pptx
+++ b/PPT/关于贝塞尔曲线等速移动问题的说明.pptx
@@ -19,7 +19,8 @@
     <p:sldId id="262" r:id="rId13"/>
     <p:sldId id="270" r:id="rId14"/>
     <p:sldId id="271" r:id="rId15"/>
-    <p:sldId id="263" r:id="rId16"/>
+    <p:sldId id="272" r:id="rId16"/>
+    <p:sldId id="263" r:id="rId17"/>
   </p:sldIdLst>
   <p:sldSz cx="9144000" cy="6858000" type="screen4x3"/>
   <p:notesSz cx="6858000" cy="9144000"/>
@@ -506,7 +507,7 @@
             <a:fld id="{E20B4397-2770-4958-8C9D-0938080BB29A}" type="datetimeFigureOut">
               <a:rPr kumimoji="1" lang="ja-JP" altLang="en-US" smtClean="0"/>
               <a:pPr/>
-              <a:t>2014/7/7</a:t>
+              <a:t>2014/7/9</a:t>
             </a:fld>
             <a:endParaRPr kumimoji="1" lang="ja-JP" altLang="en-US"/>
           </a:p>
@@ -705,7 +706,7 @@
             <a:fld id="{E20B4397-2770-4958-8C9D-0938080BB29A}" type="datetimeFigureOut">
               <a:rPr kumimoji="1" lang="ja-JP" altLang="en-US" smtClean="0"/>
               <a:pPr/>
-              <a:t>2014/7/7</a:t>
+              <a:t>2014/7/9</a:t>
             </a:fld>
             <a:endParaRPr kumimoji="1" lang="ja-JP" altLang="en-US"/>
           </a:p>
@@ -914,7 +915,7 @@
             <a:fld id="{E20B4397-2770-4958-8C9D-0938080BB29A}" type="datetimeFigureOut">
               <a:rPr kumimoji="1" lang="ja-JP" altLang="en-US" smtClean="0"/>
               <a:pPr/>
-              <a:t>2014/7/7</a:t>
+              <a:t>2014/7/9</a:t>
             </a:fld>
             <a:endParaRPr kumimoji="1" lang="ja-JP" altLang="en-US"/>
           </a:p>
@@ -1117,7 +1118,7 @@
             <a:fld id="{E20B4397-2770-4958-8C9D-0938080BB29A}" type="datetimeFigureOut">
               <a:rPr kumimoji="1" lang="ja-JP" altLang="en-US" smtClean="0"/>
               <a:pPr/>
-              <a:t>2014/7/7</a:t>
+              <a:t>2014/7/9</a:t>
             </a:fld>
             <a:endParaRPr kumimoji="1" lang="ja-JP" altLang="en-US"/>
           </a:p>
@@ -1574,7 +1575,7 @@
             <a:fld id="{E20B4397-2770-4958-8C9D-0938080BB29A}" type="datetimeFigureOut">
               <a:rPr kumimoji="1" lang="ja-JP" altLang="en-US" smtClean="0"/>
               <a:pPr/>
-              <a:t>2014/7/7</a:t>
+              <a:t>2014/7/9</a:t>
             </a:fld>
             <a:endParaRPr kumimoji="1" lang="ja-JP" altLang="en-US"/>
           </a:p>
@@ -1904,7 +1905,7 @@
             <a:fld id="{E20B4397-2770-4958-8C9D-0938080BB29A}" type="datetimeFigureOut">
               <a:rPr kumimoji="1" lang="ja-JP" altLang="en-US" smtClean="0"/>
               <a:pPr/>
-              <a:t>2014/7/7</a:t>
+              <a:t>2014/7/9</a:t>
             </a:fld>
             <a:endParaRPr kumimoji="1" lang="ja-JP" altLang="en-US"/>
           </a:p>
@@ -2344,7 +2345,7 @@
             <a:fld id="{E20B4397-2770-4958-8C9D-0938080BB29A}" type="datetimeFigureOut">
               <a:rPr kumimoji="1" lang="ja-JP" altLang="en-US" smtClean="0"/>
               <a:pPr/>
-              <a:t>2014/7/7</a:t>
+              <a:t>2014/7/9</a:t>
             </a:fld>
             <a:endParaRPr kumimoji="1" lang="ja-JP" altLang="en-US"/>
           </a:p>
@@ -2468,7 +2469,7 @@
             <a:fld id="{E20B4397-2770-4958-8C9D-0938080BB29A}" type="datetimeFigureOut">
               <a:rPr kumimoji="1" lang="ja-JP" altLang="en-US" smtClean="0"/>
               <a:pPr/>
-              <a:t>2014/7/7</a:t>
+              <a:t>2014/7/9</a:t>
             </a:fld>
             <a:endParaRPr kumimoji="1" lang="ja-JP" altLang="en-US"/>
           </a:p>
@@ -2560,7 +2561,7 @@
             <a:fld id="{E20B4397-2770-4958-8C9D-0938080BB29A}" type="datetimeFigureOut">
               <a:rPr kumimoji="1" lang="ja-JP" altLang="en-US" smtClean="0"/>
               <a:pPr/>
-              <a:t>2014/7/7</a:t>
+              <a:t>2014/7/9</a:t>
             </a:fld>
             <a:endParaRPr kumimoji="1" lang="ja-JP" altLang="en-US"/>
           </a:p>
@@ -2843,7 +2844,7 @@
             <a:fld id="{E20B4397-2770-4958-8C9D-0938080BB29A}" type="datetimeFigureOut">
               <a:rPr kumimoji="1" lang="ja-JP" altLang="en-US" smtClean="0"/>
               <a:pPr/>
-              <a:t>2014/7/7</a:t>
+              <a:t>2014/7/9</a:t>
             </a:fld>
             <a:endParaRPr kumimoji="1" lang="ja-JP" altLang="en-US"/>
           </a:p>
@@ -3104,7 +3105,7 @@
             <a:fld id="{E20B4397-2770-4958-8C9D-0938080BB29A}" type="datetimeFigureOut">
               <a:rPr kumimoji="1" lang="ja-JP" altLang="en-US" smtClean="0"/>
               <a:pPr/>
-              <a:t>2014/7/7</a:t>
+              <a:t>2014/7/9</a:t>
             </a:fld>
             <a:endParaRPr kumimoji="1" lang="ja-JP" altLang="en-US"/>
           </a:p>
@@ -3542,7 +3543,7 @@
             <a:fld id="{E20B4397-2770-4958-8C9D-0938080BB29A}" type="datetimeFigureOut">
               <a:rPr kumimoji="1" lang="ja-JP" altLang="en-US" smtClean="0"/>
               <a:pPr/>
-              <a:t>2014/7/7</a:t>
+              <a:t>2014/7/9</a:t>
             </a:fld>
             <a:endParaRPr kumimoji="1" lang="ja-JP" altLang="en-US"/>
           </a:p>
@@ -4269,11 +4270,7 @@
             </a:pPr>
             <a:r>
               <a:rPr lang="en-US" altLang="ja-JP" sz="1600" dirty="0" smtClean="0"/>
-              <a:t>void</a:t>
-            </a:r>
-            <a:r>
-              <a:rPr lang="en-US" altLang="ja-JP" sz="1600" dirty="0" smtClean="0"/>
-              <a:t> </a:t>
+              <a:t>void </a:t>
             </a:r>
             <a:r>
               <a:rPr lang="en-US" altLang="ja-JP" sz="1600" dirty="0" err="1" smtClean="0"/>
@@ -4281,11 +4278,7 @@
             </a:r>
             <a:r>
               <a:rPr lang="en-US" altLang="ja-JP" sz="1600" dirty="0" smtClean="0"/>
-              <a:t>( Vector3</a:t>
-            </a:r>
-            <a:r>
-              <a:rPr lang="en-US" altLang="ja-JP" sz="1600" dirty="0" smtClean="0"/>
-              <a:t> </a:t>
+              <a:t>( Vector3 </a:t>
             </a:r>
             <a:r>
               <a:rPr lang="en-US" altLang="ja-JP" sz="1600" dirty="0" err="1" smtClean="0"/>
@@ -4293,11 +4286,7 @@
             </a:r>
             <a:r>
               <a:rPr lang="en-US" altLang="ja-JP" sz="1600" dirty="0" smtClean="0"/>
-              <a:t>, Vector3</a:t>
-            </a:r>
-            <a:r>
-              <a:rPr lang="en-US" altLang="ja-JP" sz="1600" dirty="0" smtClean="0"/>
-              <a:t> </a:t>
+              <a:t>, Vector3 </a:t>
             </a:r>
             <a:r>
               <a:rPr lang="en-US" altLang="ja-JP" sz="1600" dirty="0" err="1" smtClean="0"/>
@@ -4305,11 +4294,7 @@
             </a:r>
             <a:r>
               <a:rPr lang="en-US" altLang="ja-JP" sz="1600" dirty="0" smtClean="0"/>
-              <a:t>, Vector3</a:t>
-            </a:r>
-            <a:r>
-              <a:rPr lang="en-US" altLang="ja-JP" sz="1600" dirty="0" smtClean="0"/>
-              <a:t> </a:t>
+              <a:t>, Vector3 </a:t>
             </a:r>
             <a:r>
               <a:rPr lang="en-US" altLang="ja-JP" sz="1600" dirty="0" err="1" smtClean="0"/>
@@ -4317,11 +4302,7 @@
             </a:r>
             <a:r>
               <a:rPr lang="en-US" altLang="ja-JP" sz="1600" dirty="0" smtClean="0"/>
-              <a:t> </a:t>
-            </a:r>
-            <a:r>
-              <a:rPr lang="en-US" altLang="ja-JP" sz="1600" dirty="0" smtClean="0"/>
-              <a:t>)</a:t>
+              <a:t> )</a:t>
             </a:r>
           </a:p>
           <a:p>
@@ -4345,19 +4326,7 @@
             </a:pPr>
             <a:r>
               <a:rPr lang="en-US" altLang="ja-JP" sz="1600" dirty="0" smtClean="0"/>
-              <a:t>	</a:t>
-            </a:r>
-            <a:r>
-              <a:rPr lang="en-US" altLang="ja-JP" sz="1600" dirty="0" smtClean="0"/>
-              <a:t>float</a:t>
-            </a:r>
-            <a:r>
-              <a:rPr lang="en-US" altLang="ja-JP" sz="1600" dirty="0" smtClean="0"/>
-              <a:t> t = </a:t>
-            </a:r>
-            <a:r>
-              <a:rPr lang="en-US" altLang="ja-JP" sz="1600" dirty="0" smtClean="0"/>
-              <a:t>0;</a:t>
+              <a:t>	float t = 0;</a:t>
             </a:r>
           </a:p>
           <a:p>
@@ -4369,11 +4338,7 @@
             </a:pPr>
             <a:r>
               <a:rPr lang="en-US" altLang="ja-JP" sz="1600" dirty="0" smtClean="0"/>
-              <a:t>	</a:t>
-            </a:r>
-            <a:r>
-              <a:rPr lang="en-US" altLang="ja-JP" sz="1600" dirty="0" smtClean="0"/>
-              <a:t>float </a:t>
+              <a:t>	float </a:t>
             </a:r>
             <a:r>
               <a:rPr lang="en-US" altLang="ja-JP" sz="1600" dirty="0" err="1" smtClean="0"/>
@@ -4381,11 +4346,7 @@
             </a:r>
             <a:r>
               <a:rPr lang="en-US" altLang="ja-JP" sz="1600" dirty="0" smtClean="0"/>
-              <a:t> = </a:t>
-            </a:r>
-            <a:r>
-              <a:rPr lang="en-US" altLang="ja-JP" sz="1600" dirty="0" smtClean="0"/>
-              <a:t>0.01f;</a:t>
+              <a:t> = 0.01f;</a:t>
             </a:r>
           </a:p>
           <a:p>
@@ -4397,19 +4358,7 @@
             </a:pPr>
             <a:r>
               <a:rPr lang="en-US" altLang="ja-JP" sz="1600" dirty="0" smtClean="0"/>
-              <a:t>	</a:t>
-            </a:r>
-            <a:r>
-              <a:rPr lang="en-US" altLang="ja-JP" sz="1600" dirty="0" smtClean="0"/>
-              <a:t>while</a:t>
-            </a:r>
-            <a:r>
-              <a:rPr lang="en-US" altLang="ja-JP" sz="1600" dirty="0" smtClean="0"/>
-              <a:t>( t &lt;= 1.0f </a:t>
-            </a:r>
-            <a:r>
-              <a:rPr lang="en-US" altLang="ja-JP" sz="1600" dirty="0" smtClean="0"/>
-              <a:t>)</a:t>
+              <a:t>	while( t &lt;= 1.0f )</a:t>
             </a:r>
           </a:p>
           <a:p>
@@ -4421,11 +4370,7 @@
             </a:pPr>
             <a:r>
               <a:rPr lang="en-US" altLang="ja-JP" sz="1600" dirty="0" smtClean="0"/>
-              <a:t>	</a:t>
-            </a:r>
-            <a:r>
-              <a:rPr lang="en-US" altLang="ja-JP" sz="1600" dirty="0" smtClean="0"/>
-              <a:t>{</a:t>
+              <a:t>	{</a:t>
             </a:r>
           </a:p>
           <a:p>
@@ -4437,15 +4382,7 @@
             </a:pPr>
             <a:r>
               <a:rPr lang="en-US" altLang="ja-JP" sz="1600" dirty="0" smtClean="0"/>
-              <a:t>	</a:t>
-            </a:r>
-            <a:r>
-              <a:rPr lang="en-US" altLang="ja-JP" sz="1600" dirty="0" smtClean="0"/>
-              <a:t>	Vector3</a:t>
-            </a:r>
-            <a:r>
-              <a:rPr lang="en-US" altLang="ja-JP" sz="1600" dirty="0" smtClean="0"/>
-              <a:t> </a:t>
+              <a:t>		Vector3 </a:t>
             </a:r>
             <a:r>
               <a:rPr lang="en-US" altLang="ja-JP" sz="1600" dirty="0" err="1" smtClean="0"/>
@@ -4453,11 +4390,7 @@
             </a:r>
             <a:r>
               <a:rPr lang="en-US" altLang="ja-JP" sz="1600" dirty="0" smtClean="0"/>
-              <a:t> </a:t>
-            </a:r>
-            <a:r>
-              <a:rPr lang="en-US" altLang="ja-JP" sz="1600" dirty="0" smtClean="0"/>
-              <a:t>=</a:t>
+              <a:t> =</a:t>
             </a:r>
           </a:p>
           <a:p>
@@ -4469,11 +4402,7 @@
             </a:pPr>
             <a:r>
               <a:rPr lang="en-US" altLang="ja-JP" sz="1600" dirty="0" smtClean="0"/>
-              <a:t>	</a:t>
-            </a:r>
-            <a:r>
-              <a:rPr lang="en-US" altLang="ja-JP" sz="1600" dirty="0" smtClean="0"/>
-              <a:t>		</a:t>
+              <a:t>			</a:t>
             </a:r>
             <a:r>
               <a:rPr lang="en-US" altLang="ja-JP" sz="1600" dirty="0" err="1" smtClean="0"/>
@@ -4505,15 +4434,7 @@
             </a:r>
             <a:r>
               <a:rPr lang="en-US" altLang="ja-JP" sz="1600" dirty="0" smtClean="0"/>
-              <a:t>, t</a:t>
-            </a:r>
-            <a:r>
-              <a:rPr lang="en-US" altLang="ja-JP" sz="1600" dirty="0" smtClean="0"/>
-              <a:t> </a:t>
-            </a:r>
-            <a:r>
-              <a:rPr lang="en-US" altLang="ja-JP" sz="1600" dirty="0" smtClean="0"/>
-              <a:t>);</a:t>
+              <a:t>, t );</a:t>
             </a:r>
           </a:p>
           <a:p>
@@ -4525,15 +4446,7 @@
             </a:pPr>
             <a:r>
               <a:rPr lang="en-US" altLang="ja-JP" sz="1600" dirty="0" smtClean="0"/>
-              <a:t>	</a:t>
-            </a:r>
-            <a:r>
-              <a:rPr lang="en-US" altLang="ja-JP" sz="1600" dirty="0" smtClean="0"/>
-              <a:t>	Vector3</a:t>
-            </a:r>
-            <a:r>
-              <a:rPr lang="en-US" altLang="ja-JP" sz="1600" dirty="0" smtClean="0"/>
-              <a:t> </a:t>
+              <a:t>		Vector3 </a:t>
             </a:r>
             <a:r>
               <a:rPr lang="en-US" altLang="ja-JP" sz="1600" dirty="0" err="1" smtClean="0"/>
@@ -4553,11 +4466,7 @@
             </a:pPr>
             <a:r>
               <a:rPr lang="en-US" altLang="ja-JP" sz="1600" dirty="0" smtClean="0"/>
-              <a:t>	</a:t>
-            </a:r>
-            <a:r>
-              <a:rPr lang="en-US" altLang="ja-JP" sz="1600" dirty="0" smtClean="0"/>
-              <a:t>		</a:t>
+              <a:t>			</a:t>
             </a:r>
             <a:r>
               <a:rPr lang="en-US" altLang="ja-JP" sz="1600" dirty="0" err="1" smtClean="0"/>
@@ -4589,15 +4498,7 @@
             </a:r>
             <a:r>
               <a:rPr lang="en-US" altLang="ja-JP" sz="1600" dirty="0" smtClean="0"/>
-              <a:t>, </a:t>
-            </a:r>
-            <a:r>
-              <a:rPr lang="en-US" altLang="ja-JP" sz="1600" dirty="0" smtClean="0"/>
-              <a:t>t</a:t>
-            </a:r>
-            <a:r>
-              <a:rPr lang="en-US" altLang="ja-JP" sz="1600" dirty="0" smtClean="0"/>
-              <a:t> + </a:t>
+              <a:t>, t + </a:t>
             </a:r>
             <a:r>
               <a:rPr lang="en-US" altLang="ja-JP" sz="1600" dirty="0" err="1" smtClean="0"/>
@@ -4617,11 +4518,7 @@
             </a:pPr>
             <a:r>
               <a:rPr lang="en-US" altLang="ja-JP" sz="1600" dirty="0" smtClean="0"/>
-              <a:t>	</a:t>
-            </a:r>
-            <a:r>
-              <a:rPr lang="en-US" altLang="ja-JP" sz="1600" dirty="0" smtClean="0"/>
-              <a:t>	</a:t>
+              <a:t>		</a:t>
             </a:r>
           </a:p>
           <a:p>
@@ -4636,7 +4533,7 @@
               <a:t>		</a:t>
             </a:r>
             <a:r>
-              <a:rPr lang="en-US" altLang="ja-JP" sz="1600" dirty="0" err="1" smtClean="0"/>
+              <a:rPr lang="en-US" altLang="ja-JP" sz="1600" u="sng" dirty="0" err="1" smtClean="0"/>
               <a:t>DrawLine</a:t>
             </a:r>
             <a:r>
@@ -4657,11 +4554,7 @@
             </a:r>
             <a:r>
               <a:rPr lang="en-US" altLang="ja-JP" sz="1600" dirty="0" smtClean="0"/>
-              <a:t> </a:t>
-            </a:r>
-            <a:r>
-              <a:rPr lang="en-US" altLang="ja-JP" sz="1600" dirty="0" smtClean="0"/>
-              <a:t>);</a:t>
+              <a:t> );</a:t>
             </a:r>
           </a:p>
           <a:p>
@@ -4682,15 +4575,7 @@
             </a:pPr>
             <a:r>
               <a:rPr lang="en-US" altLang="ja-JP" sz="1600" dirty="0" smtClean="0"/>
-              <a:t>		</a:t>
-            </a:r>
-            <a:r>
-              <a:rPr lang="en-US" altLang="ja-JP" sz="1600" dirty="0" smtClean="0"/>
-              <a:t>t</a:t>
-            </a:r>
-            <a:r>
-              <a:rPr lang="en-US" altLang="ja-JP" sz="1600" dirty="0" smtClean="0"/>
-              <a:t> += </a:t>
+              <a:t>		t += </a:t>
             </a:r>
             <a:r>
               <a:rPr lang="en-US" altLang="ja-JP" sz="1600" dirty="0" err="1" smtClean="0"/>
@@ -4710,17 +4595,8 @@
             </a:pPr>
             <a:r>
               <a:rPr lang="en-US" altLang="ja-JP" sz="1600" dirty="0" smtClean="0"/>
-              <a:t>	</a:t>
-            </a:r>
-            <a:r>
-              <a:rPr lang="en-US" altLang="ja-JP" sz="1600" dirty="0" smtClean="0"/>
-              <a:t>} </a:t>
-            </a:r>
-            <a:r>
-              <a:rPr lang="en-US" altLang="ja-JP" sz="1600" dirty="0" smtClean="0"/>
-              <a:t>        </a:t>
-            </a:r>
-            <a:endParaRPr lang="en-US" altLang="ja-JP" sz="1600" dirty="0" smtClean="0"/>
+              <a:t>	}         </a:t>
+            </a:r>
           </a:p>
           <a:p>
             <a:pPr marL="550926" indent="-514350">
@@ -5510,14 +5386,7 @@
                 <a:latin typeface="Microsoft YaHei" pitchFamily="34" charset="-122"/>
                 <a:ea typeface="Microsoft YaHei" pitchFamily="34" charset="-122"/>
               </a:rPr>
-              <a:t>上述问题导致在曲线上运动</a:t>
-            </a:r>
-            <a:r>
-              <a:rPr lang="zh-CN" altLang="en-US" dirty="0" smtClean="0">
-                <a:latin typeface="Microsoft YaHei" pitchFamily="34" charset="-122"/>
-                <a:ea typeface="Microsoft YaHei" pitchFamily="34" charset="-122"/>
-              </a:rPr>
-              <a:t>的物体无法进行匀速运动</a:t>
+              <a:t>上述问题导致在曲线上运动的物体无法进行匀速运动</a:t>
             </a:r>
             <a:endParaRPr lang="en-US" altLang="zh-CN" dirty="0" smtClean="0">
               <a:latin typeface="Microsoft YaHei" pitchFamily="34" charset="-122"/>
@@ -5642,28 +5511,7 @@
                 <a:latin typeface="Microsoft YaHei" pitchFamily="34" charset="-122"/>
                 <a:ea typeface="Microsoft YaHei" pitchFamily="34" charset="-122"/>
               </a:rPr>
-              <a:t>最终目标</a:t>
-            </a:r>
-            <a:r>
-              <a:rPr lang="zh-CN" altLang="en-US" dirty="0" smtClean="0">
-                <a:latin typeface="Microsoft YaHei" pitchFamily="34" charset="-122"/>
-                <a:ea typeface="Microsoft YaHei" pitchFamily="34" charset="-122"/>
-              </a:rPr>
-              <a:t>：</a:t>
-            </a:r>
-            <a:r>
-              <a:rPr lang="zh-CN" altLang="en-US" dirty="0" smtClean="0">
-                <a:latin typeface="Microsoft YaHei" pitchFamily="34" charset="-122"/>
-                <a:ea typeface="Microsoft YaHei" pitchFamily="34" charset="-122"/>
-              </a:rPr>
-              <a:t>使在曲线上运动</a:t>
-            </a:r>
-            <a:r>
-              <a:rPr lang="zh-CN" altLang="en-US" dirty="0" smtClean="0">
-                <a:latin typeface="Microsoft YaHei" pitchFamily="34" charset="-122"/>
-                <a:ea typeface="Microsoft YaHei" pitchFamily="34" charset="-122"/>
-              </a:rPr>
-              <a:t>的物体进行匀速运动</a:t>
+              <a:t>最终目标：使在曲线上运动的物体进行匀速运动</a:t>
             </a:r>
             <a:endParaRPr lang="en-US" altLang="zh-CN" dirty="0" smtClean="0">
               <a:latin typeface="Microsoft YaHei" pitchFamily="34" charset="-122"/>
@@ -5858,14 +5706,7 @@
                 <a:latin typeface="Microsoft YaHei" pitchFamily="34" charset="-122"/>
                 <a:ea typeface="Microsoft YaHei" pitchFamily="34" charset="-122"/>
               </a:rPr>
-              <a:t>贝塞尔曲线匀速移动问题</a:t>
-            </a:r>
-            <a:r>
-              <a:rPr lang="zh-CN" altLang="en-US" sz="4000" dirty="0" smtClean="0">
-                <a:latin typeface="Microsoft YaHei" pitchFamily="34" charset="-122"/>
-                <a:ea typeface="Microsoft YaHei" pitchFamily="34" charset="-122"/>
-              </a:rPr>
-              <a:t>的解决方案</a:t>
+              <a:t>贝塞尔曲线匀速移动问题的解决方案</a:t>
             </a:r>
             <a:endParaRPr kumimoji="1" lang="ja-JP" altLang="en-US" dirty="0">
               <a:latin typeface="Microsoft YaHei" pitchFamily="34" charset="-122"/>
@@ -5908,26 +5749,8 @@
                 <a:latin typeface="Microsoft YaHei" pitchFamily="34" charset="-122"/>
                 <a:ea typeface="Microsoft YaHei" pitchFamily="34" charset="-122"/>
               </a:rPr>
-              <a:t>It </a:t>
-            </a:r>
-            <a:r>
-              <a:rPr lang="en-US" altLang="zh-CN" sz="1800" dirty="0" smtClean="0">
-                <a:latin typeface="Microsoft YaHei" pitchFamily="34" charset="-122"/>
-                <a:ea typeface="Microsoft YaHei" pitchFamily="34" charset="-122"/>
-              </a:rPr>
-              <a:t>is possible to approximate a solution to this problem for most parametric trajectories. The idea is the following: if you zoom deep enough on a curve, you cannot tell the curve itself from its tangent at that point</a:t>
-            </a:r>
-            <a:r>
-              <a:rPr lang="en-US" altLang="zh-CN" sz="1800" dirty="0" smtClean="0">
-                <a:latin typeface="Microsoft YaHei" pitchFamily="34" charset="-122"/>
-                <a:ea typeface="Microsoft YaHei" pitchFamily="34" charset="-122"/>
-              </a:rPr>
-              <a:t>.</a:t>
-            </a:r>
-            <a:endParaRPr lang="en-US" altLang="zh-CN" sz="1800" dirty="0" smtClean="0">
-              <a:latin typeface="Microsoft YaHei" pitchFamily="34" charset="-122"/>
-              <a:ea typeface="Microsoft YaHei" pitchFamily="34" charset="-122"/>
-            </a:endParaRPr>
+              <a:t>It is possible to approximate a solution to this problem for most parametric trajectories. The idea is the following: if you zoom deep enough on a curve, you cannot tell the curve itself from its tangent at that point.</a:t>
+            </a:r>
           </a:p>
           <a:p>
             <a:pPr marL="550926" indent="-514350">
@@ -6097,10 +5920,6 @@
               </a:rPr>
               <a:t>||.</a:t>
             </a:r>
-            <a:endParaRPr lang="en-US" altLang="zh-CN" sz="1800" dirty="0" smtClean="0">
-              <a:latin typeface="Microsoft YaHei" pitchFamily="34" charset="-122"/>
-              <a:ea typeface="Microsoft YaHei" pitchFamily="34" charset="-122"/>
-            </a:endParaRPr>
           </a:p>
         </p:txBody>
       </p:sp>
@@ -6146,14 +5965,7 @@
                 <a:latin typeface="Microsoft YaHei" pitchFamily="34" charset="-122"/>
                 <a:ea typeface="Microsoft YaHei" pitchFamily="34" charset="-122"/>
               </a:rPr>
-              <a:t> curve</a:t>
-            </a:r>
-            <a:r>
-              <a:rPr lang="en-US" altLang="zh-CN" sz="2000" dirty="0" smtClean="0">
-                <a:latin typeface="Microsoft YaHei" pitchFamily="34" charset="-122"/>
-                <a:ea typeface="Microsoft YaHei" pitchFamily="34" charset="-122"/>
-              </a:rPr>
-              <a:t>?</a:t>
+              <a:t> curve?</a:t>
             </a:r>
           </a:p>
           <a:p>
@@ -6172,23 +5984,7 @@
                 <a:ea typeface="Microsoft YaHei" pitchFamily="34" charset="-122"/>
                 <a:hlinkClick r:id="rId2"/>
               </a:rPr>
-              <a:t>http</a:t>
-            </a:r>
-            <a:r>
-              <a:rPr lang="en-US" altLang="zh-CN" dirty="0" smtClean="0">
-                <a:latin typeface="Microsoft YaHei" pitchFamily="34" charset="-122"/>
-                <a:ea typeface="Microsoft YaHei" pitchFamily="34" charset="-122"/>
-                <a:hlinkClick r:id="rId2"/>
-              </a:rPr>
-              <a:t>://gamedev.stackexchange.com/questions/27056</a:t>
-            </a:r>
-            <a:r>
-              <a:rPr lang="en-US" altLang="zh-CN" dirty="0" smtClean="0">
-                <a:latin typeface="Microsoft YaHei" pitchFamily="34" charset="-122"/>
-                <a:ea typeface="Microsoft YaHei" pitchFamily="34" charset="-122"/>
-                <a:hlinkClick r:id="rId2"/>
-              </a:rPr>
-              <a:t>/</a:t>
+              <a:t>http://gamedev.stackexchange.com/questions/27056/</a:t>
             </a:r>
           </a:p>
           <a:p>
@@ -6445,14 +6241,7 @@
                 <a:latin typeface="Microsoft YaHei" pitchFamily="34" charset="-122"/>
                 <a:ea typeface="Microsoft YaHei" pitchFamily="34" charset="-122"/>
               </a:rPr>
-              <a:t>贝塞尔曲线匀速移动问题</a:t>
-            </a:r>
-            <a:r>
-              <a:rPr lang="zh-CN" altLang="en-US" sz="4000" dirty="0" smtClean="0">
-                <a:latin typeface="Microsoft YaHei" pitchFamily="34" charset="-122"/>
-                <a:ea typeface="Microsoft YaHei" pitchFamily="34" charset="-122"/>
-              </a:rPr>
-              <a:t>的解决方案</a:t>
+              <a:t>贝塞尔曲线匀速移动问题的解决方案</a:t>
             </a:r>
             <a:endParaRPr kumimoji="1" lang="ja-JP" altLang="en-US" dirty="0">
               <a:latin typeface="Microsoft YaHei" pitchFamily="34" charset="-122"/>
@@ -6568,7 +6357,7 @@
                 <a:latin typeface="Microsoft YaHei" pitchFamily="34" charset="-122"/>
                 <a:ea typeface="Microsoft YaHei" pitchFamily="34" charset="-122"/>
               </a:rPr>
-              <a:t>你将无法从曲线上一点的切线判断它是一条曲线。</a:t>
+              <a:t>你无法从曲线上一点的切线来识别这条曲线。</a:t>
             </a:r>
             <a:r>
               <a:rPr lang="en-US" altLang="zh-CN" sz="1800" dirty="0" smtClean="0">
@@ -7015,10 +6804,6 @@
               </a:rPr>
               <a:t> ||.</a:t>
             </a:r>
-            <a:endParaRPr lang="en-US" altLang="zh-CN" sz="1800" dirty="0" smtClean="0">
-              <a:latin typeface="Microsoft YaHei" pitchFamily="34" charset="-122"/>
-              <a:ea typeface="Microsoft YaHei" pitchFamily="34" charset="-122"/>
-            </a:endParaRPr>
           </a:p>
         </p:txBody>
       </p:sp>
@@ -7374,14 +7159,7 @@
                 <a:latin typeface="Microsoft YaHei" pitchFamily="34" charset="-122"/>
                 <a:ea typeface="Microsoft YaHei" pitchFamily="34" charset="-122"/>
               </a:rPr>
-              <a:t>贝塞尔曲线匀速移动问题</a:t>
-            </a:r>
-            <a:r>
-              <a:rPr lang="zh-CN" altLang="en-US" sz="4000" dirty="0" smtClean="0">
-                <a:latin typeface="Microsoft YaHei" pitchFamily="34" charset="-122"/>
-                <a:ea typeface="Microsoft YaHei" pitchFamily="34" charset="-122"/>
-              </a:rPr>
-              <a:t>的解决方案</a:t>
+              <a:t>贝塞尔曲线匀速移动问题的解决方案</a:t>
             </a:r>
             <a:endParaRPr kumimoji="1" lang="ja-JP" altLang="en-US" dirty="0">
               <a:latin typeface="Microsoft YaHei" pitchFamily="34" charset="-122"/>
@@ -7424,14 +7202,7 @@
                 <a:latin typeface="Microsoft YaHei" pitchFamily="34" charset="-122"/>
                 <a:ea typeface="Microsoft YaHei" pitchFamily="34" charset="-122"/>
               </a:rPr>
-              <a:t>假设贝塞尔曲线的三个控制点</a:t>
-            </a:r>
-            <a:r>
-              <a:rPr lang="zh-CN" altLang="en-US" sz="1800" dirty="0" smtClean="0">
-                <a:latin typeface="Microsoft YaHei" pitchFamily="34" charset="-122"/>
-                <a:ea typeface="Microsoft YaHei" pitchFamily="34" charset="-122"/>
-              </a:rPr>
-              <a:t>是</a:t>
+              <a:t>假设贝塞尔曲线的三个控制点是</a:t>
             </a:r>
             <a:r>
               <a:rPr lang="en-US" altLang="zh-CN" sz="1800" dirty="0" smtClean="0">
@@ -7532,35 +7303,7 @@
                 <a:latin typeface="Microsoft YaHei" pitchFamily="34" charset="-122"/>
                 <a:ea typeface="Microsoft YaHei" pitchFamily="34" charset="-122"/>
               </a:rPr>
-              <a:t>	= ( 1 – t )²A </a:t>
-            </a:r>
-            <a:r>
-              <a:rPr lang="fr-FR" altLang="ja-JP" sz="1800" dirty="0" smtClean="0">
-                <a:latin typeface="Microsoft YaHei" pitchFamily="34" charset="-122"/>
-                <a:ea typeface="Microsoft YaHei" pitchFamily="34" charset="-122"/>
-              </a:rPr>
-              <a:t>+ </a:t>
-            </a:r>
-            <a:r>
-              <a:rPr lang="fr-FR" altLang="ja-JP" sz="1800" dirty="0" smtClean="0">
-                <a:latin typeface="Microsoft YaHei" pitchFamily="34" charset="-122"/>
-                <a:ea typeface="Microsoft YaHei" pitchFamily="34" charset="-122"/>
-              </a:rPr>
-              <a:t>2( 1 – t )tB </a:t>
-            </a:r>
-            <a:r>
-              <a:rPr lang="fr-FR" altLang="ja-JP" sz="1800" dirty="0" smtClean="0">
-                <a:latin typeface="Microsoft YaHei" pitchFamily="34" charset="-122"/>
-                <a:ea typeface="Microsoft YaHei" pitchFamily="34" charset="-122"/>
-              </a:rPr>
-              <a:t>+ </a:t>
-            </a:r>
-            <a:r>
-              <a:rPr lang="fr-FR" altLang="ja-JP" sz="1800" dirty="0" smtClean="0">
-                <a:latin typeface="Microsoft YaHei" pitchFamily="34" charset="-122"/>
-                <a:ea typeface="Microsoft YaHei" pitchFamily="34" charset="-122"/>
-              </a:rPr>
-              <a:t>t²C</a:t>
+              <a:t>	= ( 1 – t )²A + 2( 1 – t )tB + t²C</a:t>
             </a:r>
             <a:br>
               <a:rPr lang="fr-FR" altLang="ja-JP" sz="1800" dirty="0" smtClean="0">
@@ -7731,63 +7474,7 @@
                 <a:latin typeface="Microsoft YaHei" pitchFamily="34" charset="-122"/>
                 <a:ea typeface="Microsoft YaHei" pitchFamily="34" charset="-122"/>
               </a:rPr>
-              <a:t>dM/dt </a:t>
-            </a:r>
-            <a:r>
-              <a:rPr lang="de-DE" altLang="ja-JP" sz="1800" dirty="0" smtClean="0">
-                <a:latin typeface="Microsoft YaHei" pitchFamily="34" charset="-122"/>
-                <a:ea typeface="Microsoft YaHei" pitchFamily="34" charset="-122"/>
-              </a:rPr>
-              <a:t>= t</a:t>
-            </a:r>
-            <a:r>
-              <a:rPr lang="de-DE" altLang="ja-JP" sz="1800" dirty="0" smtClean="0">
-                <a:latin typeface="Microsoft YaHei" pitchFamily="34" charset="-122"/>
-                <a:ea typeface="Microsoft YaHei" pitchFamily="34" charset="-122"/>
-              </a:rPr>
-              <a:t>( 2A </a:t>
-            </a:r>
-            <a:r>
-              <a:rPr lang="de-DE" altLang="ja-JP" sz="1800" dirty="0" smtClean="0">
-                <a:latin typeface="Microsoft YaHei" pitchFamily="34" charset="-122"/>
-                <a:ea typeface="Microsoft YaHei" pitchFamily="34" charset="-122"/>
-              </a:rPr>
-              <a:t>- 4B + </a:t>
-            </a:r>
-            <a:r>
-              <a:rPr lang="de-DE" altLang="ja-JP" sz="1800" dirty="0" smtClean="0">
-                <a:latin typeface="Microsoft YaHei" pitchFamily="34" charset="-122"/>
-                <a:ea typeface="Microsoft YaHei" pitchFamily="34" charset="-122"/>
-              </a:rPr>
-              <a:t>2C ) </a:t>
-            </a:r>
-            <a:r>
-              <a:rPr lang="de-DE" altLang="ja-JP" sz="1800" dirty="0" smtClean="0">
-                <a:latin typeface="Microsoft YaHei" pitchFamily="34" charset="-122"/>
-                <a:ea typeface="Microsoft YaHei" pitchFamily="34" charset="-122"/>
-              </a:rPr>
-              <a:t>+ </a:t>
-            </a:r>
-            <a:r>
-              <a:rPr lang="de-DE" altLang="ja-JP" sz="1800" dirty="0" smtClean="0">
-                <a:latin typeface="Microsoft YaHei" pitchFamily="34" charset="-122"/>
-                <a:ea typeface="Microsoft YaHei" pitchFamily="34" charset="-122"/>
-              </a:rPr>
-              <a:t>( -</a:t>
-            </a:r>
-            <a:r>
-              <a:rPr lang="de-DE" altLang="ja-JP" sz="1800" dirty="0" smtClean="0">
-                <a:latin typeface="Microsoft YaHei" pitchFamily="34" charset="-122"/>
-                <a:ea typeface="Microsoft YaHei" pitchFamily="34" charset="-122"/>
-              </a:rPr>
-              <a:t>2A + </a:t>
-            </a:r>
-            <a:r>
-              <a:rPr lang="de-DE" altLang="ja-JP" sz="1800" dirty="0" smtClean="0">
-                <a:latin typeface="Microsoft YaHei" pitchFamily="34" charset="-122"/>
-                <a:ea typeface="Microsoft YaHei" pitchFamily="34" charset="-122"/>
-              </a:rPr>
-              <a:t>2B ) </a:t>
+              <a:t>dM/dt = t( 2A - 4B + 2C ) + ( -2A + 2B ) </a:t>
             </a:r>
           </a:p>
           <a:p>
@@ -7836,63 +7523,35 @@
                 <a:latin typeface="Microsoft YaHei" pitchFamily="34" charset="-122"/>
                 <a:ea typeface="Microsoft YaHei" pitchFamily="34" charset="-122"/>
               </a:rPr>
-              <a:t>( 2A </a:t>
+              <a:t>( 2A - 4B + 2C )</a:t>
+            </a:r>
+            <a:r>
+              <a:rPr lang="zh-CN" altLang="en-US" sz="1800" dirty="0" smtClean="0">
+                <a:latin typeface="Microsoft YaHei" pitchFamily="34" charset="-122"/>
+                <a:ea typeface="Microsoft YaHei" pitchFamily="34" charset="-122"/>
+              </a:rPr>
+              <a:t>带入</a:t>
+            </a:r>
+            <a:r>
+              <a:rPr lang="en-US" altLang="zh-CN" sz="1800" dirty="0" smtClean="0">
+                <a:latin typeface="Microsoft YaHei" pitchFamily="34" charset="-122"/>
+                <a:ea typeface="Microsoft YaHei" pitchFamily="34" charset="-122"/>
+              </a:rPr>
+              <a:t>v1</a:t>
+            </a:r>
+            <a:r>
+              <a:rPr lang="zh-CN" altLang="en-US" sz="1800" dirty="0" smtClean="0">
+                <a:latin typeface="Microsoft YaHei" pitchFamily="34" charset="-122"/>
+                <a:ea typeface="Microsoft YaHei" pitchFamily="34" charset="-122"/>
+              </a:rPr>
+              <a:t>，将</a:t>
             </a:r>
             <a:r>
               <a:rPr lang="de-DE" altLang="ja-JP" sz="1800" dirty="0" smtClean="0">
                 <a:latin typeface="Microsoft YaHei" pitchFamily="34" charset="-122"/>
                 <a:ea typeface="Microsoft YaHei" pitchFamily="34" charset="-122"/>
               </a:rPr>
-              <a:t>- 4B + </a:t>
-            </a:r>
-            <a:r>
-              <a:rPr lang="de-DE" altLang="ja-JP" sz="1800" dirty="0" smtClean="0">
-                <a:latin typeface="Microsoft YaHei" pitchFamily="34" charset="-122"/>
-                <a:ea typeface="Microsoft YaHei" pitchFamily="34" charset="-122"/>
-              </a:rPr>
-              <a:t>2C )</a:t>
-            </a:r>
-            <a:r>
-              <a:rPr lang="zh-CN" altLang="en-US" sz="1800" dirty="0" smtClean="0">
-                <a:latin typeface="Microsoft YaHei" pitchFamily="34" charset="-122"/>
-                <a:ea typeface="Microsoft YaHei" pitchFamily="34" charset="-122"/>
-              </a:rPr>
-              <a:t>带入</a:t>
-            </a:r>
-            <a:r>
-              <a:rPr lang="en-US" altLang="zh-CN" sz="1800" dirty="0" smtClean="0">
-                <a:latin typeface="Microsoft YaHei" pitchFamily="34" charset="-122"/>
-                <a:ea typeface="Microsoft YaHei" pitchFamily="34" charset="-122"/>
-              </a:rPr>
-              <a:t>v1</a:t>
-            </a:r>
-            <a:r>
-              <a:rPr lang="zh-CN" altLang="en-US" sz="1800" dirty="0" smtClean="0">
-                <a:latin typeface="Microsoft YaHei" pitchFamily="34" charset="-122"/>
-                <a:ea typeface="Microsoft YaHei" pitchFamily="34" charset="-122"/>
-              </a:rPr>
-              <a:t>，将</a:t>
-            </a:r>
-            <a:r>
-              <a:rPr lang="de-DE" altLang="ja-JP" sz="1800" dirty="0" smtClean="0">
-                <a:latin typeface="Microsoft YaHei" pitchFamily="34" charset="-122"/>
-                <a:ea typeface="Microsoft YaHei" pitchFamily="34" charset="-122"/>
-              </a:rPr>
-              <a:t>( -</a:t>
-            </a:r>
-            <a:r>
-              <a:rPr lang="de-DE" altLang="ja-JP" sz="1800" dirty="0" smtClean="0">
-                <a:latin typeface="Microsoft YaHei" pitchFamily="34" charset="-122"/>
-                <a:ea typeface="Microsoft YaHei" pitchFamily="34" charset="-122"/>
-              </a:rPr>
-              <a:t>2A + </a:t>
-            </a:r>
-            <a:r>
-              <a:rPr lang="de-DE" altLang="ja-JP" sz="1800" dirty="0" smtClean="0">
-                <a:latin typeface="Microsoft YaHei" pitchFamily="34" charset="-122"/>
-                <a:ea typeface="Microsoft YaHei" pitchFamily="34" charset="-122"/>
-              </a:rPr>
-              <a:t>2B )</a:t>
+              <a:t>( -2A + 2B )</a:t>
             </a:r>
             <a:r>
               <a:rPr lang="zh-CN" altLang="en-US" sz="1800" dirty="0" smtClean="0">
@@ -7970,6 +7629,13 @@
               <a:t>Δt</a:t>
             </a:r>
             <a:r>
+              <a:rPr lang="en-US" altLang="zh-CN" sz="1800" dirty="0" smtClean="0">
+                <a:latin typeface="Microsoft YaHei" pitchFamily="34" charset="-122"/>
+                <a:ea typeface="Microsoft YaHei" pitchFamily="34" charset="-122"/>
+              </a:rPr>
+              <a:t> </a:t>
+            </a:r>
+            <a:r>
               <a:rPr lang="zh-CN" altLang="en-US" sz="1800" dirty="0" smtClean="0">
                 <a:latin typeface="Microsoft YaHei" pitchFamily="34" charset="-122"/>
                 <a:ea typeface="Microsoft YaHei" pitchFamily="34" charset="-122"/>
@@ -8003,13 +7669,6 @@
               </a:rPr>
               <a:t> </a:t>
             </a:r>
-            <a:r>
-              <a:rPr lang="en-US" altLang="ja-JP" sz="1800" dirty="0" smtClean="0">
-                <a:latin typeface="Microsoft YaHei" pitchFamily="34" charset="-122"/>
-                <a:ea typeface="Microsoft YaHei" pitchFamily="34" charset="-122"/>
-              </a:rPr>
-              <a:t/>
-            </a:r>
             <a:br>
               <a:rPr lang="en-US" altLang="ja-JP" sz="1800" dirty="0" smtClean="0">
                 <a:latin typeface="Microsoft YaHei" pitchFamily="34" charset="-122"/>
@@ -8017,6 +7676,27 @@
               </a:rPr>
             </a:br>
             <a:r>
+              <a:rPr lang="en-US" altLang="zh-CN" sz="1800" dirty="0" smtClean="0">
+                <a:latin typeface="Microsoft YaHei" pitchFamily="34" charset="-122"/>
+                <a:ea typeface="Microsoft YaHei" pitchFamily="34" charset="-122"/>
+              </a:rPr>
+              <a:t> </a:t>
+            </a:r>
+            <a:r>
+              <a:rPr lang="en-US" altLang="zh-CN" sz="1800" dirty="0" err="1" smtClean="0">
+                <a:latin typeface="Microsoft YaHei" pitchFamily="34" charset="-122"/>
+                <a:ea typeface="Microsoft YaHei" pitchFamily="34" charset="-122"/>
+              </a:rPr>
+              <a:t>Δt</a:t>
+            </a:r>
+            <a:r>
+              <a:rPr lang="en-US" altLang="zh-CN" sz="1800" dirty="0" smtClean="0">
+                <a:latin typeface="Microsoft YaHei" pitchFamily="34" charset="-122"/>
+                <a:ea typeface="Microsoft YaHei" pitchFamily="34" charset="-122"/>
+              </a:rPr>
+              <a:t> = </a:t>
+            </a:r>
+            <a:r>
               <a:rPr lang="en-US" altLang="ja-JP" sz="1800" dirty="0" smtClean="0">
                 <a:latin typeface="Microsoft YaHei" pitchFamily="34" charset="-122"/>
                 <a:ea typeface="Microsoft YaHei" pitchFamily="34" charset="-122"/>
@@ -8028,49 +7708,14 @@
                 <a:latin typeface="Microsoft YaHei" pitchFamily="34" charset="-122"/>
                 <a:ea typeface="Microsoft YaHei" pitchFamily="34" charset="-122"/>
               </a:rPr>
-              <a:t>/ </a:t>
+              <a:t>/ length( t * v1 + v2 </a:t>
             </a:r>
             <a:r>
               <a:rPr lang="en-US" altLang="ja-JP" sz="1800" dirty="0" smtClean="0">
                 <a:latin typeface="Microsoft YaHei" pitchFamily="34" charset="-122"/>
                 <a:ea typeface="Microsoft YaHei" pitchFamily="34" charset="-122"/>
               </a:rPr>
-              <a:t>length( t </a:t>
-            </a:r>
-            <a:r>
-              <a:rPr lang="en-US" altLang="ja-JP" sz="1800" dirty="0" smtClean="0">
-                <a:latin typeface="Microsoft YaHei" pitchFamily="34" charset="-122"/>
-                <a:ea typeface="Microsoft YaHei" pitchFamily="34" charset="-122"/>
-              </a:rPr>
-              <a:t>* v1 + </a:t>
-            </a:r>
-            <a:r>
-              <a:rPr lang="en-US" altLang="ja-JP" sz="1800" dirty="0" smtClean="0">
-                <a:latin typeface="Microsoft YaHei" pitchFamily="34" charset="-122"/>
-                <a:ea typeface="Microsoft YaHei" pitchFamily="34" charset="-122"/>
-              </a:rPr>
-              <a:t>v2 )	</a:t>
-            </a:r>
-            <a:r>
-              <a:rPr lang="zh-CN" altLang="en-US" sz="1800" dirty="0" smtClean="0">
-                <a:latin typeface="Microsoft YaHei" pitchFamily="34" charset="-122"/>
-                <a:ea typeface="Microsoft YaHei" pitchFamily="34" charset="-122"/>
-              </a:rPr>
-              <a:t>（</a:t>
-            </a:r>
-            <a:r>
-              <a:rPr lang="en-US" altLang="ja-JP" sz="1800" dirty="0" smtClean="0">
-                <a:latin typeface="Microsoft YaHei" pitchFamily="34" charset="-122"/>
-                <a:ea typeface="Microsoft YaHei" pitchFamily="34" charset="-122"/>
-              </a:rPr>
-              <a:t>length -&gt; magnitude</a:t>
-            </a:r>
-            <a:r>
-              <a:rPr lang="zh-CN" altLang="en-US" sz="1800" dirty="0" smtClean="0">
-                <a:latin typeface="Microsoft YaHei" pitchFamily="34" charset="-122"/>
-                <a:ea typeface="Microsoft YaHei" pitchFamily="34" charset="-122"/>
-              </a:rPr>
-              <a:t>）</a:t>
+              <a:t>)</a:t>
             </a:r>
             <a:r>
               <a:rPr lang="fr-FR" altLang="ja-JP" sz="1800" dirty="0" smtClean="0">
@@ -8460,6 +8105,1144 @@
             <p:ph type="title"/>
           </p:nvPr>
         </p:nvSpPr>
+        <p:spPr>
+          <a:xfrm>
+            <a:off x="457200" y="274638"/>
+            <a:ext cx="8507288" cy="1143000"/>
+          </a:xfrm>
+        </p:spPr>
+        <p:txBody>
+          <a:bodyPr>
+            <a:normAutofit fontScale="90000"/>
+          </a:bodyPr>
+          <a:lstStyle/>
+          <a:p>
+            <a:r>
+              <a:rPr kumimoji="1" lang="en-US" altLang="ja-JP" sz="4000" dirty="0" smtClean="0">
+                <a:latin typeface="Microsoft YaHei" pitchFamily="34" charset="-122"/>
+                <a:ea typeface="Microsoft YaHei" pitchFamily="34" charset="-122"/>
+              </a:rPr>
+              <a:t>5. </a:t>
+            </a:r>
+            <a:r>
+              <a:rPr lang="zh-CN" altLang="en-US" sz="4000" dirty="0" smtClean="0">
+                <a:latin typeface="Microsoft YaHei" pitchFamily="34" charset="-122"/>
+                <a:ea typeface="Microsoft YaHei" pitchFamily="34" charset="-122"/>
+              </a:rPr>
+              <a:t>贝塞尔曲线匀速移动问题的解决方案</a:t>
+            </a:r>
+            <a:endParaRPr kumimoji="1" lang="ja-JP" altLang="en-US" dirty="0">
+              <a:latin typeface="Microsoft YaHei" pitchFamily="34" charset="-122"/>
+              <a:ea typeface="Microsoft YaHei" pitchFamily="34" charset="-122"/>
+            </a:endParaRPr>
+          </a:p>
+        </p:txBody>
+      </p:sp>
+      <p:sp>
+        <p:nvSpPr>
+          <p:cNvPr id="3" name="コンテンツ プレースホルダ 2"/>
+          <p:cNvSpPr>
+            <a:spLocks noGrp="1"/>
+          </p:cNvSpPr>
+          <p:nvPr>
+            <p:ph idx="1"/>
+          </p:nvPr>
+        </p:nvSpPr>
+        <p:spPr>
+          <a:xfrm>
+            <a:off x="467544" y="1844824"/>
+            <a:ext cx="8568952" cy="4824536"/>
+          </a:xfrm>
+        </p:spPr>
+        <p:txBody>
+          <a:bodyPr>
+            <a:noAutofit/>
+          </a:bodyPr>
+          <a:lstStyle/>
+          <a:p>
+            <a:pPr marL="550926" indent="-514350">
+              <a:buClr>
+                <a:schemeClr val="tx2"/>
+              </a:buClr>
+              <a:buNone/>
+            </a:pPr>
+            <a:r>
+              <a:rPr lang="en-US" altLang="ja-JP" sz="1500" dirty="0" smtClean="0">
+                <a:latin typeface="Microsoft YaHei" pitchFamily="34" charset="-122"/>
+                <a:ea typeface="Microsoft YaHei" pitchFamily="34" charset="-122"/>
+              </a:rPr>
+              <a:t>void</a:t>
+            </a:r>
+            <a:r>
+              <a:rPr lang="en-US" altLang="ja-JP" sz="1500" dirty="0" smtClean="0">
+                <a:latin typeface="Microsoft YaHei" pitchFamily="34" charset="-122"/>
+                <a:ea typeface="Microsoft YaHei" pitchFamily="34" charset="-122"/>
+              </a:rPr>
+              <a:t> </a:t>
+            </a:r>
+            <a:r>
+              <a:rPr lang="en-US" altLang="ja-JP" sz="1500" dirty="0" err="1" smtClean="0">
+                <a:latin typeface="Microsoft YaHei" pitchFamily="34" charset="-122"/>
+                <a:ea typeface="Microsoft YaHei" pitchFamily="34" charset="-122"/>
+              </a:rPr>
+              <a:t>DrawUniformPoint</a:t>
+            </a:r>
+            <a:r>
+              <a:rPr lang="en-US" altLang="ja-JP" sz="1500" dirty="0" smtClean="0">
+                <a:latin typeface="Microsoft YaHei" pitchFamily="34" charset="-122"/>
+                <a:ea typeface="Microsoft YaHei" pitchFamily="34" charset="-122"/>
+              </a:rPr>
+              <a:t>( Vector3 </a:t>
+            </a:r>
+            <a:r>
+              <a:rPr lang="en-US" altLang="ja-JP" sz="1500" dirty="0" err="1" smtClean="0">
+                <a:latin typeface="Microsoft YaHei" pitchFamily="34" charset="-122"/>
+                <a:ea typeface="Microsoft YaHei" pitchFamily="34" charset="-122"/>
+              </a:rPr>
+              <a:t>startPoint</a:t>
+            </a:r>
+            <a:r>
+              <a:rPr lang="en-US" altLang="ja-JP" sz="1500" dirty="0" smtClean="0">
+                <a:latin typeface="Microsoft YaHei" pitchFamily="34" charset="-122"/>
+                <a:ea typeface="Microsoft YaHei" pitchFamily="34" charset="-122"/>
+              </a:rPr>
+              <a:t>, </a:t>
+            </a:r>
+            <a:r>
+              <a:rPr lang="en-US" altLang="ja-JP" sz="1500" dirty="0" smtClean="0">
+                <a:latin typeface="Microsoft YaHei" pitchFamily="34" charset="-122"/>
+                <a:ea typeface="Microsoft YaHei" pitchFamily="34" charset="-122"/>
+              </a:rPr>
+              <a:t>Vector3</a:t>
+            </a:r>
+            <a:r>
+              <a:rPr lang="en-US" altLang="ja-JP" sz="1500" dirty="0" smtClean="0">
+                <a:latin typeface="Microsoft YaHei" pitchFamily="34" charset="-122"/>
+                <a:ea typeface="Microsoft YaHei" pitchFamily="34" charset="-122"/>
+              </a:rPr>
+              <a:t> </a:t>
+            </a:r>
+            <a:r>
+              <a:rPr lang="en-US" altLang="ja-JP" sz="1500" dirty="0" err="1" smtClean="0">
+                <a:latin typeface="Microsoft YaHei" pitchFamily="34" charset="-122"/>
+                <a:ea typeface="Microsoft YaHei" pitchFamily="34" charset="-122"/>
+              </a:rPr>
+              <a:t>curveCtrlPoint</a:t>
+            </a:r>
+            <a:r>
+              <a:rPr lang="en-US" altLang="ja-JP" sz="1500" dirty="0" smtClean="0">
+                <a:latin typeface="Microsoft YaHei" pitchFamily="34" charset="-122"/>
+                <a:ea typeface="Microsoft YaHei" pitchFamily="34" charset="-122"/>
+              </a:rPr>
+              <a:t> </a:t>
+            </a:r>
+            <a:r>
+              <a:rPr lang="en-US" altLang="ja-JP" sz="1500" dirty="0" smtClean="0">
+                <a:latin typeface="Microsoft YaHei" pitchFamily="34" charset="-122"/>
+                <a:ea typeface="Microsoft YaHei" pitchFamily="34" charset="-122"/>
+              </a:rPr>
+              <a:t>, Vector3</a:t>
+            </a:r>
+            <a:r>
+              <a:rPr lang="en-US" altLang="ja-JP" sz="1500" dirty="0" smtClean="0">
+                <a:latin typeface="Microsoft YaHei" pitchFamily="34" charset="-122"/>
+                <a:ea typeface="Microsoft YaHei" pitchFamily="34" charset="-122"/>
+              </a:rPr>
+              <a:t> </a:t>
+            </a:r>
+            <a:r>
+              <a:rPr lang="en-US" altLang="ja-JP" sz="1500" dirty="0" err="1" smtClean="0">
+                <a:latin typeface="Microsoft YaHei" pitchFamily="34" charset="-122"/>
+                <a:ea typeface="Microsoft YaHei" pitchFamily="34" charset="-122"/>
+              </a:rPr>
+              <a:t>endPoint</a:t>
+            </a:r>
+            <a:r>
+              <a:rPr lang="en-US" altLang="ja-JP" sz="1500" dirty="0" smtClean="0">
+                <a:latin typeface="Microsoft YaHei" pitchFamily="34" charset="-122"/>
+                <a:ea typeface="Microsoft YaHei" pitchFamily="34" charset="-122"/>
+              </a:rPr>
+              <a:t> </a:t>
+            </a:r>
+            <a:r>
+              <a:rPr lang="en-US" altLang="ja-JP" sz="1500" dirty="0" smtClean="0">
+                <a:latin typeface="Microsoft YaHei" pitchFamily="34" charset="-122"/>
+                <a:ea typeface="Microsoft YaHei" pitchFamily="34" charset="-122"/>
+              </a:rPr>
+              <a:t>)</a:t>
+            </a:r>
+          </a:p>
+          <a:p>
+            <a:pPr marL="550926" indent="-514350">
+              <a:buClr>
+                <a:schemeClr val="tx2"/>
+              </a:buClr>
+              <a:buNone/>
+            </a:pPr>
+            <a:r>
+              <a:rPr lang="en-US" altLang="ja-JP" sz="1500" dirty="0" smtClean="0">
+                <a:latin typeface="Microsoft YaHei" pitchFamily="34" charset="-122"/>
+                <a:ea typeface="Microsoft YaHei" pitchFamily="34" charset="-122"/>
+              </a:rPr>
+              <a:t>{</a:t>
+            </a:r>
+            <a:br>
+              <a:rPr lang="en-US" altLang="ja-JP" sz="1500" dirty="0" smtClean="0">
+                <a:latin typeface="Microsoft YaHei" pitchFamily="34" charset="-122"/>
+                <a:ea typeface="Microsoft YaHei" pitchFamily="34" charset="-122"/>
+              </a:rPr>
+            </a:br>
+            <a:r>
+              <a:rPr lang="en-US" altLang="ja-JP" sz="1500" dirty="0" smtClean="0">
+                <a:latin typeface="Microsoft YaHei" pitchFamily="34" charset="-122"/>
+                <a:ea typeface="Microsoft YaHei" pitchFamily="34" charset="-122"/>
+              </a:rPr>
+              <a:t>Vector3</a:t>
+            </a:r>
+            <a:r>
+              <a:rPr lang="en-US" altLang="ja-JP" sz="1500" dirty="0" smtClean="0">
+                <a:latin typeface="Microsoft YaHei" pitchFamily="34" charset="-122"/>
+                <a:ea typeface="Microsoft YaHei" pitchFamily="34" charset="-122"/>
+              </a:rPr>
+              <a:t> A = </a:t>
+            </a:r>
+            <a:r>
+              <a:rPr lang="en-US" altLang="ja-JP" sz="1500" dirty="0" err="1" smtClean="0">
+                <a:latin typeface="Microsoft YaHei" pitchFamily="34" charset="-122"/>
+                <a:ea typeface="Microsoft YaHei" pitchFamily="34" charset="-122"/>
+              </a:rPr>
+              <a:t>startPoint</a:t>
+            </a:r>
+            <a:r>
+              <a:rPr lang="en-US" altLang="ja-JP" sz="1500" dirty="0" smtClean="0">
+                <a:latin typeface="Microsoft YaHei" pitchFamily="34" charset="-122"/>
+                <a:ea typeface="Microsoft YaHei" pitchFamily="34" charset="-122"/>
+              </a:rPr>
+              <a:t>;</a:t>
+            </a:r>
+            <a:br>
+              <a:rPr lang="en-US" altLang="ja-JP" sz="1500" dirty="0" smtClean="0">
+                <a:latin typeface="Microsoft YaHei" pitchFamily="34" charset="-122"/>
+                <a:ea typeface="Microsoft YaHei" pitchFamily="34" charset="-122"/>
+              </a:rPr>
+            </a:br>
+            <a:r>
+              <a:rPr lang="en-US" altLang="ja-JP" sz="1500" dirty="0" smtClean="0">
+                <a:latin typeface="Microsoft YaHei" pitchFamily="34" charset="-122"/>
+                <a:ea typeface="Microsoft YaHei" pitchFamily="34" charset="-122"/>
+              </a:rPr>
+              <a:t>Vector3</a:t>
+            </a:r>
+            <a:r>
+              <a:rPr lang="en-US" altLang="ja-JP" sz="1500" dirty="0" smtClean="0">
+                <a:latin typeface="Microsoft YaHei" pitchFamily="34" charset="-122"/>
+                <a:ea typeface="Microsoft YaHei" pitchFamily="34" charset="-122"/>
+              </a:rPr>
+              <a:t> B = </a:t>
+            </a:r>
+            <a:r>
+              <a:rPr lang="en-US" altLang="ja-JP" sz="1500" dirty="0" err="1" smtClean="0">
+                <a:latin typeface="Microsoft YaHei" pitchFamily="34" charset="-122"/>
+                <a:ea typeface="Microsoft YaHei" pitchFamily="34" charset="-122"/>
+              </a:rPr>
+              <a:t>curveCtrlPoint</a:t>
+            </a:r>
+            <a:r>
+              <a:rPr lang="en-US" altLang="ja-JP" sz="1500" dirty="0" smtClean="0">
+                <a:latin typeface="Microsoft YaHei" pitchFamily="34" charset="-122"/>
+                <a:ea typeface="Microsoft YaHei" pitchFamily="34" charset="-122"/>
+              </a:rPr>
+              <a:t>;</a:t>
+            </a:r>
+            <a:br>
+              <a:rPr lang="en-US" altLang="ja-JP" sz="1500" dirty="0" smtClean="0">
+                <a:latin typeface="Microsoft YaHei" pitchFamily="34" charset="-122"/>
+                <a:ea typeface="Microsoft YaHei" pitchFamily="34" charset="-122"/>
+              </a:rPr>
+            </a:br>
+            <a:r>
+              <a:rPr lang="en-US" altLang="ja-JP" sz="1500" dirty="0" smtClean="0">
+                <a:latin typeface="Microsoft YaHei" pitchFamily="34" charset="-122"/>
+                <a:ea typeface="Microsoft YaHei" pitchFamily="34" charset="-122"/>
+              </a:rPr>
+              <a:t>Vector3</a:t>
+            </a:r>
+            <a:r>
+              <a:rPr lang="en-US" altLang="ja-JP" sz="1500" dirty="0" smtClean="0">
+                <a:latin typeface="Microsoft YaHei" pitchFamily="34" charset="-122"/>
+                <a:ea typeface="Microsoft YaHei" pitchFamily="34" charset="-122"/>
+              </a:rPr>
+              <a:t> C = </a:t>
+            </a:r>
+            <a:r>
+              <a:rPr lang="en-US" altLang="ja-JP" sz="1500" dirty="0" err="1" smtClean="0">
+                <a:latin typeface="Microsoft YaHei" pitchFamily="34" charset="-122"/>
+                <a:ea typeface="Microsoft YaHei" pitchFamily="34" charset="-122"/>
+              </a:rPr>
+              <a:t>endPoint</a:t>
+            </a:r>
+            <a:r>
+              <a:rPr lang="en-US" altLang="ja-JP" sz="1500" dirty="0" smtClean="0">
+                <a:latin typeface="Microsoft YaHei" pitchFamily="34" charset="-122"/>
+                <a:ea typeface="Microsoft YaHei" pitchFamily="34" charset="-122"/>
+              </a:rPr>
+              <a:t>;</a:t>
+            </a:r>
+            <a:br>
+              <a:rPr lang="en-US" altLang="ja-JP" sz="1500" dirty="0" smtClean="0">
+                <a:latin typeface="Microsoft YaHei" pitchFamily="34" charset="-122"/>
+                <a:ea typeface="Microsoft YaHei" pitchFamily="34" charset="-122"/>
+              </a:rPr>
+            </a:br>
+            <a:endParaRPr lang="en-US" altLang="ja-JP" sz="1500" dirty="0" smtClean="0">
+              <a:latin typeface="Microsoft YaHei" pitchFamily="34" charset="-122"/>
+              <a:ea typeface="Microsoft YaHei" pitchFamily="34" charset="-122"/>
+            </a:endParaRPr>
+          </a:p>
+          <a:p>
+            <a:pPr marL="550926" indent="-514350">
+              <a:buClr>
+                <a:schemeClr val="tx2"/>
+              </a:buClr>
+              <a:buNone/>
+            </a:pPr>
+            <a:r>
+              <a:rPr lang="en-US" altLang="ja-JP" sz="1500" dirty="0" smtClean="0">
+                <a:latin typeface="Microsoft YaHei" pitchFamily="34" charset="-122"/>
+                <a:ea typeface="Microsoft YaHei" pitchFamily="34" charset="-122"/>
+              </a:rPr>
+              <a:t>	</a:t>
+            </a:r>
+            <a:r>
+              <a:rPr lang="en-US" altLang="ja-JP" sz="1500" dirty="0" smtClean="0">
+                <a:latin typeface="Microsoft YaHei" pitchFamily="34" charset="-122"/>
+                <a:ea typeface="Microsoft YaHei" pitchFamily="34" charset="-122"/>
+              </a:rPr>
+              <a:t>Vector3</a:t>
+            </a:r>
+            <a:r>
+              <a:rPr lang="en-US" altLang="ja-JP" sz="1500" dirty="0" smtClean="0">
+                <a:latin typeface="Microsoft YaHei" pitchFamily="34" charset="-122"/>
+                <a:ea typeface="Microsoft YaHei" pitchFamily="34" charset="-122"/>
+              </a:rPr>
+              <a:t> v1 =  2.0f * A - 4.0f * B + 2.0f * C</a:t>
+            </a:r>
+            <a:r>
+              <a:rPr lang="en-US" altLang="ja-JP" sz="1500" dirty="0" smtClean="0">
+                <a:latin typeface="Microsoft YaHei" pitchFamily="34" charset="-122"/>
+                <a:ea typeface="Microsoft YaHei" pitchFamily="34" charset="-122"/>
+              </a:rPr>
+              <a:t>;</a:t>
+            </a:r>
+            <a:br>
+              <a:rPr lang="en-US" altLang="ja-JP" sz="1500" dirty="0" smtClean="0">
+                <a:latin typeface="Microsoft YaHei" pitchFamily="34" charset="-122"/>
+                <a:ea typeface="Microsoft YaHei" pitchFamily="34" charset="-122"/>
+              </a:rPr>
+            </a:br>
+            <a:r>
+              <a:rPr lang="en-US" altLang="ja-JP" sz="1500" dirty="0" smtClean="0">
+                <a:latin typeface="Microsoft YaHei" pitchFamily="34" charset="-122"/>
+                <a:ea typeface="Microsoft YaHei" pitchFamily="34" charset="-122"/>
+              </a:rPr>
+              <a:t>Vector3</a:t>
+            </a:r>
+            <a:r>
+              <a:rPr lang="en-US" altLang="ja-JP" sz="1500" dirty="0" smtClean="0">
+                <a:latin typeface="Microsoft YaHei" pitchFamily="34" charset="-122"/>
+                <a:ea typeface="Microsoft YaHei" pitchFamily="34" charset="-122"/>
+              </a:rPr>
+              <a:t> v2 = </a:t>
+            </a:r>
+            <a:r>
+              <a:rPr lang="en-US" altLang="ja-JP" sz="1500" dirty="0" smtClean="0">
+                <a:latin typeface="Microsoft YaHei" pitchFamily="34" charset="-122"/>
+                <a:ea typeface="Microsoft YaHei" pitchFamily="34" charset="-122"/>
+              </a:rPr>
+              <a:t>-2.0f</a:t>
+            </a:r>
+            <a:r>
+              <a:rPr lang="en-US" altLang="ja-JP" sz="1500" dirty="0" smtClean="0">
+                <a:latin typeface="Microsoft YaHei" pitchFamily="34" charset="-122"/>
+                <a:ea typeface="Microsoft YaHei" pitchFamily="34" charset="-122"/>
+              </a:rPr>
+              <a:t> * A + 2.0f * </a:t>
+            </a:r>
+            <a:r>
+              <a:rPr lang="en-US" altLang="ja-JP" sz="1500" dirty="0" smtClean="0">
+                <a:latin typeface="Microsoft YaHei" pitchFamily="34" charset="-122"/>
+                <a:ea typeface="Microsoft YaHei" pitchFamily="34" charset="-122"/>
+              </a:rPr>
+              <a:t>B;</a:t>
+            </a:r>
+            <a:br>
+              <a:rPr lang="en-US" altLang="ja-JP" sz="1500" dirty="0" smtClean="0">
+                <a:latin typeface="Microsoft YaHei" pitchFamily="34" charset="-122"/>
+                <a:ea typeface="Microsoft YaHei" pitchFamily="34" charset="-122"/>
+              </a:rPr>
+            </a:br>
+            <a:r>
+              <a:rPr lang="en-US" altLang="ja-JP" sz="1500" dirty="0" smtClean="0">
+                <a:latin typeface="Microsoft YaHei" pitchFamily="34" charset="-122"/>
+                <a:ea typeface="Microsoft YaHei" pitchFamily="34" charset="-122"/>
+              </a:rPr>
+              <a:t>float</a:t>
+            </a:r>
+            <a:r>
+              <a:rPr lang="en-US" altLang="ja-JP" sz="1500" dirty="0" smtClean="0">
+                <a:latin typeface="Microsoft YaHei" pitchFamily="34" charset="-122"/>
+                <a:ea typeface="Microsoft YaHei" pitchFamily="34" charset="-122"/>
+              </a:rPr>
+              <a:t> t = </a:t>
+            </a:r>
+            <a:r>
+              <a:rPr lang="en-US" altLang="ja-JP" sz="1500" dirty="0" smtClean="0">
+                <a:latin typeface="Microsoft YaHei" pitchFamily="34" charset="-122"/>
+                <a:ea typeface="Microsoft YaHei" pitchFamily="34" charset="-122"/>
+              </a:rPr>
+              <a:t>0f;</a:t>
+            </a:r>
+            <a:br>
+              <a:rPr lang="en-US" altLang="ja-JP" sz="1500" dirty="0" smtClean="0">
+                <a:latin typeface="Microsoft YaHei" pitchFamily="34" charset="-122"/>
+                <a:ea typeface="Microsoft YaHei" pitchFamily="34" charset="-122"/>
+              </a:rPr>
+            </a:br>
+            <a:r>
+              <a:rPr lang="en-US" altLang="ja-JP" sz="1500" dirty="0" smtClean="0">
+                <a:latin typeface="Microsoft YaHei" pitchFamily="34" charset="-122"/>
+                <a:ea typeface="Microsoft YaHei" pitchFamily="34" charset="-122"/>
+              </a:rPr>
+              <a:t>const</a:t>
+            </a:r>
+            <a:r>
+              <a:rPr lang="en-US" altLang="ja-JP" sz="1500" dirty="0" smtClean="0">
+                <a:latin typeface="Microsoft YaHei" pitchFamily="34" charset="-122"/>
+                <a:ea typeface="Microsoft YaHei" pitchFamily="34" charset="-122"/>
+              </a:rPr>
+              <a:t> </a:t>
+            </a:r>
+            <a:r>
+              <a:rPr lang="en-US" altLang="ja-JP" sz="1500" dirty="0" smtClean="0">
+                <a:latin typeface="Microsoft YaHei" pitchFamily="34" charset="-122"/>
+                <a:ea typeface="Microsoft YaHei" pitchFamily="34" charset="-122"/>
+              </a:rPr>
+              <a:t>float distance</a:t>
+            </a:r>
+            <a:r>
+              <a:rPr lang="en-US" altLang="ja-JP" sz="1500" dirty="0" smtClean="0">
+                <a:latin typeface="Microsoft YaHei" pitchFamily="34" charset="-122"/>
+                <a:ea typeface="Microsoft YaHei" pitchFamily="34" charset="-122"/>
+              </a:rPr>
+              <a:t> = </a:t>
+            </a:r>
+            <a:r>
+              <a:rPr lang="en-US" altLang="ja-JP" sz="1500" dirty="0" smtClean="0">
+                <a:latin typeface="Microsoft YaHei" pitchFamily="34" charset="-122"/>
+                <a:ea typeface="Microsoft YaHei" pitchFamily="34" charset="-122"/>
+              </a:rPr>
+              <a:t>0.2f;</a:t>
+            </a:r>
+            <a:br>
+              <a:rPr lang="en-US" altLang="ja-JP" sz="1500" dirty="0" smtClean="0">
+                <a:latin typeface="Microsoft YaHei" pitchFamily="34" charset="-122"/>
+                <a:ea typeface="Microsoft YaHei" pitchFamily="34" charset="-122"/>
+              </a:rPr>
+            </a:br>
+            <a:r>
+              <a:rPr lang="en-US" altLang="ja-JP" sz="1500" dirty="0" smtClean="0">
+                <a:latin typeface="Microsoft YaHei" pitchFamily="34" charset="-122"/>
+                <a:ea typeface="Microsoft YaHei" pitchFamily="34" charset="-122"/>
+              </a:rPr>
+              <a:t>while</a:t>
+            </a:r>
+            <a:r>
+              <a:rPr lang="en-US" altLang="ja-JP" sz="1500" dirty="0" smtClean="0">
+                <a:latin typeface="Microsoft YaHei" pitchFamily="34" charset="-122"/>
+                <a:ea typeface="Microsoft YaHei" pitchFamily="34" charset="-122"/>
+              </a:rPr>
+              <a:t>( t &lt;= 1.0f </a:t>
+            </a:r>
+            <a:r>
+              <a:rPr lang="en-US" altLang="ja-JP" sz="1500" dirty="0" smtClean="0">
+                <a:latin typeface="Microsoft YaHei" pitchFamily="34" charset="-122"/>
+                <a:ea typeface="Microsoft YaHei" pitchFamily="34" charset="-122"/>
+              </a:rPr>
+              <a:t>)</a:t>
+            </a:r>
+            <a:br>
+              <a:rPr lang="en-US" altLang="ja-JP" sz="1500" dirty="0" smtClean="0">
+                <a:latin typeface="Microsoft YaHei" pitchFamily="34" charset="-122"/>
+                <a:ea typeface="Microsoft YaHei" pitchFamily="34" charset="-122"/>
+              </a:rPr>
+            </a:br>
+            <a:r>
+              <a:rPr lang="en-US" altLang="ja-JP" sz="1500" dirty="0" smtClean="0">
+                <a:latin typeface="Microsoft YaHei" pitchFamily="34" charset="-122"/>
+                <a:ea typeface="Microsoft YaHei" pitchFamily="34" charset="-122"/>
+              </a:rPr>
+              <a:t>{</a:t>
+            </a:r>
+            <a:br>
+              <a:rPr lang="en-US" altLang="ja-JP" sz="1500" dirty="0" smtClean="0">
+                <a:latin typeface="Microsoft YaHei" pitchFamily="34" charset="-122"/>
+                <a:ea typeface="Microsoft YaHei" pitchFamily="34" charset="-122"/>
+              </a:rPr>
+            </a:br>
+            <a:r>
+              <a:rPr lang="en-US" altLang="ja-JP" sz="1500" dirty="0" smtClean="0">
+                <a:latin typeface="Microsoft YaHei" pitchFamily="34" charset="-122"/>
+                <a:ea typeface="Microsoft YaHei" pitchFamily="34" charset="-122"/>
+              </a:rPr>
+              <a:t>	t</a:t>
+            </a:r>
+            <a:r>
+              <a:rPr lang="en-US" altLang="ja-JP" sz="1500" dirty="0" smtClean="0">
+                <a:latin typeface="Microsoft YaHei" pitchFamily="34" charset="-122"/>
+                <a:ea typeface="Microsoft YaHei" pitchFamily="34" charset="-122"/>
+              </a:rPr>
+              <a:t> +=  distance  / ( t * v1 + v2 ).</a:t>
+            </a:r>
+            <a:r>
+              <a:rPr lang="en-US" altLang="ja-JP" sz="1500" dirty="0" smtClean="0">
+                <a:latin typeface="Microsoft YaHei" pitchFamily="34" charset="-122"/>
+                <a:ea typeface="Microsoft YaHei" pitchFamily="34" charset="-122"/>
+              </a:rPr>
+              <a:t>magnitude;</a:t>
+            </a:r>
+            <a:br>
+              <a:rPr lang="en-US" altLang="ja-JP" sz="1500" dirty="0" smtClean="0">
+                <a:latin typeface="Microsoft YaHei" pitchFamily="34" charset="-122"/>
+                <a:ea typeface="Microsoft YaHei" pitchFamily="34" charset="-122"/>
+              </a:rPr>
+            </a:br>
+            <a:r>
+              <a:rPr lang="en-US" altLang="ja-JP" sz="1500" dirty="0" smtClean="0">
+                <a:latin typeface="Microsoft YaHei" pitchFamily="34" charset="-122"/>
+                <a:ea typeface="Microsoft YaHei" pitchFamily="34" charset="-122"/>
+              </a:rPr>
+              <a:t>	Vector3</a:t>
+            </a:r>
+            <a:r>
+              <a:rPr lang="en-US" altLang="ja-JP" sz="1500" dirty="0" smtClean="0">
+                <a:latin typeface="Microsoft YaHei" pitchFamily="34" charset="-122"/>
+                <a:ea typeface="Microsoft YaHei" pitchFamily="34" charset="-122"/>
+              </a:rPr>
+              <a:t> </a:t>
+            </a:r>
+            <a:r>
+              <a:rPr lang="en-US" altLang="ja-JP" sz="1500" dirty="0" err="1" smtClean="0">
+                <a:latin typeface="Microsoft YaHei" pitchFamily="34" charset="-122"/>
+                <a:ea typeface="Microsoft YaHei" pitchFamily="34" charset="-122"/>
+              </a:rPr>
+              <a:t>curvePoint</a:t>
+            </a:r>
+            <a:r>
+              <a:rPr lang="en-US" altLang="ja-JP" sz="1500" dirty="0" smtClean="0">
+                <a:latin typeface="Microsoft YaHei" pitchFamily="34" charset="-122"/>
+                <a:ea typeface="Microsoft YaHei" pitchFamily="34" charset="-122"/>
+              </a:rPr>
+              <a:t> </a:t>
+            </a:r>
+            <a:r>
+              <a:rPr lang="en-US" altLang="ja-JP" sz="1500" dirty="0" smtClean="0">
+                <a:latin typeface="Microsoft YaHei" pitchFamily="34" charset="-122"/>
+                <a:ea typeface="Microsoft YaHei" pitchFamily="34" charset="-122"/>
+              </a:rPr>
+              <a:t>=</a:t>
+            </a:r>
+            <a:br>
+              <a:rPr lang="en-US" altLang="ja-JP" sz="1500" dirty="0" smtClean="0">
+                <a:latin typeface="Microsoft YaHei" pitchFamily="34" charset="-122"/>
+                <a:ea typeface="Microsoft YaHei" pitchFamily="34" charset="-122"/>
+              </a:rPr>
+            </a:br>
+            <a:r>
+              <a:rPr lang="en-US" altLang="ja-JP" sz="1500" dirty="0" smtClean="0">
+                <a:latin typeface="Microsoft YaHei" pitchFamily="34" charset="-122"/>
+                <a:ea typeface="Microsoft YaHei" pitchFamily="34" charset="-122"/>
+              </a:rPr>
+              <a:t>	</a:t>
+            </a:r>
+            <a:r>
+              <a:rPr lang="en-US" altLang="ja-JP" sz="1500" dirty="0" err="1" smtClean="0">
+                <a:latin typeface="Microsoft YaHei" pitchFamily="34" charset="-122"/>
+                <a:ea typeface="Microsoft YaHei" pitchFamily="34" charset="-122"/>
+              </a:rPr>
+              <a:t>BezierCurve.GetQuadraticCurvesPoint</a:t>
+            </a:r>
+            <a:r>
+              <a:rPr lang="en-US" altLang="ja-JP" sz="1500" dirty="0" smtClean="0">
+                <a:latin typeface="Microsoft YaHei" pitchFamily="34" charset="-122"/>
+                <a:ea typeface="Microsoft YaHei" pitchFamily="34" charset="-122"/>
+              </a:rPr>
+              <a:t>( </a:t>
+            </a:r>
+            <a:r>
+              <a:rPr lang="en-US" altLang="ja-JP" sz="1500" dirty="0" err="1" smtClean="0">
+                <a:latin typeface="Microsoft YaHei" pitchFamily="34" charset="-122"/>
+                <a:ea typeface="Microsoft YaHei" pitchFamily="34" charset="-122"/>
+              </a:rPr>
+              <a:t>startPoint</a:t>
+            </a:r>
+            <a:r>
+              <a:rPr lang="en-US" altLang="ja-JP" sz="1500" dirty="0" smtClean="0">
+                <a:latin typeface="Microsoft YaHei" pitchFamily="34" charset="-122"/>
+                <a:ea typeface="Microsoft YaHei" pitchFamily="34" charset="-122"/>
+              </a:rPr>
+              <a:t>, </a:t>
+            </a:r>
+            <a:r>
+              <a:rPr lang="en-US" altLang="ja-JP" sz="1500" dirty="0" err="1" smtClean="0">
+                <a:latin typeface="Microsoft YaHei" pitchFamily="34" charset="-122"/>
+                <a:ea typeface="Microsoft YaHei" pitchFamily="34" charset="-122"/>
+              </a:rPr>
+              <a:t>endPoint</a:t>
+            </a:r>
+            <a:r>
+              <a:rPr lang="en-US" altLang="ja-JP" sz="1500" dirty="0" smtClean="0">
+                <a:latin typeface="Microsoft YaHei" pitchFamily="34" charset="-122"/>
+                <a:ea typeface="Microsoft YaHei" pitchFamily="34" charset="-122"/>
+              </a:rPr>
+              <a:t>, </a:t>
+            </a:r>
+            <a:r>
+              <a:rPr lang="en-US" altLang="ja-JP" sz="1500" dirty="0" err="1" smtClean="0">
+                <a:latin typeface="Microsoft YaHei" pitchFamily="34" charset="-122"/>
+                <a:ea typeface="Microsoft YaHei" pitchFamily="34" charset="-122"/>
+              </a:rPr>
+              <a:t>curveCtrlPoint</a:t>
+            </a:r>
+            <a:r>
+              <a:rPr lang="en-US" altLang="ja-JP" sz="1500" dirty="0" smtClean="0">
+                <a:latin typeface="Microsoft YaHei" pitchFamily="34" charset="-122"/>
+                <a:ea typeface="Microsoft YaHei" pitchFamily="34" charset="-122"/>
+              </a:rPr>
+              <a:t>, t </a:t>
+            </a:r>
+            <a:r>
+              <a:rPr lang="en-US" altLang="ja-JP" sz="1500" dirty="0" smtClean="0">
+                <a:latin typeface="Microsoft YaHei" pitchFamily="34" charset="-122"/>
+                <a:ea typeface="Microsoft YaHei" pitchFamily="34" charset="-122"/>
+              </a:rPr>
+              <a:t>);</a:t>
+            </a:r>
+            <a:br>
+              <a:rPr lang="en-US" altLang="ja-JP" sz="1500" dirty="0" smtClean="0">
+                <a:latin typeface="Microsoft YaHei" pitchFamily="34" charset="-122"/>
+                <a:ea typeface="Microsoft YaHei" pitchFamily="34" charset="-122"/>
+              </a:rPr>
+            </a:br>
+            <a:r>
+              <a:rPr lang="en-US" altLang="ja-JP" sz="1500" dirty="0" smtClean="0">
+                <a:latin typeface="Microsoft YaHei" pitchFamily="34" charset="-122"/>
+                <a:ea typeface="Microsoft YaHei" pitchFamily="34" charset="-122"/>
+              </a:rPr>
+              <a:t>	</a:t>
+            </a:r>
+          </a:p>
+          <a:p>
+            <a:pPr marL="550926" indent="-514350">
+              <a:buClr>
+                <a:schemeClr val="tx2"/>
+              </a:buClr>
+              <a:buNone/>
+            </a:pPr>
+            <a:r>
+              <a:rPr lang="en-US" altLang="ja-JP" sz="1500" dirty="0" smtClean="0">
+                <a:latin typeface="Microsoft YaHei" pitchFamily="34" charset="-122"/>
+                <a:ea typeface="Microsoft YaHei" pitchFamily="34" charset="-122"/>
+              </a:rPr>
+              <a:t>	</a:t>
+            </a:r>
+            <a:r>
+              <a:rPr lang="en-US" altLang="ja-JP" sz="1500" dirty="0" smtClean="0">
+                <a:latin typeface="Microsoft YaHei" pitchFamily="34" charset="-122"/>
+                <a:ea typeface="Microsoft YaHei" pitchFamily="34" charset="-122"/>
+              </a:rPr>
+              <a:t>	</a:t>
+            </a:r>
+            <a:r>
+              <a:rPr lang="en-US" altLang="ja-JP" sz="1500" u="sng" dirty="0" err="1" smtClean="0">
+                <a:latin typeface="Microsoft YaHei" pitchFamily="34" charset="-122"/>
+                <a:ea typeface="Microsoft YaHei" pitchFamily="34" charset="-122"/>
+              </a:rPr>
+              <a:t>DrawPoint</a:t>
+            </a:r>
+            <a:r>
+              <a:rPr lang="en-US" altLang="ja-JP" sz="1500" dirty="0" smtClean="0">
+                <a:latin typeface="Microsoft YaHei" pitchFamily="34" charset="-122"/>
+                <a:ea typeface="Microsoft YaHei" pitchFamily="34" charset="-122"/>
+              </a:rPr>
+              <a:t>(</a:t>
+            </a:r>
+            <a:r>
+              <a:rPr lang="en-US" altLang="ja-JP" sz="1500" dirty="0" smtClean="0">
+                <a:latin typeface="Microsoft YaHei" pitchFamily="34" charset="-122"/>
+                <a:ea typeface="Microsoft YaHei" pitchFamily="34" charset="-122"/>
+              </a:rPr>
+              <a:t> </a:t>
+            </a:r>
+            <a:r>
+              <a:rPr lang="en-US" altLang="ja-JP" sz="1500" dirty="0" err="1" smtClean="0">
+                <a:latin typeface="Microsoft YaHei" pitchFamily="34" charset="-122"/>
+                <a:ea typeface="Microsoft YaHei" pitchFamily="34" charset="-122"/>
+              </a:rPr>
+              <a:t>curvePoint</a:t>
+            </a:r>
+            <a:r>
+              <a:rPr lang="en-US" altLang="ja-JP" sz="1500" dirty="0" smtClean="0">
+                <a:latin typeface="Microsoft YaHei" pitchFamily="34" charset="-122"/>
+                <a:ea typeface="Microsoft YaHei" pitchFamily="34" charset="-122"/>
+              </a:rPr>
+              <a:t> </a:t>
+            </a:r>
+            <a:r>
+              <a:rPr lang="en-US" altLang="ja-JP" sz="1500" dirty="0" smtClean="0">
+                <a:latin typeface="Microsoft YaHei" pitchFamily="34" charset="-122"/>
+                <a:ea typeface="Microsoft YaHei" pitchFamily="34" charset="-122"/>
+              </a:rPr>
+              <a:t>);</a:t>
+            </a:r>
+            <a:br>
+              <a:rPr lang="en-US" altLang="ja-JP" sz="1500" dirty="0" smtClean="0">
+                <a:latin typeface="Microsoft YaHei" pitchFamily="34" charset="-122"/>
+                <a:ea typeface="Microsoft YaHei" pitchFamily="34" charset="-122"/>
+              </a:rPr>
+            </a:br>
+            <a:r>
+              <a:rPr lang="en-US" altLang="ja-JP" sz="1500" dirty="0" smtClean="0">
+                <a:latin typeface="Microsoft YaHei" pitchFamily="34" charset="-122"/>
+                <a:ea typeface="Microsoft YaHei" pitchFamily="34" charset="-122"/>
+              </a:rPr>
+              <a:t>}</a:t>
+            </a:r>
+          </a:p>
+          <a:p>
+            <a:pPr marL="550926" indent="-514350">
+              <a:buClr>
+                <a:schemeClr val="tx2"/>
+              </a:buClr>
+              <a:buNone/>
+            </a:pPr>
+            <a:r>
+              <a:rPr lang="en-US" altLang="ja-JP" sz="1500" dirty="0" smtClean="0">
+                <a:latin typeface="Microsoft YaHei" pitchFamily="34" charset="-122"/>
+                <a:ea typeface="Microsoft YaHei" pitchFamily="34" charset="-122"/>
+              </a:rPr>
+              <a:t>} </a:t>
+            </a:r>
+            <a:r>
+              <a:rPr lang="fr-FR" altLang="ja-JP" sz="1500" dirty="0" smtClean="0">
+                <a:latin typeface="Microsoft YaHei" pitchFamily="34" charset="-122"/>
+                <a:ea typeface="Microsoft YaHei" pitchFamily="34" charset="-122"/>
+              </a:rPr>
+              <a:t/>
+            </a:r>
+            <a:br>
+              <a:rPr lang="fr-FR" altLang="ja-JP" sz="1500" dirty="0" smtClean="0">
+                <a:latin typeface="Microsoft YaHei" pitchFamily="34" charset="-122"/>
+                <a:ea typeface="Microsoft YaHei" pitchFamily="34" charset="-122"/>
+              </a:rPr>
+            </a:br>
+            <a:r>
+              <a:rPr lang="fr-FR" altLang="ja-JP" sz="1500" dirty="0" smtClean="0">
+                <a:latin typeface="Microsoft YaHei" pitchFamily="34" charset="-122"/>
+                <a:ea typeface="Microsoft YaHei" pitchFamily="34" charset="-122"/>
+              </a:rPr>
+              <a:t/>
+            </a:r>
+            <a:br>
+              <a:rPr lang="fr-FR" altLang="ja-JP" sz="1500" dirty="0" smtClean="0">
+                <a:latin typeface="Microsoft YaHei" pitchFamily="34" charset="-122"/>
+                <a:ea typeface="Microsoft YaHei" pitchFamily="34" charset="-122"/>
+              </a:rPr>
+            </a:br>
+            <a:endParaRPr lang="en-US" altLang="zh-CN" sz="1500" dirty="0" smtClean="0">
+              <a:latin typeface="Microsoft YaHei" pitchFamily="34" charset="-122"/>
+              <a:ea typeface="Microsoft YaHei" pitchFamily="34" charset="-122"/>
+            </a:endParaRPr>
+          </a:p>
+        </p:txBody>
+      </p:sp>
+      <p:sp>
+        <p:nvSpPr>
+          <p:cNvPr id="4" name="テキスト ボックス 3"/>
+          <p:cNvSpPr txBox="1"/>
+          <p:nvPr/>
+        </p:nvSpPr>
+        <p:spPr>
+          <a:xfrm>
+            <a:off x="467544" y="1364575"/>
+            <a:ext cx="7992888" cy="400110"/>
+          </a:xfrm>
+          <a:prstGeom prst="rect">
+            <a:avLst/>
+          </a:prstGeom>
+          <a:noFill/>
+        </p:spPr>
+        <p:txBody>
+          <a:bodyPr wrap="square" rtlCol="0">
+            <a:spAutoFit/>
+          </a:bodyPr>
+          <a:lstStyle/>
+          <a:p>
+            <a:pPr marL="0" lvl="1" latinLnBrk="1"/>
+            <a:r>
+              <a:rPr kumimoji="1" lang="zh-CN" altLang="en-US" sz="2000" dirty="0" smtClean="0">
+                <a:latin typeface="Microsoft YaHei" pitchFamily="34" charset="-122"/>
+                <a:ea typeface="Microsoft YaHei" pitchFamily="34" charset="-122"/>
+              </a:rPr>
+              <a:t>程序实现</a:t>
+            </a:r>
+            <a:endParaRPr kumimoji="1" lang="ja-JP" altLang="en-US" sz="2000" dirty="0">
+              <a:latin typeface="Microsoft YaHei" pitchFamily="34" charset="-122"/>
+              <a:ea typeface="Microsoft YaHei" pitchFamily="34" charset="-122"/>
+            </a:endParaRPr>
+          </a:p>
+        </p:txBody>
+      </p:sp>
+      <p:pic>
+        <p:nvPicPr>
+          <p:cNvPr id="6" name="図 5" descr="240px-Bézier_1_big.gif"/>
+          <p:cNvPicPr>
+            <a:picLocks noChangeAspect="1"/>
+          </p:cNvPicPr>
+          <p:nvPr/>
+        </p:nvPicPr>
+        <p:blipFill>
+          <a:blip r:embed="rId2" cstate="print"/>
+          <a:stretch>
+            <a:fillRect/>
+          </a:stretch>
+        </p:blipFill>
+        <p:spPr>
+          <a:xfrm>
+            <a:off x="5436096" y="2420888"/>
+            <a:ext cx="3429000" cy="1428750"/>
+          </a:xfrm>
+          <a:prstGeom prst="rect">
+            <a:avLst/>
+          </a:prstGeom>
+          <a:solidFill>
+            <a:schemeClr val="tx1"/>
+          </a:solidFill>
+        </p:spPr>
+      </p:pic>
+    </p:spTree>
+  </p:cSld>
+  <p:clrMapOvr>
+    <a:masterClrMapping/>
+  </p:clrMapOvr>
+  <p:timing>
+    <p:tnLst>
+      <p:par>
+        <p:cTn id="1" dur="indefinite" restart="never" nodeType="tmRoot">
+          <p:childTnLst>
+            <p:seq concurrent="1" nextAc="seek">
+              <p:cTn id="2" dur="indefinite" nodeType="mainSeq">
+                <p:childTnLst>
+                  <p:par>
+                    <p:cTn id="3" fill="hold">
+                      <p:stCondLst>
+                        <p:cond delay="indefinite"/>
+                      </p:stCondLst>
+                      <p:childTnLst>
+                        <p:par>
+                          <p:cTn id="4" fill="hold">
+                            <p:stCondLst>
+                              <p:cond delay="0"/>
+                            </p:stCondLst>
+                            <p:childTnLst>
+                              <p:par>
+                                <p:cTn id="5" presetID="1" presetClass="entr" presetSubtype="0" fill="hold" grpId="0" nodeType="clickEffect">
+                                  <p:stCondLst>
+                                    <p:cond delay="0"/>
+                                  </p:stCondLst>
+                                  <p:childTnLst>
+                                    <p:set>
+                                      <p:cBhvr>
+                                        <p:cTn id="6" dur="1" fill="hold">
+                                          <p:stCondLst>
+                                            <p:cond delay="0"/>
+                                          </p:stCondLst>
+                                        </p:cTn>
+                                        <p:tgtEl>
+                                          <p:spTgt spid="4"/>
+                                        </p:tgtEl>
+                                        <p:attrNameLst>
+                                          <p:attrName>style.visibility</p:attrName>
+                                        </p:attrNameLst>
+                                      </p:cBhvr>
+                                      <p:to>
+                                        <p:strVal val="visible"/>
+                                      </p:to>
+                                    </p:set>
+                                  </p:childTnLst>
+                                </p:cTn>
+                              </p:par>
+                            </p:childTnLst>
+                          </p:cTn>
+                        </p:par>
+                      </p:childTnLst>
+                    </p:cTn>
+                  </p:par>
+                  <p:par>
+                    <p:cTn id="7" fill="hold">
+                      <p:stCondLst>
+                        <p:cond delay="indefinite"/>
+                      </p:stCondLst>
+                      <p:childTnLst>
+                        <p:par>
+                          <p:cTn id="8" fill="hold">
+                            <p:stCondLst>
+                              <p:cond delay="0"/>
+                            </p:stCondLst>
+                            <p:childTnLst>
+                              <p:par>
+                                <p:cTn id="9" presetID="1" presetClass="entr" presetSubtype="0" fill="hold" grpId="0" nodeType="clickEffect">
+                                  <p:stCondLst>
+                                    <p:cond delay="0"/>
+                                  </p:stCondLst>
+                                  <p:childTnLst>
+                                    <p:set>
+                                      <p:cBhvr>
+                                        <p:cTn id="10" dur="1" fill="hold">
+                                          <p:stCondLst>
+                                            <p:cond delay="0"/>
+                                          </p:stCondLst>
+                                        </p:cTn>
+                                        <p:tgtEl>
+                                          <p:spTgt spid="3">
+                                            <p:txEl>
+                                              <p:pRg st="0" end="0"/>
+                                            </p:txEl>
+                                          </p:spTgt>
+                                        </p:tgtEl>
+                                        <p:attrNameLst>
+                                          <p:attrName>style.visibility</p:attrName>
+                                        </p:attrNameLst>
+                                      </p:cBhvr>
+                                      <p:to>
+                                        <p:strVal val="visible"/>
+                                      </p:to>
+                                    </p:set>
+                                  </p:childTnLst>
+                                </p:cTn>
+                              </p:par>
+                              <p:par>
+                                <p:cTn id="11" presetID="1" presetClass="entr" presetSubtype="0" fill="hold" grpId="0" nodeType="withEffect">
+                                  <p:stCondLst>
+                                    <p:cond delay="0"/>
+                                  </p:stCondLst>
+                                  <p:childTnLst>
+                                    <p:set>
+                                      <p:cBhvr>
+                                        <p:cTn id="12" dur="1" fill="hold">
+                                          <p:stCondLst>
+                                            <p:cond delay="0"/>
+                                          </p:stCondLst>
+                                        </p:cTn>
+                                        <p:tgtEl>
+                                          <p:spTgt spid="3">
+                                            <p:txEl>
+                                              <p:pRg st="1" end="1"/>
+                                            </p:txEl>
+                                          </p:spTgt>
+                                        </p:tgtEl>
+                                        <p:attrNameLst>
+                                          <p:attrName>style.visibility</p:attrName>
+                                        </p:attrNameLst>
+                                      </p:cBhvr>
+                                      <p:to>
+                                        <p:strVal val="visible"/>
+                                      </p:to>
+                                    </p:set>
+                                  </p:childTnLst>
+                                </p:cTn>
+                              </p:par>
+                              <p:par>
+                                <p:cTn id="13" presetID="1" presetClass="entr" presetSubtype="0" fill="hold" grpId="0" nodeType="withEffect">
+                                  <p:stCondLst>
+                                    <p:cond delay="0"/>
+                                  </p:stCondLst>
+                                  <p:childTnLst>
+                                    <p:set>
+                                      <p:cBhvr>
+                                        <p:cTn id="14" dur="1" fill="hold">
+                                          <p:stCondLst>
+                                            <p:cond delay="0"/>
+                                          </p:stCondLst>
+                                        </p:cTn>
+                                        <p:tgtEl>
+                                          <p:spTgt spid="3">
+                                            <p:txEl>
+                                              <p:pRg st="2" end="2"/>
+                                            </p:txEl>
+                                          </p:spTgt>
+                                        </p:tgtEl>
+                                        <p:attrNameLst>
+                                          <p:attrName>style.visibility</p:attrName>
+                                        </p:attrNameLst>
+                                      </p:cBhvr>
+                                      <p:to>
+                                        <p:strVal val="visible"/>
+                                      </p:to>
+                                    </p:set>
+                                  </p:childTnLst>
+                                </p:cTn>
+                              </p:par>
+                              <p:par>
+                                <p:cTn id="15" presetID="1" presetClass="entr" presetSubtype="0" fill="hold" grpId="0" nodeType="withEffect">
+                                  <p:stCondLst>
+                                    <p:cond delay="0"/>
+                                  </p:stCondLst>
+                                  <p:childTnLst>
+                                    <p:set>
+                                      <p:cBhvr>
+                                        <p:cTn id="16" dur="1" fill="hold">
+                                          <p:stCondLst>
+                                            <p:cond delay="0"/>
+                                          </p:stCondLst>
+                                        </p:cTn>
+                                        <p:tgtEl>
+                                          <p:spTgt spid="3">
+                                            <p:txEl>
+                                              <p:pRg st="3" end="3"/>
+                                            </p:txEl>
+                                          </p:spTgt>
+                                        </p:tgtEl>
+                                        <p:attrNameLst>
+                                          <p:attrName>style.visibility</p:attrName>
+                                        </p:attrNameLst>
+                                      </p:cBhvr>
+                                      <p:to>
+                                        <p:strVal val="visible"/>
+                                      </p:to>
+                                    </p:set>
+                                  </p:childTnLst>
+                                </p:cTn>
+                              </p:par>
+                              <p:par>
+                                <p:cTn id="17" presetID="1" presetClass="entr" presetSubtype="0" fill="hold" grpId="0" nodeType="withEffect">
+                                  <p:stCondLst>
+                                    <p:cond delay="0"/>
+                                  </p:stCondLst>
+                                  <p:childTnLst>
+                                    <p:set>
+                                      <p:cBhvr>
+                                        <p:cTn id="18" dur="1" fill="hold">
+                                          <p:stCondLst>
+                                            <p:cond delay="0"/>
+                                          </p:stCondLst>
+                                        </p:cTn>
+                                        <p:tgtEl>
+                                          <p:spTgt spid="3">
+                                            <p:txEl>
+                                              <p:pRg st="4" end="4"/>
+                                            </p:txEl>
+                                          </p:spTgt>
+                                        </p:tgtEl>
+                                        <p:attrNameLst>
+                                          <p:attrName>style.visibility</p:attrName>
+                                        </p:attrNameLst>
+                                      </p:cBhvr>
+                                      <p:to>
+                                        <p:strVal val="visible"/>
+                                      </p:to>
+                                    </p:set>
+                                  </p:childTnLst>
+                                </p:cTn>
+                              </p:par>
+                              <p:par>
+                                <p:cTn id="19" presetID="1" presetClass="entr" presetSubtype="0" fill="hold" nodeType="withEffect">
+                                  <p:stCondLst>
+                                    <p:cond delay="0"/>
+                                  </p:stCondLst>
+                                  <p:childTnLst>
+                                    <p:set>
+                                      <p:cBhvr>
+                                        <p:cTn id="20" dur="1" fill="hold">
+                                          <p:stCondLst>
+                                            <p:cond delay="0"/>
+                                          </p:stCondLst>
+                                        </p:cTn>
+                                        <p:tgtEl>
+                                          <p:spTgt spid="6"/>
+                                        </p:tgtEl>
+                                        <p:attrNameLst>
+                                          <p:attrName>style.visibility</p:attrName>
+                                        </p:attrNameLst>
+                                      </p:cBhvr>
+                                      <p:to>
+                                        <p:strVal val="visible"/>
+                                      </p:to>
+                                    </p:set>
+                                  </p:childTnLst>
+                                </p:cTn>
+                              </p:par>
+                            </p:childTnLst>
+                          </p:cTn>
+                        </p:par>
+                      </p:childTnLst>
+                    </p:cTn>
+                  </p:par>
+                </p:childTnLst>
+              </p:cTn>
+              <p:prevCondLst>
+                <p:cond evt="onPrev" delay="0">
+                  <p:tgtEl>
+                    <p:sldTgt/>
+                  </p:tgtEl>
+                </p:cond>
+              </p:prevCondLst>
+              <p:nextCondLst>
+                <p:cond evt="onNext" delay="0">
+                  <p:tgtEl>
+                    <p:sldTgt/>
+                  </p:tgtEl>
+                </p:cond>
+              </p:nextCondLst>
+            </p:seq>
+          </p:childTnLst>
+        </p:cTn>
+      </p:par>
+    </p:tnLst>
+    <p:bldLst>
+      <p:bldP spid="3" grpId="0" uiExpand="1" build="p"/>
+      <p:bldP spid="4" grpId="0"/>
+    </p:bldLst>
+  </p:timing>
+</p:sld>
+</file>
+
+<file path=ppt/slides/slide16.xml><?xml version="1.0" encoding="utf-8"?>
+<p:sld xmlns:a="http://schemas.openxmlformats.org/drawingml/2006/main" xmlns:r="http://schemas.openxmlformats.org/officeDocument/2006/relationships" xmlns:p="http://schemas.openxmlformats.org/presentationml/2006/main">
+  <p:cSld>
+    <p:spTree>
+      <p:nvGrpSpPr>
+        <p:cNvPr id="1" name=""/>
+        <p:cNvGrpSpPr/>
+        <p:nvPr/>
+      </p:nvGrpSpPr>
+      <p:grpSpPr>
+        <a:xfrm>
+          <a:off x="0" y="0"/>
+          <a:ext cx="0" cy="0"/>
+          <a:chOff x="0" y="0"/>
+          <a:chExt cx="0" cy="0"/>
+        </a:xfrm>
+      </p:grpSpPr>
+      <p:sp>
+        <p:nvSpPr>
+          <p:cNvPr id="2" name="タイトル 1"/>
+          <p:cNvSpPr>
+            <a:spLocks noGrp="1"/>
+          </p:cNvSpPr>
+          <p:nvPr>
+            <p:ph type="title"/>
+          </p:nvPr>
+        </p:nvSpPr>
         <p:spPr/>
         <p:txBody>
           <a:bodyPr>
@@ -8726,28 +9509,14 @@
                 <a:latin typeface="Microsoft YaHei" pitchFamily="34" charset="-122"/>
                 <a:ea typeface="Microsoft YaHei" pitchFamily="34" charset="-122"/>
               </a:rPr>
-              <a:t>贝塞尔曲线（</a:t>
-            </a:r>
-            <a:r>
-              <a:rPr lang="en-US" altLang="zh-CN" dirty="0" err="1" smtClean="0">
-                <a:latin typeface="Microsoft YaHei" pitchFamily="34" charset="-122"/>
-                <a:ea typeface="Microsoft YaHei" pitchFamily="34" charset="-122"/>
-              </a:rPr>
-              <a:t>Bézier</a:t>
-            </a:r>
-            <a:r>
-              <a:rPr lang="en-US" altLang="zh-CN" dirty="0" smtClean="0">
-                <a:latin typeface="Microsoft YaHei" pitchFamily="34" charset="-122"/>
-                <a:ea typeface="Microsoft YaHei" pitchFamily="34" charset="-122"/>
-              </a:rPr>
-              <a:t> curve</a:t>
+              <a:t>贝塞尔曲线简</a:t>
             </a:r>
             <a:r>
               <a:rPr lang="zh-CN" altLang="en-US" dirty="0" smtClean="0">
                 <a:latin typeface="Microsoft YaHei" pitchFamily="34" charset="-122"/>
                 <a:ea typeface="Microsoft YaHei" pitchFamily="34" charset="-122"/>
               </a:rPr>
-              <a:t>）简介</a:t>
+              <a:t>介</a:t>
             </a:r>
             <a:endParaRPr lang="en-US" altLang="zh-CN" dirty="0" smtClean="0">
               <a:latin typeface="Microsoft YaHei" pitchFamily="34" charset="-122"/>
@@ -8842,14 +9611,7 @@
                 <a:latin typeface="Microsoft YaHei" pitchFamily="34" charset="-122"/>
                 <a:ea typeface="Microsoft YaHei" pitchFamily="34" charset="-122"/>
               </a:rPr>
-              <a:t>贝塞尔曲线匀速移动问题</a:t>
-            </a:r>
-            <a:r>
-              <a:rPr lang="zh-CN" altLang="en-US" dirty="0" smtClean="0">
-                <a:latin typeface="Microsoft YaHei" pitchFamily="34" charset="-122"/>
-                <a:ea typeface="Microsoft YaHei" pitchFamily="34" charset="-122"/>
-              </a:rPr>
-              <a:t>的解决方案</a:t>
+              <a:t>贝塞尔曲线匀速移动问题的解决方案</a:t>
             </a:r>
             <a:endParaRPr lang="en-US" altLang="zh-CN" dirty="0" smtClean="0">
               <a:latin typeface="Microsoft YaHei" pitchFamily="34" charset="-122"/>
@@ -9181,28 +9943,14 @@
                 <a:latin typeface="Microsoft YaHei" pitchFamily="34" charset="-122"/>
                 <a:ea typeface="Microsoft YaHei" pitchFamily="34" charset="-122"/>
               </a:rPr>
-              <a:t>曲线（</a:t>
-            </a:r>
-            <a:r>
-              <a:rPr lang="en-US" altLang="zh-CN" sz="3600" dirty="0" err="1" smtClean="0">
-                <a:latin typeface="Microsoft YaHei" pitchFamily="34" charset="-122"/>
-                <a:ea typeface="Microsoft YaHei" pitchFamily="34" charset="-122"/>
-              </a:rPr>
-              <a:t>Bézier</a:t>
-            </a:r>
-            <a:r>
-              <a:rPr lang="en-US" altLang="zh-CN" sz="3600" dirty="0" smtClean="0">
-                <a:latin typeface="Microsoft YaHei" pitchFamily="34" charset="-122"/>
-                <a:ea typeface="Microsoft YaHei" pitchFamily="34" charset="-122"/>
-              </a:rPr>
-              <a:t> curve</a:t>
+              <a:t>曲线简</a:t>
             </a:r>
             <a:r>
               <a:rPr lang="zh-CN" altLang="en-US" sz="3600" dirty="0" smtClean="0">
                 <a:latin typeface="Microsoft YaHei" pitchFamily="34" charset="-122"/>
                 <a:ea typeface="Microsoft YaHei" pitchFamily="34" charset="-122"/>
               </a:rPr>
-              <a:t>）简介</a:t>
+              <a:t>介</a:t>
             </a:r>
             <a:endParaRPr kumimoji="1" lang="ja-JP" altLang="en-US" sz="3600" dirty="0">
               <a:latin typeface="Microsoft YaHei" pitchFamily="34" charset="-122"/>
@@ -9252,7 +10000,42 @@
                 <a:latin typeface="Microsoft YaHei" pitchFamily="34" charset="-122"/>
                 <a:ea typeface="Microsoft YaHei" pitchFamily="34" charset="-122"/>
               </a:rPr>
-              <a:t>年，就职于雪铁龙汽车公司的法国物理数学学家</a:t>
+              <a:t>年</a:t>
+            </a:r>
+            <a:r>
+              <a:rPr lang="zh-CN" altLang="en-US" sz="2800" dirty="0" smtClean="0">
+                <a:latin typeface="Microsoft YaHei" pitchFamily="34" charset="-122"/>
+                <a:ea typeface="Microsoft YaHei" pitchFamily="34" charset="-122"/>
+              </a:rPr>
+              <a:t>，</a:t>
+            </a:r>
+            <a:r>
+              <a:rPr lang="zh-CN" altLang="en-US" sz="2800" dirty="0" smtClean="0">
+                <a:latin typeface="Microsoft YaHei" pitchFamily="34" charset="-122"/>
+                <a:ea typeface="Microsoft YaHei" pitchFamily="34" charset="-122"/>
+              </a:rPr>
+              <a:t>任职于</a:t>
+            </a:r>
+            <a:r>
+              <a:rPr lang="zh-CN" altLang="en-US" sz="2800" dirty="0" smtClean="0">
+                <a:latin typeface="Microsoft YaHei" pitchFamily="34" charset="-122"/>
+                <a:ea typeface="Microsoft YaHei" pitchFamily="34" charset="-122"/>
+              </a:rPr>
+              <a:t>法国</a:t>
+            </a:r>
+            <a:r>
+              <a:rPr lang="zh-CN" altLang="en-US" sz="2800" dirty="0" smtClean="0">
+                <a:latin typeface="Microsoft YaHei" pitchFamily="34" charset="-122"/>
+                <a:ea typeface="Microsoft YaHei" pitchFamily="34" charset="-122"/>
+              </a:rPr>
+              <a:t>雪铁龙汽车</a:t>
+            </a:r>
+            <a:r>
+              <a:rPr lang="zh-CN" altLang="en-US" sz="2800" dirty="0" smtClean="0">
+                <a:latin typeface="Microsoft YaHei" pitchFamily="34" charset="-122"/>
+                <a:ea typeface="Microsoft YaHei" pitchFamily="34" charset="-122"/>
+              </a:rPr>
+              <a:t>公司的法国物理数学学家</a:t>
             </a:r>
             <a:r>
               <a:rPr lang="en-US" altLang="zh-CN" sz="2800" dirty="0" smtClean="0">
@@ -9273,14 +10056,7 @@
                 <a:latin typeface="Microsoft YaHei" pitchFamily="34" charset="-122"/>
                 <a:ea typeface="Microsoft YaHei" pitchFamily="34" charset="-122"/>
               </a:rPr>
-              <a:t>开发了此曲线算法，但是未公诸于</a:t>
-            </a:r>
-            <a:r>
-              <a:rPr lang="zh-CN" altLang="en-US" sz="2800" dirty="0" smtClean="0">
-                <a:latin typeface="Microsoft YaHei" pitchFamily="34" charset="-122"/>
-                <a:ea typeface="Microsoft YaHei" pitchFamily="34" charset="-122"/>
-              </a:rPr>
-              <a:t>世</a:t>
+              <a:t>开发了此曲线算法，但是未公诸于世</a:t>
             </a:r>
             <a:endParaRPr lang="en-US" altLang="zh-CN" sz="2800" dirty="0" smtClean="0">
               <a:latin typeface="Microsoft YaHei" pitchFamily="34" charset="-122"/>
@@ -9320,7 +10096,21 @@
                 <a:latin typeface="Microsoft YaHei" pitchFamily="34" charset="-122"/>
                 <a:ea typeface="Microsoft YaHei" pitchFamily="34" charset="-122"/>
               </a:rPr>
-              <a:t>年，就职于法国雷诺汽车公司的法国工程师</a:t>
+              <a:t>年</a:t>
+            </a:r>
+            <a:r>
+              <a:rPr lang="zh-CN" altLang="en-US" sz="2800" dirty="0" smtClean="0">
+                <a:latin typeface="Microsoft YaHei" pitchFamily="34" charset="-122"/>
+                <a:ea typeface="Microsoft YaHei" pitchFamily="34" charset="-122"/>
+              </a:rPr>
+              <a:t>，任职于法国雷诺汽车</a:t>
+            </a:r>
+            <a:r>
+              <a:rPr lang="zh-CN" altLang="en-US" sz="2800" dirty="0" smtClean="0">
+                <a:latin typeface="Microsoft YaHei" pitchFamily="34" charset="-122"/>
+                <a:ea typeface="Microsoft YaHei" pitchFamily="34" charset="-122"/>
+              </a:rPr>
+              <a:t>公司的法国工程师</a:t>
             </a:r>
             <a:r>
               <a:rPr lang="en-US" altLang="zh-CN" sz="2800" dirty="0" smtClean="0">
@@ -9362,14 +10152,7 @@
                 <a:latin typeface="Microsoft YaHei" pitchFamily="34" charset="-122"/>
                 <a:ea typeface="Microsoft YaHei" pitchFamily="34" charset="-122"/>
               </a:rPr>
-              <a:t>算法，</a:t>
-            </a:r>
-            <a:r>
-              <a:rPr lang="zh-CN" altLang="en-US" sz="2800" dirty="0" smtClean="0">
-                <a:latin typeface="Microsoft YaHei" pitchFamily="34" charset="-122"/>
-                <a:ea typeface="Microsoft YaHei" pitchFamily="34" charset="-122"/>
-              </a:rPr>
-              <a:t>故此曲线被命名为贝塞尔曲线</a:t>
+              <a:t>算法，故此曲线被命名为贝塞尔曲线</a:t>
             </a:r>
             <a:endParaRPr lang="en-US" altLang="zh-CN" sz="2800" dirty="0" smtClean="0">
               <a:latin typeface="Microsoft YaHei" pitchFamily="34" charset="-122"/>
@@ -11238,14 +12021,7 @@
                 <a:latin typeface="Microsoft YaHei" pitchFamily="34" charset="-122"/>
                 <a:ea typeface="Microsoft YaHei" pitchFamily="34" charset="-122"/>
               </a:rPr>
-              <a:t>射击游戏</a:t>
-            </a:r>
-            <a:r>
-              <a:rPr lang="zh-CN" altLang="en-US" sz="2400" dirty="0" smtClean="0">
-                <a:latin typeface="Microsoft YaHei" pitchFamily="34" charset="-122"/>
-                <a:ea typeface="Microsoft YaHei" pitchFamily="34" charset="-122"/>
-              </a:rPr>
-              <a:t>中的弹道计算</a:t>
+              <a:t>射击游戏中的弹道计算</a:t>
             </a:r>
             <a:r>
               <a:rPr lang="en-US" altLang="zh-CN" sz="2400" dirty="0" smtClean="0">
@@ -11319,14 +12095,7 @@
                 <a:latin typeface="Microsoft YaHei" pitchFamily="34" charset="-122"/>
                 <a:ea typeface="Microsoft YaHei" pitchFamily="34" charset="-122"/>
               </a:rPr>
-              <a:t>中的路径</a:t>
-            </a:r>
-            <a:r>
-              <a:rPr lang="zh-CN" altLang="en-US" sz="2400" dirty="0" smtClean="0">
-                <a:latin typeface="Microsoft YaHei" pitchFamily="34" charset="-122"/>
-                <a:ea typeface="Microsoft YaHei" pitchFamily="34" charset="-122"/>
-              </a:rPr>
-              <a:t>工具</a:t>
+              <a:t>中的路径工具</a:t>
             </a:r>
             <a:r>
               <a:rPr lang="en-US" altLang="zh-CN" sz="2400" dirty="0" smtClean="0">
@@ -11837,11 +12606,7 @@
             </a:pPr>
             <a:r>
               <a:rPr lang="en-US" altLang="ja-JP" sz="1600" dirty="0" smtClean="0"/>
-              <a:t>Vector3</a:t>
-            </a:r>
-            <a:r>
-              <a:rPr lang="en-US" altLang="ja-JP" sz="1600" dirty="0" smtClean="0"/>
-              <a:t> </a:t>
+              <a:t>Vector3 </a:t>
             </a:r>
             <a:r>
               <a:rPr lang="en-US" altLang="ja-JP" sz="1600" dirty="0" err="1" smtClean="0"/>
@@ -11861,11 +12626,7 @@
             </a:pPr>
             <a:r>
               <a:rPr lang="en-US" altLang="ja-JP" sz="1600" dirty="0" smtClean="0"/>
-              <a:t>	Vector3</a:t>
-            </a:r>
-            <a:r>
-              <a:rPr lang="en-US" altLang="ja-JP" sz="1600" dirty="0" smtClean="0"/>
-              <a:t> </a:t>
+              <a:t>	Vector3 </a:t>
             </a:r>
             <a:r>
               <a:rPr lang="en-US" altLang="ja-JP" sz="1600" dirty="0" err="1" smtClean="0"/>
@@ -11885,15 +12646,7 @@
             </a:pPr>
             <a:r>
               <a:rPr lang="en-US" altLang="ja-JP" sz="1600" dirty="0" smtClean="0"/>
-              <a:t>	</a:t>
-            </a:r>
-            <a:r>
-              <a:rPr lang="en-US" altLang="ja-JP" sz="1600" dirty="0" smtClean="0"/>
-              <a:t>Vector3</a:t>
-            </a:r>
-            <a:r>
-              <a:rPr lang="en-US" altLang="ja-JP" sz="1600" dirty="0" smtClean="0"/>
-              <a:t> </a:t>
+              <a:t>	Vector3 </a:t>
             </a:r>
             <a:r>
               <a:rPr lang="en-US" altLang="ja-JP" sz="1600" dirty="0" err="1" smtClean="0"/>
@@ -11913,15 +12666,7 @@
             </a:pPr>
             <a:r>
               <a:rPr lang="en-US" altLang="ja-JP" sz="1600" dirty="0" smtClean="0"/>
-              <a:t>	</a:t>
-            </a:r>
-            <a:r>
-              <a:rPr lang="en-US" altLang="ja-JP" sz="1600" dirty="0" smtClean="0"/>
-              <a:t>Vector3</a:t>
-            </a:r>
-            <a:r>
-              <a:rPr lang="en-US" altLang="ja-JP" sz="1600" dirty="0" smtClean="0"/>
-              <a:t> </a:t>
+              <a:t>	Vector3 </a:t>
             </a:r>
             <a:r>
               <a:rPr lang="en-US" altLang="ja-JP" sz="1600" dirty="0" err="1" smtClean="0"/>
@@ -11941,19 +12686,7 @@
             </a:pPr>
             <a:r>
               <a:rPr lang="en-US" altLang="ja-JP" sz="1600" dirty="0" smtClean="0"/>
-              <a:t>	</a:t>
-            </a:r>
-            <a:r>
-              <a:rPr lang="en-US" altLang="ja-JP" sz="1600" dirty="0" smtClean="0"/>
-              <a:t>float</a:t>
-            </a:r>
-            <a:r>
-              <a:rPr lang="en-US" altLang="ja-JP" sz="1600" dirty="0" smtClean="0"/>
-              <a:t> t </a:t>
-            </a:r>
-            <a:r>
-              <a:rPr lang="en-US" altLang="ja-JP" sz="1600" dirty="0" smtClean="0"/>
-              <a:t>)</a:t>
+              <a:t>	float t )</a:t>
             </a:r>
           </a:p>
           <a:p>
@@ -11977,15 +12710,7 @@
             </a:pPr>
             <a:r>
               <a:rPr lang="en-US" altLang="ja-JP" sz="1600" dirty="0" smtClean="0"/>
-              <a:t>	</a:t>
-            </a:r>
-            <a:r>
-              <a:rPr lang="en-US" altLang="ja-JP" sz="1600" dirty="0" smtClean="0"/>
-              <a:t>return</a:t>
-            </a:r>
-            <a:r>
-              <a:rPr lang="en-US" altLang="ja-JP" sz="1600" dirty="0" smtClean="0"/>
-              <a:t> ( 1 - t ) * ( 1 - t ) * </a:t>
+              <a:t>	return ( 1 - t ) * ( 1 - t ) * </a:t>
             </a:r>
             <a:r>
               <a:rPr lang="en-US" altLang="ja-JP" sz="1600" dirty="0" err="1" smtClean="0"/>
@@ -11993,15 +12718,7 @@
             </a:r>
             <a:r>
               <a:rPr lang="en-US" altLang="ja-JP" sz="1600" dirty="0" smtClean="0"/>
-              <a:t> + 2 * ( </a:t>
-            </a:r>
-            <a:r>
-              <a:rPr lang="en-US" altLang="ja-JP" sz="1600" dirty="0" smtClean="0"/>
-              <a:t>1 - t</a:t>
-            </a:r>
-            <a:r>
-              <a:rPr lang="en-US" altLang="ja-JP" sz="1600" dirty="0" smtClean="0"/>
-              <a:t> ) * t * </a:t>
+              <a:t> + 2 * ( 1 - t ) * t * </a:t>
             </a:r>
             <a:r>
               <a:rPr lang="en-US" altLang="ja-JP" sz="1600" dirty="0" err="1" smtClean="0"/>

--- a/PPT/关于贝塞尔曲线等速移动问题的说明.pptx
+++ b/PPT/关于贝塞尔曲线等速移动问题的说明.pptx
@@ -507,7 +507,7 @@
             <a:fld id="{E20B4397-2770-4958-8C9D-0938080BB29A}" type="datetimeFigureOut">
               <a:rPr kumimoji="1" lang="ja-JP" altLang="en-US" smtClean="0"/>
               <a:pPr/>
-              <a:t>2014/7/9</a:t>
+              <a:t>2014/7/10</a:t>
             </a:fld>
             <a:endParaRPr kumimoji="1" lang="ja-JP" altLang="en-US"/>
           </a:p>
@@ -706,7 +706,7 @@
             <a:fld id="{E20B4397-2770-4958-8C9D-0938080BB29A}" type="datetimeFigureOut">
               <a:rPr kumimoji="1" lang="ja-JP" altLang="en-US" smtClean="0"/>
               <a:pPr/>
-              <a:t>2014/7/9</a:t>
+              <a:t>2014/7/10</a:t>
             </a:fld>
             <a:endParaRPr kumimoji="1" lang="ja-JP" altLang="en-US"/>
           </a:p>
@@ -915,7 +915,7 @@
             <a:fld id="{E20B4397-2770-4958-8C9D-0938080BB29A}" type="datetimeFigureOut">
               <a:rPr kumimoji="1" lang="ja-JP" altLang="en-US" smtClean="0"/>
               <a:pPr/>
-              <a:t>2014/7/9</a:t>
+              <a:t>2014/7/10</a:t>
             </a:fld>
             <a:endParaRPr kumimoji="1" lang="ja-JP" altLang="en-US"/>
           </a:p>
@@ -1118,7 +1118,7 @@
             <a:fld id="{E20B4397-2770-4958-8C9D-0938080BB29A}" type="datetimeFigureOut">
               <a:rPr kumimoji="1" lang="ja-JP" altLang="en-US" smtClean="0"/>
               <a:pPr/>
-              <a:t>2014/7/9</a:t>
+              <a:t>2014/7/10</a:t>
             </a:fld>
             <a:endParaRPr kumimoji="1" lang="ja-JP" altLang="en-US"/>
           </a:p>
@@ -1575,7 +1575,7 @@
             <a:fld id="{E20B4397-2770-4958-8C9D-0938080BB29A}" type="datetimeFigureOut">
               <a:rPr kumimoji="1" lang="ja-JP" altLang="en-US" smtClean="0"/>
               <a:pPr/>
-              <a:t>2014/7/9</a:t>
+              <a:t>2014/7/10</a:t>
             </a:fld>
             <a:endParaRPr kumimoji="1" lang="ja-JP" altLang="en-US"/>
           </a:p>
@@ -1905,7 +1905,7 @@
             <a:fld id="{E20B4397-2770-4958-8C9D-0938080BB29A}" type="datetimeFigureOut">
               <a:rPr kumimoji="1" lang="ja-JP" altLang="en-US" smtClean="0"/>
               <a:pPr/>
-              <a:t>2014/7/9</a:t>
+              <a:t>2014/7/10</a:t>
             </a:fld>
             <a:endParaRPr kumimoji="1" lang="ja-JP" altLang="en-US"/>
           </a:p>
@@ -2345,7 +2345,7 @@
             <a:fld id="{E20B4397-2770-4958-8C9D-0938080BB29A}" type="datetimeFigureOut">
               <a:rPr kumimoji="1" lang="ja-JP" altLang="en-US" smtClean="0"/>
               <a:pPr/>
-              <a:t>2014/7/9</a:t>
+              <a:t>2014/7/10</a:t>
             </a:fld>
             <a:endParaRPr kumimoji="1" lang="ja-JP" altLang="en-US"/>
           </a:p>
@@ -2469,7 +2469,7 @@
             <a:fld id="{E20B4397-2770-4958-8C9D-0938080BB29A}" type="datetimeFigureOut">
               <a:rPr kumimoji="1" lang="ja-JP" altLang="en-US" smtClean="0"/>
               <a:pPr/>
-              <a:t>2014/7/9</a:t>
+              <a:t>2014/7/10</a:t>
             </a:fld>
             <a:endParaRPr kumimoji="1" lang="ja-JP" altLang="en-US"/>
           </a:p>
@@ -2561,7 +2561,7 @@
             <a:fld id="{E20B4397-2770-4958-8C9D-0938080BB29A}" type="datetimeFigureOut">
               <a:rPr kumimoji="1" lang="ja-JP" altLang="en-US" smtClean="0"/>
               <a:pPr/>
-              <a:t>2014/7/9</a:t>
+              <a:t>2014/7/10</a:t>
             </a:fld>
             <a:endParaRPr kumimoji="1" lang="ja-JP" altLang="en-US"/>
           </a:p>
@@ -2844,7 +2844,7 @@
             <a:fld id="{E20B4397-2770-4958-8C9D-0938080BB29A}" type="datetimeFigureOut">
               <a:rPr kumimoji="1" lang="ja-JP" altLang="en-US" smtClean="0"/>
               <a:pPr/>
-              <a:t>2014/7/9</a:t>
+              <a:t>2014/7/10</a:t>
             </a:fld>
             <a:endParaRPr kumimoji="1" lang="ja-JP" altLang="en-US"/>
           </a:p>
@@ -3105,7 +3105,7 @@
             <a:fld id="{E20B4397-2770-4958-8C9D-0938080BB29A}" type="datetimeFigureOut">
               <a:rPr kumimoji="1" lang="ja-JP" altLang="en-US" smtClean="0"/>
               <a:pPr/>
-              <a:t>2014/7/9</a:t>
+              <a:t>2014/7/10</a:t>
             </a:fld>
             <a:endParaRPr kumimoji="1" lang="ja-JP" altLang="en-US"/>
           </a:p>
@@ -3543,7 +3543,7 @@
             <a:fld id="{E20B4397-2770-4958-8C9D-0938080BB29A}" type="datetimeFigureOut">
               <a:rPr kumimoji="1" lang="ja-JP" altLang="en-US" smtClean="0"/>
               <a:pPr/>
-              <a:t>2014/7/9</a:t>
+              <a:t>2014/7/10</a:t>
             </a:fld>
             <a:endParaRPr kumimoji="1" lang="ja-JP" altLang="en-US"/>
           </a:p>
@@ -6588,7 +6588,35 @@
                 <a:latin typeface="Microsoft YaHei" pitchFamily="34" charset="-122"/>
                 <a:ea typeface="Microsoft YaHei" pitchFamily="34" charset="-122"/>
               </a:rPr>
-              <a:t>时间内所经过的距离就是 </a:t>
+              <a:t>时间内所经过</a:t>
+            </a:r>
+            <a:r>
+              <a:rPr lang="zh-CN" altLang="en-US" sz="1800" dirty="0" smtClean="0">
+                <a:latin typeface="Microsoft YaHei" pitchFamily="34" charset="-122"/>
+                <a:ea typeface="Microsoft YaHei" pitchFamily="34" charset="-122"/>
+              </a:rPr>
+              <a:t>的距离 </a:t>
+            </a:r>
+            <a:r>
+              <a:rPr lang="en-US" altLang="zh-CN" sz="1800" dirty="0" smtClean="0">
+                <a:latin typeface="Microsoft YaHei" pitchFamily="34" charset="-122"/>
+                <a:ea typeface="Microsoft YaHei" pitchFamily="34" charset="-122"/>
+              </a:rPr>
+              <a:t>L </a:t>
+            </a:r>
+            <a:r>
+              <a:rPr lang="zh-CN" altLang="en-US" sz="1800" dirty="0" smtClean="0">
+                <a:latin typeface="Microsoft YaHei" pitchFamily="34" charset="-122"/>
+                <a:ea typeface="Microsoft YaHei" pitchFamily="34" charset="-122"/>
+              </a:rPr>
+              <a:t>可以近似为</a:t>
+            </a:r>
+            <a:r>
+              <a:rPr lang="zh-CN" altLang="en-US" sz="1800" dirty="0" smtClean="0">
+                <a:latin typeface="Microsoft YaHei" pitchFamily="34" charset="-122"/>
+                <a:ea typeface="Microsoft YaHei" pitchFamily="34" charset="-122"/>
+              </a:rPr>
+              <a:t> </a:t>
             </a:r>
             <a:r>
               <a:rPr lang="en-US" altLang="zh-CN" sz="1800" dirty="0" smtClean="0">
@@ -7640,14 +7668,7 @@
                 <a:latin typeface="Microsoft YaHei" pitchFamily="34" charset="-122"/>
                 <a:ea typeface="Microsoft YaHei" pitchFamily="34" charset="-122"/>
               </a:rPr>
-              <a:t>就</a:t>
-            </a:r>
-            <a:r>
-              <a:rPr lang="zh-CN" altLang="en-US" sz="1800" dirty="0" smtClean="0">
-                <a:latin typeface="Microsoft YaHei" pitchFamily="34" charset="-122"/>
-                <a:ea typeface="Microsoft YaHei" pitchFamily="34" charset="-122"/>
-              </a:rPr>
-              <a:t>是</a:t>
+              <a:t>就是</a:t>
             </a:r>
             <a:r>
               <a:rPr lang="en-US" altLang="zh-CN" sz="1800" dirty="0" smtClean="0">
@@ -7701,21 +7722,7 @@
                 <a:latin typeface="Microsoft YaHei" pitchFamily="34" charset="-122"/>
                 <a:ea typeface="Microsoft YaHei" pitchFamily="34" charset="-122"/>
               </a:rPr>
-              <a:t>L </a:t>
-            </a:r>
-            <a:r>
-              <a:rPr lang="en-US" altLang="ja-JP" sz="1800" dirty="0" smtClean="0">
-                <a:latin typeface="Microsoft YaHei" pitchFamily="34" charset="-122"/>
-                <a:ea typeface="Microsoft YaHei" pitchFamily="34" charset="-122"/>
-              </a:rPr>
-              <a:t>/ length( t * v1 + v2 </a:t>
-            </a:r>
-            <a:r>
-              <a:rPr lang="en-US" altLang="ja-JP" sz="1800" dirty="0" smtClean="0">
-                <a:latin typeface="Microsoft YaHei" pitchFamily="34" charset="-122"/>
-                <a:ea typeface="Microsoft YaHei" pitchFamily="34" charset="-122"/>
-              </a:rPr>
-              <a:t>)</a:t>
+              <a:t>L / length( t * v1 + v2 )</a:t>
             </a:r>
             <a:r>
               <a:rPr lang="fr-FR" altLang="ja-JP" sz="1800" dirty="0" smtClean="0">
@@ -8171,105 +8178,63 @@
                 <a:latin typeface="Microsoft YaHei" pitchFamily="34" charset="-122"/>
                 <a:ea typeface="Microsoft YaHei" pitchFamily="34" charset="-122"/>
               </a:rPr>
-              <a:t>void</a:t>
+              <a:t>void </a:t>
+            </a:r>
+            <a:r>
+              <a:rPr lang="en-US" altLang="ja-JP" sz="1500" dirty="0" err="1" smtClean="0">
+                <a:latin typeface="Microsoft YaHei" pitchFamily="34" charset="-122"/>
+                <a:ea typeface="Microsoft YaHei" pitchFamily="34" charset="-122"/>
+              </a:rPr>
+              <a:t>DrawUniformPoint</a:t>
             </a:r>
             <a:r>
               <a:rPr lang="en-US" altLang="ja-JP" sz="1500" dirty="0" smtClean="0">
                 <a:latin typeface="Microsoft YaHei" pitchFamily="34" charset="-122"/>
                 <a:ea typeface="Microsoft YaHei" pitchFamily="34" charset="-122"/>
               </a:rPr>
-              <a:t> </a:t>
+              <a:t>( Vector3 </a:t>
             </a:r>
             <a:r>
               <a:rPr lang="en-US" altLang="ja-JP" sz="1500" dirty="0" err="1" smtClean="0">
                 <a:latin typeface="Microsoft YaHei" pitchFamily="34" charset="-122"/>
                 <a:ea typeface="Microsoft YaHei" pitchFamily="34" charset="-122"/>
               </a:rPr>
-              <a:t>DrawUniformPoint</a:t>
+              <a:t>startPoint</a:t>
             </a:r>
             <a:r>
               <a:rPr lang="en-US" altLang="ja-JP" sz="1500" dirty="0" smtClean="0">
                 <a:latin typeface="Microsoft YaHei" pitchFamily="34" charset="-122"/>
                 <a:ea typeface="Microsoft YaHei" pitchFamily="34" charset="-122"/>
               </a:rPr>
-              <a:t>( Vector3 </a:t>
+              <a:t>, Vector3 </a:t>
             </a:r>
             <a:r>
               <a:rPr lang="en-US" altLang="ja-JP" sz="1500" dirty="0" err="1" smtClean="0">
                 <a:latin typeface="Microsoft YaHei" pitchFamily="34" charset="-122"/>
                 <a:ea typeface="Microsoft YaHei" pitchFamily="34" charset="-122"/>
               </a:rPr>
-              <a:t>startPoint</a:t>
+              <a:t>curveCtrlPoint</a:t>
             </a:r>
             <a:r>
               <a:rPr lang="en-US" altLang="ja-JP" sz="1500" dirty="0" smtClean="0">
                 <a:latin typeface="Microsoft YaHei" pitchFamily="34" charset="-122"/>
                 <a:ea typeface="Microsoft YaHei" pitchFamily="34" charset="-122"/>
               </a:rPr>
-              <a:t>, </a:t>
+              <a:t> , Vector3 </a:t>
+            </a:r>
+            <a:r>
+              <a:rPr lang="en-US" altLang="ja-JP" sz="1500" dirty="0" err="1" smtClean="0">
+                <a:latin typeface="Microsoft YaHei" pitchFamily="34" charset="-122"/>
+                <a:ea typeface="Microsoft YaHei" pitchFamily="34" charset="-122"/>
+              </a:rPr>
+              <a:t>endPoint</a:t>
             </a:r>
             <a:r>
               <a:rPr lang="en-US" altLang="ja-JP" sz="1500" dirty="0" smtClean="0">
                 <a:latin typeface="Microsoft YaHei" pitchFamily="34" charset="-122"/>
                 <a:ea typeface="Microsoft YaHei" pitchFamily="34" charset="-122"/>
               </a:rPr>
-              <a:t>Vector3</a:t>
-            </a:r>
-            <a:r>
-              <a:rPr lang="en-US" altLang="ja-JP" sz="1500" dirty="0" smtClean="0">
-                <a:latin typeface="Microsoft YaHei" pitchFamily="34" charset="-122"/>
-                <a:ea typeface="Microsoft YaHei" pitchFamily="34" charset="-122"/>
-              </a:rPr>
-              <a:t> </a:t>
-            </a:r>
-            <a:r>
-              <a:rPr lang="en-US" altLang="ja-JP" sz="1500" dirty="0" err="1" smtClean="0">
-                <a:latin typeface="Microsoft YaHei" pitchFamily="34" charset="-122"/>
-                <a:ea typeface="Microsoft YaHei" pitchFamily="34" charset="-122"/>
-              </a:rPr>
-              <a:t>curveCtrlPoint</a:t>
-            </a:r>
-            <a:r>
-              <a:rPr lang="en-US" altLang="ja-JP" sz="1500" dirty="0" smtClean="0">
-                <a:latin typeface="Microsoft YaHei" pitchFamily="34" charset="-122"/>
-                <a:ea typeface="Microsoft YaHei" pitchFamily="34" charset="-122"/>
-              </a:rPr>
-              <a:t> </a:t>
-            </a:r>
-            <a:r>
-              <a:rPr lang="en-US" altLang="ja-JP" sz="1500" dirty="0" smtClean="0">
-                <a:latin typeface="Microsoft YaHei" pitchFamily="34" charset="-122"/>
-                <a:ea typeface="Microsoft YaHei" pitchFamily="34" charset="-122"/>
-              </a:rPr>
-              <a:t>, Vector3</a:t>
-            </a:r>
-            <a:r>
-              <a:rPr lang="en-US" altLang="ja-JP" sz="1500" dirty="0" smtClean="0">
-                <a:latin typeface="Microsoft YaHei" pitchFamily="34" charset="-122"/>
-                <a:ea typeface="Microsoft YaHei" pitchFamily="34" charset="-122"/>
-              </a:rPr>
-              <a:t> </a:t>
-            </a:r>
-            <a:r>
-              <a:rPr lang="en-US" altLang="ja-JP" sz="1500" dirty="0" err="1" smtClean="0">
-                <a:latin typeface="Microsoft YaHei" pitchFamily="34" charset="-122"/>
-                <a:ea typeface="Microsoft YaHei" pitchFamily="34" charset="-122"/>
-              </a:rPr>
-              <a:t>endPoint</a:t>
-            </a:r>
-            <a:r>
-              <a:rPr lang="en-US" altLang="ja-JP" sz="1500" dirty="0" smtClean="0">
-                <a:latin typeface="Microsoft YaHei" pitchFamily="34" charset="-122"/>
-                <a:ea typeface="Microsoft YaHei" pitchFamily="34" charset="-122"/>
-              </a:rPr>
-              <a:t> </a:t>
-            </a:r>
-            <a:r>
-              <a:rPr lang="en-US" altLang="ja-JP" sz="1500" dirty="0" smtClean="0">
-                <a:latin typeface="Microsoft YaHei" pitchFamily="34" charset="-122"/>
-                <a:ea typeface="Microsoft YaHei" pitchFamily="34" charset="-122"/>
-              </a:rPr>
-              <a:t>)</a:t>
+              <a:t> )</a:t>
             </a:r>
           </a:p>
           <a:p>
@@ -8297,14 +8262,7 @@
                 <a:latin typeface="Microsoft YaHei" pitchFamily="34" charset="-122"/>
                 <a:ea typeface="Microsoft YaHei" pitchFamily="34" charset="-122"/>
               </a:rPr>
-              <a:t>Vector3</a:t>
-            </a:r>
-            <a:r>
-              <a:rPr lang="en-US" altLang="ja-JP" sz="1500" dirty="0" smtClean="0">
-                <a:latin typeface="Microsoft YaHei" pitchFamily="34" charset="-122"/>
-                <a:ea typeface="Microsoft YaHei" pitchFamily="34" charset="-122"/>
-              </a:rPr>
-              <a:t> A = </a:t>
+              <a:t>Vector3 A = </a:t>
             </a:r>
             <a:r>
               <a:rPr lang="en-US" altLang="ja-JP" sz="1500" dirty="0" err="1" smtClean="0">
@@ -8331,14 +8289,7 @@
                 <a:latin typeface="Microsoft YaHei" pitchFamily="34" charset="-122"/>
                 <a:ea typeface="Microsoft YaHei" pitchFamily="34" charset="-122"/>
               </a:rPr>
-              <a:t>Vector3</a:t>
-            </a:r>
-            <a:r>
-              <a:rPr lang="en-US" altLang="ja-JP" sz="1500" dirty="0" smtClean="0">
-                <a:latin typeface="Microsoft YaHei" pitchFamily="34" charset="-122"/>
-                <a:ea typeface="Microsoft YaHei" pitchFamily="34" charset="-122"/>
-              </a:rPr>
-              <a:t> B = </a:t>
+              <a:t>Vector3 B = </a:t>
             </a:r>
             <a:r>
               <a:rPr lang="en-US" altLang="ja-JP" sz="1500" dirty="0" err="1" smtClean="0">
@@ -8365,14 +8316,7 @@
                 <a:latin typeface="Microsoft YaHei" pitchFamily="34" charset="-122"/>
                 <a:ea typeface="Microsoft YaHei" pitchFamily="34" charset="-122"/>
               </a:rPr>
-              <a:t>Vector3</a:t>
-            </a:r>
-            <a:r>
-              <a:rPr lang="en-US" altLang="ja-JP" sz="1500" dirty="0" smtClean="0">
-                <a:latin typeface="Microsoft YaHei" pitchFamily="34" charset="-122"/>
-                <a:ea typeface="Microsoft YaHei" pitchFamily="34" charset="-122"/>
-              </a:rPr>
-              <a:t> C = </a:t>
+              <a:t>Vector3 C = </a:t>
             </a:r>
             <a:r>
               <a:rPr lang="en-US" altLang="ja-JP" sz="1500" dirty="0" err="1" smtClean="0">
@@ -8411,28 +8355,7 @@
                 <a:latin typeface="Microsoft YaHei" pitchFamily="34" charset="-122"/>
                 <a:ea typeface="Microsoft YaHei" pitchFamily="34" charset="-122"/>
               </a:rPr>
-              <a:t>	</a:t>
-            </a:r>
-            <a:r>
-              <a:rPr lang="en-US" altLang="ja-JP" sz="1500" dirty="0" smtClean="0">
-                <a:latin typeface="Microsoft YaHei" pitchFamily="34" charset="-122"/>
-                <a:ea typeface="Microsoft YaHei" pitchFamily="34" charset="-122"/>
-              </a:rPr>
-              <a:t>Vector3</a:t>
-            </a:r>
-            <a:r>
-              <a:rPr lang="en-US" altLang="ja-JP" sz="1500" dirty="0" smtClean="0">
-                <a:latin typeface="Microsoft YaHei" pitchFamily="34" charset="-122"/>
-                <a:ea typeface="Microsoft YaHei" pitchFamily="34" charset="-122"/>
-              </a:rPr>
-              <a:t> v1 =  2.0f * A - 4.0f * B + 2.0f * C</a:t>
-            </a:r>
-            <a:r>
-              <a:rPr lang="en-US" altLang="ja-JP" sz="1500" dirty="0" smtClean="0">
-                <a:latin typeface="Microsoft YaHei" pitchFamily="34" charset="-122"/>
-                <a:ea typeface="Microsoft YaHei" pitchFamily="34" charset="-122"/>
-              </a:rPr>
-              <a:t>;</a:t>
+              <a:t>	Vector3 v1 =  2.0f * A - 4.0f * B + 2.0f * C;</a:t>
             </a:r>
             <a:br>
               <a:rPr lang="en-US" altLang="ja-JP" sz="1500" dirty="0" smtClean="0">
@@ -8445,35 +8368,7 @@
                 <a:latin typeface="Microsoft YaHei" pitchFamily="34" charset="-122"/>
                 <a:ea typeface="Microsoft YaHei" pitchFamily="34" charset="-122"/>
               </a:rPr>
-              <a:t>Vector3</a:t>
-            </a:r>
-            <a:r>
-              <a:rPr lang="en-US" altLang="ja-JP" sz="1500" dirty="0" smtClean="0">
-                <a:latin typeface="Microsoft YaHei" pitchFamily="34" charset="-122"/>
-                <a:ea typeface="Microsoft YaHei" pitchFamily="34" charset="-122"/>
-              </a:rPr>
-              <a:t> v2 = </a:t>
-            </a:r>
-            <a:r>
-              <a:rPr lang="en-US" altLang="ja-JP" sz="1500" dirty="0" smtClean="0">
-                <a:latin typeface="Microsoft YaHei" pitchFamily="34" charset="-122"/>
-                <a:ea typeface="Microsoft YaHei" pitchFamily="34" charset="-122"/>
-              </a:rPr>
-              <a:t>-2.0f</a:t>
-            </a:r>
-            <a:r>
-              <a:rPr lang="en-US" altLang="ja-JP" sz="1500" dirty="0" smtClean="0">
-                <a:latin typeface="Microsoft YaHei" pitchFamily="34" charset="-122"/>
-                <a:ea typeface="Microsoft YaHei" pitchFamily="34" charset="-122"/>
-              </a:rPr>
-              <a:t> * A + 2.0f * </a:t>
-            </a:r>
-            <a:r>
-              <a:rPr lang="en-US" altLang="ja-JP" sz="1500" dirty="0" smtClean="0">
-                <a:latin typeface="Microsoft YaHei" pitchFamily="34" charset="-122"/>
-                <a:ea typeface="Microsoft YaHei" pitchFamily="34" charset="-122"/>
-              </a:rPr>
-              <a:t>B;</a:t>
+              <a:t>Vector3 v2 = -2.0f * A + 2.0f * B;</a:t>
             </a:r>
             <a:br>
               <a:rPr lang="en-US" altLang="ja-JP" sz="1500" dirty="0" smtClean="0">
@@ -8486,21 +8381,7 @@
                 <a:latin typeface="Microsoft YaHei" pitchFamily="34" charset="-122"/>
                 <a:ea typeface="Microsoft YaHei" pitchFamily="34" charset="-122"/>
               </a:rPr>
-              <a:t>float</a:t>
-            </a:r>
-            <a:r>
-              <a:rPr lang="en-US" altLang="ja-JP" sz="1500" dirty="0" smtClean="0">
-                <a:latin typeface="Microsoft YaHei" pitchFamily="34" charset="-122"/>
-                <a:ea typeface="Microsoft YaHei" pitchFamily="34" charset="-122"/>
-              </a:rPr>
-              <a:t> t = </a:t>
-            </a:r>
-            <a:r>
-              <a:rPr lang="en-US" altLang="ja-JP" sz="1500" dirty="0" smtClean="0">
-                <a:latin typeface="Microsoft YaHei" pitchFamily="34" charset="-122"/>
-                <a:ea typeface="Microsoft YaHei" pitchFamily="34" charset="-122"/>
-              </a:rPr>
-              <a:t>0f;</a:t>
+              <a:t>float t = 0f;</a:t>
             </a:r>
             <a:br>
               <a:rPr lang="en-US" altLang="ja-JP" sz="1500" dirty="0" smtClean="0">
@@ -8513,35 +8394,7 @@
                 <a:latin typeface="Microsoft YaHei" pitchFamily="34" charset="-122"/>
                 <a:ea typeface="Microsoft YaHei" pitchFamily="34" charset="-122"/>
               </a:rPr>
-              <a:t>const</a:t>
-            </a:r>
-            <a:r>
-              <a:rPr lang="en-US" altLang="ja-JP" sz="1500" dirty="0" smtClean="0">
-                <a:latin typeface="Microsoft YaHei" pitchFamily="34" charset="-122"/>
-                <a:ea typeface="Microsoft YaHei" pitchFamily="34" charset="-122"/>
-              </a:rPr>
-              <a:t> </a:t>
-            </a:r>
-            <a:r>
-              <a:rPr lang="en-US" altLang="ja-JP" sz="1500" dirty="0" smtClean="0">
-                <a:latin typeface="Microsoft YaHei" pitchFamily="34" charset="-122"/>
-                <a:ea typeface="Microsoft YaHei" pitchFamily="34" charset="-122"/>
-              </a:rPr>
-              <a:t>float distance</a:t>
-            </a:r>
-            <a:r>
-              <a:rPr lang="en-US" altLang="ja-JP" sz="1500" dirty="0" smtClean="0">
-                <a:latin typeface="Microsoft YaHei" pitchFamily="34" charset="-122"/>
-                <a:ea typeface="Microsoft YaHei" pitchFamily="34" charset="-122"/>
-              </a:rPr>
-              <a:t> = </a:t>
-            </a:r>
-            <a:r>
-              <a:rPr lang="en-US" altLang="ja-JP" sz="1500" dirty="0" smtClean="0">
-                <a:latin typeface="Microsoft YaHei" pitchFamily="34" charset="-122"/>
-                <a:ea typeface="Microsoft YaHei" pitchFamily="34" charset="-122"/>
-              </a:rPr>
-              <a:t>0.2f;</a:t>
+              <a:t>const float distance = 0.2f;</a:t>
             </a:r>
             <a:br>
               <a:rPr lang="en-US" altLang="ja-JP" sz="1500" dirty="0" smtClean="0">
@@ -8554,21 +8407,7 @@
                 <a:latin typeface="Microsoft YaHei" pitchFamily="34" charset="-122"/>
                 <a:ea typeface="Microsoft YaHei" pitchFamily="34" charset="-122"/>
               </a:rPr>
-              <a:t>while</a:t>
-            </a:r>
-            <a:r>
-              <a:rPr lang="en-US" altLang="ja-JP" sz="1500" dirty="0" smtClean="0">
-                <a:latin typeface="Microsoft YaHei" pitchFamily="34" charset="-122"/>
-                <a:ea typeface="Microsoft YaHei" pitchFamily="34" charset="-122"/>
-              </a:rPr>
-              <a:t>( t &lt;= 1.0f </a:t>
-            </a:r>
-            <a:r>
-              <a:rPr lang="en-US" altLang="ja-JP" sz="1500" dirty="0" smtClean="0">
-                <a:latin typeface="Microsoft YaHei" pitchFamily="34" charset="-122"/>
-                <a:ea typeface="Microsoft YaHei" pitchFamily="34" charset="-122"/>
-              </a:rPr>
-              <a:t>)</a:t>
+              <a:t>while( t &lt;= 1.0f )</a:t>
             </a:r>
             <a:br>
               <a:rPr lang="en-US" altLang="ja-JP" sz="1500" dirty="0" smtClean="0">
@@ -8594,21 +8433,7 @@
                 <a:latin typeface="Microsoft YaHei" pitchFamily="34" charset="-122"/>
                 <a:ea typeface="Microsoft YaHei" pitchFamily="34" charset="-122"/>
               </a:rPr>
-              <a:t>	t</a:t>
-            </a:r>
-            <a:r>
-              <a:rPr lang="en-US" altLang="ja-JP" sz="1500" dirty="0" smtClean="0">
-                <a:latin typeface="Microsoft YaHei" pitchFamily="34" charset="-122"/>
-                <a:ea typeface="Microsoft YaHei" pitchFamily="34" charset="-122"/>
-              </a:rPr>
-              <a:t> +=  distance  / ( t * v1 + v2 ).</a:t>
-            </a:r>
-            <a:r>
-              <a:rPr lang="en-US" altLang="ja-JP" sz="1500" dirty="0" smtClean="0">
-                <a:latin typeface="Microsoft YaHei" pitchFamily="34" charset="-122"/>
-                <a:ea typeface="Microsoft YaHei" pitchFamily="34" charset="-122"/>
-              </a:rPr>
-              <a:t>magnitude;</a:t>
+              <a:t>	t +=  distance  / ( t * v1 + v2 ).magnitude;</a:t>
             </a:r>
             <a:br>
               <a:rPr lang="en-US" altLang="ja-JP" sz="1500" dirty="0" smtClean="0">
@@ -8621,35 +8446,21 @@
                 <a:latin typeface="Microsoft YaHei" pitchFamily="34" charset="-122"/>
                 <a:ea typeface="Microsoft YaHei" pitchFamily="34" charset="-122"/>
               </a:rPr>
-              <a:t>	Vector3</a:t>
+              <a:t>	Vector3 </a:t>
+            </a:r>
+            <a:r>
+              <a:rPr lang="en-US" altLang="ja-JP" sz="1500" dirty="0" err="1" smtClean="0">
+                <a:latin typeface="Microsoft YaHei" pitchFamily="34" charset="-122"/>
+                <a:ea typeface="Microsoft YaHei" pitchFamily="34" charset="-122"/>
+              </a:rPr>
+              <a:t>curvePoint</a:t>
             </a:r>
             <a:r>
               <a:rPr lang="en-US" altLang="ja-JP" sz="1500" dirty="0" smtClean="0">
                 <a:latin typeface="Microsoft YaHei" pitchFamily="34" charset="-122"/>
                 <a:ea typeface="Microsoft YaHei" pitchFamily="34" charset="-122"/>
               </a:rPr>
-              <a:t> </a:t>
-            </a:r>
-            <a:r>
-              <a:rPr lang="en-US" altLang="ja-JP" sz="1500" dirty="0" err="1" smtClean="0">
-                <a:latin typeface="Microsoft YaHei" pitchFamily="34" charset="-122"/>
-                <a:ea typeface="Microsoft YaHei" pitchFamily="34" charset="-122"/>
-              </a:rPr>
-              <a:t>curvePoint</a:t>
-            </a:r>
-            <a:r>
-              <a:rPr lang="en-US" altLang="ja-JP" sz="1500" dirty="0" smtClean="0">
-                <a:latin typeface="Microsoft YaHei" pitchFamily="34" charset="-122"/>
-                <a:ea typeface="Microsoft YaHei" pitchFamily="34" charset="-122"/>
-              </a:rPr>
-              <a:t> </a:t>
-            </a:r>
-            <a:r>
-              <a:rPr lang="en-US" altLang="ja-JP" sz="1500" dirty="0" smtClean="0">
-                <a:latin typeface="Microsoft YaHei" pitchFamily="34" charset="-122"/>
-                <a:ea typeface="Microsoft YaHei" pitchFamily="34" charset="-122"/>
-              </a:rPr>
-              <a:t>=</a:t>
+              <a:t> =</a:t>
             </a:r>
             <a:br>
               <a:rPr lang="en-US" altLang="ja-JP" sz="1500" dirty="0" smtClean="0">
@@ -8718,14 +8529,7 @@
                 <a:latin typeface="Microsoft YaHei" pitchFamily="34" charset="-122"/>
                 <a:ea typeface="Microsoft YaHei" pitchFamily="34" charset="-122"/>
               </a:rPr>
-              <a:t>, t </a:t>
-            </a:r>
-            <a:r>
-              <a:rPr lang="en-US" altLang="ja-JP" sz="1500" dirty="0" smtClean="0">
-                <a:latin typeface="Microsoft YaHei" pitchFamily="34" charset="-122"/>
-                <a:ea typeface="Microsoft YaHei" pitchFamily="34" charset="-122"/>
-              </a:rPr>
-              <a:t>);</a:t>
+              <a:t>, t );</a:t>
             </a:r>
             <a:br>
               <a:rPr lang="en-US" altLang="ja-JP" sz="1500" dirty="0" smtClean="0">
@@ -8753,56 +8557,35 @@
                 <a:latin typeface="Microsoft YaHei" pitchFamily="34" charset="-122"/>
                 <a:ea typeface="Microsoft YaHei" pitchFamily="34" charset="-122"/>
               </a:rPr>
-              <a:t>	</a:t>
+              <a:t>		</a:t>
+            </a:r>
+            <a:r>
+              <a:rPr lang="en-US" altLang="ja-JP" sz="1500" u="sng" dirty="0" err="1" smtClean="0">
+                <a:latin typeface="Microsoft YaHei" pitchFamily="34" charset="-122"/>
+                <a:ea typeface="Microsoft YaHei" pitchFamily="34" charset="-122"/>
+              </a:rPr>
+              <a:t>DrawPoint</a:t>
             </a:r>
             <a:r>
               <a:rPr lang="en-US" altLang="ja-JP" sz="1500" dirty="0" smtClean="0">
                 <a:latin typeface="Microsoft YaHei" pitchFamily="34" charset="-122"/>
                 <a:ea typeface="Microsoft YaHei" pitchFamily="34" charset="-122"/>
               </a:rPr>
-              <a:t>	</a:t>
-            </a:r>
-            <a:r>
-              <a:rPr lang="en-US" altLang="ja-JP" sz="1500" u="sng" dirty="0" err="1" smtClean="0">
-                <a:latin typeface="Microsoft YaHei" pitchFamily="34" charset="-122"/>
-                <a:ea typeface="Microsoft YaHei" pitchFamily="34" charset="-122"/>
-              </a:rPr>
-              <a:t>DrawPoint</a:t>
+              <a:t>( </a:t>
+            </a:r>
+            <a:r>
+              <a:rPr lang="en-US" altLang="ja-JP" sz="1500" dirty="0" err="1" smtClean="0">
+                <a:latin typeface="Microsoft YaHei" pitchFamily="34" charset="-122"/>
+                <a:ea typeface="Microsoft YaHei" pitchFamily="34" charset="-122"/>
+              </a:rPr>
+              <a:t>curvePoint</a:t>
             </a:r>
             <a:r>
               <a:rPr lang="en-US" altLang="ja-JP" sz="1500" dirty="0" smtClean="0">
                 <a:latin typeface="Microsoft YaHei" pitchFamily="34" charset="-122"/>
                 <a:ea typeface="Microsoft YaHei" pitchFamily="34" charset="-122"/>
               </a:rPr>
-              <a:t>(</a:t>
-            </a:r>
-            <a:r>
-              <a:rPr lang="en-US" altLang="ja-JP" sz="1500" dirty="0" smtClean="0">
-                <a:latin typeface="Microsoft YaHei" pitchFamily="34" charset="-122"/>
-                <a:ea typeface="Microsoft YaHei" pitchFamily="34" charset="-122"/>
-              </a:rPr>
-              <a:t> </a:t>
-            </a:r>
-            <a:r>
-              <a:rPr lang="en-US" altLang="ja-JP" sz="1500" dirty="0" err="1" smtClean="0">
-                <a:latin typeface="Microsoft YaHei" pitchFamily="34" charset="-122"/>
-                <a:ea typeface="Microsoft YaHei" pitchFamily="34" charset="-122"/>
-              </a:rPr>
-              <a:t>curvePoint</a:t>
-            </a:r>
-            <a:r>
-              <a:rPr lang="en-US" altLang="ja-JP" sz="1500" dirty="0" smtClean="0">
-                <a:latin typeface="Microsoft YaHei" pitchFamily="34" charset="-122"/>
-                <a:ea typeface="Microsoft YaHei" pitchFamily="34" charset="-122"/>
-              </a:rPr>
-              <a:t> </a:t>
-            </a:r>
-            <a:r>
-              <a:rPr lang="en-US" altLang="ja-JP" sz="1500" dirty="0" smtClean="0">
-                <a:latin typeface="Microsoft YaHei" pitchFamily="34" charset="-122"/>
-                <a:ea typeface="Microsoft YaHei" pitchFamily="34" charset="-122"/>
-              </a:rPr>
-              <a:t>);</a:t>
+              <a:t> );</a:t>
             </a:r>
             <a:br>
               <a:rPr lang="en-US" altLang="ja-JP" sz="1500" dirty="0" smtClean="0">
@@ -9509,14 +9292,7 @@
                 <a:latin typeface="Microsoft YaHei" pitchFamily="34" charset="-122"/>
                 <a:ea typeface="Microsoft YaHei" pitchFamily="34" charset="-122"/>
               </a:rPr>
-              <a:t>贝塞尔曲线简</a:t>
-            </a:r>
-            <a:r>
-              <a:rPr lang="zh-CN" altLang="en-US" dirty="0" smtClean="0">
-                <a:latin typeface="Microsoft YaHei" pitchFamily="34" charset="-122"/>
-                <a:ea typeface="Microsoft YaHei" pitchFamily="34" charset="-122"/>
-              </a:rPr>
-              <a:t>介</a:t>
+              <a:t>贝塞尔曲线简介</a:t>
             </a:r>
             <a:endParaRPr lang="en-US" altLang="zh-CN" dirty="0" smtClean="0">
               <a:latin typeface="Microsoft YaHei" pitchFamily="34" charset="-122"/>
@@ -9943,14 +9719,7 @@
                 <a:latin typeface="Microsoft YaHei" pitchFamily="34" charset="-122"/>
                 <a:ea typeface="Microsoft YaHei" pitchFamily="34" charset="-122"/>
               </a:rPr>
-              <a:t>曲线简</a:t>
-            </a:r>
-            <a:r>
-              <a:rPr lang="zh-CN" altLang="en-US" sz="3600" dirty="0" smtClean="0">
-                <a:latin typeface="Microsoft YaHei" pitchFamily="34" charset="-122"/>
-                <a:ea typeface="Microsoft YaHei" pitchFamily="34" charset="-122"/>
-              </a:rPr>
-              <a:t>介</a:t>
+              <a:t>曲线简介</a:t>
             </a:r>
             <a:endParaRPr kumimoji="1" lang="ja-JP" altLang="en-US" sz="3600" dirty="0">
               <a:latin typeface="Microsoft YaHei" pitchFamily="34" charset="-122"/>
@@ -10000,42 +9769,7 @@
                 <a:latin typeface="Microsoft YaHei" pitchFamily="34" charset="-122"/>
                 <a:ea typeface="Microsoft YaHei" pitchFamily="34" charset="-122"/>
               </a:rPr>
-              <a:t>年</a:t>
-            </a:r>
-            <a:r>
-              <a:rPr lang="zh-CN" altLang="en-US" sz="2800" dirty="0" smtClean="0">
-                <a:latin typeface="Microsoft YaHei" pitchFamily="34" charset="-122"/>
-                <a:ea typeface="Microsoft YaHei" pitchFamily="34" charset="-122"/>
-              </a:rPr>
-              <a:t>，</a:t>
-            </a:r>
-            <a:r>
-              <a:rPr lang="zh-CN" altLang="en-US" sz="2800" dirty="0" smtClean="0">
-                <a:latin typeface="Microsoft YaHei" pitchFamily="34" charset="-122"/>
-                <a:ea typeface="Microsoft YaHei" pitchFamily="34" charset="-122"/>
-              </a:rPr>
-              <a:t>任职于</a:t>
-            </a:r>
-            <a:r>
-              <a:rPr lang="zh-CN" altLang="en-US" sz="2800" dirty="0" smtClean="0">
-                <a:latin typeface="Microsoft YaHei" pitchFamily="34" charset="-122"/>
-                <a:ea typeface="Microsoft YaHei" pitchFamily="34" charset="-122"/>
-              </a:rPr>
-              <a:t>法国</a:t>
-            </a:r>
-            <a:r>
-              <a:rPr lang="zh-CN" altLang="en-US" sz="2800" dirty="0" smtClean="0">
-                <a:latin typeface="Microsoft YaHei" pitchFamily="34" charset="-122"/>
-                <a:ea typeface="Microsoft YaHei" pitchFamily="34" charset="-122"/>
-              </a:rPr>
-              <a:t>雪铁龙汽车</a:t>
-            </a:r>
-            <a:r>
-              <a:rPr lang="zh-CN" altLang="en-US" sz="2800" dirty="0" smtClean="0">
-                <a:latin typeface="Microsoft YaHei" pitchFamily="34" charset="-122"/>
-                <a:ea typeface="Microsoft YaHei" pitchFamily="34" charset="-122"/>
-              </a:rPr>
-              <a:t>公司的法国物理数学学家</a:t>
+              <a:t>年，任职于法国雪铁龙汽车公司的法国物理数学学家</a:t>
             </a:r>
             <a:r>
               <a:rPr lang="en-US" altLang="zh-CN" sz="2800" dirty="0" smtClean="0">
@@ -10096,21 +9830,7 @@
                 <a:latin typeface="Microsoft YaHei" pitchFamily="34" charset="-122"/>
                 <a:ea typeface="Microsoft YaHei" pitchFamily="34" charset="-122"/>
               </a:rPr>
-              <a:t>年</a:t>
-            </a:r>
-            <a:r>
-              <a:rPr lang="zh-CN" altLang="en-US" sz="2800" dirty="0" smtClean="0">
-                <a:latin typeface="Microsoft YaHei" pitchFamily="34" charset="-122"/>
-                <a:ea typeface="Microsoft YaHei" pitchFamily="34" charset="-122"/>
-              </a:rPr>
-              <a:t>，任职于法国雷诺汽车</a:t>
-            </a:r>
-            <a:r>
-              <a:rPr lang="zh-CN" altLang="en-US" sz="2800" dirty="0" smtClean="0">
-                <a:latin typeface="Microsoft YaHei" pitchFamily="34" charset="-122"/>
-                <a:ea typeface="Microsoft YaHei" pitchFamily="34" charset="-122"/>
-              </a:rPr>
-              <a:t>公司的法国工程师</a:t>
+              <a:t>年，任职于法国雷诺汽车公司的法国工程师</a:t>
             </a:r>
             <a:r>
               <a:rPr lang="en-US" altLang="zh-CN" sz="2800" dirty="0" smtClean="0">

--- a/PPT/关于贝塞尔曲线等速移动问题的说明.pptx
+++ b/PPT/关于贝塞尔曲线等速移动问题的说明.pptx
@@ -6588,35 +6588,21 @@
                 <a:latin typeface="Microsoft YaHei" pitchFamily="34" charset="-122"/>
                 <a:ea typeface="Microsoft YaHei" pitchFamily="34" charset="-122"/>
               </a:rPr>
-              <a:t>时间内所经过</a:t>
+              <a:t>时间内所经过的距离 </a:t>
+            </a:r>
+            <a:r>
+              <a:rPr lang="en-US" altLang="zh-CN" sz="1800" dirty="0" smtClean="0">
+                <a:latin typeface="Microsoft YaHei" pitchFamily="34" charset="-122"/>
+                <a:ea typeface="Microsoft YaHei" pitchFamily="34" charset="-122"/>
+              </a:rPr>
+              <a:t>L </a:t>
             </a:r>
             <a:r>
               <a:rPr lang="zh-CN" altLang="en-US" sz="1800" dirty="0" smtClean="0">
                 <a:latin typeface="Microsoft YaHei" pitchFamily="34" charset="-122"/>
                 <a:ea typeface="Microsoft YaHei" pitchFamily="34" charset="-122"/>
               </a:rPr>
-              <a:t>的距离 </a:t>
-            </a:r>
-            <a:r>
-              <a:rPr lang="en-US" altLang="zh-CN" sz="1800" dirty="0" smtClean="0">
-                <a:latin typeface="Microsoft YaHei" pitchFamily="34" charset="-122"/>
-                <a:ea typeface="Microsoft YaHei" pitchFamily="34" charset="-122"/>
-              </a:rPr>
-              <a:t>L </a:t>
-            </a:r>
-            <a:r>
-              <a:rPr lang="zh-CN" altLang="en-US" sz="1800" dirty="0" smtClean="0">
-                <a:latin typeface="Microsoft YaHei" pitchFamily="34" charset="-122"/>
-                <a:ea typeface="Microsoft YaHei" pitchFamily="34" charset="-122"/>
-              </a:rPr>
-              <a:t>可以近似为</a:t>
-            </a:r>
-            <a:r>
-              <a:rPr lang="zh-CN" altLang="en-US" sz="1800" dirty="0" smtClean="0">
-                <a:latin typeface="Microsoft YaHei" pitchFamily="34" charset="-122"/>
-                <a:ea typeface="Microsoft YaHei" pitchFamily="34" charset="-122"/>
-              </a:rPr>
-              <a:t> </a:t>
+              <a:t>可以近似为 </a:t>
             </a:r>
             <a:r>
               <a:rPr lang="en-US" altLang="zh-CN" sz="1800" dirty="0" smtClean="0">
